--- a/210207_React.pptx
+++ b/210207_React.pptx
@@ -275,7 +275,7 @@
                 <a:latin typeface="빙그레 메로나체" panose="020B0503000000000000" pitchFamily="50" charset="-127"/>
                 <a:ea typeface="빙그레 메로나체" panose="020B0503000000000000" pitchFamily="50" charset="-127"/>
               </a:rPr>
-              <a:t>21-02-06(Sat)</a:t>
+              <a:t>21-02-07(Sun)</a:t>
             </a:fld>
             <a:endParaRPr lang="ko-KR" altLang="en-US">
               <a:latin typeface="빙그레 메로나체" panose="020B0503000000000000" pitchFamily="50" charset="-127"/>
@@ -472,7 +472,7 @@
             <a:fld id="{4603488D-D3EA-41C9-A985-B1D359B38FE8}" type="datetimeFigureOut">
               <a:rPr lang="ko-KR" altLang="en-US" smtClean="0"/>
               <a:pPr/>
-              <a:t>21-02-06(Sat)</a:t>
+              <a:t>21-02-07(Sun)</a:t>
             </a:fld>
             <a:endParaRPr lang="ko-KR" altLang="en-US"/>
           </a:p>
@@ -711,28 +711,14 @@
           <a:bodyPr/>
           <a:lstStyle/>
           <a:p>
-            <a:r>
-              <a:rPr lang="ko-KR" altLang="en-US"/>
-              <a:t>유저 인터페이스를 만들기 위한 자바스크립트 라이브러리</a:t>
-            </a:r>
-            <a:endParaRPr lang="en-US" altLang="ko-KR"/>
-          </a:p>
-          <a:p>
-            <a:r>
-              <a:rPr lang="en-US" altLang="ko-KR"/>
-              <a:t>* </a:t>
-            </a:r>
-            <a:r>
-              <a:rPr lang="ko-KR" altLang="en-US"/>
-              <a:t>사람과 기계 사이에 상호작용일 일어나는 공간</a:t>
-            </a:r>
+            <a:endParaRPr lang="ko-KR" altLang="en-US"/>
           </a:p>
         </p:txBody>
       </p:sp>
     </p:spTree>
     <p:extLst>
       <p:ext uri="{BB962C8B-B14F-4D97-AF65-F5344CB8AC3E}">
-        <p14:creationId xmlns:p14="http://schemas.microsoft.com/office/powerpoint/2010/main" val="922328905"/>
+        <p14:creationId xmlns:p14="http://schemas.microsoft.com/office/powerpoint/2010/main" val="296818265"/>
       </p:ext>
     </p:extLst>
   </p:cSld>
@@ -786,6 +772,46 @@
           <a:bodyPr/>
           <a:lstStyle/>
           <a:p>
+            <a:r>
+              <a:rPr lang="ko-KR" altLang="en-US" b="0" i="0">
+                <a:solidFill>
+                  <a:srgbClr val="08090A"/>
+                </a:solidFill>
+                <a:effectLst/>
+                <a:latin typeface="빙그레 메로나체" panose="020B0503000000000000" pitchFamily="50" charset="-127"/>
+              </a:rPr>
+              <a:t>모든 프레임 워크에서 거의 동일한 결과를 얻을 수 있음</a:t>
+            </a:r>
+            <a:r>
+              <a:rPr lang="en-US" altLang="ko-KR" b="0" i="0">
+                <a:solidFill>
+                  <a:srgbClr val="08090A"/>
+                </a:solidFill>
+                <a:effectLst/>
+                <a:latin typeface="빙그레 메로나체" panose="020B0503000000000000" pitchFamily="50" charset="-127"/>
+              </a:rPr>
+              <a:t>. </a:t>
+            </a:r>
+            <a:r>
+              <a:rPr lang="ko-KR" altLang="en-US" b="0" i="0">
+                <a:solidFill>
+                  <a:srgbClr val="08090A"/>
+                </a:solidFill>
+                <a:effectLst/>
+                <a:latin typeface="빙그레 메로나체" panose="020B0503000000000000" pitchFamily="50" charset="-127"/>
+              </a:rPr>
+              <a:t>자신에게 맞는거 선택해서 사용</a:t>
+            </a:r>
+            <a:r>
+              <a:rPr lang="en-US" altLang="ko-KR" b="0" i="0">
+                <a:solidFill>
+                  <a:srgbClr val="08090A"/>
+                </a:solidFill>
+                <a:effectLst/>
+                <a:latin typeface="빙그레 메로나체" panose="020B0503000000000000" pitchFamily="50" charset="-127"/>
+              </a:rPr>
+              <a:t>.</a:t>
+            </a:r>
             <a:endParaRPr lang="ko-KR" altLang="en-US"/>
           </a:p>
         </p:txBody>
@@ -793,7 +819,7 @@
     </p:spTree>
     <p:extLst>
       <p:ext uri="{BB962C8B-B14F-4D97-AF65-F5344CB8AC3E}">
-        <p14:creationId xmlns:p14="http://schemas.microsoft.com/office/powerpoint/2010/main" val="918620547"/>
+        <p14:creationId xmlns:p14="http://schemas.microsoft.com/office/powerpoint/2010/main" val="2088768480"/>
       </p:ext>
     </p:extLst>
   </p:cSld>
@@ -847,70 +873,6 @@
           <a:bodyPr/>
           <a:lstStyle/>
           <a:p>
-            <a:pPr marL="0" marR="0" lvl="0" indent="0" algn="l" defTabSz="914400" rtl="0" eaLnBrk="1" fontAlgn="auto" latinLnBrk="1" hangingPunct="1">
-              <a:lnSpc>
-                <a:spcPct val="100000"/>
-              </a:lnSpc>
-              <a:spcBef>
-                <a:spcPts val="0"/>
-              </a:spcBef>
-              <a:spcAft>
-                <a:spcPts val="0"/>
-              </a:spcAft>
-              <a:buClrTx/>
-              <a:buSzTx/>
-              <a:buFontTx/>
-              <a:buNone/>
-              <a:tabLst/>
-              <a:defRPr/>
-            </a:pPr>
-            <a:r>
-              <a:rPr lang="en-US" altLang="ko-KR"/>
-              <a:t>UI</a:t>
-            </a:r>
-            <a:r>
-              <a:rPr lang="ko-KR" altLang="en-US"/>
-              <a:t>를 구성하는 개별적인 </a:t>
-            </a:r>
-            <a:r>
-              <a:rPr lang="en-US" altLang="ko-KR"/>
-              <a:t>view </a:t>
-            </a:r>
-            <a:r>
-              <a:rPr lang="ko-KR" altLang="en-US"/>
-              <a:t>단위</a:t>
-            </a:r>
-            <a:r>
-              <a:rPr lang="en-US" altLang="ko-KR"/>
-              <a:t>. </a:t>
-            </a:r>
-          </a:p>
-          <a:p>
-            <a:pPr marL="0" marR="0" lvl="0" indent="0" algn="l" defTabSz="914400" rtl="0" eaLnBrk="1" fontAlgn="auto" latinLnBrk="1" hangingPunct="1">
-              <a:lnSpc>
-                <a:spcPct val="100000"/>
-              </a:lnSpc>
-              <a:spcBef>
-                <a:spcPts val="0"/>
-              </a:spcBef>
-              <a:spcAft>
-                <a:spcPts val="0"/>
-              </a:spcAft>
-              <a:buClrTx/>
-              <a:buSzTx/>
-              <a:buFontTx/>
-              <a:buNone/>
-              <a:tabLst/>
-              <a:defRPr/>
-            </a:pPr>
-            <a:r>
-              <a:rPr lang="ko-KR" altLang="en-US"/>
-              <a:t>전체의 앱은 각 컴포넌트를 조립해서 만들어짐</a:t>
-            </a:r>
-            <a:r>
-              <a:rPr lang="en-US" altLang="ko-KR"/>
-              <a:t>.</a:t>
-            </a:r>
             <a:endParaRPr lang="ko-KR" altLang="en-US"/>
           </a:p>
         </p:txBody>
@@ -918,7 +880,7 @@
     </p:spTree>
     <p:extLst>
       <p:ext uri="{BB962C8B-B14F-4D97-AF65-F5344CB8AC3E}">
-        <p14:creationId xmlns:p14="http://schemas.microsoft.com/office/powerpoint/2010/main" val="3866735331"/>
+        <p14:creationId xmlns:p14="http://schemas.microsoft.com/office/powerpoint/2010/main" val="918620547"/>
       </p:ext>
     </p:extLst>
   </p:cSld>
@@ -990,362 +952,50 @@
               <a:defRPr/>
             </a:pPr>
             <a:r>
+              <a:rPr lang="en-US" altLang="ko-KR"/>
+              <a:t>UI</a:t>
+            </a:r>
+            <a:r>
               <a:rPr lang="ko-KR" altLang="en-US"/>
-              <a:t>자바스크립트를 확장한 문법</a:t>
-            </a:r>
-            <a:endParaRPr lang="en-US" altLang="ko-KR" sz="1200">
-              <a:ln>
-                <a:solidFill>
-                  <a:schemeClr val="tx1">
-                    <a:alpha val="30000"/>
-                  </a:schemeClr>
-                </a:solidFill>
-              </a:ln>
-              <a:latin typeface="빙그레 메로나체" panose="020B0503000000000000" pitchFamily="50" charset="-127"/>
-              <a:ea typeface="빙그레 메로나체" panose="020B0503000000000000" pitchFamily="50" charset="-127"/>
-            </a:endParaRPr>
-          </a:p>
-          <a:p>
-            <a:pPr marL="0" indent="0">
+              <a:t>를 구성하는 개별적인 </a:t>
+            </a:r>
+            <a:r>
+              <a:rPr lang="en-US" altLang="ko-KR"/>
+              <a:t>view </a:t>
+            </a:r>
+            <a:r>
+              <a:rPr lang="ko-KR" altLang="en-US"/>
+              <a:t>단위</a:t>
+            </a:r>
+            <a:r>
+              <a:rPr lang="en-US" altLang="ko-KR"/>
+              <a:t>. </a:t>
+            </a:r>
+          </a:p>
+          <a:p>
+            <a:pPr marL="0" marR="0" lvl="0" indent="0" algn="l" defTabSz="914400" rtl="0" eaLnBrk="1" fontAlgn="auto" latinLnBrk="1" hangingPunct="1">
+              <a:lnSpc>
+                <a:spcPct val="100000"/>
+              </a:lnSpc>
+              <a:spcBef>
+                <a:spcPts val="0"/>
+              </a:spcBef>
+              <a:spcAft>
+                <a:spcPts val="0"/>
+              </a:spcAft>
+              <a:buClrTx/>
+              <a:buSzTx/>
               <a:buFontTx/>
               <a:buNone/>
+              <a:tabLst/>
+              <a:defRPr/>
             </a:pPr>
-            <a:endParaRPr lang="en-US" altLang="ko-KR" sz="1200">
-              <a:ln>
-                <a:solidFill>
-                  <a:schemeClr val="tx1">
-                    <a:alpha val="30000"/>
-                  </a:schemeClr>
-                </a:solidFill>
-              </a:ln>
-              <a:latin typeface="빙그레 메로나체" panose="020B0503000000000000" pitchFamily="50" charset="-127"/>
-              <a:ea typeface="빙그레 메로나체" panose="020B0503000000000000" pitchFamily="50" charset="-127"/>
-            </a:endParaRPr>
-          </a:p>
-          <a:p>
-            <a:pPr marL="0" indent="0">
-              <a:buFontTx/>
-              <a:buNone/>
-            </a:pPr>
-            <a:r>
-              <a:rPr lang="en-US" altLang="ko-KR" sz="1200">
-                <a:ln>
-                  <a:solidFill>
-                    <a:schemeClr val="tx1">
-                      <a:alpha val="30000"/>
-                    </a:schemeClr>
-                  </a:solidFill>
-                </a:ln>
-                <a:latin typeface="빙그레 메로나체" panose="020B0503000000000000" pitchFamily="50" charset="-127"/>
-                <a:ea typeface="빙그레 메로나체" panose="020B0503000000000000" pitchFamily="50" charset="-127"/>
-              </a:rPr>
-              <a:t>JSX</a:t>
-            </a:r>
-            <a:r>
-              <a:rPr lang="ko-KR" altLang="en-US" sz="1200">
-                <a:ln>
-                  <a:solidFill>
-                    <a:schemeClr val="tx1">
-                      <a:alpha val="30000"/>
-                    </a:schemeClr>
-                  </a:solidFill>
-                </a:ln>
-                <a:latin typeface="빙그레 메로나체" panose="020B0503000000000000" pitchFamily="50" charset="-127"/>
-                <a:ea typeface="빙그레 메로나체" panose="020B0503000000000000" pitchFamily="50" charset="-127"/>
-              </a:rPr>
-              <a:t>에 표현식 포함</a:t>
-            </a:r>
-            <a:endParaRPr lang="en-US" altLang="ko-KR" sz="1200">
-              <a:ln>
-                <a:solidFill>
-                  <a:schemeClr val="tx1">
-                    <a:alpha val="30000"/>
-                  </a:schemeClr>
-                </a:solidFill>
-              </a:ln>
-              <a:latin typeface="빙그레 메로나체" panose="020B0503000000000000" pitchFamily="50" charset="-127"/>
-              <a:ea typeface="빙그레 메로나체" panose="020B0503000000000000" pitchFamily="50" charset="-127"/>
-            </a:endParaRPr>
-          </a:p>
-          <a:p>
-            <a:pPr marL="0" indent="0">
-              <a:buFontTx/>
-              <a:buNone/>
-            </a:pPr>
-            <a:r>
-              <a:rPr lang="en-US" altLang="ko-KR" sz="1200">
-                <a:ln>
-                  <a:solidFill>
-                    <a:schemeClr val="tx1">
-                      <a:alpha val="30000"/>
-                    </a:schemeClr>
-                  </a:solidFill>
-                </a:ln>
-                <a:latin typeface="빙그레 메로나체" panose="020B0503000000000000" pitchFamily="50" charset="-127"/>
-                <a:ea typeface="빙그레 메로나체" panose="020B0503000000000000" pitchFamily="50" charset="-127"/>
-              </a:rPr>
-              <a:t>JSX</a:t>
-            </a:r>
-            <a:r>
-              <a:rPr lang="ko-KR" altLang="en-US" sz="1200">
-                <a:ln>
-                  <a:solidFill>
-                    <a:schemeClr val="tx1">
-                      <a:alpha val="30000"/>
-                    </a:schemeClr>
-                  </a:solidFill>
-                </a:ln>
-                <a:latin typeface="빙그레 메로나체" panose="020B0503000000000000" pitchFamily="50" charset="-127"/>
-                <a:ea typeface="빙그레 메로나체" panose="020B0503000000000000" pitchFamily="50" charset="-127"/>
-              </a:rPr>
-              <a:t>는 표현식</a:t>
-            </a:r>
-            <a:endParaRPr lang="en-US" altLang="ko-KR" sz="1200">
-              <a:ln>
-                <a:solidFill>
-                  <a:schemeClr val="tx1">
-                    <a:alpha val="30000"/>
-                  </a:schemeClr>
-                </a:solidFill>
-              </a:ln>
-              <a:latin typeface="빙그레 메로나체" panose="020B0503000000000000" pitchFamily="50" charset="-127"/>
-              <a:ea typeface="빙그레 메로나체" panose="020B0503000000000000" pitchFamily="50" charset="-127"/>
-            </a:endParaRPr>
-          </a:p>
-          <a:p>
-            <a:pPr marL="0" indent="0">
-              <a:buFontTx/>
-              <a:buNone/>
-            </a:pPr>
-            <a:r>
-              <a:rPr lang="en-US" altLang="ko-KR" sz="1200">
-                <a:ln>
-                  <a:solidFill>
-                    <a:schemeClr val="tx1">
-                      <a:alpha val="30000"/>
-                    </a:schemeClr>
-                  </a:solidFill>
-                </a:ln>
-                <a:latin typeface="빙그레 메로나체" panose="020B0503000000000000" pitchFamily="50" charset="-127"/>
-                <a:ea typeface="빙그레 메로나체" panose="020B0503000000000000" pitchFamily="50" charset="-127"/>
-              </a:rPr>
-              <a:t>JSX</a:t>
-            </a:r>
-            <a:r>
-              <a:rPr lang="ko-KR" altLang="en-US" sz="1200">
-                <a:ln>
-                  <a:solidFill>
-                    <a:schemeClr val="tx1">
-                      <a:alpha val="30000"/>
-                    </a:schemeClr>
-                  </a:solidFill>
-                </a:ln>
-                <a:latin typeface="빙그레 메로나체" panose="020B0503000000000000" pitchFamily="50" charset="-127"/>
-                <a:ea typeface="빙그레 메로나체" panose="020B0503000000000000" pitchFamily="50" charset="-127"/>
-              </a:rPr>
-              <a:t>로 속성 정의</a:t>
-            </a:r>
-            <a:endParaRPr lang="en-US" altLang="ko-KR" sz="1200">
-              <a:ln>
-                <a:solidFill>
-                  <a:schemeClr val="tx1">
-                    <a:alpha val="30000"/>
-                  </a:schemeClr>
-                </a:solidFill>
-              </a:ln>
-              <a:latin typeface="빙그레 메로나체" panose="020B0503000000000000" pitchFamily="50" charset="-127"/>
-              <a:ea typeface="빙그레 메로나체" panose="020B0503000000000000" pitchFamily="50" charset="-127"/>
-            </a:endParaRPr>
-          </a:p>
-          <a:p>
-            <a:pPr marL="0" indent="0">
-              <a:buFontTx/>
-              <a:buNone/>
-            </a:pPr>
-            <a:r>
-              <a:rPr lang="en-US" altLang="ko-KR" sz="1200">
-                <a:ln>
-                  <a:solidFill>
-                    <a:schemeClr val="tx1">
-                      <a:alpha val="30000"/>
-                    </a:schemeClr>
-                  </a:solidFill>
-                </a:ln>
-                <a:latin typeface="빙그레 메로나체" panose="020B0503000000000000" pitchFamily="50" charset="-127"/>
-                <a:ea typeface="빙그레 메로나체" panose="020B0503000000000000" pitchFamily="50" charset="-127"/>
-              </a:rPr>
-              <a:t>JSX</a:t>
-            </a:r>
-            <a:r>
-              <a:rPr lang="ko-KR" altLang="en-US" sz="1200">
-                <a:ln>
-                  <a:solidFill>
-                    <a:schemeClr val="tx1">
-                      <a:alpha val="30000"/>
-                    </a:schemeClr>
-                  </a:solidFill>
-                </a:ln>
-                <a:latin typeface="빙그레 메로나체" panose="020B0503000000000000" pitchFamily="50" charset="-127"/>
-                <a:ea typeface="빙그레 메로나체" panose="020B0503000000000000" pitchFamily="50" charset="-127"/>
-              </a:rPr>
-              <a:t>로 자식 정의</a:t>
-            </a:r>
-            <a:endParaRPr lang="en-US" altLang="ko-KR" sz="1200">
-              <a:ln>
-                <a:solidFill>
-                  <a:schemeClr val="tx1">
-                    <a:alpha val="30000"/>
-                  </a:schemeClr>
-                </a:solidFill>
-              </a:ln>
-              <a:latin typeface="빙그레 메로나체" panose="020B0503000000000000" pitchFamily="50" charset="-127"/>
-              <a:ea typeface="빙그레 메로나체" panose="020B0503000000000000" pitchFamily="50" charset="-127"/>
-            </a:endParaRPr>
-          </a:p>
-          <a:p>
-            <a:pPr marL="0" indent="0">
-              <a:buFontTx/>
-              <a:buNone/>
-            </a:pPr>
-            <a:r>
-              <a:rPr lang="ko-KR" altLang="en-US" sz="1200">
-                <a:ln>
-                  <a:solidFill>
-                    <a:schemeClr val="tx1">
-                      <a:alpha val="30000"/>
-                    </a:schemeClr>
-                  </a:solidFill>
-                </a:ln>
-                <a:latin typeface="빙그레 메로나체" panose="020B0503000000000000" pitchFamily="50" charset="-127"/>
-                <a:ea typeface="빙그레 메로나체" panose="020B0503000000000000" pitchFamily="50" charset="-127"/>
-              </a:rPr>
-              <a:t>인젝션 공격을 방지</a:t>
-            </a:r>
-            <a:endParaRPr lang="en-US" altLang="ko-KR" sz="1200">
-              <a:ln>
-                <a:solidFill>
-                  <a:schemeClr val="tx1">
-                    <a:alpha val="30000"/>
-                  </a:schemeClr>
-                </a:solidFill>
-              </a:ln>
-              <a:latin typeface="빙그레 메로나체" panose="020B0503000000000000" pitchFamily="50" charset="-127"/>
-              <a:ea typeface="빙그레 메로나체" panose="020B0503000000000000" pitchFamily="50" charset="-127"/>
-            </a:endParaRPr>
-          </a:p>
-          <a:p>
-            <a:pPr marL="0" indent="0">
-              <a:buFontTx/>
-              <a:buNone/>
-            </a:pPr>
-            <a:r>
-              <a:rPr lang="en-US" altLang="ko-KR" sz="1200">
-                <a:ln>
-                  <a:solidFill>
-                    <a:schemeClr val="tx1">
-                      <a:alpha val="30000"/>
-                    </a:schemeClr>
-                  </a:solidFill>
-                </a:ln>
-                <a:latin typeface="빙그레 메로나체" panose="020B0503000000000000" pitchFamily="50" charset="-127"/>
-                <a:ea typeface="빙그레 메로나체" panose="020B0503000000000000" pitchFamily="50" charset="-127"/>
-              </a:rPr>
-              <a:t>JSX</a:t>
-            </a:r>
-            <a:r>
-              <a:rPr lang="ko-KR" altLang="en-US" sz="1200">
-                <a:ln>
-                  <a:solidFill>
-                    <a:schemeClr val="tx1">
-                      <a:alpha val="30000"/>
-                    </a:schemeClr>
-                  </a:solidFill>
-                </a:ln>
-                <a:latin typeface="빙그레 메로나체" panose="020B0503000000000000" pitchFamily="50" charset="-127"/>
-                <a:ea typeface="빙그레 메로나체" panose="020B0503000000000000" pitchFamily="50" charset="-127"/>
-              </a:rPr>
-              <a:t>는 객체를 나타냄</a:t>
-            </a:r>
-            <a:endParaRPr lang="en-US" altLang="ko-KR" sz="1200">
-              <a:ln>
-                <a:solidFill>
-                  <a:schemeClr val="tx1">
-                    <a:alpha val="30000"/>
-                  </a:schemeClr>
-                </a:solidFill>
-              </a:ln>
-              <a:latin typeface="빙그레 메로나체" panose="020B0503000000000000" pitchFamily="50" charset="-127"/>
-              <a:ea typeface="빙그레 메로나체" panose="020B0503000000000000" pitchFamily="50" charset="-127"/>
-            </a:endParaRPr>
-          </a:p>
-          <a:p>
-            <a:endParaRPr lang="en-US" altLang="ko-KR" b="0" i="0">
-              <a:solidFill>
-                <a:srgbClr val="000000"/>
-              </a:solidFill>
-              <a:effectLst/>
-              <a:latin typeface="빙그레 메로나체" panose="020B0503000000000000" pitchFamily="50" charset="-127"/>
-            </a:endParaRPr>
-          </a:p>
-          <a:p>
-            <a:r>
-              <a:rPr lang="ko-KR" altLang="en-US" b="0" i="0">
-                <a:solidFill>
-                  <a:srgbClr val="000000"/>
-                </a:solidFill>
-                <a:effectLst/>
-                <a:latin typeface="빙그레 메로나체" panose="020B0503000000000000" pitchFamily="50" charset="-127"/>
-              </a:rPr>
-              <a:t>단일 값으로 평가되는 유효한 리터럴</a:t>
-            </a:r>
-            <a:r>
-              <a:rPr lang="en-US" altLang="ko-KR" b="0" i="0">
-                <a:solidFill>
-                  <a:srgbClr val="000000"/>
-                </a:solidFill>
-                <a:effectLst/>
-                <a:latin typeface="빙그레 메로나체" panose="020B0503000000000000" pitchFamily="50" charset="-127"/>
-              </a:rPr>
-              <a:t>, </a:t>
-            </a:r>
-            <a:r>
-              <a:rPr lang="ko-KR" altLang="en-US" b="0" i="0">
-                <a:solidFill>
-                  <a:srgbClr val="000000"/>
-                </a:solidFill>
-                <a:effectLst/>
-                <a:latin typeface="빙그레 메로나체" panose="020B0503000000000000" pitchFamily="50" charset="-127"/>
-              </a:rPr>
-              <a:t>변수</a:t>
-            </a:r>
-            <a:r>
-              <a:rPr lang="en-US" altLang="ko-KR" b="0" i="0">
-                <a:solidFill>
-                  <a:srgbClr val="000000"/>
-                </a:solidFill>
-                <a:effectLst/>
-                <a:latin typeface="빙그레 메로나체" panose="020B0503000000000000" pitchFamily="50" charset="-127"/>
-              </a:rPr>
-              <a:t>, </a:t>
-            </a:r>
-            <a:r>
-              <a:rPr lang="ko-KR" altLang="en-US" b="0" i="0">
-                <a:solidFill>
-                  <a:srgbClr val="000000"/>
-                </a:solidFill>
-                <a:effectLst/>
-                <a:latin typeface="빙그레 메로나체" panose="020B0503000000000000" pitchFamily="50" charset="-127"/>
-              </a:rPr>
-              <a:t>연산자 및 식 집합입니다</a:t>
-            </a:r>
-            <a:r>
-              <a:rPr lang="en-US" altLang="ko-KR" b="0" i="0">
-                <a:solidFill>
-                  <a:srgbClr val="000000"/>
-                </a:solidFill>
-                <a:effectLst/>
-                <a:latin typeface="빙그레 메로나체" panose="020B0503000000000000" pitchFamily="50" charset="-127"/>
-              </a:rPr>
+            <a:r>
+              <a:rPr lang="ko-KR" altLang="en-US"/>
+              <a:t>전체의 앱은 각 컴포넌트를 조립해서 만들어짐</a:t>
+            </a:r>
+            <a:r>
+              <a:rPr lang="en-US" altLang="ko-KR"/>
               <a:t>.</a:t>
             </a:r>
             <a:endParaRPr lang="ko-KR" altLang="en-US"/>
@@ -1355,7 +1005,7 @@
     </p:spTree>
     <p:extLst>
       <p:ext uri="{BB962C8B-B14F-4D97-AF65-F5344CB8AC3E}">
-        <p14:creationId xmlns:p14="http://schemas.microsoft.com/office/powerpoint/2010/main" val="1844395170"/>
+        <p14:creationId xmlns:p14="http://schemas.microsoft.com/office/powerpoint/2010/main" val="3866735331"/>
       </p:ext>
     </p:extLst>
   </p:cSld>
@@ -1409,6 +1059,332 @@
           <a:bodyPr/>
           <a:lstStyle/>
           <a:p>
+            <a:pPr marL="0" marR="0" lvl="0" indent="0" algn="l" defTabSz="914400" rtl="0" eaLnBrk="1" fontAlgn="auto" latinLnBrk="1" hangingPunct="1">
+              <a:lnSpc>
+                <a:spcPct val="100000"/>
+              </a:lnSpc>
+              <a:spcBef>
+                <a:spcPts val="0"/>
+              </a:spcBef>
+              <a:spcAft>
+                <a:spcPts val="0"/>
+              </a:spcAft>
+              <a:buClrTx/>
+              <a:buSzTx/>
+              <a:buFontTx/>
+              <a:buNone/>
+              <a:tabLst/>
+              <a:defRPr/>
+            </a:pPr>
+            <a:r>
+              <a:rPr lang="ko-KR" altLang="en-US"/>
+              <a:t>자바스크립트를 확장한 문법</a:t>
+            </a:r>
+            <a:endParaRPr lang="en-US" altLang="ko-KR" sz="1200">
+              <a:ln>
+                <a:solidFill>
+                  <a:schemeClr val="tx1">
+                    <a:alpha val="30000"/>
+                  </a:schemeClr>
+                </a:solidFill>
+              </a:ln>
+              <a:latin typeface="빙그레 메로나체" panose="020B0503000000000000" pitchFamily="50" charset="-127"/>
+              <a:ea typeface="빙그레 메로나체" panose="020B0503000000000000" pitchFamily="50" charset="-127"/>
+            </a:endParaRPr>
+          </a:p>
+          <a:p>
+            <a:pPr marL="0" indent="0">
+              <a:buFontTx/>
+              <a:buNone/>
+            </a:pPr>
+            <a:endParaRPr lang="en-US" altLang="ko-KR" sz="1200">
+              <a:ln>
+                <a:solidFill>
+                  <a:schemeClr val="tx1">
+                    <a:alpha val="30000"/>
+                  </a:schemeClr>
+                </a:solidFill>
+              </a:ln>
+              <a:latin typeface="빙그레 메로나체" panose="020B0503000000000000" pitchFamily="50" charset="-127"/>
+              <a:ea typeface="빙그레 메로나체" panose="020B0503000000000000" pitchFamily="50" charset="-127"/>
+            </a:endParaRPr>
+          </a:p>
+          <a:p>
+            <a:pPr marL="0" indent="0">
+              <a:buFontTx/>
+              <a:buNone/>
+            </a:pPr>
+            <a:r>
+              <a:rPr lang="en-US" altLang="ko-KR" sz="1200">
+                <a:ln>
+                  <a:solidFill>
+                    <a:schemeClr val="tx1">
+                      <a:alpha val="30000"/>
+                    </a:schemeClr>
+                  </a:solidFill>
+                </a:ln>
+                <a:latin typeface="빙그레 메로나체" panose="020B0503000000000000" pitchFamily="50" charset="-127"/>
+                <a:ea typeface="빙그레 메로나체" panose="020B0503000000000000" pitchFamily="50" charset="-127"/>
+              </a:rPr>
+              <a:t>JSX</a:t>
+            </a:r>
+            <a:r>
+              <a:rPr lang="ko-KR" altLang="en-US" sz="1200">
+                <a:ln>
+                  <a:solidFill>
+                    <a:schemeClr val="tx1">
+                      <a:alpha val="30000"/>
+                    </a:schemeClr>
+                  </a:solidFill>
+                </a:ln>
+                <a:latin typeface="빙그레 메로나체" panose="020B0503000000000000" pitchFamily="50" charset="-127"/>
+                <a:ea typeface="빙그레 메로나체" panose="020B0503000000000000" pitchFamily="50" charset="-127"/>
+              </a:rPr>
+              <a:t>에 표현식 포함</a:t>
+            </a:r>
+            <a:endParaRPr lang="en-US" altLang="ko-KR" sz="1200">
+              <a:ln>
+                <a:solidFill>
+                  <a:schemeClr val="tx1">
+                    <a:alpha val="30000"/>
+                  </a:schemeClr>
+                </a:solidFill>
+              </a:ln>
+              <a:latin typeface="빙그레 메로나체" panose="020B0503000000000000" pitchFamily="50" charset="-127"/>
+              <a:ea typeface="빙그레 메로나체" panose="020B0503000000000000" pitchFamily="50" charset="-127"/>
+            </a:endParaRPr>
+          </a:p>
+          <a:p>
+            <a:pPr marL="0" indent="0">
+              <a:buFontTx/>
+              <a:buNone/>
+            </a:pPr>
+            <a:r>
+              <a:rPr lang="en-US" altLang="ko-KR" sz="1200">
+                <a:ln>
+                  <a:solidFill>
+                    <a:schemeClr val="tx1">
+                      <a:alpha val="30000"/>
+                    </a:schemeClr>
+                  </a:solidFill>
+                </a:ln>
+                <a:latin typeface="빙그레 메로나체" panose="020B0503000000000000" pitchFamily="50" charset="-127"/>
+                <a:ea typeface="빙그레 메로나체" panose="020B0503000000000000" pitchFamily="50" charset="-127"/>
+              </a:rPr>
+              <a:t>JSX</a:t>
+            </a:r>
+            <a:r>
+              <a:rPr lang="ko-KR" altLang="en-US" sz="1200">
+                <a:ln>
+                  <a:solidFill>
+                    <a:schemeClr val="tx1">
+                      <a:alpha val="30000"/>
+                    </a:schemeClr>
+                  </a:solidFill>
+                </a:ln>
+                <a:latin typeface="빙그레 메로나체" panose="020B0503000000000000" pitchFamily="50" charset="-127"/>
+                <a:ea typeface="빙그레 메로나체" panose="020B0503000000000000" pitchFamily="50" charset="-127"/>
+              </a:rPr>
+              <a:t>는 표현식</a:t>
+            </a:r>
+            <a:endParaRPr lang="en-US" altLang="ko-KR" sz="1200">
+              <a:ln>
+                <a:solidFill>
+                  <a:schemeClr val="tx1">
+                    <a:alpha val="30000"/>
+                  </a:schemeClr>
+                </a:solidFill>
+              </a:ln>
+              <a:latin typeface="빙그레 메로나체" panose="020B0503000000000000" pitchFamily="50" charset="-127"/>
+              <a:ea typeface="빙그레 메로나체" panose="020B0503000000000000" pitchFamily="50" charset="-127"/>
+            </a:endParaRPr>
+          </a:p>
+          <a:p>
+            <a:pPr marL="0" indent="0">
+              <a:buFontTx/>
+              <a:buNone/>
+            </a:pPr>
+            <a:r>
+              <a:rPr lang="en-US" altLang="ko-KR" sz="1200">
+                <a:ln>
+                  <a:solidFill>
+                    <a:schemeClr val="tx1">
+                      <a:alpha val="30000"/>
+                    </a:schemeClr>
+                  </a:solidFill>
+                </a:ln>
+                <a:latin typeface="빙그레 메로나체" panose="020B0503000000000000" pitchFamily="50" charset="-127"/>
+                <a:ea typeface="빙그레 메로나체" panose="020B0503000000000000" pitchFamily="50" charset="-127"/>
+              </a:rPr>
+              <a:t>JSX</a:t>
+            </a:r>
+            <a:r>
+              <a:rPr lang="ko-KR" altLang="en-US" sz="1200">
+                <a:ln>
+                  <a:solidFill>
+                    <a:schemeClr val="tx1">
+                      <a:alpha val="30000"/>
+                    </a:schemeClr>
+                  </a:solidFill>
+                </a:ln>
+                <a:latin typeface="빙그레 메로나체" panose="020B0503000000000000" pitchFamily="50" charset="-127"/>
+                <a:ea typeface="빙그레 메로나체" panose="020B0503000000000000" pitchFamily="50" charset="-127"/>
+              </a:rPr>
+              <a:t>로 속성 정의</a:t>
+            </a:r>
+            <a:endParaRPr lang="en-US" altLang="ko-KR" sz="1200">
+              <a:ln>
+                <a:solidFill>
+                  <a:schemeClr val="tx1">
+                    <a:alpha val="30000"/>
+                  </a:schemeClr>
+                </a:solidFill>
+              </a:ln>
+              <a:latin typeface="빙그레 메로나체" panose="020B0503000000000000" pitchFamily="50" charset="-127"/>
+              <a:ea typeface="빙그레 메로나체" panose="020B0503000000000000" pitchFamily="50" charset="-127"/>
+            </a:endParaRPr>
+          </a:p>
+          <a:p>
+            <a:pPr marL="0" indent="0">
+              <a:buFontTx/>
+              <a:buNone/>
+            </a:pPr>
+            <a:r>
+              <a:rPr lang="en-US" altLang="ko-KR" sz="1200">
+                <a:ln>
+                  <a:solidFill>
+                    <a:schemeClr val="tx1">
+                      <a:alpha val="30000"/>
+                    </a:schemeClr>
+                  </a:solidFill>
+                </a:ln>
+                <a:latin typeface="빙그레 메로나체" panose="020B0503000000000000" pitchFamily="50" charset="-127"/>
+                <a:ea typeface="빙그레 메로나체" panose="020B0503000000000000" pitchFamily="50" charset="-127"/>
+              </a:rPr>
+              <a:t>JSX</a:t>
+            </a:r>
+            <a:r>
+              <a:rPr lang="ko-KR" altLang="en-US" sz="1200">
+                <a:ln>
+                  <a:solidFill>
+                    <a:schemeClr val="tx1">
+                      <a:alpha val="30000"/>
+                    </a:schemeClr>
+                  </a:solidFill>
+                </a:ln>
+                <a:latin typeface="빙그레 메로나체" panose="020B0503000000000000" pitchFamily="50" charset="-127"/>
+                <a:ea typeface="빙그레 메로나체" panose="020B0503000000000000" pitchFamily="50" charset="-127"/>
+              </a:rPr>
+              <a:t>로 자식 정의</a:t>
+            </a:r>
+            <a:endParaRPr lang="en-US" altLang="ko-KR" sz="1200">
+              <a:ln>
+                <a:solidFill>
+                  <a:schemeClr val="tx1">
+                    <a:alpha val="30000"/>
+                  </a:schemeClr>
+                </a:solidFill>
+              </a:ln>
+              <a:latin typeface="빙그레 메로나체" panose="020B0503000000000000" pitchFamily="50" charset="-127"/>
+              <a:ea typeface="빙그레 메로나체" panose="020B0503000000000000" pitchFamily="50" charset="-127"/>
+            </a:endParaRPr>
+          </a:p>
+          <a:p>
+            <a:pPr marL="0" indent="0">
+              <a:buFontTx/>
+              <a:buNone/>
+            </a:pPr>
+            <a:r>
+              <a:rPr lang="ko-KR" altLang="en-US" sz="1200">
+                <a:ln>
+                  <a:solidFill>
+                    <a:schemeClr val="tx1">
+                      <a:alpha val="30000"/>
+                    </a:schemeClr>
+                  </a:solidFill>
+                </a:ln>
+                <a:latin typeface="빙그레 메로나체" panose="020B0503000000000000" pitchFamily="50" charset="-127"/>
+                <a:ea typeface="빙그레 메로나체" panose="020B0503000000000000" pitchFamily="50" charset="-127"/>
+              </a:rPr>
+              <a:t>인젝션 공격을 방지</a:t>
+            </a:r>
+            <a:endParaRPr lang="en-US" altLang="ko-KR" sz="1200">
+              <a:ln>
+                <a:solidFill>
+                  <a:schemeClr val="tx1">
+                    <a:alpha val="30000"/>
+                  </a:schemeClr>
+                </a:solidFill>
+              </a:ln>
+              <a:latin typeface="빙그레 메로나체" panose="020B0503000000000000" pitchFamily="50" charset="-127"/>
+              <a:ea typeface="빙그레 메로나체" panose="020B0503000000000000" pitchFamily="50" charset="-127"/>
+            </a:endParaRPr>
+          </a:p>
+          <a:p>
+            <a:pPr marL="0" indent="0">
+              <a:buFontTx/>
+              <a:buNone/>
+            </a:pPr>
+            <a:r>
+              <a:rPr lang="en-US" altLang="ko-KR" sz="1200">
+                <a:ln>
+                  <a:solidFill>
+                    <a:schemeClr val="tx1">
+                      <a:alpha val="30000"/>
+                    </a:schemeClr>
+                  </a:solidFill>
+                </a:ln>
+                <a:latin typeface="빙그레 메로나체" panose="020B0503000000000000" pitchFamily="50" charset="-127"/>
+                <a:ea typeface="빙그레 메로나체" panose="020B0503000000000000" pitchFamily="50" charset="-127"/>
+              </a:rPr>
+              <a:t>JSX</a:t>
+            </a:r>
+            <a:r>
+              <a:rPr lang="ko-KR" altLang="en-US" sz="1200">
+                <a:ln>
+                  <a:solidFill>
+                    <a:schemeClr val="tx1">
+                      <a:alpha val="30000"/>
+                    </a:schemeClr>
+                  </a:solidFill>
+                </a:ln>
+                <a:latin typeface="빙그레 메로나체" panose="020B0503000000000000" pitchFamily="50" charset="-127"/>
+                <a:ea typeface="빙그레 메로나체" panose="020B0503000000000000" pitchFamily="50" charset="-127"/>
+              </a:rPr>
+              <a:t>는 객체를 나타냄</a:t>
+            </a:r>
+            <a:endParaRPr lang="en-US" altLang="ko-KR" sz="1200">
+              <a:ln>
+                <a:solidFill>
+                  <a:schemeClr val="tx1">
+                    <a:alpha val="30000"/>
+                  </a:schemeClr>
+                </a:solidFill>
+              </a:ln>
+              <a:latin typeface="빙그레 메로나체" panose="020B0503000000000000" pitchFamily="50" charset="-127"/>
+              <a:ea typeface="빙그레 메로나체" panose="020B0503000000000000" pitchFamily="50" charset="-127"/>
+            </a:endParaRPr>
+          </a:p>
+          <a:p>
+            <a:endParaRPr lang="en-US" altLang="ko-KR" b="0" i="0">
+              <a:solidFill>
+                <a:srgbClr val="000000"/>
+              </a:solidFill>
+              <a:effectLst/>
+              <a:latin typeface="빙그레 메로나체" panose="020B0503000000000000" pitchFamily="50" charset="-127"/>
+            </a:endParaRPr>
+          </a:p>
+          <a:p>
+            <a:r>
+              <a:rPr lang="ko-KR" altLang="en-US" b="0" i="0">
+                <a:solidFill>
+                  <a:srgbClr val="000000"/>
+                </a:solidFill>
+                <a:effectLst/>
+                <a:latin typeface="빙그레 메로나체" panose="020B0503000000000000" pitchFamily="50" charset="-127"/>
+              </a:rPr>
+              <a:t>단일 값으로 평가되는 유효한 리터럴</a:t>
+            </a:r>
             <a:r>
               <a:rPr lang="en-US" altLang="ko-KR" b="0" i="0">
                 <a:solidFill>
@@ -1417,7 +1393,7 @@
                 <a:effectLst/>
                 <a:latin typeface="빙그레 메로나체" panose="020B0503000000000000" pitchFamily="50" charset="-127"/>
               </a:rPr>
-              <a:t>JSX</a:t>
+              <a:t>, </a:t>
             </a:r>
             <a:r>
               <a:rPr lang="ko-KR" altLang="en-US" b="0" i="0">
@@ -1427,7 +1403,7 @@
                 <a:effectLst/>
                 <a:latin typeface="빙그레 메로나체" panose="020B0503000000000000" pitchFamily="50" charset="-127"/>
               </a:rPr>
-              <a:t>의 중괄호 안에 유효한 </a:t>
+              <a:t>변수</a:t>
             </a:r>
             <a:r>
               <a:rPr lang="en-US" altLang="ko-KR" b="0" i="0">
@@ -1437,7 +1413,7 @@
                 <a:effectLst/>
                 <a:latin typeface="빙그레 메로나체" panose="020B0503000000000000" pitchFamily="50" charset="-127"/>
               </a:rPr>
-              <a:t>JavaScript </a:t>
+              <a:t>, </a:t>
             </a:r>
             <a:r>
               <a:rPr lang="ko-KR" altLang="en-US" b="0" i="0">
@@ -1447,7 +1423,17 @@
                 <a:effectLst/>
                 <a:latin typeface="빙그레 메로나체" panose="020B0503000000000000" pitchFamily="50" charset="-127"/>
               </a:rPr>
-              <a:t>표현식을 넣을 수 있음</a:t>
+              <a:t>연산자 및 식 집합입니다</a:t>
+            </a:r>
+            <a:r>
+              <a:rPr lang="en-US" altLang="ko-KR" b="0" i="0">
+                <a:solidFill>
+                  <a:srgbClr val="000000"/>
+                </a:solidFill>
+                <a:effectLst/>
+                <a:latin typeface="빙그레 메로나체" panose="020B0503000000000000" pitchFamily="50" charset="-127"/>
+              </a:rPr>
+              <a:t>.</a:t>
             </a:r>
             <a:endParaRPr lang="ko-KR" altLang="en-US"/>
           </a:p>
@@ -1456,7 +1442,7 @@
     </p:spTree>
     <p:extLst>
       <p:ext uri="{BB962C8B-B14F-4D97-AF65-F5344CB8AC3E}">
-        <p14:creationId xmlns:p14="http://schemas.microsoft.com/office/powerpoint/2010/main" val="2258710628"/>
+        <p14:creationId xmlns:p14="http://schemas.microsoft.com/office/powerpoint/2010/main" val="1844395170"/>
       </p:ext>
     </p:extLst>
   </p:cSld>
@@ -1518,7 +1504,7 @@
                 <a:effectLst/>
                 <a:latin typeface="빙그레 메로나체" panose="020B0503000000000000" pitchFamily="50" charset="-127"/>
               </a:rPr>
-              <a:t>JSX </a:t>
+              <a:t>JSX</a:t>
             </a:r>
             <a:r>
               <a:rPr lang="ko-KR" altLang="en-US" b="0" i="0">
@@ -1528,7 +1514,7 @@
                 <a:effectLst/>
                 <a:latin typeface="빙그레 메로나체" panose="020B0503000000000000" pitchFamily="50" charset="-127"/>
               </a:rPr>
-              <a:t>표현식은 </a:t>
+              <a:t>의 중괄호 안에 유효한 </a:t>
             </a:r>
             <a:r>
               <a:rPr lang="en-US" altLang="ko-KR" b="0" i="0">
@@ -1548,7 +1534,7 @@
                 <a:effectLst/>
                 <a:latin typeface="빙그레 메로나체" panose="020B0503000000000000" pitchFamily="50" charset="-127"/>
               </a:rPr>
-              <a:t>객체로 평가</a:t>
+              <a:t>표현식을 넣을 수 있음</a:t>
             </a:r>
             <a:endParaRPr lang="ko-KR" altLang="en-US"/>
           </a:p>
@@ -1557,7 +1543,7 @@
     </p:spTree>
     <p:extLst>
       <p:ext uri="{BB962C8B-B14F-4D97-AF65-F5344CB8AC3E}">
-        <p14:creationId xmlns:p14="http://schemas.microsoft.com/office/powerpoint/2010/main" val="686261097"/>
+        <p14:creationId xmlns:p14="http://schemas.microsoft.com/office/powerpoint/2010/main" val="2258710628"/>
       </p:ext>
     </p:extLst>
   </p:cSld>
@@ -1612,6 +1598,16 @@
           <a:lstStyle/>
           <a:p>
             <a:r>
+              <a:rPr lang="en-US" altLang="ko-KR" b="0" i="0">
+                <a:solidFill>
+                  <a:srgbClr val="000000"/>
+                </a:solidFill>
+                <a:effectLst/>
+                <a:latin typeface="빙그레 메로나체" panose="020B0503000000000000" pitchFamily="50" charset="-127"/>
+              </a:rPr>
+              <a:t>JSX </a:t>
+            </a:r>
+            <a:r>
               <a:rPr lang="ko-KR" altLang="en-US" b="0" i="0">
                 <a:solidFill>
                   <a:srgbClr val="000000"/>
@@ -1619,7 +1615,7 @@
                 <a:effectLst/>
                 <a:latin typeface="빙그레 메로나체" panose="020B0503000000000000" pitchFamily="50" charset="-127"/>
               </a:rPr>
-              <a:t>따옴표를 사용하여 문자열 리터럴을 속성으로 지정할 수 있습니다</a:t>
+              <a:t>표현식은 </a:t>
             </a:r>
             <a:r>
               <a:rPr lang="en-US" altLang="ko-KR" b="0" i="0">
@@ -1629,10 +1625,8 @@
                 <a:effectLst/>
                 <a:latin typeface="빙그레 메로나체" panose="020B0503000000000000" pitchFamily="50" charset="-127"/>
               </a:rPr>
-              <a:t>.</a:t>
-            </a:r>
-          </a:p>
-          <a:p>
+              <a:t>JavaScript </a:t>
+            </a:r>
             <a:r>
               <a:rPr lang="ko-KR" altLang="en-US" b="0" i="0">
                 <a:solidFill>
@@ -1641,217 +1635,7 @@
                 <a:effectLst/>
                 <a:latin typeface="빙그레 메로나체" panose="020B0503000000000000" pitchFamily="50" charset="-127"/>
               </a:rPr>
-              <a:t>중괄호를 사용하여 속성에 </a:t>
-            </a:r>
-            <a:r>
-              <a:rPr lang="en-US" altLang="ko-KR" b="0" i="0">
-                <a:solidFill>
-                  <a:srgbClr val="000000"/>
-                </a:solidFill>
-                <a:effectLst/>
-                <a:latin typeface="빙그레 메로나체" panose="020B0503000000000000" pitchFamily="50" charset="-127"/>
-              </a:rPr>
-              <a:t>JavaScript </a:t>
-            </a:r>
-            <a:r>
-              <a:rPr lang="ko-KR" altLang="en-US" b="0" i="0">
-                <a:solidFill>
-                  <a:srgbClr val="000000"/>
-                </a:solidFill>
-                <a:effectLst/>
-                <a:latin typeface="빙그레 메로나체" panose="020B0503000000000000" pitchFamily="50" charset="-127"/>
-              </a:rPr>
-              <a:t>표현식을 포함 할 수도 있습니다</a:t>
-            </a:r>
-            <a:r>
-              <a:rPr lang="en-US" altLang="ko-KR" b="0" i="0">
-                <a:solidFill>
-                  <a:srgbClr val="000000"/>
-                </a:solidFill>
-                <a:effectLst/>
-                <a:latin typeface="빙그레 메로나체" panose="020B0503000000000000" pitchFamily="50" charset="-127"/>
-              </a:rPr>
-              <a:t>.</a:t>
-            </a:r>
-          </a:p>
-          <a:p>
-            <a:endParaRPr lang="en-US" altLang="ko-KR" b="0" i="0">
-              <a:solidFill>
-                <a:srgbClr val="000000"/>
-              </a:solidFill>
-              <a:effectLst/>
-              <a:latin typeface="빙그레 메로나체" panose="020B0503000000000000" pitchFamily="50" charset="-127"/>
-            </a:endParaRPr>
-          </a:p>
-          <a:p>
-            <a:r>
-              <a:rPr lang="en-US" altLang="ko-KR" b="0" i="0">
-                <a:solidFill>
-                  <a:srgbClr val="000000"/>
-                </a:solidFill>
-                <a:effectLst/>
-                <a:latin typeface="빙그레 메로나체" panose="020B0503000000000000" pitchFamily="50" charset="-127"/>
-              </a:rPr>
-              <a:t>JSX</a:t>
-            </a:r>
-            <a:r>
-              <a:rPr lang="ko-KR" altLang="en-US" b="0" i="0">
-                <a:solidFill>
-                  <a:srgbClr val="000000"/>
-                </a:solidFill>
-                <a:effectLst/>
-                <a:latin typeface="빙그레 메로나체" panose="020B0503000000000000" pitchFamily="50" charset="-127"/>
-              </a:rPr>
-              <a:t>는 </a:t>
-            </a:r>
-            <a:r>
-              <a:rPr lang="en-US" altLang="ko-KR" b="0" i="0">
-                <a:solidFill>
-                  <a:srgbClr val="000000"/>
-                </a:solidFill>
-                <a:effectLst/>
-                <a:latin typeface="빙그레 메로나체" panose="020B0503000000000000" pitchFamily="50" charset="-127"/>
-              </a:rPr>
-              <a:t>HTML</a:t>
-            </a:r>
-            <a:r>
-              <a:rPr lang="ko-KR" altLang="en-US" b="0" i="0">
-                <a:solidFill>
-                  <a:srgbClr val="000000"/>
-                </a:solidFill>
-                <a:effectLst/>
-                <a:latin typeface="빙그레 메로나체" panose="020B0503000000000000" pitchFamily="50" charset="-127"/>
-              </a:rPr>
-              <a:t>보다 </a:t>
-            </a:r>
-            <a:r>
-              <a:rPr lang="en-US" altLang="ko-KR" b="0" i="0">
-                <a:solidFill>
-                  <a:srgbClr val="000000"/>
-                </a:solidFill>
-                <a:effectLst/>
-                <a:latin typeface="빙그레 메로나체" panose="020B0503000000000000" pitchFamily="50" charset="-127"/>
-              </a:rPr>
-              <a:t>JavaScript</a:t>
-            </a:r>
-            <a:r>
-              <a:rPr lang="ko-KR" altLang="en-US" b="0" i="0">
-                <a:solidFill>
-                  <a:srgbClr val="000000"/>
-                </a:solidFill>
-                <a:effectLst/>
-                <a:latin typeface="빙그레 메로나체" panose="020B0503000000000000" pitchFamily="50" charset="-127"/>
-              </a:rPr>
-              <a:t>에 더 가깝기 때문에 </a:t>
-            </a:r>
-            <a:r>
-              <a:rPr lang="en-US" altLang="ko-KR" b="0" i="0">
-                <a:solidFill>
-                  <a:srgbClr val="000000"/>
-                </a:solidFill>
-                <a:effectLst/>
-                <a:latin typeface="빙그레 메로나체" panose="020B0503000000000000" pitchFamily="50" charset="-127"/>
-              </a:rPr>
-              <a:t>React DOM</a:t>
-            </a:r>
-            <a:r>
-              <a:rPr lang="ko-KR" altLang="en-US" b="0" i="0">
-                <a:solidFill>
-                  <a:srgbClr val="000000"/>
-                </a:solidFill>
-                <a:effectLst/>
-                <a:latin typeface="빙그레 메로나체" panose="020B0503000000000000" pitchFamily="50" charset="-127"/>
-              </a:rPr>
-              <a:t>은 </a:t>
-            </a:r>
-            <a:r>
-              <a:rPr lang="en-US" altLang="ko-KR" b="0" i="0">
-                <a:solidFill>
-                  <a:srgbClr val="000000"/>
-                </a:solidFill>
-                <a:effectLst/>
-                <a:latin typeface="빙그레 메로나체" panose="020B0503000000000000" pitchFamily="50" charset="-127"/>
-              </a:rPr>
-              <a:t>HTML </a:t>
-            </a:r>
-            <a:r>
-              <a:rPr lang="ko-KR" altLang="en-US" b="0" i="0">
-                <a:solidFill>
-                  <a:srgbClr val="000000"/>
-                </a:solidFill>
-                <a:effectLst/>
-                <a:latin typeface="빙그레 메로나체" panose="020B0503000000000000" pitchFamily="50" charset="-127"/>
-              </a:rPr>
-              <a:t>속성 이름 대신 </a:t>
-            </a:r>
-            <a:r>
-              <a:rPr lang="en-US" altLang="ko-KR"/>
-              <a:t>camelCasef</a:t>
-            </a:r>
-            <a:r>
-              <a:rPr lang="ko-KR" altLang="en-US"/>
-              <a:t> 속성 이름 지정 규칙을 사용</a:t>
-            </a:r>
-            <a:endParaRPr lang="en-US" altLang="ko-KR"/>
-          </a:p>
-          <a:p>
-            <a:endParaRPr lang="en-US" altLang="ko-KR" b="0" i="0">
-              <a:solidFill>
-                <a:srgbClr val="000000"/>
-              </a:solidFill>
-              <a:effectLst/>
-              <a:latin typeface="빙그레 메로나체" panose="020B0503000000000000" pitchFamily="50" charset="-127"/>
-            </a:endParaRPr>
-          </a:p>
-          <a:p>
-            <a:r>
-              <a:rPr lang="en-US" altLang="ko-KR" b="0" i="0">
-                <a:solidFill>
-                  <a:srgbClr val="000000"/>
-                </a:solidFill>
-                <a:effectLst/>
-                <a:latin typeface="빙그레 메로나체" panose="020B0503000000000000" pitchFamily="50" charset="-127"/>
-              </a:rPr>
-              <a:t>camelCase - </a:t>
-            </a:r>
-            <a:r>
-              <a:rPr lang="ko-KR" altLang="en-US" b="0" i="0">
-                <a:solidFill>
-                  <a:srgbClr val="004D40"/>
-                </a:solidFill>
-                <a:effectLst/>
-                <a:latin typeface="빙그레 메로나체" panose="020B0503000000000000" pitchFamily="50" charset="-127"/>
-              </a:rPr>
-              <a:t>첫 번째 단어를 제외하고 복합어에서 각 단어의 첫 글자가 대문자로 표시되는 명명 규칙</a:t>
-            </a:r>
-            <a:endParaRPr lang="en-US" altLang="ko-KR" b="0" i="0">
-              <a:solidFill>
-                <a:srgbClr val="004D40"/>
-              </a:solidFill>
-              <a:effectLst/>
-              <a:latin typeface="빙그레 메로나체" panose="020B0503000000000000" pitchFamily="50" charset="-127"/>
-            </a:endParaRPr>
-          </a:p>
-          <a:p>
-            <a:r>
-              <a:rPr lang="en-US" altLang="ko-KR" b="0" i="0">
-                <a:solidFill>
-                  <a:srgbClr val="004D40"/>
-                </a:solidFill>
-                <a:effectLst/>
-                <a:latin typeface="빙그레 메로나체" panose="020B0503000000000000" pitchFamily="50" charset="-127"/>
-              </a:rPr>
-              <a:t>DOM - </a:t>
-            </a:r>
-            <a:r>
-              <a:rPr lang="ko-KR" altLang="en-US" b="0" i="0">
-                <a:solidFill>
-                  <a:srgbClr val="004D40"/>
-                </a:solidFill>
-                <a:effectLst/>
-                <a:latin typeface="빙그레 메로나체" panose="020B0503000000000000" pitchFamily="50" charset="-127"/>
-              </a:rPr>
-              <a:t>웹페이지를 자바스크립트로 제어하기 위한 객체 모델</a:t>
+              <a:t>객체로 평가</a:t>
             </a:r>
             <a:endParaRPr lang="ko-KR" altLang="en-US"/>
           </a:p>
@@ -1860,7 +1644,7 @@
     </p:spTree>
     <p:extLst>
       <p:ext uri="{BB962C8B-B14F-4D97-AF65-F5344CB8AC3E}">
-        <p14:creationId xmlns:p14="http://schemas.microsoft.com/office/powerpoint/2010/main" val="3202296868"/>
+        <p14:creationId xmlns:p14="http://schemas.microsoft.com/office/powerpoint/2010/main" val="686261097"/>
       </p:ext>
     </p:extLst>
   </p:cSld>
@@ -1915,6 +1699,16 @@
           <a:lstStyle/>
           <a:p>
             <a:r>
+              <a:rPr lang="ko-KR" altLang="en-US" b="0" i="0">
+                <a:solidFill>
+                  <a:srgbClr val="000000"/>
+                </a:solidFill>
+                <a:effectLst/>
+                <a:latin typeface="빙그레 메로나체" panose="020B0503000000000000" pitchFamily="50" charset="-127"/>
+              </a:rPr>
+              <a:t>따옴표를 사용하여 문자열 리터럴을 속성으로 지정할 수 있습니다</a:t>
+            </a:r>
+            <a:r>
               <a:rPr lang="en-US" altLang="ko-KR" b="0" i="0">
                 <a:solidFill>
                   <a:srgbClr val="000000"/>
@@ -1922,8 +1716,10 @@
                 <a:effectLst/>
                 <a:latin typeface="빙그레 메로나체" panose="020B0503000000000000" pitchFamily="50" charset="-127"/>
               </a:rPr>
-              <a:t>JSX </a:t>
-            </a:r>
+              <a:t>.</a:t>
+            </a:r>
+          </a:p>
+          <a:p>
             <a:r>
               <a:rPr lang="ko-KR" altLang="en-US" b="0" i="0">
                 <a:solidFill>
@@ -1932,7 +1728,7 @@
                 <a:effectLst/>
                 <a:latin typeface="빙그레 메로나체" panose="020B0503000000000000" pitchFamily="50" charset="-127"/>
               </a:rPr>
-              <a:t>태그에는 하위 항목이 포함될 수 있습니다</a:t>
+              <a:t>중괄호를 사용하여 속성에 </a:t>
             </a:r>
             <a:r>
               <a:rPr lang="en-US" altLang="ko-KR" b="0" i="0">
@@ -1942,7 +1738,207 @@
                 <a:effectLst/>
                 <a:latin typeface="빙그레 메로나체" panose="020B0503000000000000" pitchFamily="50" charset="-127"/>
               </a:rPr>
+              <a:t>JavaScript </a:t>
+            </a:r>
+            <a:r>
+              <a:rPr lang="ko-KR" altLang="en-US" b="0" i="0">
+                <a:solidFill>
+                  <a:srgbClr val="000000"/>
+                </a:solidFill>
+                <a:effectLst/>
+                <a:latin typeface="빙그레 메로나체" panose="020B0503000000000000" pitchFamily="50" charset="-127"/>
+              </a:rPr>
+              <a:t>표현식을 포함 할 수도 있습니다</a:t>
+            </a:r>
+            <a:r>
+              <a:rPr lang="en-US" altLang="ko-KR" b="0" i="0">
+                <a:solidFill>
+                  <a:srgbClr val="000000"/>
+                </a:solidFill>
+                <a:effectLst/>
+                <a:latin typeface="빙그레 메로나체" panose="020B0503000000000000" pitchFamily="50" charset="-127"/>
+              </a:rPr>
               <a:t>.</a:t>
+            </a:r>
+          </a:p>
+          <a:p>
+            <a:endParaRPr lang="en-US" altLang="ko-KR" b="0" i="0">
+              <a:solidFill>
+                <a:srgbClr val="000000"/>
+              </a:solidFill>
+              <a:effectLst/>
+              <a:latin typeface="빙그레 메로나체" panose="020B0503000000000000" pitchFamily="50" charset="-127"/>
+            </a:endParaRPr>
+          </a:p>
+          <a:p>
+            <a:r>
+              <a:rPr lang="en-US" altLang="ko-KR" b="0" i="0">
+                <a:solidFill>
+                  <a:srgbClr val="000000"/>
+                </a:solidFill>
+                <a:effectLst/>
+                <a:latin typeface="빙그레 메로나체" panose="020B0503000000000000" pitchFamily="50" charset="-127"/>
+              </a:rPr>
+              <a:t>JSX</a:t>
+            </a:r>
+            <a:r>
+              <a:rPr lang="ko-KR" altLang="en-US" b="0" i="0">
+                <a:solidFill>
+                  <a:srgbClr val="000000"/>
+                </a:solidFill>
+                <a:effectLst/>
+                <a:latin typeface="빙그레 메로나체" panose="020B0503000000000000" pitchFamily="50" charset="-127"/>
+              </a:rPr>
+              <a:t>는 </a:t>
+            </a:r>
+            <a:r>
+              <a:rPr lang="en-US" altLang="ko-KR" b="0" i="0">
+                <a:solidFill>
+                  <a:srgbClr val="000000"/>
+                </a:solidFill>
+                <a:effectLst/>
+                <a:latin typeface="빙그레 메로나체" panose="020B0503000000000000" pitchFamily="50" charset="-127"/>
+              </a:rPr>
+              <a:t>HTML</a:t>
+            </a:r>
+            <a:r>
+              <a:rPr lang="ko-KR" altLang="en-US" b="0" i="0">
+                <a:solidFill>
+                  <a:srgbClr val="000000"/>
+                </a:solidFill>
+                <a:effectLst/>
+                <a:latin typeface="빙그레 메로나체" panose="020B0503000000000000" pitchFamily="50" charset="-127"/>
+              </a:rPr>
+              <a:t>보다 </a:t>
+            </a:r>
+            <a:r>
+              <a:rPr lang="en-US" altLang="ko-KR" b="0" i="0">
+                <a:solidFill>
+                  <a:srgbClr val="000000"/>
+                </a:solidFill>
+                <a:effectLst/>
+                <a:latin typeface="빙그레 메로나체" panose="020B0503000000000000" pitchFamily="50" charset="-127"/>
+              </a:rPr>
+              <a:t>JavaScript</a:t>
+            </a:r>
+            <a:r>
+              <a:rPr lang="ko-KR" altLang="en-US" b="0" i="0">
+                <a:solidFill>
+                  <a:srgbClr val="000000"/>
+                </a:solidFill>
+                <a:effectLst/>
+                <a:latin typeface="빙그레 메로나체" panose="020B0503000000000000" pitchFamily="50" charset="-127"/>
+              </a:rPr>
+              <a:t>에 더 가깝기 때문에 </a:t>
+            </a:r>
+            <a:r>
+              <a:rPr lang="en-US" altLang="ko-KR" b="0" i="0">
+                <a:solidFill>
+                  <a:srgbClr val="000000"/>
+                </a:solidFill>
+                <a:effectLst/>
+                <a:latin typeface="빙그레 메로나체" panose="020B0503000000000000" pitchFamily="50" charset="-127"/>
+              </a:rPr>
+              <a:t>React DOM</a:t>
+            </a:r>
+            <a:r>
+              <a:rPr lang="ko-KR" altLang="en-US" b="0" i="0">
+                <a:solidFill>
+                  <a:srgbClr val="000000"/>
+                </a:solidFill>
+                <a:effectLst/>
+                <a:latin typeface="빙그레 메로나체" panose="020B0503000000000000" pitchFamily="50" charset="-127"/>
+              </a:rPr>
+              <a:t>은 </a:t>
+            </a:r>
+            <a:r>
+              <a:rPr lang="en-US" altLang="ko-KR" b="0" i="0">
+                <a:solidFill>
+                  <a:srgbClr val="000000"/>
+                </a:solidFill>
+                <a:effectLst/>
+                <a:latin typeface="빙그레 메로나체" panose="020B0503000000000000" pitchFamily="50" charset="-127"/>
+              </a:rPr>
+              <a:t>HTML </a:t>
+            </a:r>
+            <a:r>
+              <a:rPr lang="ko-KR" altLang="en-US" b="0" i="0">
+                <a:solidFill>
+                  <a:srgbClr val="000000"/>
+                </a:solidFill>
+                <a:effectLst/>
+                <a:latin typeface="빙그레 메로나체" panose="020B0503000000000000" pitchFamily="50" charset="-127"/>
+              </a:rPr>
+              <a:t>속성 이름 대신 </a:t>
+            </a:r>
+            <a:r>
+              <a:rPr lang="en-US" altLang="ko-KR"/>
+              <a:t>camelCasef</a:t>
+            </a:r>
+            <a:r>
+              <a:rPr lang="ko-KR" altLang="en-US"/>
+              <a:t> 속성 이름 지정 규칙을 사용</a:t>
+            </a:r>
+            <a:endParaRPr lang="en-US" altLang="ko-KR"/>
+          </a:p>
+          <a:p>
+            <a:endParaRPr lang="en-US" altLang="ko-KR" b="0" i="0">
+              <a:solidFill>
+                <a:srgbClr val="000000"/>
+              </a:solidFill>
+              <a:effectLst/>
+              <a:latin typeface="빙그레 메로나체" panose="020B0503000000000000" pitchFamily="50" charset="-127"/>
+            </a:endParaRPr>
+          </a:p>
+          <a:p>
+            <a:r>
+              <a:rPr lang="en-US" altLang="ko-KR" b="0" i="0">
+                <a:solidFill>
+                  <a:srgbClr val="000000"/>
+                </a:solidFill>
+                <a:effectLst/>
+                <a:latin typeface="빙그레 메로나체" panose="020B0503000000000000" pitchFamily="50" charset="-127"/>
+              </a:rPr>
+              <a:t>camelCase - </a:t>
+            </a:r>
+            <a:r>
+              <a:rPr lang="ko-KR" altLang="en-US" b="0" i="0">
+                <a:solidFill>
+                  <a:srgbClr val="004D40"/>
+                </a:solidFill>
+                <a:effectLst/>
+                <a:latin typeface="빙그레 메로나체" panose="020B0503000000000000" pitchFamily="50" charset="-127"/>
+              </a:rPr>
+              <a:t>첫 번째 단어를 제외하고 복합어에서 각 단어의 첫 글자가 대문자로 표시되는 명명 규칙</a:t>
+            </a:r>
+            <a:endParaRPr lang="en-US" altLang="ko-KR" b="0" i="0">
+              <a:solidFill>
+                <a:srgbClr val="004D40"/>
+              </a:solidFill>
+              <a:effectLst/>
+              <a:latin typeface="빙그레 메로나체" panose="020B0503000000000000" pitchFamily="50" charset="-127"/>
+            </a:endParaRPr>
+          </a:p>
+          <a:p>
+            <a:r>
+              <a:rPr lang="en-US" altLang="ko-KR" b="0" i="0">
+                <a:solidFill>
+                  <a:srgbClr val="004D40"/>
+                </a:solidFill>
+                <a:effectLst/>
+                <a:latin typeface="빙그레 메로나체" panose="020B0503000000000000" pitchFamily="50" charset="-127"/>
+              </a:rPr>
+              <a:t>DOM - </a:t>
+            </a:r>
+            <a:r>
+              <a:rPr lang="ko-KR" altLang="en-US" b="0" i="0">
+                <a:solidFill>
+                  <a:srgbClr val="004D40"/>
+                </a:solidFill>
+                <a:effectLst/>
+                <a:latin typeface="빙그레 메로나체" panose="020B0503000000000000" pitchFamily="50" charset="-127"/>
+              </a:rPr>
+              <a:t>웹페이지를 자바스크립트로 제어하기 위한 객체 모델</a:t>
             </a:r>
             <a:endParaRPr lang="ko-KR" altLang="en-US"/>
           </a:p>
@@ -1951,7 +1947,7 @@
     </p:spTree>
     <p:extLst>
       <p:ext uri="{BB962C8B-B14F-4D97-AF65-F5344CB8AC3E}">
-        <p14:creationId xmlns:p14="http://schemas.microsoft.com/office/powerpoint/2010/main" val="2729733192"/>
+        <p14:creationId xmlns:p14="http://schemas.microsoft.com/office/powerpoint/2010/main" val="3202296868"/>
       </p:ext>
     </p:extLst>
   </p:cSld>
@@ -2013,7 +2009,7 @@
                 <a:effectLst/>
                 <a:latin typeface="빙그레 메로나체" panose="020B0503000000000000" pitchFamily="50" charset="-127"/>
               </a:rPr>
-              <a:t>React DOM</a:t>
+              <a:t>JSX </a:t>
             </a:r>
             <a:r>
               <a:rPr lang="ko-KR" altLang="en-US" b="0" i="0">
@@ -2023,7 +2019,7 @@
                 <a:effectLst/>
                 <a:latin typeface="빙그레 메로나체" panose="020B0503000000000000" pitchFamily="50" charset="-127"/>
               </a:rPr>
-              <a:t>은 </a:t>
+              <a:t>태그에는 하위 항목이 포함될 수 있습니다</a:t>
             </a:r>
             <a:r>
               <a:rPr lang="en-US" altLang="ko-KR" b="0" i="0">
@@ -2033,96 +2029,16 @@
                 <a:effectLst/>
                 <a:latin typeface="빙그레 메로나체" panose="020B0503000000000000" pitchFamily="50" charset="-127"/>
               </a:rPr>
-              <a:t>JSX</a:t>
-            </a:r>
-            <a:r>
-              <a:rPr lang="ko-KR" altLang="en-US" b="0" i="0">
-                <a:solidFill>
-                  <a:srgbClr val="000000"/>
-                </a:solidFill>
-                <a:effectLst/>
-                <a:latin typeface="빙그레 메로나체" panose="020B0503000000000000" pitchFamily="50" charset="-127"/>
-              </a:rPr>
-              <a:t>에 포함 된 모든 값을 렌더링하기 전에 이스케이프합니다</a:t>
-            </a:r>
-            <a:r>
-              <a:rPr lang="en-US" altLang="ko-KR" b="0" i="0">
-                <a:solidFill>
-                  <a:srgbClr val="000000"/>
-                </a:solidFill>
-                <a:effectLst/>
-                <a:latin typeface="빙그레 메로나체" panose="020B0503000000000000" pitchFamily="50" charset="-127"/>
-              </a:rPr>
-              <a:t>. </a:t>
-            </a:r>
-          </a:p>
-          <a:p>
-            <a:pPr marL="0" marR="0" lvl="0" indent="0" algn="l" defTabSz="914400" rtl="0" eaLnBrk="1" fontAlgn="auto" latinLnBrk="1" hangingPunct="1">
-              <a:lnSpc>
-                <a:spcPct val="100000"/>
-              </a:lnSpc>
-              <a:spcBef>
-                <a:spcPts val="0"/>
-              </a:spcBef>
-              <a:spcAft>
-                <a:spcPts val="0"/>
-              </a:spcAft>
-              <a:buClrTx/>
-              <a:buSzTx/>
-              <a:buFontTx/>
-              <a:buNone/>
-              <a:tabLst/>
-              <a:defRPr/>
-            </a:pPr>
-            <a:r>
-              <a:rPr lang="ko-KR" altLang="en-US" b="0" i="0">
-                <a:solidFill>
-                  <a:srgbClr val="000000"/>
-                </a:solidFill>
-                <a:effectLst/>
-                <a:latin typeface="빙그레 메로나체" panose="020B0503000000000000" pitchFamily="50" charset="-127"/>
-              </a:rPr>
-              <a:t>모든 것이 렌더링되기 전에 문자열로 변환됩니다</a:t>
-            </a:r>
-            <a:r>
-              <a:rPr lang="en-US" altLang="ko-KR" b="0" i="0">
-                <a:solidFill>
-                  <a:srgbClr val="000000"/>
-                </a:solidFill>
-                <a:effectLst/>
-                <a:latin typeface="빙그레 메로나체" panose="020B0503000000000000" pitchFamily="50" charset="-127"/>
-              </a:rPr>
               <a:t>.</a:t>
             </a:r>
-          </a:p>
-          <a:p>
-            <a:r>
-              <a:rPr lang="ko-KR" altLang="en-US" b="0" i="0">
-                <a:solidFill>
-                  <a:srgbClr val="000000"/>
-                </a:solidFill>
-                <a:effectLst/>
-                <a:latin typeface="빙그레 메로나체" panose="020B0503000000000000" pitchFamily="50" charset="-127"/>
-              </a:rPr>
-              <a:t>따라서 애플리케이션에 명시 적으로 작성되지 않은 것은 절대 주입 할 수 없습니다</a:t>
-            </a:r>
-            <a:r>
-              <a:rPr lang="en-US" altLang="ko-KR" b="0" i="0">
-                <a:solidFill>
-                  <a:srgbClr val="000000"/>
-                </a:solidFill>
-                <a:effectLst/>
-                <a:latin typeface="빙그레 메로나체" panose="020B0503000000000000" pitchFamily="50" charset="-127"/>
-              </a:rPr>
-              <a:t>.</a:t>
-            </a:r>
+            <a:endParaRPr lang="ko-KR" altLang="en-US"/>
           </a:p>
         </p:txBody>
       </p:sp>
     </p:spTree>
     <p:extLst>
       <p:ext uri="{BB962C8B-B14F-4D97-AF65-F5344CB8AC3E}">
-        <p14:creationId xmlns:p14="http://schemas.microsoft.com/office/powerpoint/2010/main" val="4020729784"/>
+        <p14:creationId xmlns:p14="http://schemas.microsoft.com/office/powerpoint/2010/main" val="2729733192"/>
       </p:ext>
     </p:extLst>
   </p:cSld>
@@ -2184,6 +2100,26 @@
                 <a:effectLst/>
                 <a:latin typeface="빙그레 메로나체" panose="020B0503000000000000" pitchFamily="50" charset="-127"/>
               </a:rPr>
+              <a:t>React DOM</a:t>
+            </a:r>
+            <a:r>
+              <a:rPr lang="ko-KR" altLang="en-US" b="0" i="0">
+                <a:solidFill>
+                  <a:srgbClr val="000000"/>
+                </a:solidFill>
+                <a:effectLst/>
+                <a:latin typeface="빙그레 메로나체" panose="020B0503000000000000" pitchFamily="50" charset="-127"/>
+              </a:rPr>
+              <a:t>은 </a:t>
+            </a:r>
+            <a:r>
+              <a:rPr lang="en-US" altLang="ko-KR" b="0" i="0">
+                <a:solidFill>
+                  <a:srgbClr val="000000"/>
+                </a:solidFill>
+                <a:effectLst/>
+                <a:latin typeface="빙그레 메로나체" panose="020B0503000000000000" pitchFamily="50" charset="-127"/>
+              </a:rPr>
               <a:t>JSX</a:t>
             </a:r>
             <a:r>
@@ -2194,22 +2130,86 @@
                 <a:effectLst/>
                 <a:latin typeface="빙그레 메로나체" panose="020B0503000000000000" pitchFamily="50" charset="-127"/>
               </a:rPr>
-              <a:t>는 객체를 나타냄</a:t>
-            </a:r>
-            <a:endParaRPr lang="en-US" altLang="ko-KR" b="0" i="0">
-              <a:solidFill>
-                <a:srgbClr val="000000"/>
-              </a:solidFill>
-              <a:effectLst/>
-              <a:latin typeface="빙그레 메로나체" panose="020B0503000000000000" pitchFamily="50" charset="-127"/>
-            </a:endParaRPr>
+              <a:t>에 포함 된 모든 값을 렌더링하기 전에 이스케이프합니다</a:t>
+            </a:r>
+            <a:r>
+              <a:rPr lang="en-US" altLang="ko-KR" b="0" i="0">
+                <a:solidFill>
+                  <a:srgbClr val="000000"/>
+                </a:solidFill>
+                <a:effectLst/>
+                <a:latin typeface="빙그레 메로나체" panose="020B0503000000000000" pitchFamily="50" charset="-127"/>
+              </a:rPr>
+              <a:t>. </a:t>
+            </a:r>
+          </a:p>
+          <a:p>
+            <a:pPr marL="0" marR="0" lvl="0" indent="0" algn="l" defTabSz="914400" rtl="0" eaLnBrk="1" fontAlgn="auto" latinLnBrk="1" hangingPunct="1">
+              <a:lnSpc>
+                <a:spcPct val="100000"/>
+              </a:lnSpc>
+              <a:spcBef>
+                <a:spcPts val="0"/>
+              </a:spcBef>
+              <a:spcAft>
+                <a:spcPts val="0"/>
+              </a:spcAft>
+              <a:buClrTx/>
+              <a:buSzTx/>
+              <a:buFontTx/>
+              <a:buNone/>
+              <a:tabLst/>
+              <a:defRPr/>
+            </a:pPr>
+            <a:r>
+              <a:rPr lang="ko-KR" altLang="en-US" b="0" i="0">
+                <a:solidFill>
+                  <a:srgbClr val="000000"/>
+                </a:solidFill>
+                <a:effectLst/>
+                <a:latin typeface="빙그레 메로나체" panose="020B0503000000000000" pitchFamily="50" charset="-127"/>
+              </a:rPr>
+              <a:t>모든 것이 렌더링되기 전에 문자열로 변환됩니다</a:t>
+            </a:r>
+            <a:r>
+              <a:rPr lang="en-US" altLang="ko-KR" b="0" i="0">
+                <a:solidFill>
+                  <a:srgbClr val="000000"/>
+                </a:solidFill>
+                <a:effectLst/>
+                <a:latin typeface="빙그레 메로나체" panose="020B0503000000000000" pitchFamily="50" charset="-127"/>
+              </a:rPr>
+              <a:t>.</a:t>
+            </a:r>
+          </a:p>
+          <a:p>
+            <a:r>
+              <a:rPr lang="ko-KR" altLang="en-US" b="0" i="0">
+                <a:solidFill>
+                  <a:srgbClr val="000000"/>
+                </a:solidFill>
+                <a:effectLst/>
+                <a:latin typeface="빙그레 메로나체" panose="020B0503000000000000" pitchFamily="50" charset="-127"/>
+              </a:rPr>
+              <a:t>따라서 애플리케이션에 명시 적으로 작성되지 않은 것은 절대 주입 할 수 없습니다</a:t>
+            </a:r>
+            <a:r>
+              <a:rPr lang="en-US" altLang="ko-KR" b="0" i="0">
+                <a:solidFill>
+                  <a:srgbClr val="000000"/>
+                </a:solidFill>
+                <a:effectLst/>
+                <a:latin typeface="빙그레 메로나체" panose="020B0503000000000000" pitchFamily="50" charset="-127"/>
+              </a:rPr>
+              <a:t>.</a:t>
+            </a:r>
           </a:p>
         </p:txBody>
       </p:sp>
     </p:spTree>
     <p:extLst>
       <p:ext uri="{BB962C8B-B14F-4D97-AF65-F5344CB8AC3E}">
-        <p14:creationId xmlns:p14="http://schemas.microsoft.com/office/powerpoint/2010/main" val="3311050929"/>
+        <p14:creationId xmlns:p14="http://schemas.microsoft.com/office/powerpoint/2010/main" val="4020729784"/>
       </p:ext>
     </p:extLst>
   </p:cSld>
@@ -2264,6 +2264,16 @@
           <a:lstStyle/>
           <a:p>
             <a:r>
+              <a:rPr lang="en-US" altLang="ko-KR" b="0" i="0">
+                <a:solidFill>
+                  <a:srgbClr val="000000"/>
+                </a:solidFill>
+                <a:effectLst/>
+                <a:latin typeface="빙그레 메로나체" panose="020B0503000000000000" pitchFamily="50" charset="-127"/>
+              </a:rPr>
+              <a:t>JSX</a:t>
+            </a:r>
+            <a:r>
               <a:rPr lang="ko-KR" altLang="en-US" b="0" i="0">
                 <a:solidFill>
                   <a:srgbClr val="000000"/>
@@ -2271,19 +2281,7 @@
                 <a:effectLst/>
                 <a:latin typeface="빙그레 메로나체" panose="020B0503000000000000" pitchFamily="50" charset="-127"/>
               </a:rPr>
-              <a:t>웹 페이지를 구성하는 요소를 구조화해서 나타낸 객체</a:t>
-            </a:r>
-          </a:p>
-          <a:p>
-            <a:r>
-              <a:rPr lang="ko-KR" altLang="en-US" b="0" i="0">
-                <a:solidFill>
-                  <a:srgbClr val="000000"/>
-                </a:solidFill>
-                <a:effectLst/>
-                <a:latin typeface="빙그레 메로나체" panose="020B0503000000000000" pitchFamily="50" charset="-127"/>
-              </a:rPr>
-              <a:t>이 객체를 이용해서 웹 페이지 구성요소를 제어 가능</a:t>
+              <a:t>는 객체를 나타냄</a:t>
             </a:r>
             <a:endParaRPr lang="en-US" altLang="ko-KR" b="0" i="0">
               <a:solidFill>
@@ -2293,77 +2291,12 @@
               <a:latin typeface="빙그레 메로나체" panose="020B0503000000000000" pitchFamily="50" charset="-127"/>
             </a:endParaRPr>
           </a:p>
-          <a:p>
-            <a:endParaRPr lang="en-US" altLang="ko-KR" b="0" i="0">
-              <a:solidFill>
-                <a:srgbClr val="000000"/>
-              </a:solidFill>
-              <a:effectLst/>
-              <a:latin typeface="빙그레 메로나체" panose="020B0503000000000000" pitchFamily="50" charset="-127"/>
-            </a:endParaRPr>
-          </a:p>
-          <a:p>
-            <a:pPr marL="0" marR="0" lvl="0" indent="0" algn="l" defTabSz="914400" rtl="0" eaLnBrk="1" fontAlgn="auto" latinLnBrk="1" hangingPunct="1">
-              <a:lnSpc>
-                <a:spcPct val="100000"/>
-              </a:lnSpc>
-              <a:spcBef>
-                <a:spcPts val="0"/>
-              </a:spcBef>
-              <a:spcAft>
-                <a:spcPts val="0"/>
-              </a:spcAft>
-              <a:buClrTx/>
-              <a:buSzTx/>
-              <a:buFontTx/>
-              <a:buNone/>
-              <a:tabLst/>
-              <a:defRPr/>
-            </a:pPr>
-            <a:r>
-              <a:rPr lang="en-US" altLang="ko-KR">
-                <a:ln>
-                  <a:solidFill>
-                    <a:schemeClr val="tx1">
-                      <a:alpha val="30000"/>
-                    </a:schemeClr>
-                  </a:solidFill>
-                </a:ln>
-                <a:latin typeface="빙그레 메로나체" panose="020B0503000000000000" pitchFamily="50" charset="-127"/>
-                <a:ea typeface="빙그레 메로나체" panose="020B0503000000000000" pitchFamily="50" charset="-127"/>
-              </a:rPr>
-              <a:t>DOM</a:t>
-            </a:r>
-            <a:r>
-              <a:rPr lang="ko-KR" altLang="en-US">
-                <a:ln>
-                  <a:solidFill>
-                    <a:schemeClr val="tx1">
-                      <a:alpha val="30000"/>
-                    </a:schemeClr>
-                  </a:solidFill>
-                </a:ln>
-                <a:latin typeface="빙그레 메로나체" panose="020B0503000000000000" pitchFamily="50" charset="-127"/>
-                <a:ea typeface="빙그레 메로나체" panose="020B0503000000000000" pitchFamily="50" charset="-127"/>
-              </a:rPr>
-              <a:t>을 추상화한 가상의 객체</a:t>
-            </a:r>
-          </a:p>
-          <a:p>
-            <a:endParaRPr lang="en-US" altLang="ko-KR" b="0" i="0">
-              <a:solidFill>
-                <a:srgbClr val="000000"/>
-              </a:solidFill>
-              <a:effectLst/>
-              <a:latin typeface="빙그레 메로나체" panose="020B0503000000000000" pitchFamily="50" charset="-127"/>
-            </a:endParaRPr>
-          </a:p>
         </p:txBody>
       </p:sp>
     </p:spTree>
     <p:extLst>
       <p:ext uri="{BB962C8B-B14F-4D97-AF65-F5344CB8AC3E}">
-        <p14:creationId xmlns:p14="http://schemas.microsoft.com/office/powerpoint/2010/main" val="144352349"/>
+        <p14:creationId xmlns:p14="http://schemas.microsoft.com/office/powerpoint/2010/main" val="3311050929"/>
       </p:ext>
     </p:extLst>
   </p:cSld>
@@ -2419,63 +2352,26 @@
           <a:p>
             <a:r>
               <a:rPr lang="ko-KR" altLang="en-US"/>
-              <a:t>페이스북 </a:t>
-            </a:r>
+              <a:t>유저 인터페이스를 만들기 위한 자바스크립트 라이브러리</a:t>
+            </a:r>
+            <a:endParaRPr lang="en-US" altLang="ko-KR"/>
+          </a:p>
+          <a:p>
             <a:r>
               <a:rPr lang="en-US" altLang="ko-KR"/>
-              <a:t>Jordan walke</a:t>
+              <a:t>* </a:t>
             </a:r>
             <a:r>
               <a:rPr lang="ko-KR" altLang="en-US"/>
-              <a:t>에 의해 개발되었으며</a:t>
-            </a:r>
-            <a:endParaRPr lang="en-US" altLang="ko-KR"/>
-          </a:p>
-          <a:p>
-            <a:r>
-              <a:rPr lang="ko-KR" altLang="en-US"/>
-              <a:t>페이스북</a:t>
-            </a:r>
-            <a:r>
-              <a:rPr lang="en-US" altLang="ko-KR"/>
-              <a:t>, </a:t>
-            </a:r>
-            <a:r>
-              <a:rPr lang="ko-KR" altLang="en-US"/>
-              <a:t>에어비앤비</a:t>
-            </a:r>
-            <a:r>
-              <a:rPr lang="en-US" altLang="ko-KR"/>
-              <a:t>, </a:t>
-            </a:r>
-            <a:r>
-              <a:rPr lang="ko-KR" altLang="en-US"/>
-              <a:t>드랍박스</a:t>
-            </a:r>
-            <a:r>
-              <a:rPr lang="en-US" altLang="ko-KR"/>
-              <a:t>, </a:t>
-            </a:r>
-            <a:r>
-              <a:rPr lang="ko-KR" altLang="en-US"/>
-              <a:t>트위터</a:t>
-            </a:r>
-            <a:r>
-              <a:rPr lang="en-US" altLang="ko-KR"/>
-              <a:t>, </a:t>
-            </a:r>
-            <a:r>
-              <a:rPr lang="ko-KR" altLang="en-US"/>
-              <a:t>우버 등 많은 사용자들이 사용</a:t>
-            </a:r>
-            <a:endParaRPr lang="en-US" altLang="ko-KR"/>
+              <a:t>사람과 기계 사이에 상호작용 일어나는 공간</a:t>
+            </a:r>
           </a:p>
         </p:txBody>
       </p:sp>
     </p:spTree>
     <p:extLst>
       <p:ext uri="{BB962C8B-B14F-4D97-AF65-F5344CB8AC3E}">
-        <p14:creationId xmlns:p14="http://schemas.microsoft.com/office/powerpoint/2010/main" val="1611459492"/>
+        <p14:creationId xmlns:p14="http://schemas.microsoft.com/office/powerpoint/2010/main" val="922328905"/>
       </p:ext>
     </p:extLst>
   </p:cSld>
@@ -2537,7 +2433,19 @@
                 <a:effectLst/>
                 <a:latin typeface="빙그레 메로나체" panose="020B0503000000000000" pitchFamily="50" charset="-127"/>
               </a:rPr>
-              <a:t>컴포넌트 상태 변경</a:t>
+              <a:t>웹 페이지를 구성하는 요소를 구조화해서 나타낸 객체</a:t>
+            </a:r>
+          </a:p>
+          <a:p>
+            <a:r>
+              <a:rPr lang="ko-KR" altLang="en-US" b="0" i="0">
+                <a:solidFill>
+                  <a:srgbClr val="000000"/>
+                </a:solidFill>
+                <a:effectLst/>
+                <a:latin typeface="빙그레 메로나체" panose="020B0503000000000000" pitchFamily="50" charset="-127"/>
+              </a:rPr>
+              <a:t>이 객체를 이용해서 웹 페이지 구성요소를 제어 가능</a:t>
             </a:r>
             <a:endParaRPr lang="en-US" altLang="ko-KR" b="0" i="0">
               <a:solidFill>
@@ -2548,65 +2456,6 @@
             </a:endParaRPr>
           </a:p>
           <a:p>
-            <a:r>
-              <a:rPr lang="en-US" altLang="ko-KR" b="0" i="0">
-                <a:solidFill>
-                  <a:srgbClr val="000000"/>
-                </a:solidFill>
-                <a:effectLst/>
-                <a:latin typeface="빙그레 메로나체" panose="020B0503000000000000" pitchFamily="50" charset="-127"/>
-              </a:rPr>
-              <a:t>DOM </a:t>
-            </a:r>
-            <a:r>
-              <a:rPr lang="ko-KR" altLang="en-US" b="0" i="0">
-                <a:solidFill>
-                  <a:srgbClr val="000000"/>
-                </a:solidFill>
-                <a:effectLst/>
-                <a:latin typeface="빙그레 메로나체" panose="020B0503000000000000" pitchFamily="50" charset="-127"/>
-              </a:rPr>
-              <a:t>트리 업데이트</a:t>
-            </a:r>
-            <a:br>
-              <a:rPr lang="en-US" altLang="ko-KR" b="0" i="0">
-                <a:solidFill>
-                  <a:srgbClr val="000000"/>
-                </a:solidFill>
-                <a:effectLst/>
-                <a:latin typeface="빙그레 메로나체" panose="020B0503000000000000" pitchFamily="50" charset="-127"/>
-              </a:rPr>
-            </a:br>
-            <a:r>
-              <a:rPr lang="ko-KR" altLang="en-US" b="0" i="0">
-                <a:solidFill>
-                  <a:srgbClr val="000000"/>
-                </a:solidFill>
-                <a:effectLst/>
-                <a:latin typeface="빙그레 메로나체" panose="020B0503000000000000" pitchFamily="50" charset="-127"/>
-              </a:rPr>
-              <a:t>실제 </a:t>
-            </a:r>
-            <a:r>
-              <a:rPr lang="en-US" altLang="ko-KR" b="0" i="0">
-                <a:solidFill>
-                  <a:srgbClr val="000000"/>
-                </a:solidFill>
-                <a:effectLst/>
-                <a:latin typeface="빙그레 메로나체" panose="020B0503000000000000" pitchFamily="50" charset="-127"/>
-              </a:rPr>
-              <a:t>DOM</a:t>
-            </a:r>
-            <a:r>
-              <a:rPr lang="ko-KR" altLang="en-US" b="0" i="0">
-                <a:solidFill>
-                  <a:srgbClr val="000000"/>
-                </a:solidFill>
-                <a:effectLst/>
-                <a:latin typeface="빙그레 메로나체" panose="020B0503000000000000" pitchFamily="50" charset="-127"/>
-              </a:rPr>
-              <a:t> 업데이트</a:t>
-            </a:r>
             <a:endParaRPr lang="en-US" altLang="ko-KR" b="0" i="0">
               <a:solidFill>
                 <a:srgbClr val="000000"/>
@@ -2616,6 +2465,53 @@
             </a:endParaRPr>
           </a:p>
           <a:p>
+            <a:pPr marL="0" marR="0" lvl="0" indent="0" algn="l" defTabSz="914400" rtl="0" eaLnBrk="1" fontAlgn="auto" latinLnBrk="1" hangingPunct="1">
+              <a:lnSpc>
+                <a:spcPct val="100000"/>
+              </a:lnSpc>
+              <a:spcBef>
+                <a:spcPts val="0"/>
+              </a:spcBef>
+              <a:spcAft>
+                <a:spcPts val="0"/>
+              </a:spcAft>
+              <a:buClrTx/>
+              <a:buSzTx/>
+              <a:buFontTx/>
+              <a:buNone/>
+              <a:tabLst/>
+              <a:defRPr/>
+            </a:pPr>
+            <a:r>
+              <a:rPr lang="en-US" altLang="ko-KR">
+                <a:ln>
+                  <a:solidFill>
+                    <a:schemeClr val="tx1">
+                      <a:alpha val="30000"/>
+                    </a:schemeClr>
+                  </a:solidFill>
+                </a:ln>
+                <a:latin typeface="빙그레 메로나체" panose="020B0503000000000000" pitchFamily="50" charset="-127"/>
+                <a:ea typeface="빙그레 메로나체" panose="020B0503000000000000" pitchFamily="50" charset="-127"/>
+              </a:rPr>
+              <a:t>DOM</a:t>
+            </a:r>
+            <a:r>
+              <a:rPr lang="ko-KR" altLang="en-US">
+                <a:ln>
+                  <a:solidFill>
+                    <a:schemeClr val="tx1">
+                      <a:alpha val="30000"/>
+                    </a:schemeClr>
+                  </a:solidFill>
+                </a:ln>
+                <a:latin typeface="빙그레 메로나체" panose="020B0503000000000000" pitchFamily="50" charset="-127"/>
+                <a:ea typeface="빙그레 메로나체" panose="020B0503000000000000" pitchFamily="50" charset="-127"/>
+              </a:rPr>
+              <a:t>을 추상화한 가상의 객체</a:t>
+            </a:r>
+          </a:p>
+          <a:p>
             <a:endParaRPr lang="en-US" altLang="ko-KR" b="0" i="0">
               <a:solidFill>
                 <a:srgbClr val="000000"/>
@@ -2629,7 +2525,7 @@
     </p:spTree>
     <p:extLst>
       <p:ext uri="{BB962C8B-B14F-4D97-AF65-F5344CB8AC3E}">
-        <p14:creationId xmlns:p14="http://schemas.microsoft.com/office/powerpoint/2010/main" val="3503386022"/>
+        <p14:creationId xmlns:p14="http://schemas.microsoft.com/office/powerpoint/2010/main" val="144352349"/>
       </p:ext>
     </p:extLst>
   </p:cSld>
@@ -2703,6 +2599,16 @@
           </a:p>
           <a:p>
             <a:r>
+              <a:rPr lang="en-US" altLang="ko-KR" b="0" i="0">
+                <a:solidFill>
+                  <a:srgbClr val="000000"/>
+                </a:solidFill>
+                <a:effectLst/>
+                <a:latin typeface="빙그레 메로나체" panose="020B0503000000000000" pitchFamily="50" charset="-127"/>
+              </a:rPr>
+              <a:t>DOM </a:t>
+            </a:r>
+            <a:r>
               <a:rPr lang="ko-KR" altLang="en-US" b="0" i="0">
                 <a:solidFill>
                   <a:srgbClr val="000000"/>
@@ -2710,9 +2616,9 @@
                 <a:effectLst/>
                 <a:latin typeface="빙그레 메로나체" panose="020B0503000000000000" pitchFamily="50" charset="-127"/>
               </a:rPr>
-              <a:t>가상 </a:t>
-            </a:r>
-            <a:r>
+              <a:t>트리 업데이트</a:t>
+            </a:r>
+            <a:br>
               <a:rPr lang="en-US" altLang="ko-KR" b="0" i="0">
                 <a:solidFill>
                   <a:srgbClr val="000000"/>
@@ -2720,8 +2626,7 @@
                 <a:effectLst/>
                 <a:latin typeface="빙그레 메로나체" panose="020B0503000000000000" pitchFamily="50" charset="-127"/>
               </a:rPr>
-              <a:t>DOM </a:t>
-            </a:r>
+            </a:br>
             <a:r>
               <a:rPr lang="ko-KR" altLang="en-US" b="0" i="0">
                 <a:solidFill>
@@ -2730,7 +2635,27 @@
                 <a:effectLst/>
                 <a:latin typeface="빙그레 메로나체" panose="020B0503000000000000" pitchFamily="50" charset="-127"/>
               </a:rPr>
-              <a:t>트리 업데이트</a:t>
+              <a:t>실제 </a:t>
+            </a:r>
+            <a:r>
+              <a:rPr lang="en-US" altLang="ko-KR" b="0" i="0">
+                <a:solidFill>
+                  <a:srgbClr val="000000"/>
+                </a:solidFill>
+                <a:effectLst/>
+                <a:latin typeface="빙그레 메로나체" panose="020B0503000000000000" pitchFamily="50" charset="-127"/>
+              </a:rPr>
+              <a:t>DOM</a:t>
+            </a:r>
+            <a:r>
+              <a:rPr lang="ko-KR" altLang="en-US" b="0" i="0">
+                <a:solidFill>
+                  <a:srgbClr val="000000"/>
+                </a:solidFill>
+                <a:effectLst/>
+                <a:latin typeface="빙그레 메로나체" panose="020B0503000000000000" pitchFamily="50" charset="-127"/>
+              </a:rPr>
+              <a:t> 업데이트</a:t>
             </a:r>
             <a:endParaRPr lang="en-US" altLang="ko-KR" b="0" i="0">
               <a:solidFill>
@@ -2741,56 +2666,6 @@
             </a:endParaRPr>
           </a:p>
           <a:p>
-            <a:r>
-              <a:rPr lang="ko-KR" altLang="en-US" b="0" i="0">
-                <a:solidFill>
-                  <a:srgbClr val="000000"/>
-                </a:solidFill>
-                <a:effectLst/>
-                <a:latin typeface="빙그레 메로나체" panose="020B0503000000000000" pitchFamily="50" charset="-127"/>
-              </a:rPr>
-              <a:t>현재 가상 </a:t>
-            </a:r>
-            <a:r>
-              <a:rPr lang="en-US" altLang="ko-KR" b="0" i="0">
-                <a:solidFill>
-                  <a:srgbClr val="000000"/>
-                </a:solidFill>
-                <a:effectLst/>
-                <a:latin typeface="빙그레 메로나체" panose="020B0503000000000000" pitchFamily="50" charset="-127"/>
-              </a:rPr>
-              <a:t>DOM, </a:t>
-            </a:r>
-            <a:r>
-              <a:rPr lang="ko-KR" altLang="en-US" b="0" i="0">
-                <a:solidFill>
-                  <a:srgbClr val="000000"/>
-                </a:solidFill>
-                <a:effectLst/>
-                <a:latin typeface="빙그레 메로나체" panose="020B0503000000000000" pitchFamily="50" charset="-127"/>
-              </a:rPr>
-              <a:t>이전 가상 </a:t>
-            </a:r>
-            <a:r>
-              <a:rPr lang="en-US" altLang="ko-KR" b="0" i="0">
-                <a:solidFill>
-                  <a:srgbClr val="000000"/>
-                </a:solidFill>
-                <a:effectLst/>
-                <a:latin typeface="빙그레 메로나체" panose="020B0503000000000000" pitchFamily="50" charset="-127"/>
-              </a:rPr>
-              <a:t>DOM </a:t>
-            </a:r>
-            <a:r>
-              <a:rPr lang="ko-KR" altLang="en-US" b="0" i="0">
-                <a:solidFill>
-                  <a:srgbClr val="000000"/>
-                </a:solidFill>
-                <a:effectLst/>
-                <a:latin typeface="빙그레 메로나체" panose="020B0503000000000000" pitchFamily="50" charset="-127"/>
-              </a:rPr>
-              <a:t>비교</a:t>
-            </a:r>
             <a:endParaRPr lang="en-US" altLang="ko-KR" b="0" i="0">
               <a:solidFill>
                 <a:srgbClr val="000000"/>
@@ -2799,99 +2674,12 @@
               <a:latin typeface="빙그레 메로나체" panose="020B0503000000000000" pitchFamily="50" charset="-127"/>
             </a:endParaRPr>
           </a:p>
-          <a:p>
-            <a:r>
-              <a:rPr lang="ko-KR" altLang="en-US" b="0" i="0">
-                <a:solidFill>
-                  <a:srgbClr val="000000"/>
-                </a:solidFill>
-                <a:effectLst/>
-                <a:latin typeface="빙그레 메로나체" panose="020B0503000000000000" pitchFamily="50" charset="-127"/>
-              </a:rPr>
-              <a:t>어떤 가상 </a:t>
-            </a:r>
-            <a:r>
-              <a:rPr lang="en-US" altLang="ko-KR" b="0" i="0">
-                <a:solidFill>
-                  <a:srgbClr val="000000"/>
-                </a:solidFill>
-                <a:effectLst/>
-                <a:latin typeface="빙그레 메로나체" panose="020B0503000000000000" pitchFamily="50" charset="-127"/>
-              </a:rPr>
-              <a:t>DOM </a:t>
-            </a:r>
-            <a:r>
-              <a:rPr lang="ko-KR" altLang="en-US" b="0" i="0">
-                <a:solidFill>
-                  <a:srgbClr val="000000"/>
-                </a:solidFill>
-                <a:effectLst/>
-                <a:latin typeface="빙그레 메로나체" panose="020B0503000000000000" pitchFamily="50" charset="-127"/>
-              </a:rPr>
-              <a:t>객체가 변경 되었는지 확인</a:t>
-            </a:r>
-            <a:br>
-              <a:rPr lang="en-US" altLang="ko-KR" b="0" i="0">
-                <a:solidFill>
-                  <a:srgbClr val="000000"/>
-                </a:solidFill>
-                <a:effectLst/>
-                <a:latin typeface="빙그레 메로나체" panose="020B0503000000000000" pitchFamily="50" charset="-127"/>
-              </a:rPr>
-            </a:br>
-            <a:r>
-              <a:rPr lang="ko-KR" altLang="en-US" b="0" i="0">
-                <a:solidFill>
-                  <a:srgbClr val="000000"/>
-                </a:solidFill>
-                <a:effectLst/>
-                <a:latin typeface="빙그레 메로나체" panose="020B0503000000000000" pitchFamily="50" charset="-127"/>
-              </a:rPr>
-              <a:t>실제 </a:t>
-            </a:r>
-            <a:r>
-              <a:rPr lang="en-US" altLang="ko-KR" b="0" i="0">
-                <a:solidFill>
-                  <a:srgbClr val="000000"/>
-                </a:solidFill>
-                <a:effectLst/>
-                <a:latin typeface="빙그레 메로나체" panose="020B0503000000000000" pitchFamily="50" charset="-127"/>
-              </a:rPr>
-              <a:t>DOM</a:t>
-            </a:r>
-            <a:r>
-              <a:rPr lang="ko-KR" altLang="en-US" b="0" i="0">
-                <a:solidFill>
-                  <a:srgbClr val="000000"/>
-                </a:solidFill>
-                <a:effectLst/>
-                <a:latin typeface="빙그레 메로나체" panose="020B0503000000000000" pitchFamily="50" charset="-127"/>
-              </a:rPr>
-              <a:t>에서 해당 객체만 업데이트</a:t>
-            </a:r>
-            <a:endParaRPr lang="en-US" altLang="ko-KR" b="0" i="0">
-              <a:solidFill>
-                <a:srgbClr val="000000"/>
-              </a:solidFill>
-              <a:effectLst/>
-              <a:latin typeface="빙그레 메로나체" panose="020B0503000000000000" pitchFamily="50" charset="-127"/>
-            </a:endParaRPr>
-          </a:p>
-          <a:p>
-            <a:endParaRPr lang="en-US" altLang="ko-KR" b="0" i="0">
-              <a:solidFill>
-                <a:srgbClr val="000000"/>
-              </a:solidFill>
-              <a:effectLst/>
-              <a:latin typeface="빙그레 메로나체" panose="020B0503000000000000" pitchFamily="50" charset="-127"/>
-            </a:endParaRPr>
-          </a:p>
         </p:txBody>
       </p:sp>
     </p:spTree>
     <p:extLst>
       <p:ext uri="{BB962C8B-B14F-4D97-AF65-F5344CB8AC3E}">
-        <p14:creationId xmlns:p14="http://schemas.microsoft.com/office/powerpoint/2010/main" val="2138686825"/>
+        <p14:creationId xmlns:p14="http://schemas.microsoft.com/office/powerpoint/2010/main" val="3503386022"/>
       </p:ext>
     </p:extLst>
   </p:cSld>
@@ -2948,186 +2736,12 @@
             <a:r>
               <a:rPr lang="ko-KR" altLang="en-US" b="0" i="0">
                 <a:solidFill>
-                  <a:srgbClr val="222222"/>
-                </a:solidFill>
-                <a:effectLst/>
-              </a:rPr>
-              <a:t>변화 발생 </a:t>
-            </a:r>
-            <a:r>
-              <a:rPr lang="en-US" altLang="ko-KR" b="0" i="0">
-                <a:solidFill>
-                  <a:srgbClr val="222222"/>
-                </a:solidFill>
-                <a:effectLst/>
-              </a:rPr>
-              <a:t>-&gt; </a:t>
-            </a:r>
-            <a:r>
-              <a:rPr lang="ko-KR" altLang="en-US" b="0" i="0">
-                <a:solidFill>
-                  <a:srgbClr val="222222"/>
-                </a:solidFill>
-                <a:effectLst/>
-              </a:rPr>
-              <a:t>오프라인 </a:t>
-            </a:r>
-            <a:r>
-              <a:rPr lang="en-US" altLang="ko-KR" b="0" i="0">
-                <a:solidFill>
-                  <a:srgbClr val="222222"/>
-                </a:solidFill>
-                <a:effectLst/>
-              </a:rPr>
-              <a:t>DOM </a:t>
-            </a:r>
-            <a:r>
-              <a:rPr lang="ko-KR" altLang="en-US" b="0" i="0">
-                <a:solidFill>
-                  <a:srgbClr val="222222"/>
-                </a:solidFill>
-                <a:effectLst/>
-              </a:rPr>
-              <a:t>트리에 적용</a:t>
-            </a:r>
-            <a:r>
-              <a:rPr lang="en-US" altLang="ko-KR" b="0" i="0">
-                <a:solidFill>
-                  <a:srgbClr val="222222"/>
-                </a:solidFill>
-                <a:effectLst/>
-              </a:rPr>
-              <a:t>(</a:t>
-            </a:r>
-            <a:r>
-              <a:rPr lang="ko-KR" altLang="en-US" b="0" i="0">
-                <a:solidFill>
-                  <a:srgbClr val="222222"/>
-                </a:solidFill>
-                <a:effectLst/>
-              </a:rPr>
-              <a:t>이 </a:t>
-            </a:r>
-            <a:r>
-              <a:rPr lang="en-US" altLang="ko-KR" b="0" i="0">
-                <a:solidFill>
-                  <a:srgbClr val="222222"/>
-                </a:solidFill>
-                <a:effectLst/>
-              </a:rPr>
-              <a:t>DOM </a:t>
-            </a:r>
-            <a:r>
-              <a:rPr lang="ko-KR" altLang="en-US" b="0" i="0">
-                <a:solidFill>
-                  <a:srgbClr val="222222"/>
-                </a:solidFill>
-                <a:effectLst/>
-              </a:rPr>
-              <a:t>트리는 렌더링도 되지 않기때문에 연산 비용이 적음</a:t>
-            </a:r>
-            <a:r>
-              <a:rPr lang="en-US" altLang="ko-KR" b="0" i="0">
-                <a:solidFill>
-                  <a:srgbClr val="222222"/>
-                </a:solidFill>
-                <a:effectLst/>
-              </a:rPr>
-              <a:t>)</a:t>
-            </a:r>
-          </a:p>
-          <a:p>
-            <a:r>
-              <a:rPr lang="en-US" altLang="ko-KR" b="0" i="0">
-                <a:solidFill>
-                  <a:srgbClr val="222222"/>
-                </a:solidFill>
-                <a:effectLst/>
-              </a:rPr>
-              <a:t>-&gt; </a:t>
-            </a:r>
-            <a:r>
-              <a:rPr lang="ko-KR" altLang="en-US" b="0" i="0">
-                <a:solidFill>
-                  <a:srgbClr val="222222"/>
-                </a:solidFill>
-                <a:effectLst/>
-              </a:rPr>
-              <a:t>연산 후 최종적인 변화를 실제 </a:t>
-            </a:r>
-            <a:r>
-              <a:rPr lang="en-US" altLang="ko-KR" b="0" i="0">
-                <a:solidFill>
-                  <a:srgbClr val="222222"/>
-                </a:solidFill>
-                <a:effectLst/>
-              </a:rPr>
-              <a:t>DOM</a:t>
-            </a:r>
-            <a:r>
-              <a:rPr lang="ko-KR" altLang="en-US" b="0" i="0">
-                <a:solidFill>
-                  <a:srgbClr val="222222"/>
-                </a:solidFill>
-                <a:effectLst/>
-              </a:rPr>
-              <a:t>에 전달</a:t>
-            </a:r>
-            <a:endParaRPr lang="en-US" altLang="ko-KR" b="0" i="0">
-              <a:solidFill>
-                <a:srgbClr val="222222"/>
-              </a:solidFill>
-              <a:effectLst/>
-            </a:endParaRPr>
-          </a:p>
-          <a:p>
-            <a:endParaRPr lang="en-US" altLang="ko-KR" b="0" i="0">
-              <a:solidFill>
-                <a:srgbClr val="222222"/>
-              </a:solidFill>
-              <a:effectLst/>
-            </a:endParaRPr>
-          </a:p>
-          <a:p>
-            <a:r>
-              <a:rPr lang="en-US" altLang="ko-KR" b="0" i="0">
-                <a:solidFill>
                   <a:srgbClr val="000000"/>
                 </a:solidFill>
                 <a:effectLst/>
                 <a:latin typeface="빙그레 메로나체" panose="020B0503000000000000" pitchFamily="50" charset="-127"/>
               </a:rPr>
-              <a:t>DOM</a:t>
-            </a:r>
-            <a:r>
-              <a:rPr lang="ko-KR" altLang="en-US" b="0" i="0">
-                <a:solidFill>
-                  <a:srgbClr val="000000"/>
-                </a:solidFill>
-                <a:effectLst/>
-                <a:latin typeface="빙그레 메로나체" panose="020B0503000000000000" pitchFamily="50" charset="-127"/>
-              </a:rPr>
-              <a:t>의 값들이 어떤것이 바뀌고 바뀌지 않았는지 파악하지 않아도 됨 </a:t>
-            </a:r>
-            <a:r>
-              <a:rPr lang="en-US" altLang="ko-KR" b="0" i="0">
-                <a:solidFill>
-                  <a:srgbClr val="000000"/>
-                </a:solidFill>
-                <a:effectLst/>
-                <a:latin typeface="빙그레 메로나체" panose="020B0503000000000000" pitchFamily="50" charset="-127"/>
-              </a:rPr>
-              <a:t>virtual dom</a:t>
-            </a:r>
-            <a:r>
-              <a:rPr lang="ko-KR" altLang="en-US" b="0" i="0">
-                <a:solidFill>
-                  <a:srgbClr val="000000"/>
-                </a:solidFill>
-                <a:effectLst/>
-                <a:latin typeface="빙그레 메로나체" panose="020B0503000000000000" pitchFamily="50" charset="-127"/>
-              </a:rPr>
-              <a:t>이 자동으로 해줌</a:t>
+              <a:t>컴포넌트 상태 변경</a:t>
             </a:r>
             <a:endParaRPr lang="en-US" altLang="ko-KR" b="0" i="0">
               <a:solidFill>
@@ -3138,6 +2752,36 @@
             </a:endParaRPr>
           </a:p>
           <a:p>
+            <a:r>
+              <a:rPr lang="ko-KR" altLang="en-US" b="0" i="0">
+                <a:solidFill>
+                  <a:srgbClr val="000000"/>
+                </a:solidFill>
+                <a:effectLst/>
+                <a:latin typeface="빙그레 메로나체" panose="020B0503000000000000" pitchFamily="50" charset="-127"/>
+              </a:rPr>
+              <a:t>가상 </a:t>
+            </a:r>
+            <a:r>
+              <a:rPr lang="en-US" altLang="ko-KR" b="0" i="0">
+                <a:solidFill>
+                  <a:srgbClr val="000000"/>
+                </a:solidFill>
+                <a:effectLst/>
+                <a:latin typeface="빙그레 메로나체" panose="020B0503000000000000" pitchFamily="50" charset="-127"/>
+              </a:rPr>
+              <a:t>DOM </a:t>
+            </a:r>
+            <a:r>
+              <a:rPr lang="ko-KR" altLang="en-US" b="0" i="0">
+                <a:solidFill>
+                  <a:srgbClr val="000000"/>
+                </a:solidFill>
+                <a:effectLst/>
+                <a:latin typeface="빙그레 메로나체" panose="020B0503000000000000" pitchFamily="50" charset="-127"/>
+              </a:rPr>
+              <a:t>트리 업데이트</a:t>
+            </a:r>
             <a:endParaRPr lang="en-US" altLang="ko-KR" b="0" i="0">
               <a:solidFill>
                 <a:srgbClr val="000000"/>
@@ -3148,6 +2792,16 @@
           </a:p>
           <a:p>
             <a:r>
+              <a:rPr lang="ko-KR" altLang="en-US" b="0" i="0">
+                <a:solidFill>
+                  <a:srgbClr val="000000"/>
+                </a:solidFill>
+                <a:effectLst/>
+                <a:latin typeface="빙그레 메로나체" panose="020B0503000000000000" pitchFamily="50" charset="-127"/>
+              </a:rPr>
+              <a:t>현재 가상 </a:t>
+            </a:r>
+            <a:r>
               <a:rPr lang="en-US" altLang="ko-KR" b="0" i="0">
                 <a:solidFill>
                   <a:srgbClr val="000000"/>
@@ -3155,6 +2809,26 @@
                 <a:effectLst/>
                 <a:latin typeface="빙그레 메로나체" panose="020B0503000000000000" pitchFamily="50" charset="-127"/>
               </a:rPr>
+              <a:t>DOM, </a:t>
+            </a:r>
+            <a:r>
+              <a:rPr lang="ko-KR" altLang="en-US" b="0" i="0">
+                <a:solidFill>
+                  <a:srgbClr val="000000"/>
+                </a:solidFill>
+                <a:effectLst/>
+                <a:latin typeface="빙그레 메로나체" panose="020B0503000000000000" pitchFamily="50" charset="-127"/>
+              </a:rPr>
+              <a:t>이전 가상 </a:t>
+            </a:r>
+            <a:r>
+              <a:rPr lang="en-US" altLang="ko-KR" b="0" i="0">
+                <a:solidFill>
+                  <a:srgbClr val="000000"/>
+                </a:solidFill>
+                <a:effectLst/>
+                <a:latin typeface="빙그레 메로나체" panose="020B0503000000000000" pitchFamily="50" charset="-127"/>
+              </a:rPr>
               <a:t>DOM </a:t>
             </a:r>
             <a:r>
@@ -3165,89 +2839,7 @@
                 <a:effectLst/>
                 <a:latin typeface="빙그레 메로나체" panose="020B0503000000000000" pitchFamily="50" charset="-127"/>
               </a:rPr>
-              <a:t>조작 요청 시 다른 컴포넌트와 상호작용 하지 않아도 됨 </a:t>
-            </a:r>
-            <a:r>
-              <a:rPr lang="en-US" altLang="ko-KR" b="0" i="0">
-                <a:solidFill>
-                  <a:srgbClr val="000000"/>
-                </a:solidFill>
-                <a:effectLst/>
-                <a:latin typeface="빙그레 메로나체" panose="020B0503000000000000" pitchFamily="50" charset="-127"/>
-              </a:rPr>
-              <a:t>(</a:t>
-            </a:r>
-            <a:r>
-              <a:rPr lang="ko-KR" altLang="en-US" b="0" i="0">
-                <a:solidFill>
-                  <a:srgbClr val="000000"/>
-                </a:solidFill>
-                <a:effectLst/>
-                <a:latin typeface="빙그레 메로나체" panose="020B0503000000000000" pitchFamily="50" charset="-127"/>
-              </a:rPr>
-              <a:t>특정 </a:t>
-            </a:r>
-            <a:r>
-              <a:rPr lang="en-US" altLang="ko-KR" b="0" i="0">
-                <a:solidFill>
-                  <a:srgbClr val="000000"/>
-                </a:solidFill>
-                <a:effectLst/>
-                <a:latin typeface="빙그레 메로나체" panose="020B0503000000000000" pitchFamily="50" charset="-127"/>
-              </a:rPr>
-              <a:t>DOM </a:t>
-            </a:r>
-            <a:r>
-              <a:rPr lang="ko-KR" altLang="en-US" b="0" i="0">
-                <a:solidFill>
-                  <a:srgbClr val="000000"/>
-                </a:solidFill>
-                <a:effectLst/>
-                <a:latin typeface="빙그레 메로나체" panose="020B0503000000000000" pitchFamily="50" charset="-127"/>
-              </a:rPr>
-              <a:t>조작 할 것이라던지</a:t>
-            </a:r>
-            <a:r>
-              <a:rPr lang="en-US" altLang="ko-KR" b="0" i="0">
-                <a:solidFill>
-                  <a:srgbClr val="000000"/>
-                </a:solidFill>
-                <a:effectLst/>
-                <a:latin typeface="빙그레 메로나체" panose="020B0503000000000000" pitchFamily="50" charset="-127"/>
-              </a:rPr>
-              <a:t>, </a:t>
-            </a:r>
-            <a:r>
-              <a:rPr lang="ko-KR" altLang="en-US" b="0" i="0">
-                <a:solidFill>
-                  <a:srgbClr val="000000"/>
-                </a:solidFill>
-                <a:effectLst/>
-                <a:latin typeface="빙그레 메로나체" panose="020B0503000000000000" pitchFamily="50" charset="-127"/>
-              </a:rPr>
-              <a:t>이미 조작했따던지에 대한 정보 공유</a:t>
-            </a:r>
-            <a:r>
-              <a:rPr lang="en-US" altLang="ko-KR" b="0" i="0">
-                <a:solidFill>
-                  <a:srgbClr val="000000"/>
-                </a:solidFill>
-                <a:effectLst/>
-                <a:latin typeface="빙그레 메로나체" panose="020B0503000000000000" pitchFamily="50" charset="-127"/>
-              </a:rPr>
-              <a:t>)</a:t>
-            </a:r>
-          </a:p>
-          <a:p>
-            <a:r>
-              <a:rPr lang="ko-KR" altLang="en-US" b="0" i="0">
-                <a:solidFill>
-                  <a:srgbClr val="000000"/>
-                </a:solidFill>
-                <a:effectLst/>
-                <a:latin typeface="빙그레 메로나체" panose="020B0503000000000000" pitchFamily="50" charset="-127"/>
-              </a:rPr>
-              <a:t>각 변화들의 동기화 작업을 거치지 않고 모든 작업을 하나로 묶을 수 있음</a:t>
+              <a:t>비교</a:t>
             </a:r>
             <a:endParaRPr lang="en-US" altLang="ko-KR" b="0" i="0">
               <a:solidFill>
@@ -3257,12 +2849,99 @@
               <a:latin typeface="빙그레 메로나체" panose="020B0503000000000000" pitchFamily="50" charset="-127"/>
             </a:endParaRPr>
           </a:p>
+          <a:p>
+            <a:r>
+              <a:rPr lang="ko-KR" altLang="en-US" b="0" i="0">
+                <a:solidFill>
+                  <a:srgbClr val="000000"/>
+                </a:solidFill>
+                <a:effectLst/>
+                <a:latin typeface="빙그레 메로나체" panose="020B0503000000000000" pitchFamily="50" charset="-127"/>
+              </a:rPr>
+              <a:t>어떤 가상 </a:t>
+            </a:r>
+            <a:r>
+              <a:rPr lang="en-US" altLang="ko-KR" b="0" i="0">
+                <a:solidFill>
+                  <a:srgbClr val="000000"/>
+                </a:solidFill>
+                <a:effectLst/>
+                <a:latin typeface="빙그레 메로나체" panose="020B0503000000000000" pitchFamily="50" charset="-127"/>
+              </a:rPr>
+              <a:t>DOM </a:t>
+            </a:r>
+            <a:r>
+              <a:rPr lang="ko-KR" altLang="en-US" b="0" i="0">
+                <a:solidFill>
+                  <a:srgbClr val="000000"/>
+                </a:solidFill>
+                <a:effectLst/>
+                <a:latin typeface="빙그레 메로나체" panose="020B0503000000000000" pitchFamily="50" charset="-127"/>
+              </a:rPr>
+              <a:t>객체가 변경 되었는지 확인</a:t>
+            </a:r>
+            <a:br>
+              <a:rPr lang="en-US" altLang="ko-KR" b="0" i="0">
+                <a:solidFill>
+                  <a:srgbClr val="000000"/>
+                </a:solidFill>
+                <a:effectLst/>
+                <a:latin typeface="빙그레 메로나체" panose="020B0503000000000000" pitchFamily="50" charset="-127"/>
+              </a:rPr>
+            </a:br>
+            <a:r>
+              <a:rPr lang="ko-KR" altLang="en-US" b="0" i="0">
+                <a:solidFill>
+                  <a:srgbClr val="000000"/>
+                </a:solidFill>
+                <a:effectLst/>
+                <a:latin typeface="빙그레 메로나체" panose="020B0503000000000000" pitchFamily="50" charset="-127"/>
+              </a:rPr>
+              <a:t>실제 </a:t>
+            </a:r>
+            <a:r>
+              <a:rPr lang="en-US" altLang="ko-KR" b="0" i="0">
+                <a:solidFill>
+                  <a:srgbClr val="000000"/>
+                </a:solidFill>
+                <a:effectLst/>
+                <a:latin typeface="빙그레 메로나체" panose="020B0503000000000000" pitchFamily="50" charset="-127"/>
+              </a:rPr>
+              <a:t>DOM</a:t>
+            </a:r>
+            <a:r>
+              <a:rPr lang="ko-KR" altLang="en-US" b="0" i="0">
+                <a:solidFill>
+                  <a:srgbClr val="000000"/>
+                </a:solidFill>
+                <a:effectLst/>
+                <a:latin typeface="빙그레 메로나체" panose="020B0503000000000000" pitchFamily="50" charset="-127"/>
+              </a:rPr>
+              <a:t>에서 해당 객체만 업데이트</a:t>
+            </a:r>
+            <a:endParaRPr lang="en-US" altLang="ko-KR" b="0" i="0">
+              <a:solidFill>
+                <a:srgbClr val="000000"/>
+              </a:solidFill>
+              <a:effectLst/>
+              <a:latin typeface="빙그레 메로나체" panose="020B0503000000000000" pitchFamily="50" charset="-127"/>
+            </a:endParaRPr>
+          </a:p>
+          <a:p>
+            <a:endParaRPr lang="en-US" altLang="ko-KR" b="0" i="0">
+              <a:solidFill>
+                <a:srgbClr val="000000"/>
+              </a:solidFill>
+              <a:effectLst/>
+              <a:latin typeface="빙그레 메로나체" panose="020B0503000000000000" pitchFamily="50" charset="-127"/>
+            </a:endParaRPr>
+          </a:p>
         </p:txBody>
       </p:sp>
     </p:spTree>
     <p:extLst>
       <p:ext uri="{BB962C8B-B14F-4D97-AF65-F5344CB8AC3E}">
-        <p14:creationId xmlns:p14="http://schemas.microsoft.com/office/powerpoint/2010/main" val="125309048"/>
+        <p14:creationId xmlns:p14="http://schemas.microsoft.com/office/powerpoint/2010/main" val="2138686825"/>
       </p:ext>
     </p:extLst>
   </p:cSld>
@@ -3316,6 +2995,190 @@
           <a:bodyPr/>
           <a:lstStyle/>
           <a:p>
+            <a:r>
+              <a:rPr lang="ko-KR" altLang="en-US" b="0" i="0">
+                <a:solidFill>
+                  <a:srgbClr val="222222"/>
+                </a:solidFill>
+                <a:effectLst/>
+              </a:rPr>
+              <a:t>변화 발생 </a:t>
+            </a:r>
+            <a:r>
+              <a:rPr lang="en-US" altLang="ko-KR" b="0" i="0">
+                <a:solidFill>
+                  <a:srgbClr val="222222"/>
+                </a:solidFill>
+                <a:effectLst/>
+              </a:rPr>
+              <a:t>-&gt; </a:t>
+            </a:r>
+            <a:r>
+              <a:rPr lang="ko-KR" altLang="en-US" b="0" i="0">
+                <a:solidFill>
+                  <a:srgbClr val="222222"/>
+                </a:solidFill>
+                <a:effectLst/>
+              </a:rPr>
+              <a:t>오프라인 </a:t>
+            </a:r>
+            <a:r>
+              <a:rPr lang="en-US" altLang="ko-KR" b="0" i="0">
+                <a:solidFill>
+                  <a:srgbClr val="222222"/>
+                </a:solidFill>
+                <a:effectLst/>
+              </a:rPr>
+              <a:t>DOM </a:t>
+            </a:r>
+            <a:r>
+              <a:rPr lang="ko-KR" altLang="en-US" b="0" i="0">
+                <a:solidFill>
+                  <a:srgbClr val="222222"/>
+                </a:solidFill>
+                <a:effectLst/>
+              </a:rPr>
+              <a:t>트리에 적용</a:t>
+            </a:r>
+            <a:r>
+              <a:rPr lang="en-US" altLang="ko-KR" b="0" i="0">
+                <a:solidFill>
+                  <a:srgbClr val="222222"/>
+                </a:solidFill>
+                <a:effectLst/>
+              </a:rPr>
+              <a:t>(</a:t>
+            </a:r>
+            <a:r>
+              <a:rPr lang="ko-KR" altLang="en-US" b="0" i="0">
+                <a:solidFill>
+                  <a:srgbClr val="222222"/>
+                </a:solidFill>
+                <a:effectLst/>
+              </a:rPr>
+              <a:t>이 </a:t>
+            </a:r>
+            <a:r>
+              <a:rPr lang="en-US" altLang="ko-KR" b="0" i="0">
+                <a:solidFill>
+                  <a:srgbClr val="222222"/>
+                </a:solidFill>
+                <a:effectLst/>
+              </a:rPr>
+              <a:t>DOM </a:t>
+            </a:r>
+            <a:r>
+              <a:rPr lang="ko-KR" altLang="en-US" b="0" i="0">
+                <a:solidFill>
+                  <a:srgbClr val="222222"/>
+                </a:solidFill>
+                <a:effectLst/>
+              </a:rPr>
+              <a:t>트리는 렌더링도 되지 않기때문에 연산 비용이 적음</a:t>
+            </a:r>
+            <a:r>
+              <a:rPr lang="en-US" altLang="ko-KR" b="0" i="0">
+                <a:solidFill>
+                  <a:srgbClr val="222222"/>
+                </a:solidFill>
+                <a:effectLst/>
+              </a:rPr>
+              <a:t>)</a:t>
+            </a:r>
+          </a:p>
+          <a:p>
+            <a:r>
+              <a:rPr lang="en-US" altLang="ko-KR" b="0" i="0">
+                <a:solidFill>
+                  <a:srgbClr val="222222"/>
+                </a:solidFill>
+                <a:effectLst/>
+              </a:rPr>
+              <a:t>-&gt; </a:t>
+            </a:r>
+            <a:r>
+              <a:rPr lang="ko-KR" altLang="en-US" b="0" i="0">
+                <a:solidFill>
+                  <a:srgbClr val="222222"/>
+                </a:solidFill>
+                <a:effectLst/>
+              </a:rPr>
+              <a:t>연산 후 최종적인 변화를 실제 </a:t>
+            </a:r>
+            <a:r>
+              <a:rPr lang="en-US" altLang="ko-KR" b="0" i="0">
+                <a:solidFill>
+                  <a:srgbClr val="222222"/>
+                </a:solidFill>
+                <a:effectLst/>
+              </a:rPr>
+              <a:t>DOM</a:t>
+            </a:r>
+            <a:r>
+              <a:rPr lang="ko-KR" altLang="en-US" b="0" i="0">
+                <a:solidFill>
+                  <a:srgbClr val="222222"/>
+                </a:solidFill>
+                <a:effectLst/>
+              </a:rPr>
+              <a:t>에 전달</a:t>
+            </a:r>
+            <a:endParaRPr lang="en-US" altLang="ko-KR" b="0" i="0">
+              <a:solidFill>
+                <a:srgbClr val="222222"/>
+              </a:solidFill>
+              <a:effectLst/>
+            </a:endParaRPr>
+          </a:p>
+          <a:p>
+            <a:endParaRPr lang="en-US" altLang="ko-KR" b="0" i="0">
+              <a:solidFill>
+                <a:srgbClr val="222222"/>
+              </a:solidFill>
+              <a:effectLst/>
+            </a:endParaRPr>
+          </a:p>
+          <a:p>
+            <a:r>
+              <a:rPr lang="en-US" altLang="ko-KR" b="0" i="0">
+                <a:solidFill>
+                  <a:srgbClr val="000000"/>
+                </a:solidFill>
+                <a:effectLst/>
+                <a:latin typeface="빙그레 메로나체" panose="020B0503000000000000" pitchFamily="50" charset="-127"/>
+              </a:rPr>
+              <a:t>DOM</a:t>
+            </a:r>
+            <a:r>
+              <a:rPr lang="ko-KR" altLang="en-US" b="0" i="0">
+                <a:solidFill>
+                  <a:srgbClr val="000000"/>
+                </a:solidFill>
+                <a:effectLst/>
+                <a:latin typeface="빙그레 메로나체" panose="020B0503000000000000" pitchFamily="50" charset="-127"/>
+              </a:rPr>
+              <a:t>의 값들이 어떤것이 바뀌고 바뀌지 않았는지 파악하지 않아도 됨 </a:t>
+            </a:r>
+            <a:r>
+              <a:rPr lang="en-US" altLang="ko-KR" b="0" i="0">
+                <a:solidFill>
+                  <a:srgbClr val="000000"/>
+                </a:solidFill>
+                <a:effectLst/>
+                <a:latin typeface="빙그레 메로나체" panose="020B0503000000000000" pitchFamily="50" charset="-127"/>
+              </a:rPr>
+              <a:t>virtual dom</a:t>
+            </a:r>
+            <a:r>
+              <a:rPr lang="ko-KR" altLang="en-US" b="0" i="0">
+                <a:solidFill>
+                  <a:srgbClr val="000000"/>
+                </a:solidFill>
+                <a:effectLst/>
+                <a:latin typeface="빙그레 메로나체" panose="020B0503000000000000" pitchFamily="50" charset="-127"/>
+              </a:rPr>
+              <a:t>이 자동으로 해줌</a:t>
+            </a:r>
             <a:endParaRPr lang="en-US" altLang="ko-KR" b="0" i="0">
               <a:solidFill>
                 <a:srgbClr val="000000"/>
@@ -3324,12 +3187,132 @@
               <a:latin typeface="빙그레 메로나체" panose="020B0503000000000000" pitchFamily="50" charset="-127"/>
             </a:endParaRPr>
           </a:p>
+          <a:p>
+            <a:endParaRPr lang="en-US" altLang="ko-KR" b="0" i="0">
+              <a:solidFill>
+                <a:srgbClr val="000000"/>
+              </a:solidFill>
+              <a:effectLst/>
+              <a:latin typeface="빙그레 메로나체" panose="020B0503000000000000" pitchFamily="50" charset="-127"/>
+            </a:endParaRPr>
+          </a:p>
+          <a:p>
+            <a:r>
+              <a:rPr lang="en-US" altLang="ko-KR" b="0" i="0">
+                <a:solidFill>
+                  <a:srgbClr val="000000"/>
+                </a:solidFill>
+                <a:effectLst/>
+                <a:latin typeface="빙그레 메로나체" panose="020B0503000000000000" pitchFamily="50" charset="-127"/>
+              </a:rPr>
+              <a:t>DOM </a:t>
+            </a:r>
+            <a:r>
+              <a:rPr lang="ko-KR" altLang="en-US" b="0" i="0">
+                <a:solidFill>
+                  <a:srgbClr val="000000"/>
+                </a:solidFill>
+                <a:effectLst/>
+                <a:latin typeface="빙그레 메로나체" panose="020B0503000000000000" pitchFamily="50" charset="-127"/>
+              </a:rPr>
+              <a:t>조작 요청 시 다른 컴포넌트와 상호작용 하지 않아도 됨 </a:t>
+            </a:r>
+            <a:r>
+              <a:rPr lang="en-US" altLang="ko-KR" b="0" i="0">
+                <a:solidFill>
+                  <a:srgbClr val="000000"/>
+                </a:solidFill>
+                <a:effectLst/>
+                <a:latin typeface="빙그레 메로나체" panose="020B0503000000000000" pitchFamily="50" charset="-127"/>
+              </a:rPr>
+              <a:t>(</a:t>
+            </a:r>
+            <a:r>
+              <a:rPr lang="ko-KR" altLang="en-US" b="0" i="0">
+                <a:solidFill>
+                  <a:srgbClr val="000000"/>
+                </a:solidFill>
+                <a:effectLst/>
+                <a:latin typeface="빙그레 메로나체" panose="020B0503000000000000" pitchFamily="50" charset="-127"/>
+              </a:rPr>
+              <a:t>특정 </a:t>
+            </a:r>
+            <a:r>
+              <a:rPr lang="en-US" altLang="ko-KR" b="0" i="0">
+                <a:solidFill>
+                  <a:srgbClr val="000000"/>
+                </a:solidFill>
+                <a:effectLst/>
+                <a:latin typeface="빙그레 메로나체" panose="020B0503000000000000" pitchFamily="50" charset="-127"/>
+              </a:rPr>
+              <a:t>DOM </a:t>
+            </a:r>
+            <a:r>
+              <a:rPr lang="ko-KR" altLang="en-US" b="0" i="0">
+                <a:solidFill>
+                  <a:srgbClr val="000000"/>
+                </a:solidFill>
+                <a:effectLst/>
+                <a:latin typeface="빙그레 메로나체" panose="020B0503000000000000" pitchFamily="50" charset="-127"/>
+              </a:rPr>
+              <a:t>조작 할 것이라던지</a:t>
+            </a:r>
+            <a:r>
+              <a:rPr lang="en-US" altLang="ko-KR" b="0" i="0">
+                <a:solidFill>
+                  <a:srgbClr val="000000"/>
+                </a:solidFill>
+                <a:effectLst/>
+                <a:latin typeface="빙그레 메로나체" panose="020B0503000000000000" pitchFamily="50" charset="-127"/>
+              </a:rPr>
+              <a:t>, </a:t>
+            </a:r>
+            <a:r>
+              <a:rPr lang="ko-KR" altLang="en-US" b="0" i="0">
+                <a:solidFill>
+                  <a:srgbClr val="000000"/>
+                </a:solidFill>
+                <a:effectLst/>
+                <a:latin typeface="빙그레 메로나체" panose="020B0503000000000000" pitchFamily="50" charset="-127"/>
+              </a:rPr>
+              <a:t>이미 조작했따던지에 대한 정보 공유</a:t>
+            </a:r>
+            <a:r>
+              <a:rPr lang="en-US" altLang="ko-KR" b="0" i="0">
+                <a:solidFill>
+                  <a:srgbClr val="000000"/>
+                </a:solidFill>
+                <a:effectLst/>
+                <a:latin typeface="빙그레 메로나체" panose="020B0503000000000000" pitchFamily="50" charset="-127"/>
+              </a:rPr>
+              <a:t>)</a:t>
+            </a:r>
+          </a:p>
+          <a:p>
+            <a:r>
+              <a:rPr lang="ko-KR" altLang="en-US" b="0" i="0">
+                <a:solidFill>
+                  <a:srgbClr val="000000"/>
+                </a:solidFill>
+                <a:effectLst/>
+                <a:latin typeface="빙그레 메로나체" panose="020B0503000000000000" pitchFamily="50" charset="-127"/>
+              </a:rPr>
+              <a:t>각 변화들의 동기화 작업을 거치지 않고 모든 작업을 하나로 묶을 수 있음</a:t>
+            </a:r>
+            <a:endParaRPr lang="en-US" altLang="ko-KR" b="0" i="0">
+              <a:solidFill>
+                <a:srgbClr val="000000"/>
+              </a:solidFill>
+              <a:effectLst/>
+              <a:latin typeface="빙그레 메로나체" panose="020B0503000000000000" pitchFamily="50" charset="-127"/>
+            </a:endParaRPr>
+          </a:p>
         </p:txBody>
       </p:sp>
     </p:spTree>
     <p:extLst>
       <p:ext uri="{BB962C8B-B14F-4D97-AF65-F5344CB8AC3E}">
-        <p14:creationId xmlns:p14="http://schemas.microsoft.com/office/powerpoint/2010/main" val="2582226559"/>
+        <p14:creationId xmlns:p14="http://schemas.microsoft.com/office/powerpoint/2010/main" val="125309048"/>
       </p:ext>
     </p:extLst>
   </p:cSld>
@@ -3396,7 +3379,7 @@
     </p:spTree>
     <p:extLst>
       <p:ext uri="{BB962C8B-B14F-4D97-AF65-F5344CB8AC3E}">
-        <p14:creationId xmlns:p14="http://schemas.microsoft.com/office/powerpoint/2010/main" val="2274185062"/>
+        <p14:creationId xmlns:p14="http://schemas.microsoft.com/office/powerpoint/2010/main" val="2582226559"/>
       </p:ext>
     </p:extLst>
   </p:cSld>
@@ -3450,167 +3433,20 @@
           <a:bodyPr/>
           <a:lstStyle/>
           <a:p>
-            <a:r>
-              <a:rPr lang="en-US" altLang="ko-KR">
-                <a:ln>
-                  <a:solidFill>
-                    <a:schemeClr val="tx1">
-                      <a:alpha val="30000"/>
-                    </a:schemeClr>
-                  </a:solidFill>
-                </a:ln>
-                <a:latin typeface="빙그레 메로나체" panose="020B0503000000000000" pitchFamily="50" charset="-127"/>
-                <a:ea typeface="빙그레 메로나체" panose="020B0503000000000000" pitchFamily="50" charset="-127"/>
-              </a:rPr>
-              <a:t>DOM </a:t>
-            </a:r>
-            <a:r>
-              <a:rPr lang="ko-KR" altLang="en-US">
-                <a:ln>
-                  <a:solidFill>
-                    <a:schemeClr val="tx1">
-                      <a:alpha val="30000"/>
-                    </a:schemeClr>
-                  </a:solidFill>
-                </a:ln>
-                <a:latin typeface="빙그레 메로나체" panose="020B0503000000000000" pitchFamily="50" charset="-127"/>
-                <a:ea typeface="빙그레 메로나체" panose="020B0503000000000000" pitchFamily="50" charset="-127"/>
-              </a:rPr>
-              <a:t>트리 생성</a:t>
-            </a:r>
-          </a:p>
-          <a:p>
-            <a:endParaRPr lang="ko-KR" altLang="en-US">
-              <a:ln>
-                <a:solidFill>
-                  <a:schemeClr val="tx1">
-                    <a:alpha val="30000"/>
-                  </a:schemeClr>
-                </a:solidFill>
-              </a:ln>
+            <a:endParaRPr lang="en-US" altLang="ko-KR" b="0" i="0">
+              <a:solidFill>
+                <a:srgbClr val="000000"/>
+              </a:solidFill>
+              <a:effectLst/>
               <a:latin typeface="빙그레 메로나체" panose="020B0503000000000000" pitchFamily="50" charset="-127"/>
-              <a:ea typeface="빙그레 메로나체" panose="020B0503000000000000" pitchFamily="50" charset="-127"/>
             </a:endParaRPr>
-          </a:p>
-          <a:p>
-            <a:r>
-              <a:rPr lang="ko-KR" altLang="en-US">
-                <a:ln>
-                  <a:solidFill>
-                    <a:schemeClr val="tx1">
-                      <a:alpha val="30000"/>
-                    </a:schemeClr>
-                  </a:solidFill>
-                </a:ln>
-                <a:latin typeface="빙그레 메로나체" panose="020B0503000000000000" pitchFamily="50" charset="-127"/>
-                <a:ea typeface="빙그레 메로나체" panose="020B0503000000000000" pitchFamily="50" charset="-127"/>
-              </a:rPr>
-              <a:t>브라우저가 </a:t>
-            </a:r>
-            <a:r>
-              <a:rPr lang="en-US" altLang="ko-KR">
-                <a:ln>
-                  <a:solidFill>
-                    <a:schemeClr val="tx1">
-                      <a:alpha val="30000"/>
-                    </a:schemeClr>
-                  </a:solidFill>
-                </a:ln>
-                <a:latin typeface="빙그레 메로나체" panose="020B0503000000000000" pitchFamily="50" charset="-127"/>
-                <a:ea typeface="빙그레 메로나체" panose="020B0503000000000000" pitchFamily="50" charset="-127"/>
-              </a:rPr>
-              <a:t>HTML </a:t>
-            </a:r>
-            <a:r>
-              <a:rPr lang="ko-KR" altLang="en-US">
-                <a:ln>
-                  <a:solidFill>
-                    <a:schemeClr val="tx1">
-                      <a:alpha val="30000"/>
-                    </a:schemeClr>
-                  </a:solidFill>
-                </a:ln>
-                <a:latin typeface="빙그레 메로나체" panose="020B0503000000000000" pitchFamily="50" charset="-127"/>
-                <a:ea typeface="빙그레 메로나체" panose="020B0503000000000000" pitchFamily="50" charset="-127"/>
-              </a:rPr>
-              <a:t>파일을 수신하면 렌더 엔진은이를 구문 분석하고 </a:t>
-            </a:r>
-            <a:endParaRPr lang="en-US" altLang="ko-KR">
-              <a:ln>
-                <a:solidFill>
-                  <a:schemeClr val="tx1">
-                    <a:alpha val="30000"/>
-                  </a:schemeClr>
-                </a:solidFill>
-              </a:ln>
-              <a:latin typeface="빙그레 메로나체" panose="020B0503000000000000" pitchFamily="50" charset="-127"/>
-              <a:ea typeface="빙그레 메로나체" panose="020B0503000000000000" pitchFamily="50" charset="-127"/>
-            </a:endParaRPr>
-          </a:p>
-          <a:p>
-            <a:r>
-              <a:rPr lang="en-US" altLang="ko-KR">
-                <a:ln>
-                  <a:solidFill>
-                    <a:schemeClr val="tx1">
-                      <a:alpha val="30000"/>
-                    </a:schemeClr>
-                  </a:solidFill>
-                </a:ln>
-                <a:latin typeface="빙그레 메로나체" panose="020B0503000000000000" pitchFamily="50" charset="-127"/>
-                <a:ea typeface="빙그레 메로나체" panose="020B0503000000000000" pitchFamily="50" charset="-127"/>
-              </a:rPr>
-              <a:t>HTML </a:t>
-            </a:r>
-            <a:r>
-              <a:rPr lang="ko-KR" altLang="en-US">
-                <a:ln>
-                  <a:solidFill>
-                    <a:schemeClr val="tx1">
-                      <a:alpha val="30000"/>
-                    </a:schemeClr>
-                  </a:solidFill>
-                </a:ln>
-                <a:latin typeface="빙그레 메로나체" panose="020B0503000000000000" pitchFamily="50" charset="-127"/>
-                <a:ea typeface="빙그레 메로나체" panose="020B0503000000000000" pitchFamily="50" charset="-127"/>
-              </a:rPr>
-              <a:t>요소와 일대일 관계를 갖는 노드의 </a:t>
-            </a:r>
-            <a:r>
-              <a:rPr lang="en-US" altLang="ko-KR">
-                <a:ln>
-                  <a:solidFill>
-                    <a:schemeClr val="tx1">
-                      <a:alpha val="30000"/>
-                    </a:schemeClr>
-                  </a:solidFill>
-                </a:ln>
-                <a:latin typeface="빙그레 메로나체" panose="020B0503000000000000" pitchFamily="50" charset="-127"/>
-                <a:ea typeface="빙그레 메로나체" panose="020B0503000000000000" pitchFamily="50" charset="-127"/>
-              </a:rPr>
-              <a:t>DOM </a:t>
-            </a:r>
-            <a:r>
-              <a:rPr lang="ko-KR" altLang="en-US">
-                <a:ln>
-                  <a:solidFill>
-                    <a:schemeClr val="tx1">
-                      <a:alpha val="30000"/>
-                    </a:schemeClr>
-                  </a:solidFill>
-                </a:ln>
-                <a:latin typeface="빙그레 메로나체" panose="020B0503000000000000" pitchFamily="50" charset="-127"/>
-                <a:ea typeface="빙그레 메로나체" panose="020B0503000000000000" pitchFamily="50" charset="-127"/>
-              </a:rPr>
-              <a:t>트리를 생성합니다</a:t>
-            </a:r>
           </a:p>
         </p:txBody>
       </p:sp>
     </p:spTree>
     <p:extLst>
       <p:ext uri="{BB962C8B-B14F-4D97-AF65-F5344CB8AC3E}">
-        <p14:creationId xmlns:p14="http://schemas.microsoft.com/office/powerpoint/2010/main" val="991591345"/>
+        <p14:creationId xmlns:p14="http://schemas.microsoft.com/office/powerpoint/2010/main" val="2274185062"/>
       </p:ext>
     </p:extLst>
   </p:cSld>
@@ -3676,7 +3512,7 @@
                 <a:latin typeface="빙그레 메로나체" panose="020B0503000000000000" pitchFamily="50" charset="-127"/>
                 <a:ea typeface="빙그레 메로나체" panose="020B0503000000000000" pitchFamily="50" charset="-127"/>
               </a:rPr>
-              <a:t>CSSOM(CSS Object Model)</a:t>
+              <a:t>DOM </a:t>
             </a:r>
             <a:r>
               <a:rPr lang="ko-KR" altLang="en-US">
@@ -3690,11 +3526,11 @@
                 <a:latin typeface="빙그레 메로나체" panose="020B0503000000000000" pitchFamily="50" charset="-127"/>
                 <a:ea typeface="빙그레 메로나체" panose="020B0503000000000000" pitchFamily="50" charset="-127"/>
               </a:rPr>
-              <a:t> 생성</a:t>
-            </a:r>
-          </a:p>
-          <a:p>
-            <a:endParaRPr lang="en-US" altLang="ko-KR">
+              <a:t>트리 생성</a:t>
+            </a:r>
+          </a:p>
+          <a:p>
+            <a:endParaRPr lang="ko-KR" altLang="en-US">
               <a:ln>
                 <a:solidFill>
                   <a:schemeClr val="tx1">
@@ -3708,7 +3544,7 @@
           </a:p>
           <a:p>
             <a:r>
-              <a:rPr lang="en-US" altLang="ko-KR">
+              <a:rPr lang="ko-KR" altLang="en-US">
                 <a:ln>
                   <a:solidFill>
                     <a:schemeClr val="tx1">
@@ -3719,10 +3555,10 @@
                 <a:latin typeface="빙그레 메로나체" panose="020B0503000000000000" pitchFamily="50" charset="-127"/>
                 <a:ea typeface="빙그레 메로나체" panose="020B0503000000000000" pitchFamily="50" charset="-127"/>
               </a:rPr>
-              <a:t>CSS Rules</a:t>
-            </a:r>
-            <a:r>
-              <a:rPr lang="ko-KR" altLang="en-US">
+              <a:t>브라우저가 </a:t>
+            </a:r>
+            <a:r>
+              <a:rPr lang="en-US" altLang="ko-KR">
                 <a:ln>
                   <a:solidFill>
                     <a:schemeClr val="tx1">
@@ -3733,7 +3569,90 @@
                 <a:latin typeface="빙그레 메로나체" panose="020B0503000000000000" pitchFamily="50" charset="-127"/>
                 <a:ea typeface="빙그레 메로나체" panose="020B0503000000000000" pitchFamily="50" charset="-127"/>
               </a:rPr>
-              <a:t>를 브라우저가 이해하고 처리할 수 있는 형식으로 변환</a:t>
+              <a:t>HTML </a:t>
+            </a:r>
+            <a:r>
+              <a:rPr lang="ko-KR" altLang="en-US">
+                <a:ln>
+                  <a:solidFill>
+                    <a:schemeClr val="tx1">
+                      <a:alpha val="30000"/>
+                    </a:schemeClr>
+                  </a:solidFill>
+                </a:ln>
+                <a:latin typeface="빙그레 메로나체" panose="020B0503000000000000" pitchFamily="50" charset="-127"/>
+                <a:ea typeface="빙그레 메로나체" panose="020B0503000000000000" pitchFamily="50" charset="-127"/>
+              </a:rPr>
+              <a:t>파일을 수신하면 렌더 엔진은이를 구문 분석하고 </a:t>
+            </a:r>
+            <a:endParaRPr lang="en-US" altLang="ko-KR">
+              <a:ln>
+                <a:solidFill>
+                  <a:schemeClr val="tx1">
+                    <a:alpha val="30000"/>
+                  </a:schemeClr>
+                </a:solidFill>
+              </a:ln>
+              <a:latin typeface="빙그레 메로나체" panose="020B0503000000000000" pitchFamily="50" charset="-127"/>
+              <a:ea typeface="빙그레 메로나체" panose="020B0503000000000000" pitchFamily="50" charset="-127"/>
+            </a:endParaRPr>
+          </a:p>
+          <a:p>
+            <a:r>
+              <a:rPr lang="en-US" altLang="ko-KR">
+                <a:ln>
+                  <a:solidFill>
+                    <a:schemeClr val="tx1">
+                      <a:alpha val="30000"/>
+                    </a:schemeClr>
+                  </a:solidFill>
+                </a:ln>
+                <a:latin typeface="빙그레 메로나체" panose="020B0503000000000000" pitchFamily="50" charset="-127"/>
+                <a:ea typeface="빙그레 메로나체" panose="020B0503000000000000" pitchFamily="50" charset="-127"/>
+              </a:rPr>
+              <a:t>HTML </a:t>
+            </a:r>
+            <a:r>
+              <a:rPr lang="ko-KR" altLang="en-US">
+                <a:ln>
+                  <a:solidFill>
+                    <a:schemeClr val="tx1">
+                      <a:alpha val="30000"/>
+                    </a:schemeClr>
+                  </a:solidFill>
+                </a:ln>
+                <a:latin typeface="빙그레 메로나체" panose="020B0503000000000000" pitchFamily="50" charset="-127"/>
+                <a:ea typeface="빙그레 메로나체" panose="020B0503000000000000" pitchFamily="50" charset="-127"/>
+              </a:rPr>
+              <a:t>요소와 일대일 관계를 갖는 노드의 </a:t>
+            </a:r>
+            <a:r>
+              <a:rPr lang="en-US" altLang="ko-KR">
+                <a:ln>
+                  <a:solidFill>
+                    <a:schemeClr val="tx1">
+                      <a:alpha val="30000"/>
+                    </a:schemeClr>
+                  </a:solidFill>
+                </a:ln>
+                <a:latin typeface="빙그레 메로나체" panose="020B0503000000000000" pitchFamily="50" charset="-127"/>
+                <a:ea typeface="빙그레 메로나체" panose="020B0503000000000000" pitchFamily="50" charset="-127"/>
+              </a:rPr>
+              <a:t>DOM </a:t>
+            </a:r>
+            <a:r>
+              <a:rPr lang="ko-KR" altLang="en-US">
+                <a:ln>
+                  <a:solidFill>
+                    <a:schemeClr val="tx1">
+                      <a:alpha val="30000"/>
+                    </a:schemeClr>
+                  </a:solidFill>
+                </a:ln>
+                <a:latin typeface="빙그레 메로나체" panose="020B0503000000000000" pitchFamily="50" charset="-127"/>
+                <a:ea typeface="빙그레 메로나체" panose="020B0503000000000000" pitchFamily="50" charset="-127"/>
+              </a:rPr>
+              <a:t>트리를 생성합니다</a:t>
             </a:r>
           </a:p>
         </p:txBody>
@@ -3741,7 +3660,7 @@
     </p:spTree>
     <p:extLst>
       <p:ext uri="{BB962C8B-B14F-4D97-AF65-F5344CB8AC3E}">
-        <p14:creationId xmlns:p14="http://schemas.microsoft.com/office/powerpoint/2010/main" val="2105487699"/>
+        <p14:creationId xmlns:p14="http://schemas.microsoft.com/office/powerpoint/2010/main" val="991591345"/>
       </p:ext>
     </p:extLst>
   </p:cSld>
@@ -3796,7 +3715,7 @@
           <a:lstStyle/>
           <a:p>
             <a:r>
-              <a:rPr lang="ko-KR" altLang="en-US">
+              <a:rPr lang="en-US" altLang="ko-KR">
                 <a:ln>
                   <a:solidFill>
                     <a:schemeClr val="tx1">
@@ -3807,25 +3726,10 @@
                 <a:latin typeface="빙그레 메로나체" panose="020B0503000000000000" pitchFamily="50" charset="-127"/>
                 <a:ea typeface="빙그레 메로나체" panose="020B0503000000000000" pitchFamily="50" charset="-127"/>
               </a:rPr>
-              <a:t>렌더 트리 생성</a:t>
-            </a:r>
-          </a:p>
-          <a:p>
-            <a:endParaRPr lang="en-US" altLang="ko-KR">
-              <a:ln>
-                <a:solidFill>
-                  <a:schemeClr val="tx1">
-                    <a:alpha val="30000"/>
-                  </a:schemeClr>
-                </a:solidFill>
-              </a:ln>
-              <a:latin typeface="빙그레 메로나체" panose="020B0503000000000000" pitchFamily="50" charset="-127"/>
-              <a:ea typeface="빙그레 메로나체" panose="020B0503000000000000" pitchFamily="50" charset="-127"/>
-            </a:endParaRPr>
-          </a:p>
-          <a:p>
-            <a:r>
-              <a:rPr lang="en-US" altLang="ko-KR">
+              <a:t>CSSOM(CSS Object Model)</a:t>
+            </a:r>
+            <a:r>
+              <a:rPr lang="ko-KR" altLang="en-US">
                 <a:ln>
                   <a:solidFill>
                     <a:schemeClr val="tx1">
@@ -3836,10 +3740,25 @@
                 <a:latin typeface="빙그레 메로나체" panose="020B0503000000000000" pitchFamily="50" charset="-127"/>
                 <a:ea typeface="빙그레 메로나체" panose="020B0503000000000000" pitchFamily="50" charset="-127"/>
               </a:rPr>
-              <a:t>CSSOM </a:t>
-            </a:r>
-            <a:r>
-              <a:rPr lang="ko-KR" altLang="en-US">
+              <a:t> 생성</a:t>
+            </a:r>
+          </a:p>
+          <a:p>
+            <a:endParaRPr lang="en-US" altLang="ko-KR">
+              <a:ln>
+                <a:solidFill>
+                  <a:schemeClr val="tx1">
+                    <a:alpha val="30000"/>
+                  </a:schemeClr>
+                </a:solidFill>
+              </a:ln>
+              <a:latin typeface="빙그레 메로나체" panose="020B0503000000000000" pitchFamily="50" charset="-127"/>
+              <a:ea typeface="빙그레 메로나체" panose="020B0503000000000000" pitchFamily="50" charset="-127"/>
+            </a:endParaRPr>
+          </a:p>
+          <a:p>
+            <a:r>
+              <a:rPr lang="en-US" altLang="ko-KR">
                 <a:ln>
                   <a:solidFill>
                     <a:schemeClr val="tx1">
@@ -3850,10 +3769,10 @@
                 <a:latin typeface="빙그레 메로나체" panose="020B0503000000000000" pitchFamily="50" charset="-127"/>
                 <a:ea typeface="빙그레 메로나체" panose="020B0503000000000000" pitchFamily="50" charset="-127"/>
               </a:rPr>
-              <a:t>및 </a:t>
-            </a:r>
-            <a:r>
-              <a:rPr lang="en-US" altLang="ko-KR">
+              <a:t>CSS Rules</a:t>
+            </a:r>
+            <a:r>
+              <a:rPr lang="ko-KR" altLang="en-US">
                 <a:ln>
                   <a:solidFill>
                     <a:schemeClr val="tx1">
@@ -3864,69 +3783,15 @@
                 <a:latin typeface="빙그레 메로나체" panose="020B0503000000000000" pitchFamily="50" charset="-127"/>
                 <a:ea typeface="빙그레 메로나체" panose="020B0503000000000000" pitchFamily="50" charset="-127"/>
               </a:rPr>
-              <a:t>DOM </a:t>
-            </a:r>
-            <a:r>
-              <a:rPr lang="ko-KR" altLang="en-US">
-                <a:ln>
-                  <a:solidFill>
-                    <a:schemeClr val="tx1">
-                      <a:alpha val="30000"/>
-                    </a:schemeClr>
-                  </a:solidFill>
-                </a:ln>
-                <a:latin typeface="빙그레 메로나체" panose="020B0503000000000000" pitchFamily="50" charset="-127"/>
-                <a:ea typeface="빙그레 메로나체" panose="020B0503000000000000" pitchFamily="50" charset="-127"/>
-              </a:rPr>
-              <a:t>트리는 결합하여 렌더링 트리를 형성</a:t>
-            </a:r>
-            <a:endParaRPr lang="en-US" altLang="ko-KR">
-              <a:ln>
-                <a:solidFill>
-                  <a:schemeClr val="tx1">
-                    <a:alpha val="30000"/>
-                  </a:schemeClr>
-                </a:solidFill>
-              </a:ln>
-              <a:latin typeface="빙그레 메로나체" panose="020B0503000000000000" pitchFamily="50" charset="-127"/>
-              <a:ea typeface="빙그레 메로나체" panose="020B0503000000000000" pitchFamily="50" charset="-127"/>
-            </a:endParaRPr>
-          </a:p>
-          <a:p>
-            <a:r>
-              <a:rPr lang="ko-KR" altLang="en-US">
-                <a:ln>
-                  <a:solidFill>
-                    <a:schemeClr val="tx1">
-                      <a:alpha val="30000"/>
-                    </a:schemeClr>
-                  </a:solidFill>
-                </a:ln>
-                <a:latin typeface="빙그레 메로나체" panose="020B0503000000000000" pitchFamily="50" charset="-127"/>
-                <a:ea typeface="빙그레 메로나체" panose="020B0503000000000000" pitchFamily="50" charset="-127"/>
-              </a:rPr>
-              <a:t>페이지를 렌더링하는 데 필요한 노드만 포함</a:t>
-            </a:r>
-          </a:p>
-          <a:p>
-            <a:endParaRPr lang="ko-KR" altLang="en-US">
-              <a:ln>
-                <a:solidFill>
-                  <a:schemeClr val="tx1">
-                    <a:alpha val="30000"/>
-                  </a:schemeClr>
-                </a:solidFill>
-              </a:ln>
-              <a:latin typeface="빙그레 메로나체" panose="020B0503000000000000" pitchFamily="50" charset="-127"/>
-              <a:ea typeface="빙그레 메로나체" panose="020B0503000000000000" pitchFamily="50" charset="-127"/>
-            </a:endParaRPr>
+              <a:t>를 브라우저가 이해하고 처리할 수 있는 형식으로 변환</a:t>
+            </a:r>
           </a:p>
         </p:txBody>
       </p:sp>
     </p:spTree>
     <p:extLst>
       <p:ext uri="{BB962C8B-B14F-4D97-AF65-F5344CB8AC3E}">
-        <p14:creationId xmlns:p14="http://schemas.microsoft.com/office/powerpoint/2010/main" val="1561592053"/>
+        <p14:creationId xmlns:p14="http://schemas.microsoft.com/office/powerpoint/2010/main" val="2105487699"/>
       </p:ext>
     </p:extLst>
   </p:cSld>
@@ -3992,8 +3857,10 @@
                 <a:latin typeface="빙그레 메로나체" panose="020B0503000000000000" pitchFamily="50" charset="-127"/>
                 <a:ea typeface="빙그레 메로나체" panose="020B0503000000000000" pitchFamily="50" charset="-127"/>
               </a:rPr>
-              <a:t>렌더</a:t>
-            </a:r>
+              <a:t>렌더 트리 생성</a:t>
+            </a:r>
+          </a:p>
+          <a:p>
             <a:endParaRPr lang="en-US" altLang="ko-KR">
               <a:ln>
                 <a:solidFill>
@@ -4007,21 +3874,8 @@
             </a:endParaRPr>
           </a:p>
           <a:p>
-            <a:endParaRPr lang="en-US" altLang="ko-KR">
-              <a:ln>
-                <a:solidFill>
-                  <a:schemeClr val="tx1">
-                    <a:alpha val="30000"/>
-                  </a:schemeClr>
-                </a:solidFill>
-              </a:ln>
-              <a:latin typeface="빙그레 메로나체" panose="020B0503000000000000" pitchFamily="50" charset="-127"/>
-              <a:ea typeface="빙그레 메로나체" panose="020B0503000000000000" pitchFamily="50" charset="-127"/>
-            </a:endParaRPr>
-          </a:p>
-          <a:p>
-            <a:r>
-              <a:rPr lang="ko-KR" altLang="en-US">
+            <a:r>
+              <a:rPr lang="en-US" altLang="ko-KR">
                 <a:ln>
                   <a:solidFill>
                     <a:schemeClr val="tx1">
@@ -4032,10 +3886,10 @@
                 <a:latin typeface="빙그레 메로나체" panose="020B0503000000000000" pitchFamily="50" charset="-127"/>
                 <a:ea typeface="빙그레 메로나체" panose="020B0503000000000000" pitchFamily="50" charset="-127"/>
               </a:rPr>
-              <a:t>레이아웃 프로세스를 사용하여 렌더 트리의 모든 노드에 화면 좌표를 생성합니다</a:t>
-            </a:r>
-            <a:r>
-              <a:rPr lang="en-US" altLang="ko-KR">
+              <a:t>CSSOM </a:t>
+            </a:r>
+            <a:r>
+              <a:rPr lang="ko-KR" altLang="en-US">
                 <a:ln>
                   <a:solidFill>
                     <a:schemeClr val="tx1">
@@ -4046,12 +3900,10 @@
                 <a:latin typeface="빙그레 메로나체" panose="020B0503000000000000" pitchFamily="50" charset="-127"/>
                 <a:ea typeface="빙그레 메로나체" panose="020B0503000000000000" pitchFamily="50" charset="-127"/>
               </a:rPr>
-              <a:t>.</a:t>
-            </a:r>
-          </a:p>
-          <a:p>
-            <a:r>
-              <a:rPr lang="ko-KR" altLang="en-US">
+              <a:t>및 </a:t>
+            </a:r>
+            <a:r>
+              <a:rPr lang="en-US" altLang="ko-KR">
                 <a:ln>
                   <a:solidFill>
                     <a:schemeClr val="tx1">
@@ -4062,15 +3914,69 @@
                 <a:latin typeface="빙그레 메로나체" panose="020B0503000000000000" pitchFamily="50" charset="-127"/>
                 <a:ea typeface="빙그레 메로나체" panose="020B0503000000000000" pitchFamily="50" charset="-127"/>
               </a:rPr>
-              <a:t>렌더 트리를 통해 화면에 콘텐츠를 표시 함</a:t>
-            </a:r>
+              <a:t>DOM </a:t>
+            </a:r>
+            <a:r>
+              <a:rPr lang="ko-KR" altLang="en-US">
+                <a:ln>
+                  <a:solidFill>
+                    <a:schemeClr val="tx1">
+                      <a:alpha val="30000"/>
+                    </a:schemeClr>
+                  </a:solidFill>
+                </a:ln>
+                <a:latin typeface="빙그레 메로나체" panose="020B0503000000000000" pitchFamily="50" charset="-127"/>
+                <a:ea typeface="빙그레 메로나체" panose="020B0503000000000000" pitchFamily="50" charset="-127"/>
+              </a:rPr>
+              <a:t>트리는 결합하여 렌더링 트리를 형성</a:t>
+            </a:r>
+            <a:endParaRPr lang="en-US" altLang="ko-KR">
+              <a:ln>
+                <a:solidFill>
+                  <a:schemeClr val="tx1">
+                    <a:alpha val="30000"/>
+                  </a:schemeClr>
+                </a:solidFill>
+              </a:ln>
+              <a:latin typeface="빙그레 메로나체" panose="020B0503000000000000" pitchFamily="50" charset="-127"/>
+              <a:ea typeface="빙그레 메로나체" panose="020B0503000000000000" pitchFamily="50" charset="-127"/>
+            </a:endParaRPr>
+          </a:p>
+          <a:p>
+            <a:r>
+              <a:rPr lang="ko-KR" altLang="en-US">
+                <a:ln>
+                  <a:solidFill>
+                    <a:schemeClr val="tx1">
+                      <a:alpha val="30000"/>
+                    </a:schemeClr>
+                  </a:solidFill>
+                </a:ln>
+                <a:latin typeface="빙그레 메로나체" panose="020B0503000000000000" pitchFamily="50" charset="-127"/>
+                <a:ea typeface="빙그레 메로나체" panose="020B0503000000000000" pitchFamily="50" charset="-127"/>
+              </a:rPr>
+              <a:t>페이지를 렌더링하는 데 필요한 노드만 포함</a:t>
+            </a:r>
+          </a:p>
+          <a:p>
+            <a:endParaRPr lang="ko-KR" altLang="en-US">
+              <a:ln>
+                <a:solidFill>
+                  <a:schemeClr val="tx1">
+                    <a:alpha val="30000"/>
+                  </a:schemeClr>
+                </a:solidFill>
+              </a:ln>
+              <a:latin typeface="빙그레 메로나체" panose="020B0503000000000000" pitchFamily="50" charset="-127"/>
+              <a:ea typeface="빙그레 메로나체" panose="020B0503000000000000" pitchFamily="50" charset="-127"/>
+            </a:endParaRPr>
           </a:p>
         </p:txBody>
       </p:sp>
     </p:spTree>
     <p:extLst>
       <p:ext uri="{BB962C8B-B14F-4D97-AF65-F5344CB8AC3E}">
-        <p14:creationId xmlns:p14="http://schemas.microsoft.com/office/powerpoint/2010/main" val="865785443"/>
+        <p14:creationId xmlns:p14="http://schemas.microsoft.com/office/powerpoint/2010/main" val="1561592053"/>
       </p:ext>
     </p:extLst>
   </p:cSld>
@@ -4136,10 +4042,36 @@
                 <a:latin typeface="빙그레 메로나체" panose="020B0503000000000000" pitchFamily="50" charset="-127"/>
                 <a:ea typeface="빙그레 메로나체" panose="020B0503000000000000" pitchFamily="50" charset="-127"/>
               </a:rPr>
-              <a:t>단방향 데이터 바인딩 </a:t>
-            </a:r>
-            <a:r>
-              <a:rPr lang="en-US" altLang="ko-KR">
+              <a:t>렌더</a:t>
+            </a:r>
+            <a:endParaRPr lang="en-US" altLang="ko-KR">
+              <a:ln>
+                <a:solidFill>
+                  <a:schemeClr val="tx1">
+                    <a:alpha val="30000"/>
+                  </a:schemeClr>
+                </a:solidFill>
+              </a:ln>
+              <a:latin typeface="빙그레 메로나체" panose="020B0503000000000000" pitchFamily="50" charset="-127"/>
+              <a:ea typeface="빙그레 메로나체" panose="020B0503000000000000" pitchFamily="50" charset="-127"/>
+            </a:endParaRPr>
+          </a:p>
+          <a:p>
+            <a:endParaRPr lang="en-US" altLang="ko-KR">
+              <a:ln>
+                <a:solidFill>
+                  <a:schemeClr val="tx1">
+                    <a:alpha val="30000"/>
+                  </a:schemeClr>
+                </a:solidFill>
+              </a:ln>
+              <a:latin typeface="빙그레 메로나체" panose="020B0503000000000000" pitchFamily="50" charset="-127"/>
+              <a:ea typeface="빙그레 메로나체" panose="020B0503000000000000" pitchFamily="50" charset="-127"/>
+            </a:endParaRPr>
+          </a:p>
+          <a:p>
+            <a:r>
+              <a:rPr lang="ko-KR" altLang="en-US">
                 <a:ln>
                   <a:solidFill>
                     <a:schemeClr val="tx1">
@@ -4150,30 +4082,10 @@
                 <a:latin typeface="빙그레 메로나체" panose="020B0503000000000000" pitchFamily="50" charset="-127"/>
                 <a:ea typeface="빙그레 메로나체" panose="020B0503000000000000" pitchFamily="50" charset="-127"/>
               </a:rPr>
-              <a:t>- </a:t>
-            </a:r>
-            <a:r>
-              <a:rPr lang="ko-KR" altLang="en-US" b="0" i="0">
-                <a:solidFill>
-                  <a:srgbClr val="000000"/>
-                </a:solidFill>
-                <a:effectLst/>
-              </a:rPr>
-              <a:t>처음 모델이 가진 값을 뷰에 표현하고 나중에 모델이 변경되더라도 업데이트 되지 않는다</a:t>
-            </a:r>
-            <a:r>
-              <a:rPr lang="en-US" altLang="ko-KR" b="0" i="0">
-                <a:solidFill>
-                  <a:srgbClr val="000000"/>
-                </a:solidFill>
-                <a:effectLst/>
-              </a:rPr>
-              <a:t>.</a:t>
-            </a:r>
-          </a:p>
-          <a:p>
-            <a:r>
-              <a:rPr lang="ko-KR" altLang="en-US">
+              <a:t>레이아웃 프로세스를 사용하여 렌더 트리의 모든 노드에 화면 좌표를 생성합니다</a:t>
+            </a:r>
+            <a:r>
+              <a:rPr lang="en-US" altLang="ko-KR">
                 <a:ln>
                   <a:solidFill>
                     <a:schemeClr val="tx1">
@@ -4184,10 +4096,12 @@
                 <a:latin typeface="빙그레 메로나체" panose="020B0503000000000000" pitchFamily="50" charset="-127"/>
                 <a:ea typeface="빙그레 메로나체" panose="020B0503000000000000" pitchFamily="50" charset="-127"/>
               </a:rPr>
-              <a:t>양방향 데이터 바인딩 </a:t>
-            </a:r>
-            <a:r>
-              <a:rPr lang="en-US" altLang="ko-KR">
+              <a:t>.</a:t>
+            </a:r>
+          </a:p>
+          <a:p>
+            <a:r>
+              <a:rPr lang="ko-KR" altLang="en-US">
                 <a:ln>
                   <a:solidFill>
                     <a:schemeClr val="tx1">
@@ -4198,251 +4112,15 @@
                 <a:latin typeface="빙그레 메로나체" panose="020B0503000000000000" pitchFamily="50" charset="-127"/>
                 <a:ea typeface="빙그레 메로나체" panose="020B0503000000000000" pitchFamily="50" charset="-127"/>
               </a:rPr>
-              <a:t>- </a:t>
-            </a:r>
-            <a:r>
-              <a:rPr lang="ko-KR" altLang="en-US" b="0" i="0">
-                <a:solidFill>
-                  <a:srgbClr val="000000"/>
-                </a:solidFill>
-                <a:effectLst/>
-              </a:rPr>
-              <a:t>모델을 뷰에 바인딩함과 동시에 이후 모델이 변경되는 경우를 감지하여 지속적으로 뷰를 업데이트 해준다</a:t>
-            </a:r>
-            <a:endParaRPr lang="en-US" altLang="ko-KR">
-              <a:ln>
-                <a:solidFill>
-                  <a:schemeClr val="tx1">
-                    <a:alpha val="30000"/>
-                  </a:schemeClr>
-                </a:solidFill>
-              </a:ln>
-              <a:latin typeface="빙그레 메로나체" panose="020B0503000000000000" pitchFamily="50" charset="-127"/>
-              <a:ea typeface="빙그레 메로나체" panose="020B0503000000000000" pitchFamily="50" charset="-127"/>
-            </a:endParaRPr>
-          </a:p>
-          <a:p>
-            <a:endParaRPr lang="en-US" altLang="ko-KR">
-              <a:ln>
-                <a:solidFill>
-                  <a:schemeClr val="tx1">
-                    <a:alpha val="30000"/>
-                  </a:schemeClr>
-                </a:solidFill>
-              </a:ln>
-              <a:latin typeface="빙그레 메로나체" panose="020B0503000000000000" pitchFamily="50" charset="-127"/>
-              <a:ea typeface="빙그레 메로나체" panose="020B0503000000000000" pitchFamily="50" charset="-127"/>
-            </a:endParaRPr>
-          </a:p>
-          <a:p>
-            <a:r>
-              <a:rPr lang="ko-KR" altLang="en-US">
-                <a:ln>
-                  <a:solidFill>
-                    <a:schemeClr val="tx1">
-                      <a:alpha val="30000"/>
-                    </a:schemeClr>
-                  </a:solidFill>
-                </a:ln>
-                <a:latin typeface="빙그레 메로나체" panose="020B0503000000000000" pitchFamily="50" charset="-127"/>
-                <a:ea typeface="빙그레 메로나체" panose="020B0503000000000000" pitchFamily="50" charset="-127"/>
-              </a:rPr>
-              <a:t>디버깅이 쉽고 </a:t>
-            </a:r>
-            <a:endParaRPr lang="en-US" altLang="ko-KR">
-              <a:ln>
-                <a:solidFill>
-                  <a:schemeClr val="tx1">
-                    <a:alpha val="30000"/>
-                  </a:schemeClr>
-                </a:solidFill>
-              </a:ln>
-              <a:latin typeface="빙그레 메로나체" panose="020B0503000000000000" pitchFamily="50" charset="-127"/>
-              <a:ea typeface="빙그레 메로나체" panose="020B0503000000000000" pitchFamily="50" charset="-127"/>
-            </a:endParaRPr>
-          </a:p>
-          <a:p>
-            <a:r>
-              <a:rPr lang="ko-KR" altLang="en-US">
-                <a:ln>
-                  <a:solidFill>
-                    <a:schemeClr val="tx1">
-                      <a:alpha val="30000"/>
-                    </a:schemeClr>
-                  </a:solidFill>
-                </a:ln>
-                <a:latin typeface="빙그레 메로나체" panose="020B0503000000000000" pitchFamily="50" charset="-127"/>
-                <a:ea typeface="빙그레 메로나체" panose="020B0503000000000000" pitchFamily="50" charset="-127"/>
-              </a:rPr>
-              <a:t>다른 라이브러리에 비해 안전성이 높음</a:t>
-            </a:r>
-            <a:endParaRPr lang="en-US" altLang="ko-KR">
-              <a:ln>
-                <a:solidFill>
-                  <a:schemeClr val="tx1">
-                    <a:alpha val="30000"/>
-                  </a:schemeClr>
-                </a:solidFill>
-              </a:ln>
-              <a:latin typeface="빙그레 메로나체" panose="020B0503000000000000" pitchFamily="50" charset="-127"/>
-              <a:ea typeface="빙그레 메로나체" panose="020B0503000000000000" pitchFamily="50" charset="-127"/>
-            </a:endParaRPr>
-          </a:p>
-          <a:p>
-            <a:endParaRPr lang="en-US" altLang="ko-KR">
-              <a:ln>
-                <a:solidFill>
-                  <a:schemeClr val="tx1">
-                    <a:alpha val="30000"/>
-                  </a:schemeClr>
-                </a:solidFill>
-              </a:ln>
-              <a:latin typeface="빙그레 메로나체" panose="020B0503000000000000" pitchFamily="50" charset="-127"/>
-              <a:ea typeface="빙그레 메로나체" panose="020B0503000000000000" pitchFamily="50" charset="-127"/>
-            </a:endParaRPr>
-          </a:p>
-          <a:p>
-            <a:r>
-              <a:rPr lang="ko-KR" altLang="en-US">
-                <a:ln>
-                  <a:solidFill>
-                    <a:schemeClr val="tx1">
-                      <a:alpha val="30000"/>
-                    </a:schemeClr>
-                  </a:solidFill>
-                </a:ln>
-                <a:latin typeface="빙그레 메로나체" panose="020B0503000000000000" pitchFamily="50" charset="-127"/>
-                <a:ea typeface="빙그레 메로나체" panose="020B0503000000000000" pitchFamily="50" charset="-127"/>
-              </a:rPr>
-              <a:t>데이터 바인딩 </a:t>
-            </a:r>
-            <a:r>
-              <a:rPr lang="en-US" altLang="ko-KR">
-                <a:ln>
-                  <a:solidFill>
-                    <a:schemeClr val="tx1">
-                      <a:alpha val="30000"/>
-                    </a:schemeClr>
-                  </a:solidFill>
-                </a:ln>
-                <a:latin typeface="빙그레 메로나체" panose="020B0503000000000000" pitchFamily="50" charset="-127"/>
-                <a:ea typeface="빙그레 메로나체" panose="020B0503000000000000" pitchFamily="50" charset="-127"/>
-              </a:rPr>
-              <a:t>: </a:t>
-            </a:r>
-            <a:r>
-              <a:rPr lang="ko-KR" altLang="en-US">
-                <a:ln>
-                  <a:solidFill>
-                    <a:schemeClr val="tx1">
-                      <a:alpha val="30000"/>
-                    </a:schemeClr>
-                  </a:solidFill>
-                </a:ln>
-                <a:latin typeface="빙그레 메로나체" panose="020B0503000000000000" pitchFamily="50" charset="-127"/>
-                <a:ea typeface="빙그레 메로나체" panose="020B0503000000000000" pitchFamily="50" charset="-127"/>
-              </a:rPr>
-              <a:t>화면에 보이는 데이터와 브라우저 메모리에있는 데이터를 일치시키는 방법</a:t>
-            </a:r>
-            <a:endParaRPr lang="en-US" altLang="ko-KR">
-              <a:ln>
-                <a:solidFill>
-                  <a:schemeClr val="tx1">
-                    <a:alpha val="30000"/>
-                  </a:schemeClr>
-                </a:solidFill>
-              </a:ln>
-              <a:latin typeface="빙그레 메로나체" panose="020B0503000000000000" pitchFamily="50" charset="-127"/>
-              <a:ea typeface="빙그레 메로나체" panose="020B0503000000000000" pitchFamily="50" charset="-127"/>
-            </a:endParaRPr>
-          </a:p>
-          <a:p>
-            <a:r>
-              <a:rPr lang="ko-KR" altLang="en-US">
-                <a:ln>
-                  <a:solidFill>
-                    <a:schemeClr val="tx1">
-                      <a:alpha val="30000"/>
-                    </a:schemeClr>
-                  </a:solidFill>
-                </a:ln>
-                <a:latin typeface="빙그레 메로나체" panose="020B0503000000000000" pitchFamily="50" charset="-127"/>
-                <a:ea typeface="빙그레 메로나체" panose="020B0503000000000000" pitchFamily="50" charset="-127"/>
-              </a:rPr>
-              <a:t>양방향은 </a:t>
-            </a:r>
-            <a:r>
-              <a:rPr lang="en-US" altLang="ko-KR">
-                <a:ln>
-                  <a:solidFill>
-                    <a:schemeClr val="tx1">
-                      <a:alpha val="30000"/>
-                    </a:schemeClr>
-                  </a:solidFill>
-                </a:ln>
-                <a:latin typeface="빙그레 메로나체" panose="020B0503000000000000" pitchFamily="50" charset="-127"/>
-                <a:ea typeface="빙그레 메로나체" panose="020B0503000000000000" pitchFamily="50" charset="-127"/>
-              </a:rPr>
-              <a:t>HTML</a:t>
-            </a:r>
-            <a:r>
-              <a:rPr lang="ko-KR" altLang="en-US">
-                <a:ln>
-                  <a:solidFill>
-                    <a:schemeClr val="tx1">
-                      <a:alpha val="30000"/>
-                    </a:schemeClr>
-                  </a:solidFill>
-                </a:ln>
-                <a:latin typeface="빙그레 메로나체" panose="020B0503000000000000" pitchFamily="50" charset="-127"/>
-                <a:ea typeface="빙그레 메로나체" panose="020B0503000000000000" pitchFamily="50" charset="-127"/>
-              </a:rPr>
-              <a:t>내에서 값이 바뀌면 </a:t>
-            </a:r>
-            <a:endParaRPr lang="en-US" altLang="ko-KR">
-              <a:ln>
-                <a:solidFill>
-                  <a:schemeClr val="tx1">
-                    <a:alpha val="30000"/>
-                  </a:schemeClr>
-                </a:solidFill>
-              </a:ln>
-              <a:latin typeface="빙그레 메로나체" panose="020B0503000000000000" pitchFamily="50" charset="-127"/>
-              <a:ea typeface="빙그레 메로나체" panose="020B0503000000000000" pitchFamily="50" charset="-127"/>
-            </a:endParaRPr>
-          </a:p>
-          <a:p>
-            <a:endParaRPr lang="en-US" altLang="ko-KR">
-              <a:ln>
-                <a:solidFill>
-                  <a:schemeClr val="tx1">
-                    <a:alpha val="30000"/>
-                  </a:schemeClr>
-                </a:solidFill>
-              </a:ln>
-              <a:latin typeface="빙그레 메로나체" panose="020B0503000000000000" pitchFamily="50" charset="-127"/>
-              <a:ea typeface="빙그레 메로나체" panose="020B0503000000000000" pitchFamily="50" charset="-127"/>
-            </a:endParaRPr>
-          </a:p>
-          <a:p>
-            <a:endParaRPr lang="ko-KR" altLang="en-US">
-              <a:ln>
-                <a:solidFill>
-                  <a:schemeClr val="tx1">
-                    <a:alpha val="30000"/>
-                  </a:schemeClr>
-                </a:solidFill>
-              </a:ln>
-              <a:latin typeface="빙그레 메로나체" panose="020B0503000000000000" pitchFamily="50" charset="-127"/>
-              <a:ea typeface="빙그레 메로나체" panose="020B0503000000000000" pitchFamily="50" charset="-127"/>
-            </a:endParaRPr>
+              <a:t>렌더 트리를 통해 화면에 콘텐츠를 표시 함</a:t>
+            </a:r>
           </a:p>
         </p:txBody>
       </p:sp>
     </p:spTree>
     <p:extLst>
       <p:ext uri="{BB962C8B-B14F-4D97-AF65-F5344CB8AC3E}">
-        <p14:creationId xmlns:p14="http://schemas.microsoft.com/office/powerpoint/2010/main" val="225656745"/>
+        <p14:creationId xmlns:p14="http://schemas.microsoft.com/office/powerpoint/2010/main" val="865785443"/>
       </p:ext>
     </p:extLst>
   </p:cSld>
@@ -4497,138 +4175,64 @@
           <a:lstStyle/>
           <a:p>
             <a:r>
+              <a:rPr lang="ko-KR" altLang="en-US"/>
+              <a:t>페이스북 </a:t>
+            </a:r>
+            <a:r>
               <a:rPr lang="en-US" altLang="ko-KR"/>
-              <a:t>Front-end - </a:t>
-            </a:r>
-            <a:r>
-              <a:rPr lang="ko-KR" altLang="en-US" b="0" i="0">
-                <a:solidFill>
-                  <a:srgbClr val="000000"/>
-                </a:solidFill>
-                <a:effectLst/>
-                <a:latin typeface="빙그레 메로나체" panose="020B0503000000000000" pitchFamily="50" charset="-127"/>
-              </a:rPr>
-              <a:t>사용자가 해당 데이터를보고 상호 작용할 수 있도록 </a:t>
-            </a:r>
-            <a:r>
-              <a:rPr lang="en-US" altLang="ko-KR" b="0" i="0">
-                <a:solidFill>
-                  <a:srgbClr val="000000"/>
-                </a:solidFill>
-                <a:effectLst/>
-                <a:latin typeface="빙그레 메로나체" panose="020B0503000000000000" pitchFamily="50" charset="-127"/>
-              </a:rPr>
-              <a:t>HTML, CSS </a:t>
-            </a:r>
-            <a:r>
-              <a:rPr lang="ko-KR" altLang="en-US" b="0" i="0">
-                <a:solidFill>
-                  <a:srgbClr val="000000"/>
-                </a:solidFill>
-                <a:effectLst/>
-                <a:latin typeface="빙그레 메로나체" panose="020B0503000000000000" pitchFamily="50" charset="-127"/>
-              </a:rPr>
-              <a:t>및 </a:t>
-            </a:r>
-            <a:r>
-              <a:rPr lang="en-US" altLang="ko-KR" b="0" i="0">
-                <a:solidFill>
-                  <a:srgbClr val="000000"/>
-                </a:solidFill>
-                <a:effectLst/>
-                <a:latin typeface="빙그레 메로나체" panose="020B0503000000000000" pitchFamily="50" charset="-127"/>
-              </a:rPr>
-              <a:t>JavaScript</a:t>
-            </a:r>
-            <a:r>
-              <a:rPr lang="ko-KR" altLang="en-US" b="0" i="0">
-                <a:solidFill>
-                  <a:srgbClr val="000000"/>
-                </a:solidFill>
-                <a:effectLst/>
-                <a:latin typeface="빙그레 메로나체" panose="020B0503000000000000" pitchFamily="50" charset="-127"/>
-              </a:rPr>
-              <a:t>를 사용하여 데이터를 그래픽 인터페이스로 변환하는 방법</a:t>
-            </a:r>
-            <a:endParaRPr lang="en-US" altLang="ko-KR" b="0" i="0">
-              <a:solidFill>
-                <a:srgbClr val="000000"/>
-              </a:solidFill>
-              <a:effectLst/>
-              <a:latin typeface="빙그레 메로나체" panose="020B0503000000000000" pitchFamily="50" charset="-127"/>
-            </a:endParaRPr>
-          </a:p>
-          <a:p>
-            <a:r>
-              <a:rPr lang="en-US" altLang="ko-KR" b="0" i="0">
-                <a:solidFill>
-                  <a:srgbClr val="000000"/>
-                </a:solidFill>
-                <a:effectLst/>
-                <a:latin typeface="빙그레 메로나체" panose="020B0503000000000000" pitchFamily="50" charset="-127"/>
-              </a:rPr>
-              <a:t>Framework - </a:t>
-            </a:r>
-            <a:r>
-              <a:rPr lang="ko-KR" altLang="en-US" b="0" i="0">
-                <a:solidFill>
-                  <a:srgbClr val="000000"/>
-                </a:solidFill>
-                <a:effectLst/>
-                <a:latin typeface="빙그레 메로나체" panose="020B0503000000000000" pitchFamily="50" charset="-127"/>
-              </a:rPr>
-              <a:t>전체 흐름을 자체적으로 유지하고 사용자가 필요한 코드를 입력합니다</a:t>
-            </a:r>
-            <a:r>
-              <a:rPr lang="en-US" altLang="ko-KR" b="0" i="0">
-                <a:solidFill>
-                  <a:srgbClr val="000000"/>
-                </a:solidFill>
-                <a:effectLst/>
-                <a:latin typeface="빙그레 메로나체" panose="020B0503000000000000" pitchFamily="50" charset="-127"/>
-              </a:rPr>
-              <a:t>.</a:t>
-            </a:r>
-          </a:p>
-          <a:p>
-            <a:r>
-              <a:rPr lang="en-US" altLang="ko-KR" b="0" i="0">
-                <a:solidFill>
-                  <a:srgbClr val="000000"/>
-                </a:solidFill>
-                <a:effectLst/>
-                <a:latin typeface="빙그레 메로나체" panose="020B0503000000000000" pitchFamily="50" charset="-127"/>
-              </a:rPr>
-              <a:t>Library - </a:t>
-            </a:r>
-            <a:r>
-              <a:rPr lang="ko-KR" altLang="en-US" b="0" i="0">
-                <a:solidFill>
-                  <a:srgbClr val="000000"/>
-                </a:solidFill>
-                <a:effectLst/>
-                <a:latin typeface="빙그레 메로나체" panose="020B0503000000000000" pitchFamily="50" charset="-127"/>
-              </a:rPr>
-              <a:t>사용자가 전체 흐름을 만들고 라이브러리를 가져 오는 곳입니다</a:t>
-            </a:r>
-            <a:r>
-              <a:rPr lang="en-US" altLang="ko-KR" b="0" i="0">
-                <a:solidFill>
-                  <a:srgbClr val="000000"/>
-                </a:solidFill>
-                <a:effectLst/>
-                <a:latin typeface="빙그레 메로나체" panose="020B0503000000000000" pitchFamily="50" charset="-127"/>
-              </a:rPr>
-              <a:t>.</a:t>
-            </a:r>
-            <a:endParaRPr lang="ko-KR" altLang="en-US"/>
+              <a:t>Jordan walke</a:t>
+            </a:r>
+            <a:r>
+              <a:rPr lang="ko-KR" altLang="en-US"/>
+              <a:t>에 의해 개발되었으며</a:t>
+            </a:r>
+            <a:endParaRPr lang="en-US" altLang="ko-KR"/>
+          </a:p>
+          <a:p>
+            <a:r>
+              <a:rPr lang="ko-KR" altLang="en-US"/>
+              <a:t>페이스북</a:t>
+            </a:r>
+            <a:r>
+              <a:rPr lang="en-US" altLang="ko-KR"/>
+              <a:t>, </a:t>
+            </a:r>
+            <a:r>
+              <a:rPr lang="ko-KR" altLang="en-US"/>
+              <a:t>에어비앤비</a:t>
+            </a:r>
+            <a:r>
+              <a:rPr lang="en-US" altLang="ko-KR"/>
+              <a:t>, </a:t>
+            </a:r>
+            <a:r>
+              <a:rPr lang="ko-KR" altLang="en-US"/>
+              <a:t>드랍박스</a:t>
+            </a:r>
+            <a:r>
+              <a:rPr lang="en-US" altLang="ko-KR"/>
+              <a:t>, </a:t>
+            </a:r>
+            <a:r>
+              <a:rPr lang="ko-KR" altLang="en-US"/>
+              <a:t>트위터</a:t>
+            </a:r>
+            <a:r>
+              <a:rPr lang="en-US" altLang="ko-KR"/>
+              <a:t>, </a:t>
+            </a:r>
+            <a:r>
+              <a:rPr lang="ko-KR" altLang="en-US"/>
+              <a:t>우버 등 많은 사용자들이 사용</a:t>
+            </a:r>
+            <a:endParaRPr lang="en-US" altLang="ko-KR"/>
           </a:p>
         </p:txBody>
       </p:sp>
     </p:spTree>
     <p:extLst>
       <p:ext uri="{BB962C8B-B14F-4D97-AF65-F5344CB8AC3E}">
-        <p14:creationId xmlns:p14="http://schemas.microsoft.com/office/powerpoint/2010/main" val="258987597"/>
+        <p14:creationId xmlns:p14="http://schemas.microsoft.com/office/powerpoint/2010/main" val="1611459492"/>
       </p:ext>
     </p:extLst>
   </p:cSld>
@@ -4694,21 +4298,8 @@
                 <a:latin typeface="빙그레 메로나체" panose="020B0503000000000000" pitchFamily="50" charset="-127"/>
                 <a:ea typeface="빙그레 메로나체" panose="020B0503000000000000" pitchFamily="50" charset="-127"/>
               </a:rPr>
-              <a:t>레딧</a:t>
-            </a:r>
-            <a:endParaRPr lang="en-US" altLang="ko-KR">
-              <a:ln>
-                <a:solidFill>
-                  <a:schemeClr val="tx1">
-                    <a:alpha val="30000"/>
-                  </a:schemeClr>
-                </a:solidFill>
-              </a:ln>
-              <a:latin typeface="빙그레 메로나체" panose="020B0503000000000000" pitchFamily="50" charset="-127"/>
-              <a:ea typeface="빙그레 메로나체" panose="020B0503000000000000" pitchFamily="50" charset="-127"/>
-            </a:endParaRPr>
-          </a:p>
-          <a:p>
+              <a:t>단방향 데이터 바인딩 </a:t>
+            </a:r>
             <a:r>
               <a:rPr lang="en-US" altLang="ko-KR">
                 <a:ln>
@@ -4721,7 +4312,25 @@
                 <a:latin typeface="빙그레 메로나체" panose="020B0503000000000000" pitchFamily="50" charset="-127"/>
                 <a:ea typeface="빙그레 메로나체" panose="020B0503000000000000" pitchFamily="50" charset="-127"/>
               </a:rPr>
-              <a:t>hashnode</a:t>
+              <a:t>- </a:t>
+            </a:r>
+            <a:r>
+              <a:rPr lang="ko-KR" altLang="en-US" b="0" i="0">
+                <a:solidFill>
+                  <a:srgbClr val="000000"/>
+                </a:solidFill>
+                <a:effectLst/>
+              </a:rPr>
+              <a:t>처음 모델이 가진 값을 뷰에 표현하고 나중에 모델이 변경되더라도 업데이트 되지 않는다</a:t>
+            </a:r>
+            <a:r>
+              <a:rPr lang="en-US" altLang="ko-KR" b="0" i="0">
+                <a:solidFill>
+                  <a:srgbClr val="000000"/>
+                </a:solidFill>
+                <a:effectLst/>
+              </a:rPr>
+              <a:t>.</a:t>
             </a:r>
           </a:p>
           <a:p>
@@ -4737,21 +4346,8 @@
                 <a:latin typeface="빙그레 메로나체" panose="020B0503000000000000" pitchFamily="50" charset="-127"/>
                 <a:ea typeface="빙그레 메로나체" panose="020B0503000000000000" pitchFamily="50" charset="-127"/>
               </a:rPr>
-              <a:t>스택오버플로우</a:t>
-            </a:r>
-            <a:endParaRPr lang="en-US" altLang="ko-KR">
-              <a:ln>
-                <a:solidFill>
-                  <a:schemeClr val="tx1">
-                    <a:alpha val="30000"/>
-                  </a:schemeClr>
-                </a:solidFill>
-              </a:ln>
-              <a:latin typeface="빙그레 메로나체" panose="020B0503000000000000" pitchFamily="50" charset="-127"/>
-              <a:ea typeface="빙그레 메로나체" panose="020B0503000000000000" pitchFamily="50" charset="-127"/>
-            </a:endParaRPr>
-          </a:p>
-          <a:p>
+              <a:t>양방향 데이터 바인딩 </a:t>
+            </a:r>
             <a:r>
               <a:rPr lang="en-US" altLang="ko-KR">
                 <a:ln>
@@ -4764,12 +4360,45 @@
                 <a:latin typeface="빙그레 메로나체" panose="020B0503000000000000" pitchFamily="50" charset="-127"/>
                 <a:ea typeface="빙그레 메로나체" panose="020B0503000000000000" pitchFamily="50" charset="-127"/>
               </a:rPr>
-              <a:t>dev</a:t>
-            </a:r>
-          </a:p>
-          <a:p>
-            <a:r>
-              <a:rPr lang="en-US" altLang="ko-KR">
+              <a:t>- </a:t>
+            </a:r>
+            <a:r>
+              <a:rPr lang="ko-KR" altLang="en-US" b="0" i="0">
+                <a:solidFill>
+                  <a:srgbClr val="000000"/>
+                </a:solidFill>
+                <a:effectLst/>
+              </a:rPr>
+              <a:t>모델을 뷰에 바인딩함과 동시에 이후 모델이 변경되는 경우를 감지하여 지속적으로 뷰를 업데이트 해준다</a:t>
+            </a:r>
+            <a:endParaRPr lang="en-US" altLang="ko-KR">
+              <a:ln>
+                <a:solidFill>
+                  <a:schemeClr val="tx1">
+                    <a:alpha val="30000"/>
+                  </a:schemeClr>
+                </a:solidFill>
+              </a:ln>
+              <a:latin typeface="빙그레 메로나체" panose="020B0503000000000000" pitchFamily="50" charset="-127"/>
+              <a:ea typeface="빙그레 메로나체" panose="020B0503000000000000" pitchFamily="50" charset="-127"/>
+            </a:endParaRPr>
+          </a:p>
+          <a:p>
+            <a:endParaRPr lang="en-US" altLang="ko-KR">
+              <a:ln>
+                <a:solidFill>
+                  <a:schemeClr val="tx1">
+                    <a:alpha val="30000"/>
+                  </a:schemeClr>
+                </a:solidFill>
+              </a:ln>
+              <a:latin typeface="빙그레 메로나체" panose="020B0503000000000000" pitchFamily="50" charset="-127"/>
+              <a:ea typeface="빙그레 메로나체" panose="020B0503000000000000" pitchFamily="50" charset="-127"/>
+            </a:endParaRPr>
+          </a:p>
+          <a:p>
+            <a:r>
+              <a:rPr lang="ko-KR" altLang="en-US">
                 <a:ln>
                   <a:solidFill>
                     <a:schemeClr val="tx1">
@@ -4780,8 +4409,184 @@
                 <a:latin typeface="빙그레 메로나체" panose="020B0503000000000000" pitchFamily="50" charset="-127"/>
                 <a:ea typeface="빙그레 메로나체" panose="020B0503000000000000" pitchFamily="50" charset="-127"/>
               </a:rPr>
-              <a:t>spectrume</a:t>
-            </a:r>
+              <a:t>디버깅이 쉽고 </a:t>
+            </a:r>
+            <a:endParaRPr lang="en-US" altLang="ko-KR">
+              <a:ln>
+                <a:solidFill>
+                  <a:schemeClr val="tx1">
+                    <a:alpha val="30000"/>
+                  </a:schemeClr>
+                </a:solidFill>
+              </a:ln>
+              <a:latin typeface="빙그레 메로나체" panose="020B0503000000000000" pitchFamily="50" charset="-127"/>
+              <a:ea typeface="빙그레 메로나체" panose="020B0503000000000000" pitchFamily="50" charset="-127"/>
+            </a:endParaRPr>
+          </a:p>
+          <a:p>
+            <a:r>
+              <a:rPr lang="ko-KR" altLang="en-US">
+                <a:ln>
+                  <a:solidFill>
+                    <a:schemeClr val="tx1">
+                      <a:alpha val="30000"/>
+                    </a:schemeClr>
+                  </a:solidFill>
+                </a:ln>
+                <a:latin typeface="빙그레 메로나체" panose="020B0503000000000000" pitchFamily="50" charset="-127"/>
+                <a:ea typeface="빙그레 메로나체" panose="020B0503000000000000" pitchFamily="50" charset="-127"/>
+              </a:rPr>
+              <a:t>다른 라이브러리에 비해 안전성이 높음</a:t>
+            </a:r>
+            <a:endParaRPr lang="en-US" altLang="ko-KR">
+              <a:ln>
+                <a:solidFill>
+                  <a:schemeClr val="tx1">
+                    <a:alpha val="30000"/>
+                  </a:schemeClr>
+                </a:solidFill>
+              </a:ln>
+              <a:latin typeface="빙그레 메로나체" panose="020B0503000000000000" pitchFamily="50" charset="-127"/>
+              <a:ea typeface="빙그레 메로나체" panose="020B0503000000000000" pitchFamily="50" charset="-127"/>
+            </a:endParaRPr>
+          </a:p>
+          <a:p>
+            <a:endParaRPr lang="en-US" altLang="ko-KR">
+              <a:ln>
+                <a:solidFill>
+                  <a:schemeClr val="tx1">
+                    <a:alpha val="30000"/>
+                  </a:schemeClr>
+                </a:solidFill>
+              </a:ln>
+              <a:latin typeface="빙그레 메로나체" panose="020B0503000000000000" pitchFamily="50" charset="-127"/>
+              <a:ea typeface="빙그레 메로나체" panose="020B0503000000000000" pitchFamily="50" charset="-127"/>
+            </a:endParaRPr>
+          </a:p>
+          <a:p>
+            <a:r>
+              <a:rPr lang="ko-KR" altLang="en-US">
+                <a:ln>
+                  <a:solidFill>
+                    <a:schemeClr val="tx1">
+                      <a:alpha val="30000"/>
+                    </a:schemeClr>
+                  </a:solidFill>
+                </a:ln>
+                <a:latin typeface="빙그레 메로나체" panose="020B0503000000000000" pitchFamily="50" charset="-127"/>
+                <a:ea typeface="빙그레 메로나체" panose="020B0503000000000000" pitchFamily="50" charset="-127"/>
+              </a:rPr>
+              <a:t>데이터 바인딩 </a:t>
+            </a:r>
+            <a:r>
+              <a:rPr lang="en-US" altLang="ko-KR">
+                <a:ln>
+                  <a:solidFill>
+                    <a:schemeClr val="tx1">
+                      <a:alpha val="30000"/>
+                    </a:schemeClr>
+                  </a:solidFill>
+                </a:ln>
+                <a:latin typeface="빙그레 메로나체" panose="020B0503000000000000" pitchFamily="50" charset="-127"/>
+                <a:ea typeface="빙그레 메로나체" panose="020B0503000000000000" pitchFamily="50" charset="-127"/>
+              </a:rPr>
+              <a:t>: </a:t>
+            </a:r>
+            <a:r>
+              <a:rPr lang="ko-KR" altLang="en-US">
+                <a:ln>
+                  <a:solidFill>
+                    <a:schemeClr val="tx1">
+                      <a:alpha val="30000"/>
+                    </a:schemeClr>
+                  </a:solidFill>
+                </a:ln>
+                <a:latin typeface="빙그레 메로나체" panose="020B0503000000000000" pitchFamily="50" charset="-127"/>
+                <a:ea typeface="빙그레 메로나체" panose="020B0503000000000000" pitchFamily="50" charset="-127"/>
+              </a:rPr>
+              <a:t>화면에 보이는 데이터와 브라우저 메모리에있는 데이터를 일치시키는 방법</a:t>
+            </a:r>
+            <a:endParaRPr lang="en-US" altLang="ko-KR">
+              <a:ln>
+                <a:solidFill>
+                  <a:schemeClr val="tx1">
+                    <a:alpha val="30000"/>
+                  </a:schemeClr>
+                </a:solidFill>
+              </a:ln>
+              <a:latin typeface="빙그레 메로나체" panose="020B0503000000000000" pitchFamily="50" charset="-127"/>
+              <a:ea typeface="빙그레 메로나체" panose="020B0503000000000000" pitchFamily="50" charset="-127"/>
+            </a:endParaRPr>
+          </a:p>
+          <a:p>
+            <a:r>
+              <a:rPr lang="ko-KR" altLang="en-US">
+                <a:ln>
+                  <a:solidFill>
+                    <a:schemeClr val="tx1">
+                      <a:alpha val="30000"/>
+                    </a:schemeClr>
+                  </a:solidFill>
+                </a:ln>
+                <a:latin typeface="빙그레 메로나체" panose="020B0503000000000000" pitchFamily="50" charset="-127"/>
+                <a:ea typeface="빙그레 메로나체" panose="020B0503000000000000" pitchFamily="50" charset="-127"/>
+              </a:rPr>
+              <a:t>양방향은 </a:t>
+            </a:r>
+            <a:r>
+              <a:rPr lang="en-US" altLang="ko-KR">
+                <a:ln>
+                  <a:solidFill>
+                    <a:schemeClr val="tx1">
+                      <a:alpha val="30000"/>
+                    </a:schemeClr>
+                  </a:solidFill>
+                </a:ln>
+                <a:latin typeface="빙그레 메로나체" panose="020B0503000000000000" pitchFamily="50" charset="-127"/>
+                <a:ea typeface="빙그레 메로나체" panose="020B0503000000000000" pitchFamily="50" charset="-127"/>
+              </a:rPr>
+              <a:t>HTML</a:t>
+            </a:r>
+            <a:r>
+              <a:rPr lang="ko-KR" altLang="en-US">
+                <a:ln>
+                  <a:solidFill>
+                    <a:schemeClr val="tx1">
+                      <a:alpha val="30000"/>
+                    </a:schemeClr>
+                  </a:solidFill>
+                </a:ln>
+                <a:latin typeface="빙그레 메로나체" panose="020B0503000000000000" pitchFamily="50" charset="-127"/>
+                <a:ea typeface="빙그레 메로나체" panose="020B0503000000000000" pitchFamily="50" charset="-127"/>
+              </a:rPr>
+              <a:t>내에서 값이 바뀌면 </a:t>
+            </a:r>
+            <a:endParaRPr lang="en-US" altLang="ko-KR">
+              <a:ln>
+                <a:solidFill>
+                  <a:schemeClr val="tx1">
+                    <a:alpha val="30000"/>
+                  </a:schemeClr>
+                </a:solidFill>
+              </a:ln>
+              <a:latin typeface="빙그레 메로나체" panose="020B0503000000000000" pitchFamily="50" charset="-127"/>
+              <a:ea typeface="빙그레 메로나체" panose="020B0503000000000000" pitchFamily="50" charset="-127"/>
+            </a:endParaRPr>
+          </a:p>
+          <a:p>
+            <a:endParaRPr lang="en-US" altLang="ko-KR">
+              <a:ln>
+                <a:solidFill>
+                  <a:schemeClr val="tx1">
+                    <a:alpha val="30000"/>
+                  </a:schemeClr>
+                </a:solidFill>
+              </a:ln>
+              <a:latin typeface="빙그레 메로나체" panose="020B0503000000000000" pitchFamily="50" charset="-127"/>
+              <a:ea typeface="빙그레 메로나체" panose="020B0503000000000000" pitchFamily="50" charset="-127"/>
+            </a:endParaRPr>
+          </a:p>
+          <a:p>
             <a:endParaRPr lang="ko-KR" altLang="en-US">
               <a:ln>
                 <a:solidFill>
@@ -4799,7 +4604,7 @@
     </p:spTree>
     <p:extLst>
       <p:ext uri="{BB962C8B-B14F-4D97-AF65-F5344CB8AC3E}">
-        <p14:creationId xmlns:p14="http://schemas.microsoft.com/office/powerpoint/2010/main" val="1246969491"/>
+        <p14:creationId xmlns:p14="http://schemas.microsoft.com/office/powerpoint/2010/main" val="225656745"/>
       </p:ext>
     </p:extLst>
   </p:cSld>
@@ -4970,7 +4775,7 @@
     </p:spTree>
     <p:extLst>
       <p:ext uri="{BB962C8B-B14F-4D97-AF65-F5344CB8AC3E}">
-        <p14:creationId xmlns:p14="http://schemas.microsoft.com/office/powerpoint/2010/main" val="1547270835"/>
+        <p14:creationId xmlns:p14="http://schemas.microsoft.com/office/powerpoint/2010/main" val="1246969491"/>
       </p:ext>
     </p:extLst>
   </p:cSld>
@@ -5025,7 +4830,7 @@
           <a:lstStyle/>
           <a:p>
             <a:r>
-              <a:rPr lang="en-US" altLang="ko-KR">
+              <a:rPr lang="ko-KR" altLang="en-US">
                 <a:ln>
                   <a:solidFill>
                     <a:schemeClr val="tx1">
@@ -5036,10 +4841,23 @@
                 <a:latin typeface="빙그레 메로나체" panose="020B0503000000000000" pitchFamily="50" charset="-127"/>
                 <a:ea typeface="빙그레 메로나체" panose="020B0503000000000000" pitchFamily="50" charset="-127"/>
               </a:rPr>
-              <a:t>React</a:t>
-            </a:r>
-            <a:r>
-              <a:rPr lang="ko-KR" altLang="en-US">
+              <a:t>레딧</a:t>
+            </a:r>
+            <a:endParaRPr lang="en-US" altLang="ko-KR">
+              <a:ln>
+                <a:solidFill>
+                  <a:schemeClr val="tx1">
+                    <a:alpha val="30000"/>
+                  </a:schemeClr>
+                </a:solidFill>
+              </a:ln>
+              <a:latin typeface="빙그레 메로나체" panose="020B0503000000000000" pitchFamily="50" charset="-127"/>
+              <a:ea typeface="빙그레 메로나체" panose="020B0503000000000000" pitchFamily="50" charset="-127"/>
+            </a:endParaRPr>
+          </a:p>
+          <a:p>
+            <a:r>
+              <a:rPr lang="en-US" altLang="ko-KR">
                 <a:ln>
                   <a:solidFill>
                     <a:schemeClr val="tx1">
@@ -5050,10 +4868,12 @@
                 <a:latin typeface="빙그레 메로나체" panose="020B0503000000000000" pitchFamily="50" charset="-127"/>
                 <a:ea typeface="빙그레 메로나체" panose="020B0503000000000000" pitchFamily="50" charset="-127"/>
               </a:rPr>
-              <a:t>의 방식으로 동시에 </a:t>
-            </a:r>
-            <a:r>
-              <a:rPr lang="en-US" altLang="ko-KR">
+              <a:t>hashnode</a:t>
+            </a:r>
+          </a:p>
+          <a:p>
+            <a:r>
+              <a:rPr lang="ko-KR" altLang="en-US">
                 <a:ln>
                   <a:solidFill>
                     <a:schemeClr val="tx1">
@@ -5064,10 +4884,23 @@
                 <a:latin typeface="빙그레 메로나체" panose="020B0503000000000000" pitchFamily="50" charset="-127"/>
                 <a:ea typeface="빙그레 메로나체" panose="020B0503000000000000" pitchFamily="50" charset="-127"/>
               </a:rPr>
-              <a:t>iOS</a:t>
-            </a:r>
-            <a:r>
-              <a:rPr lang="ko-KR" altLang="en-US">
+              <a:t>스택오버플로우</a:t>
+            </a:r>
+            <a:endParaRPr lang="en-US" altLang="ko-KR">
+              <a:ln>
+                <a:solidFill>
+                  <a:schemeClr val="tx1">
+                    <a:alpha val="30000"/>
+                  </a:schemeClr>
+                </a:solidFill>
+              </a:ln>
+              <a:latin typeface="빙그레 메로나체" panose="020B0503000000000000" pitchFamily="50" charset="-127"/>
+              <a:ea typeface="빙그레 메로나체" panose="020B0503000000000000" pitchFamily="50" charset="-127"/>
+            </a:endParaRPr>
+          </a:p>
+          <a:p>
+            <a:r>
+              <a:rPr lang="en-US" altLang="ko-KR">
                 <a:ln>
                   <a:solidFill>
                     <a:schemeClr val="tx1">
@@ -5078,8 +4911,10 @@
                 <a:latin typeface="빙그레 메로나체" panose="020B0503000000000000" pitchFamily="50" charset="-127"/>
                 <a:ea typeface="빙그레 메로나체" panose="020B0503000000000000" pitchFamily="50" charset="-127"/>
               </a:rPr>
-              <a:t>와 </a:t>
-            </a:r>
+              <a:t>dev</a:t>
+            </a:r>
+          </a:p>
+          <a:p>
             <a:r>
               <a:rPr lang="en-US" altLang="ko-KR">
                 <a:ln>
@@ -5092,29 +4927,26 @@
                 <a:latin typeface="빙그레 메로나체" panose="020B0503000000000000" pitchFamily="50" charset="-127"/>
                 <a:ea typeface="빙그레 메로나체" panose="020B0503000000000000" pitchFamily="50" charset="-127"/>
               </a:rPr>
-              <a:t>Android </a:t>
-            </a:r>
-            <a:r>
-              <a:rPr lang="ko-KR" altLang="en-US">
-                <a:ln>
-                  <a:solidFill>
-                    <a:schemeClr val="tx1">
-                      <a:alpha val="30000"/>
-                    </a:schemeClr>
-                  </a:solidFill>
-                </a:ln>
-                <a:latin typeface="빙그레 메로나체" panose="020B0503000000000000" pitchFamily="50" charset="-127"/>
-                <a:ea typeface="빙그레 메로나체" panose="020B0503000000000000" pitchFamily="50" charset="-127"/>
-              </a:rPr>
-              <a:t>모바일 애플리케이션 개발을 할 수있는 페이스 북의 오픈 소스 프레임 워크</a:t>
-            </a:r>
+              <a:t>spectrume</a:t>
+            </a:r>
+            <a:endParaRPr lang="ko-KR" altLang="en-US">
+              <a:ln>
+                <a:solidFill>
+                  <a:schemeClr val="tx1">
+                    <a:alpha val="30000"/>
+                  </a:schemeClr>
+                </a:solidFill>
+              </a:ln>
+              <a:latin typeface="빙그레 메로나체" panose="020B0503000000000000" pitchFamily="50" charset="-127"/>
+              <a:ea typeface="빙그레 메로나체" panose="020B0503000000000000" pitchFamily="50" charset="-127"/>
+            </a:endParaRPr>
           </a:p>
         </p:txBody>
       </p:sp>
     </p:spTree>
     <p:extLst>
       <p:ext uri="{BB962C8B-B14F-4D97-AF65-F5344CB8AC3E}">
-        <p14:creationId xmlns:p14="http://schemas.microsoft.com/office/powerpoint/2010/main" val="3119013861"/>
+        <p14:creationId xmlns:p14="http://schemas.microsoft.com/office/powerpoint/2010/main" val="1547270835"/>
       </p:ext>
     </p:extLst>
   </p:cSld>
@@ -5169,128 +5001,96 @@
           <a:lstStyle/>
           <a:p>
             <a:r>
-              <a:rPr lang="ko-KR" altLang="en-US" b="0" i="0">
-                <a:solidFill>
-                  <a:srgbClr val="222426"/>
-                </a:solidFill>
-                <a:effectLst/>
-              </a:rPr>
-              <a:t>웹페이지에서는 페이지를 보여주기 위한 수 많은 자바스크립트 파일을 서버에 요청 </a:t>
-            </a:r>
-            <a:r>
-              <a:rPr lang="en-US" altLang="ko-KR" b="0" i="0">
-                <a:solidFill>
-                  <a:srgbClr val="222426"/>
-                </a:solidFill>
-                <a:effectLst/>
-              </a:rPr>
-              <a:t>- </a:t>
-            </a:r>
-            <a:r>
-              <a:rPr lang="ko-KR" altLang="en-US" b="0" i="0">
-                <a:solidFill>
-                  <a:srgbClr val="222426"/>
-                </a:solidFill>
-                <a:effectLst/>
-              </a:rPr>
-              <a:t>서버와 여러번 통신 </a:t>
-            </a:r>
-            <a:r>
-              <a:rPr lang="en-US" altLang="ko-KR" b="0" i="0">
-                <a:solidFill>
-                  <a:srgbClr val="222426"/>
-                </a:solidFill>
-                <a:effectLst/>
-              </a:rPr>
-              <a:t>- </a:t>
-            </a:r>
-            <a:r>
-              <a:rPr lang="ko-KR" altLang="en-US" b="0" i="0">
-                <a:solidFill>
-                  <a:srgbClr val="222426"/>
-                </a:solidFill>
-                <a:effectLst/>
-              </a:rPr>
-              <a:t>비효율</a:t>
-            </a:r>
-            <a:endParaRPr lang="en-US" altLang="ko-KR" b="0" i="0">
-              <a:solidFill>
-                <a:srgbClr val="222426"/>
-              </a:solidFill>
-              <a:effectLst/>
-            </a:endParaRPr>
-          </a:p>
-          <a:p>
-            <a:r>
-              <a:rPr lang="ko-KR" altLang="en-US" b="0" i="0">
-                <a:solidFill>
-                  <a:srgbClr val="222426"/>
-                </a:solidFill>
-                <a:effectLst/>
-              </a:rPr>
-              <a:t>최신 자바스크립트에서 모듈 개념이 생김 </a:t>
-            </a:r>
-            <a:r>
-              <a:rPr lang="en-US" altLang="ko-KR" b="0" i="0">
-                <a:solidFill>
-                  <a:srgbClr val="222426"/>
-                </a:solidFill>
-                <a:effectLst/>
-              </a:rPr>
-              <a:t>- </a:t>
-            </a:r>
-            <a:r>
-              <a:rPr lang="ko-KR" altLang="en-US" b="0" i="0">
-                <a:solidFill>
-                  <a:srgbClr val="222426"/>
-                </a:solidFill>
-                <a:effectLst/>
-              </a:rPr>
-              <a:t>지원되지 않는 브라우저들을 위해 코드 변환이 필요</a:t>
-            </a:r>
-            <a:endParaRPr lang="en-US" altLang="ko-KR" b="0" i="0">
-              <a:solidFill>
-                <a:srgbClr val="222426"/>
-              </a:solidFill>
-              <a:effectLst/>
-            </a:endParaRPr>
-          </a:p>
-          <a:p>
-            <a:endParaRPr lang="en-US" altLang="ko-KR" b="0" i="0">
-              <a:solidFill>
-                <a:srgbClr val="222426"/>
-              </a:solidFill>
-              <a:effectLst/>
-            </a:endParaRPr>
-          </a:p>
-          <a:p>
-            <a:r>
-              <a:rPr lang="ko-KR" altLang="en-US" b="0" i="0">
-                <a:solidFill>
-                  <a:srgbClr val="222426"/>
-                </a:solidFill>
-                <a:effectLst/>
-              </a:rPr>
-              <a:t>모듈 번들러 여러개의 나누어져 있는 파일들을 하나의 파일로 만들어주는 라이브러리</a:t>
-            </a:r>
-            <a:endParaRPr lang="ko-KR" altLang="en-US">
-              <a:ln>
-                <a:solidFill>
-                  <a:schemeClr val="tx1">
-                    <a:alpha val="30000"/>
-                  </a:schemeClr>
-                </a:solidFill>
-              </a:ln>
-              <a:latin typeface="빙그레 메로나체" panose="020B0503000000000000" pitchFamily="50" charset="-127"/>
-              <a:ea typeface="빙그레 메로나체" panose="020B0503000000000000" pitchFamily="50" charset="-127"/>
-            </a:endParaRPr>
+              <a:rPr lang="en-US" altLang="ko-KR">
+                <a:ln>
+                  <a:solidFill>
+                    <a:schemeClr val="tx1">
+                      <a:alpha val="30000"/>
+                    </a:schemeClr>
+                  </a:solidFill>
+                </a:ln>
+                <a:latin typeface="빙그레 메로나체" panose="020B0503000000000000" pitchFamily="50" charset="-127"/>
+                <a:ea typeface="빙그레 메로나체" panose="020B0503000000000000" pitchFamily="50" charset="-127"/>
+              </a:rPr>
+              <a:t>React</a:t>
+            </a:r>
+            <a:r>
+              <a:rPr lang="ko-KR" altLang="en-US">
+                <a:ln>
+                  <a:solidFill>
+                    <a:schemeClr val="tx1">
+                      <a:alpha val="30000"/>
+                    </a:schemeClr>
+                  </a:solidFill>
+                </a:ln>
+                <a:latin typeface="빙그레 메로나체" panose="020B0503000000000000" pitchFamily="50" charset="-127"/>
+                <a:ea typeface="빙그레 메로나체" panose="020B0503000000000000" pitchFamily="50" charset="-127"/>
+              </a:rPr>
+              <a:t>의 방식으로 동시에 </a:t>
+            </a:r>
+            <a:r>
+              <a:rPr lang="en-US" altLang="ko-KR">
+                <a:ln>
+                  <a:solidFill>
+                    <a:schemeClr val="tx1">
+                      <a:alpha val="30000"/>
+                    </a:schemeClr>
+                  </a:solidFill>
+                </a:ln>
+                <a:latin typeface="빙그레 메로나체" panose="020B0503000000000000" pitchFamily="50" charset="-127"/>
+                <a:ea typeface="빙그레 메로나체" panose="020B0503000000000000" pitchFamily="50" charset="-127"/>
+              </a:rPr>
+              <a:t>iOS</a:t>
+            </a:r>
+            <a:r>
+              <a:rPr lang="ko-KR" altLang="en-US">
+                <a:ln>
+                  <a:solidFill>
+                    <a:schemeClr val="tx1">
+                      <a:alpha val="30000"/>
+                    </a:schemeClr>
+                  </a:solidFill>
+                </a:ln>
+                <a:latin typeface="빙그레 메로나체" panose="020B0503000000000000" pitchFamily="50" charset="-127"/>
+                <a:ea typeface="빙그레 메로나체" panose="020B0503000000000000" pitchFamily="50" charset="-127"/>
+              </a:rPr>
+              <a:t>와 </a:t>
+            </a:r>
+            <a:r>
+              <a:rPr lang="en-US" altLang="ko-KR">
+                <a:ln>
+                  <a:solidFill>
+                    <a:schemeClr val="tx1">
+                      <a:alpha val="30000"/>
+                    </a:schemeClr>
+                  </a:solidFill>
+                </a:ln>
+                <a:latin typeface="빙그레 메로나체" panose="020B0503000000000000" pitchFamily="50" charset="-127"/>
+                <a:ea typeface="빙그레 메로나체" panose="020B0503000000000000" pitchFamily="50" charset="-127"/>
+              </a:rPr>
+              <a:t>Android </a:t>
+            </a:r>
+            <a:r>
+              <a:rPr lang="ko-KR" altLang="en-US">
+                <a:ln>
+                  <a:solidFill>
+                    <a:schemeClr val="tx1">
+                      <a:alpha val="30000"/>
+                    </a:schemeClr>
+                  </a:solidFill>
+                </a:ln>
+                <a:latin typeface="빙그레 메로나체" panose="020B0503000000000000" pitchFamily="50" charset="-127"/>
+                <a:ea typeface="빙그레 메로나체" panose="020B0503000000000000" pitchFamily="50" charset="-127"/>
+              </a:rPr>
+              <a:t>모바일 애플리케이션 개발을 할 수있는 페이스 북의 오픈 소스 프레임 워크</a:t>
+            </a:r>
           </a:p>
         </p:txBody>
       </p:sp>
     </p:spTree>
     <p:extLst>
       <p:ext uri="{BB962C8B-B14F-4D97-AF65-F5344CB8AC3E}">
-        <p14:creationId xmlns:p14="http://schemas.microsoft.com/office/powerpoint/2010/main" val="279055325"/>
+        <p14:creationId xmlns:p14="http://schemas.microsoft.com/office/powerpoint/2010/main" val="3119013861"/>
       </p:ext>
     </p:extLst>
   </p:cSld>
@@ -5351,7 +5151,7 @@
                 </a:solidFill>
                 <a:effectLst/>
               </a:rPr>
-              <a:t>최신 문법을 특정 이전 버전의 </a:t>
+              <a:t>웹페이지에서는 페이지를 보여주기 위한 수 많은 자바스크립트 파일을 서버에 요청 </a:t>
             </a:r>
             <a:r>
               <a:rPr lang="en-US" altLang="ko-KR" b="0" i="0">
@@ -5360,7 +5160,7 @@
                 </a:solidFill>
                 <a:effectLst/>
               </a:rPr>
-              <a:t>js</a:t>
+              <a:t>- </a:t>
             </a:r>
             <a:r>
               <a:rPr lang="ko-KR" altLang="en-US" b="0" i="0">
@@ -5369,7 +5169,25 @@
                 </a:solidFill>
                 <a:effectLst/>
               </a:rPr>
-              <a:t>로 변환하는 도구</a:t>
+              <a:t>서버와 여러번 통신 </a:t>
+            </a:r>
+            <a:r>
+              <a:rPr lang="en-US" altLang="ko-KR" b="0" i="0">
+                <a:solidFill>
+                  <a:srgbClr val="222426"/>
+                </a:solidFill>
+                <a:effectLst/>
+              </a:rPr>
+              <a:t>- </a:t>
+            </a:r>
+            <a:r>
+              <a:rPr lang="ko-KR" altLang="en-US" b="0" i="0">
+                <a:solidFill>
+                  <a:srgbClr val="222426"/>
+                </a:solidFill>
+                <a:effectLst/>
+              </a:rPr>
+              <a:t>비효율</a:t>
             </a:r>
             <a:endParaRPr lang="en-US" altLang="ko-KR" b="0" i="0">
               <a:solidFill>
@@ -5379,6 +5197,33 @@
             </a:endParaRPr>
           </a:p>
           <a:p>
+            <a:r>
+              <a:rPr lang="ko-KR" altLang="en-US" b="0" i="0">
+                <a:solidFill>
+                  <a:srgbClr val="222426"/>
+                </a:solidFill>
+                <a:effectLst/>
+              </a:rPr>
+              <a:t>최신 자바스크립트에서 모듈 개념이 생김 </a:t>
+            </a:r>
+            <a:r>
+              <a:rPr lang="en-US" altLang="ko-KR" b="0" i="0">
+                <a:solidFill>
+                  <a:srgbClr val="222426"/>
+                </a:solidFill>
+                <a:effectLst/>
+              </a:rPr>
+              <a:t>- </a:t>
+            </a:r>
+            <a:r>
+              <a:rPr lang="ko-KR" altLang="en-US" b="0" i="0">
+                <a:solidFill>
+                  <a:srgbClr val="222426"/>
+                </a:solidFill>
+                <a:effectLst/>
+              </a:rPr>
+              <a:t>지원되지 않는 브라우저들을 위해 코드 변환이 필요</a:t>
+            </a:r>
             <a:endParaRPr lang="en-US" altLang="ko-KR" b="0" i="0">
               <a:solidFill>
                 <a:srgbClr val="222426"/>
@@ -5387,33 +5232,6 @@
             </a:endParaRPr>
           </a:p>
           <a:p>
-            <a:r>
-              <a:rPr lang="ko-KR" altLang="en-US" b="0" i="0">
-                <a:solidFill>
-                  <a:srgbClr val="222426"/>
-                </a:solidFill>
-                <a:effectLst/>
-              </a:rPr>
-              <a:t>최신 자바스크립트에서 모듈 개념이 생김 </a:t>
-            </a:r>
-            <a:r>
-              <a:rPr lang="en-US" altLang="ko-KR" b="0" i="0">
-                <a:solidFill>
-                  <a:srgbClr val="222426"/>
-                </a:solidFill>
-                <a:effectLst/>
-              </a:rPr>
-              <a:t>- </a:t>
-            </a:r>
-            <a:r>
-              <a:rPr lang="ko-KR" altLang="en-US" b="0" i="0">
-                <a:solidFill>
-                  <a:srgbClr val="222426"/>
-                </a:solidFill>
-                <a:effectLst/>
-              </a:rPr>
-              <a:t>지원되지 않는 브라우저들을 위해 코드 변환이 필요</a:t>
-            </a:r>
             <a:endParaRPr lang="en-US" altLang="ko-KR" b="0" i="0">
               <a:solidFill>
                 <a:srgbClr val="222426"/>
@@ -5422,11 +5240,25 @@
             </a:endParaRPr>
           </a:p>
           <a:p>
-            <a:endParaRPr lang="en-US" altLang="ko-KR" b="0" i="0">
-              <a:solidFill>
-                <a:srgbClr val="222426"/>
-              </a:solidFill>
-              <a:effectLst/>
+            <a:r>
+              <a:rPr lang="ko-KR" altLang="en-US" b="0" i="0">
+                <a:solidFill>
+                  <a:srgbClr val="222426"/>
+                </a:solidFill>
+                <a:effectLst/>
+              </a:rPr>
+              <a:t>모듈 번들러 여러개의 나누어져 있는 파일들을 하나의 파일로 만들어주는 라이브러리</a:t>
+            </a:r>
+            <a:endParaRPr lang="ko-KR" altLang="en-US">
+              <a:ln>
+                <a:solidFill>
+                  <a:schemeClr val="tx1">
+                    <a:alpha val="30000"/>
+                  </a:schemeClr>
+                </a:solidFill>
+              </a:ln>
+              <a:latin typeface="빙그레 메로나체" panose="020B0503000000000000" pitchFamily="50" charset="-127"/>
+              <a:ea typeface="빙그레 메로나체" panose="020B0503000000000000" pitchFamily="50" charset="-127"/>
             </a:endParaRPr>
           </a:p>
         </p:txBody>
@@ -5434,7 +5266,7 @@
     </p:spTree>
     <p:extLst>
       <p:ext uri="{BB962C8B-B14F-4D97-AF65-F5344CB8AC3E}">
-        <p14:creationId xmlns:p14="http://schemas.microsoft.com/office/powerpoint/2010/main" val="1935384192"/>
+        <p14:creationId xmlns:p14="http://schemas.microsoft.com/office/powerpoint/2010/main" val="279055325"/>
       </p:ext>
     </p:extLst>
   </p:cSld>
@@ -5489,57 +5321,31 @@
           <a:lstStyle/>
           <a:p>
             <a:r>
+              <a:rPr lang="ko-KR" altLang="en-US" b="0" i="0">
+                <a:solidFill>
+                  <a:srgbClr val="222426"/>
+                </a:solidFill>
+                <a:effectLst/>
+              </a:rPr>
+              <a:t>최신 문법을 특정 이전 버전의 </a:t>
+            </a:r>
+            <a:r>
               <a:rPr lang="en-US" altLang="ko-KR" b="0" i="0">
                 <a:solidFill>
-                  <a:srgbClr val="FFFFFF"/>
-                </a:solidFill>
-                <a:effectLst/>
-              </a:rPr>
-              <a:t>Facebook</a:t>
+                  <a:srgbClr val="222426"/>
+                </a:solidFill>
+                <a:effectLst/>
+              </a:rPr>
+              <a:t>js</a:t>
             </a:r>
             <a:r>
               <a:rPr lang="ko-KR" altLang="en-US" b="0" i="0">
                 <a:solidFill>
-                  <a:srgbClr val="FFFFFF"/>
-                </a:solidFill>
-                <a:effectLst/>
-              </a:rPr>
-              <a:t>의 공식 </a:t>
-            </a:r>
-            <a:r>
-              <a:rPr lang="en-US" altLang="ko-KR" b="0" i="0">
-                <a:solidFill>
-                  <a:srgbClr val="FFFFFF"/>
-                </a:solidFill>
-                <a:effectLst/>
-              </a:rPr>
-              <a:t>React </a:t>
-            </a:r>
-            <a:r>
-              <a:rPr lang="ko-KR" altLang="en-US" b="0" i="0">
-                <a:solidFill>
-                  <a:srgbClr val="FFFFFF"/>
-                </a:solidFill>
-                <a:effectLst/>
-              </a:rPr>
-              <a:t>웹 개발을위한 보일러 플레이트</a:t>
-            </a:r>
-            <a:endParaRPr lang="en-US" altLang="ko-KR" b="0" i="0">
-              <a:solidFill>
-                <a:srgbClr val="FFFFFF"/>
-              </a:solidFill>
-              <a:effectLst/>
-            </a:endParaRPr>
-          </a:p>
-          <a:p>
-            <a:r>
-              <a:rPr lang="ko-KR" altLang="en-US" b="0" i="0">
-                <a:solidFill>
                   <a:srgbClr val="222426"/>
                 </a:solidFill>
                 <a:effectLst/>
               </a:rPr>
-              <a:t>모든 개발환경을 설정하지 않아도 되고 페이스북이라는 거대한 기업에서 지속적으로 업데이트를 해주기에 많은 사람들이 사용</a:t>
+              <a:t>로 변환하는 도구</a:t>
             </a:r>
             <a:endParaRPr lang="en-US" altLang="ko-KR" b="0" i="0">
               <a:solidFill>
@@ -5549,80 +5355,6 @@
             </a:endParaRPr>
           </a:p>
           <a:p>
-            <a:r>
-              <a:rPr lang="ko-KR" altLang="en-US" b="0" i="0">
-                <a:solidFill>
-                  <a:srgbClr val="303030"/>
-                </a:solidFill>
-                <a:effectLst/>
-              </a:rPr>
-              <a:t>원래 리액트 앱 실행을 하기 위해선 </a:t>
-            </a:r>
-            <a:r>
-              <a:rPr lang="en-US" altLang="ko-KR" b="0" i="0">
-                <a:solidFill>
-                  <a:srgbClr val="303030"/>
-                </a:solidFill>
-                <a:effectLst/>
-              </a:rPr>
-              <a:t>webpack(</a:t>
-            </a:r>
-            <a:r>
-              <a:rPr lang="ko-KR" altLang="en-US" b="0" i="0">
-                <a:solidFill>
-                  <a:srgbClr val="303030"/>
-                </a:solidFill>
-                <a:effectLst/>
-              </a:rPr>
-              <a:t>번들화</a:t>
-            </a:r>
-            <a:r>
-              <a:rPr lang="en-US" altLang="ko-KR" b="0" i="0">
-                <a:solidFill>
-                  <a:srgbClr val="303030"/>
-                </a:solidFill>
-                <a:effectLst/>
-              </a:rPr>
-              <a:t>), babel(</a:t>
-            </a:r>
-            <a:r>
-              <a:rPr lang="ko-KR" altLang="en-US" b="0" i="0">
-                <a:solidFill>
-                  <a:srgbClr val="303030"/>
-                </a:solidFill>
-                <a:effectLst/>
-              </a:rPr>
-              <a:t>최신 자바스크립트 문법 지원</a:t>
-            </a:r>
-            <a:r>
-              <a:rPr lang="en-US" altLang="ko-KR" b="0" i="0">
-                <a:solidFill>
-                  <a:srgbClr val="303030"/>
-                </a:solidFill>
-                <a:effectLst/>
-              </a:rPr>
-              <a:t>) </a:t>
-            </a:r>
-            <a:r>
-              <a:rPr lang="ko-KR" altLang="en-US" b="0" i="0">
-                <a:solidFill>
-                  <a:srgbClr val="303030"/>
-                </a:solidFill>
-                <a:effectLst/>
-              </a:rPr>
-              <a:t>설정을 위한 시간이 많이 소요됨</a:t>
-            </a:r>
-            <a:r>
-              <a:rPr lang="en-US" altLang="ko-KR" b="0" i="0">
-                <a:solidFill>
-                  <a:srgbClr val="303030"/>
-                </a:solidFill>
-                <a:effectLst/>
-              </a:rPr>
-              <a:t>.</a:t>
-            </a:r>
-          </a:p>
-          <a:p>
             <a:endParaRPr lang="en-US" altLang="ko-KR" b="0" i="0">
               <a:solidFill>
                 <a:srgbClr val="222426"/>
@@ -5638,7 +5370,25 @@
                 </a:solidFill>
                 <a:effectLst/>
               </a:rPr>
-              <a:t>포함</a:t>
+              <a:t>최신 자바스크립트에서 모듈 개념이 생김 </a:t>
+            </a:r>
+            <a:r>
+              <a:rPr lang="en-US" altLang="ko-KR" b="0" i="0">
+                <a:solidFill>
+                  <a:srgbClr val="222426"/>
+                </a:solidFill>
+                <a:effectLst/>
+              </a:rPr>
+              <a:t>- </a:t>
+            </a:r>
+            <a:r>
+              <a:rPr lang="ko-KR" altLang="en-US" b="0" i="0">
+                <a:solidFill>
+                  <a:srgbClr val="222426"/>
+                </a:solidFill>
+                <a:effectLst/>
+              </a:rPr>
+              <a:t>지원되지 않는 브라우저들을 위해 코드 변환이 필요</a:t>
             </a:r>
             <a:endParaRPr lang="en-US" altLang="ko-KR" b="0" i="0">
               <a:solidFill>
@@ -5648,267 +5398,6 @@
             </a:endParaRPr>
           </a:p>
           <a:p>
-            <a:pPr algn="l" fontAlgn="base">
-              <a:buFont typeface="Arial" panose="020B0604020202020204" pitchFamily="34" charset="0"/>
-              <a:buChar char="•"/>
-            </a:pPr>
-            <a:r>
-              <a:rPr lang="en-US" altLang="ko-KR" b="0" i="0">
-                <a:solidFill>
-                  <a:srgbClr val="333333"/>
-                </a:solidFill>
-                <a:effectLst/>
-              </a:rPr>
-              <a:t>Webpack : minify, uglify </a:t>
-            </a:r>
-            <a:r>
-              <a:rPr lang="ko-KR" altLang="en-US" b="0" i="0">
-                <a:solidFill>
-                  <a:srgbClr val="333333"/>
-                </a:solidFill>
-                <a:effectLst/>
-              </a:rPr>
-              <a:t>등을 포함한 모듈 번들링 도구</a:t>
-            </a:r>
-          </a:p>
-          <a:p>
-            <a:pPr algn="l" fontAlgn="base">
-              <a:buFont typeface="Arial" panose="020B0604020202020204" pitchFamily="34" charset="0"/>
-              <a:buChar char="•"/>
-            </a:pPr>
-            <a:r>
-              <a:rPr lang="en-US" altLang="ko-KR" b="0" i="0">
-                <a:solidFill>
-                  <a:srgbClr val="333333"/>
-                </a:solidFill>
-                <a:effectLst/>
-              </a:rPr>
-              <a:t>Babel : ES6, React </a:t>
-            </a:r>
-            <a:r>
-              <a:rPr lang="ko-KR" altLang="en-US" b="0" i="0">
-                <a:solidFill>
-                  <a:srgbClr val="333333"/>
-                </a:solidFill>
-                <a:effectLst/>
-              </a:rPr>
-              <a:t>등의 문법을 </a:t>
-            </a:r>
-            <a:r>
-              <a:rPr lang="en-US" altLang="ko-KR" b="0" i="0">
-                <a:solidFill>
-                  <a:srgbClr val="333333"/>
-                </a:solidFill>
-                <a:effectLst/>
-              </a:rPr>
-              <a:t>ES5 </a:t>
-            </a:r>
-            <a:r>
-              <a:rPr lang="ko-KR" altLang="en-US" b="0" i="0">
-                <a:solidFill>
-                  <a:srgbClr val="333333"/>
-                </a:solidFill>
-                <a:effectLst/>
-              </a:rPr>
-              <a:t>코드로 변환시켜주는 트랜스파일러</a:t>
-            </a:r>
-          </a:p>
-          <a:p>
-            <a:pPr algn="l" fontAlgn="base">
-              <a:buFont typeface="Arial" panose="020B0604020202020204" pitchFamily="34" charset="0"/>
-              <a:buChar char="•"/>
-            </a:pPr>
-            <a:r>
-              <a:rPr lang="en-US" altLang="ko-KR" b="0" i="0">
-                <a:solidFill>
-                  <a:srgbClr val="333333"/>
-                </a:solidFill>
-                <a:effectLst/>
-              </a:rPr>
-              <a:t>Autoprefixer : </a:t>
-            </a:r>
-            <a:r>
-              <a:rPr lang="ko-KR" altLang="en-US" b="0" i="0">
-                <a:solidFill>
-                  <a:srgbClr val="333333"/>
-                </a:solidFill>
-                <a:effectLst/>
-              </a:rPr>
-              <a:t>다양한 벤더</a:t>
-            </a:r>
-            <a:r>
-              <a:rPr lang="en-US" altLang="ko-KR" b="0" i="0">
-                <a:solidFill>
-                  <a:srgbClr val="333333"/>
-                </a:solidFill>
-                <a:effectLst/>
-              </a:rPr>
-              <a:t>(</a:t>
-            </a:r>
-            <a:r>
-              <a:rPr lang="ko-KR" altLang="en-US" b="0" i="0">
-                <a:solidFill>
-                  <a:srgbClr val="333333"/>
-                </a:solidFill>
-                <a:effectLst/>
-              </a:rPr>
-              <a:t>브라우저</a:t>
-            </a:r>
-            <a:r>
-              <a:rPr lang="en-US" altLang="ko-KR" b="0" i="0">
-                <a:solidFill>
-                  <a:srgbClr val="333333"/>
-                </a:solidFill>
-                <a:effectLst/>
-              </a:rPr>
-              <a:t>)</a:t>
-            </a:r>
-            <a:r>
-              <a:rPr lang="ko-KR" altLang="en-US" b="0" i="0">
-                <a:solidFill>
-                  <a:srgbClr val="333333"/>
-                </a:solidFill>
-                <a:effectLst/>
-              </a:rPr>
-              <a:t>들에게 적절한 </a:t>
-            </a:r>
-            <a:r>
-              <a:rPr lang="en-US" altLang="ko-KR" b="0" i="0">
-                <a:solidFill>
-                  <a:srgbClr val="333333"/>
-                </a:solidFill>
-                <a:effectLst/>
-              </a:rPr>
-              <a:t>CSS </a:t>
-            </a:r>
-            <a:r>
-              <a:rPr lang="ko-KR" altLang="en-US" b="0" i="0">
-                <a:solidFill>
-                  <a:srgbClr val="333333"/>
-                </a:solidFill>
-                <a:effectLst/>
-              </a:rPr>
-              <a:t>가 적용될 수 있도록 </a:t>
-            </a:r>
-            <a:r>
-              <a:rPr lang="en-US" altLang="ko-KR" b="0" i="0">
-                <a:solidFill>
-                  <a:srgbClr val="333333"/>
-                </a:solidFill>
-                <a:effectLst/>
-              </a:rPr>
-              <a:t>prefix </a:t>
-            </a:r>
-            <a:r>
-              <a:rPr lang="ko-KR" altLang="en-US" b="0" i="0">
-                <a:solidFill>
-                  <a:srgbClr val="333333"/>
-                </a:solidFill>
-                <a:effectLst/>
-              </a:rPr>
-              <a:t>를 붙여준다</a:t>
-            </a:r>
-            <a:r>
-              <a:rPr lang="en-US" altLang="ko-KR" b="0" i="0">
-                <a:solidFill>
-                  <a:srgbClr val="333333"/>
-                </a:solidFill>
-                <a:effectLst/>
-              </a:rPr>
-              <a:t>.</a:t>
-            </a:r>
-          </a:p>
-          <a:p>
-            <a:pPr algn="l" fontAlgn="base">
-              <a:buFont typeface="Arial" panose="020B0604020202020204" pitchFamily="34" charset="0"/>
-              <a:buChar char="•"/>
-            </a:pPr>
-            <a:r>
-              <a:rPr lang="en-US" altLang="ko-KR" b="0" i="0">
-                <a:solidFill>
-                  <a:srgbClr val="333333"/>
-                </a:solidFill>
-                <a:effectLst/>
-              </a:rPr>
-              <a:t>ESLint : </a:t>
-            </a:r>
-            <a:r>
-              <a:rPr lang="ko-KR" altLang="en-US" b="0" i="0">
-                <a:solidFill>
-                  <a:srgbClr val="333333"/>
-                </a:solidFill>
-                <a:effectLst/>
-              </a:rPr>
-              <a:t>자바스크립트 </a:t>
-            </a:r>
-            <a:r>
-              <a:rPr lang="en-US" altLang="ko-KR" b="0" i="0">
-                <a:solidFill>
-                  <a:srgbClr val="333333"/>
-                </a:solidFill>
-                <a:effectLst/>
-              </a:rPr>
-              <a:t>lint, </a:t>
-            </a:r>
-            <a:r>
-              <a:rPr lang="ko-KR" altLang="en-US" b="0" i="0">
-                <a:solidFill>
-                  <a:srgbClr val="333333"/>
-                </a:solidFill>
-                <a:effectLst/>
-              </a:rPr>
-              <a:t>코드 컨벤션과 오류 등을 잡아준다</a:t>
-            </a:r>
-            <a:r>
-              <a:rPr lang="en-US" altLang="ko-KR" b="0" i="0">
-                <a:solidFill>
-                  <a:srgbClr val="333333"/>
-                </a:solidFill>
-                <a:effectLst/>
-              </a:rPr>
-              <a:t>.</a:t>
-            </a:r>
-          </a:p>
-          <a:p>
-            <a:pPr algn="l" fontAlgn="base">
-              <a:buFont typeface="Arial" panose="020B0604020202020204" pitchFamily="34" charset="0"/>
-              <a:buChar char="•"/>
-            </a:pPr>
-            <a:r>
-              <a:rPr lang="en-US" altLang="ko-KR" b="0" i="0">
-                <a:solidFill>
-                  <a:srgbClr val="333333"/>
-                </a:solidFill>
-                <a:effectLst/>
-              </a:rPr>
-              <a:t>Jest : </a:t>
-            </a:r>
-            <a:r>
-              <a:rPr lang="ko-KR" altLang="en-US" b="0" i="0">
-                <a:solidFill>
-                  <a:srgbClr val="333333"/>
-                </a:solidFill>
-                <a:effectLst/>
-              </a:rPr>
-              <a:t>자바스크립트 테스트 도구</a:t>
-            </a:r>
-          </a:p>
-          <a:p>
-            <a:pPr algn="l" fontAlgn="base">
-              <a:buFont typeface="Arial" panose="020B0604020202020204" pitchFamily="34" charset="0"/>
-              <a:buChar char="•"/>
-            </a:pPr>
-            <a:r>
-              <a:rPr lang="ko-KR" altLang="en-US" b="0" i="0">
-                <a:solidFill>
-                  <a:srgbClr val="333333"/>
-                </a:solidFill>
-                <a:effectLst/>
-              </a:rPr>
-              <a:t>이외에 여러개</a:t>
-            </a:r>
-          </a:p>
-          <a:p>
             <a:endParaRPr lang="en-US" altLang="ko-KR" b="0" i="0">
               <a:solidFill>
                 <a:srgbClr val="222426"/>
@@ -5916,55 +5405,12 @@
               <a:effectLst/>
             </a:endParaRPr>
           </a:p>
-          <a:p>
-            <a:r>
-              <a:rPr lang="ko-KR" altLang="en-US" b="0" i="0">
-                <a:solidFill>
-                  <a:srgbClr val="222426"/>
-                </a:solidFill>
-                <a:effectLst/>
-              </a:rPr>
-              <a:t>보일러 플레이트 </a:t>
-            </a:r>
-            <a:r>
-              <a:rPr lang="en-US" altLang="ko-KR" b="0" i="0">
-                <a:solidFill>
-                  <a:srgbClr val="222426"/>
-                </a:solidFill>
-                <a:effectLst/>
-              </a:rPr>
-              <a:t>: </a:t>
-            </a:r>
-            <a:r>
-              <a:rPr lang="ko-KR" altLang="en-US" b="0" i="0">
-                <a:solidFill>
-                  <a:srgbClr val="222426"/>
-                </a:solidFill>
-                <a:effectLst/>
-              </a:rPr>
-              <a:t>변형이 거의 또는 전혀없이 여러 위치에서 반복되는 코드 섹션</a:t>
-            </a:r>
-            <a:endParaRPr lang="en-US" altLang="ko-KR" b="0" i="0">
-              <a:solidFill>
-                <a:srgbClr val="222426"/>
-              </a:solidFill>
-              <a:effectLst/>
-            </a:endParaRPr>
-          </a:p>
-          <a:p>
-            <a:endParaRPr lang="en-US" altLang="ko-KR" b="0" i="0">
-              <a:solidFill>
-                <a:srgbClr val="222426"/>
-              </a:solidFill>
-              <a:effectLst/>
-            </a:endParaRPr>
-          </a:p>
         </p:txBody>
       </p:sp>
     </p:spTree>
     <p:extLst>
       <p:ext uri="{BB962C8B-B14F-4D97-AF65-F5344CB8AC3E}">
-        <p14:creationId xmlns:p14="http://schemas.microsoft.com/office/powerpoint/2010/main" val="2924714942"/>
+        <p14:creationId xmlns:p14="http://schemas.microsoft.com/office/powerpoint/2010/main" val="1935384192"/>
       </p:ext>
     </p:extLst>
   </p:cSld>
@@ -6019,13 +5465,57 @@
           <a:lstStyle/>
           <a:p>
             <a:r>
+              <a:rPr lang="en-US" altLang="ko-KR" b="0" i="0">
+                <a:solidFill>
+                  <a:srgbClr val="FFFFFF"/>
+                </a:solidFill>
+                <a:effectLst/>
+              </a:rPr>
+              <a:t>Facebook</a:t>
+            </a:r>
+            <a:r>
               <a:rPr lang="ko-KR" altLang="en-US" b="0" i="0">
                 <a:solidFill>
+                  <a:srgbClr val="FFFFFF"/>
+                </a:solidFill>
+                <a:effectLst/>
+              </a:rPr>
+              <a:t>의 공식 </a:t>
+            </a:r>
+            <a:r>
+              <a:rPr lang="en-US" altLang="ko-KR" b="0" i="0">
+                <a:solidFill>
+                  <a:srgbClr val="FFFFFF"/>
+                </a:solidFill>
+                <a:effectLst/>
+              </a:rPr>
+              <a:t>React </a:t>
+            </a:r>
+            <a:r>
+              <a:rPr lang="ko-KR" altLang="en-US" b="0" i="0">
+                <a:solidFill>
+                  <a:srgbClr val="FFFFFF"/>
+                </a:solidFill>
+                <a:effectLst/>
+              </a:rPr>
+              <a:t>웹 개발을위한 보일러 플레이트</a:t>
+            </a:r>
+            <a:endParaRPr lang="en-US" altLang="ko-KR" b="0" i="0">
+              <a:solidFill>
+                <a:srgbClr val="FFFFFF"/>
+              </a:solidFill>
+              <a:effectLst/>
+            </a:endParaRPr>
+          </a:p>
+          <a:p>
+            <a:r>
+              <a:rPr lang="ko-KR" altLang="en-US" b="0" i="0">
+                <a:solidFill>
                   <a:srgbClr val="222426"/>
                 </a:solidFill>
                 <a:effectLst/>
               </a:rPr>
-              <a:t>함수형 컴포넌트가 선언이 더 편함</a:t>
+              <a:t>모든 개발환경을 설정하지 않아도 되고 페이스북이라는 거대한 기업에서 지속적으로 업데이트를 해주기에 많은 사람들이 사용</a:t>
             </a:r>
             <a:endParaRPr lang="en-US" altLang="ko-KR" b="0" i="0">
               <a:solidFill>
@@ -6035,6 +5525,80 @@
             </a:endParaRPr>
           </a:p>
           <a:p>
+            <a:r>
+              <a:rPr lang="ko-KR" altLang="en-US" b="0" i="0">
+                <a:solidFill>
+                  <a:srgbClr val="303030"/>
+                </a:solidFill>
+                <a:effectLst/>
+              </a:rPr>
+              <a:t>원래 리액트 앱 실행을 하기 위해선 </a:t>
+            </a:r>
+            <a:r>
+              <a:rPr lang="en-US" altLang="ko-KR" b="0" i="0">
+                <a:solidFill>
+                  <a:srgbClr val="303030"/>
+                </a:solidFill>
+                <a:effectLst/>
+              </a:rPr>
+              <a:t>webpack(</a:t>
+            </a:r>
+            <a:r>
+              <a:rPr lang="ko-KR" altLang="en-US" b="0" i="0">
+                <a:solidFill>
+                  <a:srgbClr val="303030"/>
+                </a:solidFill>
+                <a:effectLst/>
+              </a:rPr>
+              <a:t>번들화</a:t>
+            </a:r>
+            <a:r>
+              <a:rPr lang="en-US" altLang="ko-KR" b="0" i="0">
+                <a:solidFill>
+                  <a:srgbClr val="303030"/>
+                </a:solidFill>
+                <a:effectLst/>
+              </a:rPr>
+              <a:t>), babel(</a:t>
+            </a:r>
+            <a:r>
+              <a:rPr lang="ko-KR" altLang="en-US" b="0" i="0">
+                <a:solidFill>
+                  <a:srgbClr val="303030"/>
+                </a:solidFill>
+                <a:effectLst/>
+              </a:rPr>
+              <a:t>최신 자바스크립트 문법 지원</a:t>
+            </a:r>
+            <a:r>
+              <a:rPr lang="en-US" altLang="ko-KR" b="0" i="0">
+                <a:solidFill>
+                  <a:srgbClr val="303030"/>
+                </a:solidFill>
+                <a:effectLst/>
+              </a:rPr>
+              <a:t>) </a:t>
+            </a:r>
+            <a:r>
+              <a:rPr lang="ko-KR" altLang="en-US" b="0" i="0">
+                <a:solidFill>
+                  <a:srgbClr val="303030"/>
+                </a:solidFill>
+                <a:effectLst/>
+              </a:rPr>
+              <a:t>설정을 위한 시간이 많이 소요됨</a:t>
+            </a:r>
+            <a:r>
+              <a:rPr lang="en-US" altLang="ko-KR" b="0" i="0">
+                <a:solidFill>
+                  <a:srgbClr val="303030"/>
+                </a:solidFill>
+                <a:effectLst/>
+              </a:rPr>
+              <a:t>.</a:t>
+            </a:r>
+          </a:p>
+          <a:p>
             <a:endParaRPr lang="en-US" altLang="ko-KR" b="0" i="0">
               <a:solidFill>
                 <a:srgbClr val="222426"/>
@@ -6044,22 +5608,13 @@
           </a:p>
           <a:p>
             <a:r>
-              <a:rPr lang="en-US" altLang="ko-KR" b="0" i="0">
+              <a:rPr lang="ko-KR" altLang="en-US" b="0" i="0">
                 <a:solidFill>
                   <a:srgbClr val="222426"/>
                 </a:solidFill>
                 <a:effectLst/>
               </a:rPr>
-              <a:t>class component</a:t>
-            </a:r>
-            <a:r>
-              <a:rPr lang="ko-KR" altLang="en-US" b="0" i="0">
-                <a:solidFill>
-                  <a:srgbClr val="222426"/>
-                </a:solidFill>
-                <a:effectLst/>
-              </a:rPr>
-              <a:t>는</a:t>
+              <a:t>포함</a:t>
             </a:r>
             <a:endParaRPr lang="en-US" altLang="ko-KR" b="0" i="0">
               <a:solidFill>
@@ -6069,24 +5624,267 @@
             </a:endParaRPr>
           </a:p>
           <a:p>
+            <a:pPr algn="l" fontAlgn="base">
+              <a:buFont typeface="Arial" panose="020B0604020202020204" pitchFamily="34" charset="0"/>
+              <a:buChar char="•"/>
+            </a:pPr>
             <a:r>
               <a:rPr lang="en-US" altLang="ko-KR" b="0" i="0">
                 <a:solidFill>
-                  <a:srgbClr val="222426"/>
-                </a:solidFill>
-                <a:effectLst/>
-              </a:rPr>
-              <a:t>  class </a:t>
+                  <a:srgbClr val="333333"/>
+                </a:solidFill>
+                <a:effectLst/>
+              </a:rPr>
+              <a:t>Webpack : minify, uglify </a:t>
             </a:r>
             <a:r>
               <a:rPr lang="ko-KR" altLang="en-US" b="0" i="0">
                 <a:solidFill>
-                  <a:srgbClr val="222426"/>
-                </a:solidFill>
-                <a:effectLst/>
-              </a:rPr>
-              <a:t>키워드 필요</a:t>
-            </a:r>
+                  <a:srgbClr val="333333"/>
+                </a:solidFill>
+                <a:effectLst/>
+              </a:rPr>
+              <a:t>등을 포함한 모듈 번들링 도구</a:t>
+            </a:r>
+          </a:p>
+          <a:p>
+            <a:pPr algn="l" fontAlgn="base">
+              <a:buFont typeface="Arial" panose="020B0604020202020204" pitchFamily="34" charset="0"/>
+              <a:buChar char="•"/>
+            </a:pPr>
+            <a:r>
+              <a:rPr lang="en-US" altLang="ko-KR" b="0" i="0">
+                <a:solidFill>
+                  <a:srgbClr val="333333"/>
+                </a:solidFill>
+                <a:effectLst/>
+              </a:rPr>
+              <a:t>Babel : ES6, React </a:t>
+            </a:r>
+            <a:r>
+              <a:rPr lang="ko-KR" altLang="en-US" b="0" i="0">
+                <a:solidFill>
+                  <a:srgbClr val="333333"/>
+                </a:solidFill>
+                <a:effectLst/>
+              </a:rPr>
+              <a:t>등의 문법을 </a:t>
+            </a:r>
+            <a:r>
+              <a:rPr lang="en-US" altLang="ko-KR" b="0" i="0">
+                <a:solidFill>
+                  <a:srgbClr val="333333"/>
+                </a:solidFill>
+                <a:effectLst/>
+              </a:rPr>
+              <a:t>ES5 </a:t>
+            </a:r>
+            <a:r>
+              <a:rPr lang="ko-KR" altLang="en-US" b="0" i="0">
+                <a:solidFill>
+                  <a:srgbClr val="333333"/>
+                </a:solidFill>
+                <a:effectLst/>
+              </a:rPr>
+              <a:t>코드로 변환시켜주는 트랜스파일러</a:t>
+            </a:r>
+          </a:p>
+          <a:p>
+            <a:pPr algn="l" fontAlgn="base">
+              <a:buFont typeface="Arial" panose="020B0604020202020204" pitchFamily="34" charset="0"/>
+              <a:buChar char="•"/>
+            </a:pPr>
+            <a:r>
+              <a:rPr lang="en-US" altLang="ko-KR" b="0" i="0">
+                <a:solidFill>
+                  <a:srgbClr val="333333"/>
+                </a:solidFill>
+                <a:effectLst/>
+              </a:rPr>
+              <a:t>Autoprefixer : </a:t>
+            </a:r>
+            <a:r>
+              <a:rPr lang="ko-KR" altLang="en-US" b="0" i="0">
+                <a:solidFill>
+                  <a:srgbClr val="333333"/>
+                </a:solidFill>
+                <a:effectLst/>
+              </a:rPr>
+              <a:t>다양한 벤더</a:t>
+            </a:r>
+            <a:r>
+              <a:rPr lang="en-US" altLang="ko-KR" b="0" i="0">
+                <a:solidFill>
+                  <a:srgbClr val="333333"/>
+                </a:solidFill>
+                <a:effectLst/>
+              </a:rPr>
+              <a:t>(</a:t>
+            </a:r>
+            <a:r>
+              <a:rPr lang="ko-KR" altLang="en-US" b="0" i="0">
+                <a:solidFill>
+                  <a:srgbClr val="333333"/>
+                </a:solidFill>
+                <a:effectLst/>
+              </a:rPr>
+              <a:t>브라우저</a:t>
+            </a:r>
+            <a:r>
+              <a:rPr lang="en-US" altLang="ko-KR" b="0" i="0">
+                <a:solidFill>
+                  <a:srgbClr val="333333"/>
+                </a:solidFill>
+                <a:effectLst/>
+              </a:rPr>
+              <a:t>)</a:t>
+            </a:r>
+            <a:r>
+              <a:rPr lang="ko-KR" altLang="en-US" b="0" i="0">
+                <a:solidFill>
+                  <a:srgbClr val="333333"/>
+                </a:solidFill>
+                <a:effectLst/>
+              </a:rPr>
+              <a:t>들에게 적절한 </a:t>
+            </a:r>
+            <a:r>
+              <a:rPr lang="en-US" altLang="ko-KR" b="0" i="0">
+                <a:solidFill>
+                  <a:srgbClr val="333333"/>
+                </a:solidFill>
+                <a:effectLst/>
+              </a:rPr>
+              <a:t>CSS </a:t>
+            </a:r>
+            <a:r>
+              <a:rPr lang="ko-KR" altLang="en-US" b="0" i="0">
+                <a:solidFill>
+                  <a:srgbClr val="333333"/>
+                </a:solidFill>
+                <a:effectLst/>
+              </a:rPr>
+              <a:t>가 적용될 수 있도록 </a:t>
+            </a:r>
+            <a:r>
+              <a:rPr lang="en-US" altLang="ko-KR" b="0" i="0">
+                <a:solidFill>
+                  <a:srgbClr val="333333"/>
+                </a:solidFill>
+                <a:effectLst/>
+              </a:rPr>
+              <a:t>prefix </a:t>
+            </a:r>
+            <a:r>
+              <a:rPr lang="ko-KR" altLang="en-US" b="0" i="0">
+                <a:solidFill>
+                  <a:srgbClr val="333333"/>
+                </a:solidFill>
+                <a:effectLst/>
+              </a:rPr>
+              <a:t>를 붙여준다</a:t>
+            </a:r>
+            <a:r>
+              <a:rPr lang="en-US" altLang="ko-KR" b="0" i="0">
+                <a:solidFill>
+                  <a:srgbClr val="333333"/>
+                </a:solidFill>
+                <a:effectLst/>
+              </a:rPr>
+              <a:t>.</a:t>
+            </a:r>
+          </a:p>
+          <a:p>
+            <a:pPr algn="l" fontAlgn="base">
+              <a:buFont typeface="Arial" panose="020B0604020202020204" pitchFamily="34" charset="0"/>
+              <a:buChar char="•"/>
+            </a:pPr>
+            <a:r>
+              <a:rPr lang="en-US" altLang="ko-KR" b="0" i="0">
+                <a:solidFill>
+                  <a:srgbClr val="333333"/>
+                </a:solidFill>
+                <a:effectLst/>
+              </a:rPr>
+              <a:t>ESLint : </a:t>
+            </a:r>
+            <a:r>
+              <a:rPr lang="ko-KR" altLang="en-US" b="0" i="0">
+                <a:solidFill>
+                  <a:srgbClr val="333333"/>
+                </a:solidFill>
+                <a:effectLst/>
+              </a:rPr>
+              <a:t>자바스크립트 </a:t>
+            </a:r>
+            <a:r>
+              <a:rPr lang="en-US" altLang="ko-KR" b="0" i="0">
+                <a:solidFill>
+                  <a:srgbClr val="333333"/>
+                </a:solidFill>
+                <a:effectLst/>
+              </a:rPr>
+              <a:t>lint, </a:t>
+            </a:r>
+            <a:r>
+              <a:rPr lang="ko-KR" altLang="en-US" b="0" i="0">
+                <a:solidFill>
+                  <a:srgbClr val="333333"/>
+                </a:solidFill>
+                <a:effectLst/>
+              </a:rPr>
+              <a:t>코드 컨벤션과 오류 등을 잡아준다</a:t>
+            </a:r>
+            <a:r>
+              <a:rPr lang="en-US" altLang="ko-KR" b="0" i="0">
+                <a:solidFill>
+                  <a:srgbClr val="333333"/>
+                </a:solidFill>
+                <a:effectLst/>
+              </a:rPr>
+              <a:t>.</a:t>
+            </a:r>
+          </a:p>
+          <a:p>
+            <a:pPr algn="l" fontAlgn="base">
+              <a:buFont typeface="Arial" panose="020B0604020202020204" pitchFamily="34" charset="0"/>
+              <a:buChar char="•"/>
+            </a:pPr>
+            <a:r>
+              <a:rPr lang="en-US" altLang="ko-KR" b="0" i="0">
+                <a:solidFill>
+                  <a:srgbClr val="333333"/>
+                </a:solidFill>
+                <a:effectLst/>
+              </a:rPr>
+              <a:t>Jest : </a:t>
+            </a:r>
+            <a:r>
+              <a:rPr lang="ko-KR" altLang="en-US" b="0" i="0">
+                <a:solidFill>
+                  <a:srgbClr val="333333"/>
+                </a:solidFill>
+                <a:effectLst/>
+              </a:rPr>
+              <a:t>자바스크립트 테스트 도구</a:t>
+            </a:r>
+          </a:p>
+          <a:p>
+            <a:pPr algn="l" fontAlgn="base">
+              <a:buFont typeface="Arial" panose="020B0604020202020204" pitchFamily="34" charset="0"/>
+              <a:buChar char="•"/>
+            </a:pPr>
+            <a:r>
+              <a:rPr lang="ko-KR" altLang="en-US" b="0" i="0">
+                <a:solidFill>
+                  <a:srgbClr val="333333"/>
+                </a:solidFill>
+                <a:effectLst/>
+              </a:rPr>
+              <a:t>이외에 여러개</a:t>
+            </a:r>
+          </a:p>
+          <a:p>
             <a:endParaRPr lang="en-US" altLang="ko-KR" b="0" i="0">
               <a:solidFill>
                 <a:srgbClr val="222426"/>
@@ -6096,13 +5894,22 @@
           </a:p>
           <a:p>
             <a:r>
+              <a:rPr lang="ko-KR" altLang="en-US" b="0" i="0">
+                <a:solidFill>
+                  <a:srgbClr val="222426"/>
+                </a:solidFill>
+                <a:effectLst/>
+              </a:rPr>
+              <a:t>보일러 플레이트 </a:t>
+            </a:r>
+            <a:r>
               <a:rPr lang="en-US" altLang="ko-KR" b="0" i="0">
                 <a:solidFill>
                   <a:srgbClr val="222426"/>
                 </a:solidFill>
                 <a:effectLst/>
               </a:rPr>
-              <a:t>  Component</a:t>
+              <a:t>: </a:t>
             </a:r>
             <a:r>
               <a:rPr lang="ko-KR" altLang="en-US" b="0" i="0">
@@ -6111,7 +5918,7 @@
                 </a:solidFill>
                 <a:effectLst/>
               </a:rPr>
-              <a:t>로 상속을 받아야함</a:t>
+              <a:t>변형이 거의 또는 전혀없이 여러 위치에서 반복되는 코드 섹션</a:t>
             </a:r>
             <a:endParaRPr lang="en-US" altLang="ko-KR" b="0" i="0">
               <a:solidFill>
@@ -6121,24 +5928,6 @@
             </a:endParaRPr>
           </a:p>
           <a:p>
-            <a:r>
-              <a:rPr lang="en-US" altLang="ko-KR" b="0" i="0">
-                <a:solidFill>
-                  <a:srgbClr val="222426"/>
-                </a:solidFill>
-                <a:effectLst/>
-              </a:rPr>
-              <a:t>  render() </a:t>
-            </a:r>
-            <a:r>
-              <a:rPr lang="ko-KR" altLang="en-US" b="0" i="0">
-                <a:solidFill>
-                  <a:srgbClr val="222426"/>
-                </a:solidFill>
-                <a:effectLst/>
-              </a:rPr>
-              <a:t>메소드가 필요</a:t>
-            </a:r>
             <a:endParaRPr lang="en-US" altLang="ko-KR" b="0" i="0">
               <a:solidFill>
                 <a:srgbClr val="222426"/>
@@ -6151,7 +5940,7 @@
     </p:spTree>
     <p:extLst>
       <p:ext uri="{BB962C8B-B14F-4D97-AF65-F5344CB8AC3E}">
-        <p14:creationId xmlns:p14="http://schemas.microsoft.com/office/powerpoint/2010/main" val="4241106486"/>
+        <p14:creationId xmlns:p14="http://schemas.microsoft.com/office/powerpoint/2010/main" val="2924714942"/>
       </p:ext>
     </p:extLst>
   </p:cSld>
@@ -6208,245 +5997,11 @@
             <a:r>
               <a:rPr lang="ko-KR" altLang="en-US" b="0" i="0">
                 <a:solidFill>
-                  <a:srgbClr val="333333"/>
-                </a:solidFill>
-                <a:effectLst/>
-              </a:rPr>
-              <a:t>클래스형 컴포넌트의 경우 </a:t>
-            </a:r>
-            <a:r>
-              <a:rPr lang="en-US" altLang="ko-KR" b="0" i="0">
-                <a:solidFill>
-                  <a:srgbClr val="333333"/>
-                </a:solidFill>
-                <a:effectLst/>
-              </a:rPr>
-              <a:t>state </a:t>
-            </a:r>
-            <a:r>
-              <a:rPr lang="ko-KR" altLang="en-US" b="0" i="0">
-                <a:solidFill>
-                  <a:srgbClr val="333333"/>
-                </a:solidFill>
-                <a:effectLst/>
-              </a:rPr>
-              <a:t>기능 및 라이프 사이클 기능을 사용 </a:t>
-            </a:r>
-            <a:r>
-              <a:rPr lang="en-US" altLang="ko-KR" b="0" i="0">
-                <a:solidFill>
-                  <a:srgbClr val="333333"/>
-                </a:solidFill>
-                <a:effectLst/>
-              </a:rPr>
-              <a:t>(</a:t>
-            </a:r>
-            <a:r>
-              <a:rPr lang="ko-KR" altLang="en-US" b="0" i="0">
-                <a:solidFill>
-                  <a:srgbClr val="333333"/>
-                </a:solidFill>
-                <a:effectLst/>
-              </a:rPr>
-              <a:t>함수형 컴포넌트는 훅스로 해결</a:t>
-            </a:r>
-            <a:r>
-              <a:rPr lang="en-US" altLang="ko-KR" b="0" i="0">
-                <a:solidFill>
-                  <a:srgbClr val="333333"/>
-                </a:solidFill>
-                <a:effectLst/>
-              </a:rPr>
-              <a:t>)</a:t>
-            </a:r>
-          </a:p>
-          <a:p>
-            <a:r>
-              <a:rPr lang="ko-KR" altLang="en-US" b="0" i="0">
-                <a:solidFill>
-                  <a:srgbClr val="000000"/>
-                </a:solidFill>
-                <a:effectLst/>
-              </a:rPr>
-              <a:t>함수형 컴포넌트는 메모리 자원을 덜 사용한다는 장점</a:t>
-            </a:r>
-            <a:endParaRPr lang="en-US" altLang="ko-KR" b="0" i="0">
-              <a:solidFill>
-                <a:srgbClr val="000000"/>
-              </a:solidFill>
-              <a:effectLst/>
-            </a:endParaRPr>
-          </a:p>
-          <a:p>
-            <a:r>
-              <a:rPr lang="en-US" altLang="ko-KR" b="0" i="0">
-                <a:solidFill>
-                  <a:srgbClr val="000000"/>
-                </a:solidFill>
-                <a:effectLst/>
-              </a:rPr>
-              <a:t>state</a:t>
-            </a:r>
-            <a:r>
-              <a:rPr lang="ko-KR" altLang="en-US" b="0" i="0">
-                <a:solidFill>
-                  <a:srgbClr val="000000"/>
-                </a:solidFill>
-                <a:effectLst/>
-              </a:rPr>
-              <a:t>선언 방식</a:t>
-            </a:r>
-            <a:r>
-              <a:rPr lang="en-US" altLang="ko-KR" b="0" i="0">
-                <a:solidFill>
-                  <a:srgbClr val="000000"/>
-                </a:solidFill>
-                <a:effectLst/>
-              </a:rPr>
-              <a:t>, props</a:t>
-            </a:r>
-            <a:r>
-              <a:rPr lang="ko-KR" altLang="en-US" b="0" i="0">
-                <a:solidFill>
-                  <a:srgbClr val="000000"/>
-                </a:solidFill>
-                <a:effectLst/>
-              </a:rPr>
-              <a:t>를 가져오는 방식</a:t>
-            </a:r>
-            <a:r>
-              <a:rPr lang="en-US" altLang="ko-KR" b="0" i="0">
-                <a:solidFill>
-                  <a:srgbClr val="000000"/>
-                </a:solidFill>
-                <a:effectLst/>
-              </a:rPr>
-              <a:t>, event handling</a:t>
-            </a:r>
-            <a:r>
-              <a:rPr lang="ko-KR" altLang="en-US" b="0" i="0">
-                <a:solidFill>
-                  <a:srgbClr val="000000"/>
-                </a:solidFill>
-                <a:effectLst/>
-              </a:rPr>
-              <a:t>을 하는 방식이 조금씩 다름</a:t>
-            </a:r>
-            <a:endParaRPr lang="en-US" altLang="ko-KR" b="0" i="0">
-              <a:solidFill>
-                <a:srgbClr val="000000"/>
-              </a:solidFill>
-              <a:effectLst/>
-            </a:endParaRPr>
-          </a:p>
-          <a:p>
-            <a:r>
-              <a:rPr lang="ko-KR" altLang="en-US" b="0" i="0">
-                <a:solidFill>
-                  <a:srgbClr val="000000"/>
-                </a:solidFill>
-                <a:effectLst/>
-              </a:rPr>
-              <a:t>주요 훅스 </a:t>
-            </a:r>
-            <a:r>
-              <a:rPr lang="en-US" altLang="ko-KR" b="0" i="0">
-                <a:solidFill>
-                  <a:srgbClr val="000000"/>
-                </a:solidFill>
-                <a:effectLst/>
-              </a:rPr>
-              <a:t>: useState, useEffect, useRef, useContext, useReducer, useCallback, useMemo</a:t>
-            </a:r>
-          </a:p>
-          <a:p>
-            <a:endParaRPr lang="en-US" altLang="ko-KR" b="0" i="0">
-              <a:solidFill>
-                <a:srgbClr val="000000"/>
-              </a:solidFill>
-              <a:effectLst/>
-            </a:endParaRPr>
-          </a:p>
-          <a:p>
-            <a:r>
-              <a:rPr lang="en-US" altLang="ko-KR" b="0" i="0">
-                <a:solidFill>
-                  <a:srgbClr val="000000"/>
-                </a:solidFill>
-                <a:effectLst/>
-              </a:rPr>
-              <a:t>props : </a:t>
-            </a:r>
-            <a:r>
-              <a:rPr lang="ko-KR" altLang="en-US" b="0" i="0">
-                <a:solidFill>
-                  <a:srgbClr val="000000"/>
-                </a:solidFill>
-                <a:effectLst/>
-              </a:rPr>
-              <a:t>상위 컴포넌트에서 하위 컴포넌트로 데이터를 전달할 때 사용</a:t>
-            </a:r>
-            <a:endParaRPr lang="en-US" altLang="ko-KR" b="0" i="0">
-              <a:solidFill>
-                <a:srgbClr val="000000"/>
-              </a:solidFill>
-              <a:effectLst/>
-            </a:endParaRPr>
-          </a:p>
-          <a:p>
-            <a:r>
-              <a:rPr lang="en-US" altLang="ko-KR" b="0" i="0">
-                <a:solidFill>
-                  <a:srgbClr val="000000"/>
-                </a:solidFill>
-                <a:effectLst/>
-              </a:rPr>
-              <a:t>hook : </a:t>
-            </a:r>
-            <a:r>
-              <a:rPr lang="ko-KR" altLang="en-US" b="0" i="0">
-                <a:solidFill>
-                  <a:srgbClr val="000000"/>
-                </a:solidFill>
-                <a:effectLst/>
-              </a:rPr>
-              <a:t>함수컴포넌트에서 클래스 구성 요소처럼 </a:t>
-            </a:r>
-            <a:r>
-              <a:rPr lang="en-US" altLang="ko-KR" b="0" i="0">
-                <a:solidFill>
-                  <a:srgbClr val="000000"/>
-                </a:solidFill>
-                <a:effectLst/>
-              </a:rPr>
-              <a:t>&lt;state&gt; </a:t>
-            </a:r>
-            <a:r>
-              <a:rPr lang="ko-KR" altLang="en-US" b="0" i="0">
-                <a:solidFill>
-                  <a:srgbClr val="000000"/>
-                </a:solidFill>
-                <a:effectLst/>
-              </a:rPr>
-              <a:t>및 </a:t>
-            </a:r>
-            <a:r>
-              <a:rPr lang="en-US" altLang="ko-KR" b="0" i="0">
-                <a:solidFill>
-                  <a:srgbClr val="000000"/>
-                </a:solidFill>
-                <a:effectLst/>
-              </a:rPr>
-              <a:t>&lt;lifecycle features&gt;</a:t>
-            </a:r>
-            <a:r>
-              <a:rPr lang="ko-KR" altLang="en-US" b="0" i="0">
-                <a:solidFill>
-                  <a:srgbClr val="000000"/>
-                </a:solidFill>
-                <a:effectLst/>
-              </a:rPr>
-              <a:t>를 사용할 수 있도록하는 함수</a:t>
+                  <a:srgbClr val="222426"/>
+                </a:solidFill>
+                <a:effectLst/>
+              </a:rPr>
+              <a:t>함수형 컴포넌트가 선언이 더 편함</a:t>
             </a:r>
             <a:endParaRPr lang="en-US" altLang="ko-KR" b="0" i="0">
               <a:solidFill>
@@ -6455,12 +6010,124 @@
               <a:effectLst/>
             </a:endParaRPr>
           </a:p>
+          <a:p>
+            <a:endParaRPr lang="en-US" altLang="ko-KR" b="0" i="0">
+              <a:solidFill>
+                <a:srgbClr val="222426"/>
+              </a:solidFill>
+              <a:effectLst/>
+            </a:endParaRPr>
+          </a:p>
+          <a:p>
+            <a:r>
+              <a:rPr lang="en-US" altLang="ko-KR" b="0" i="0">
+                <a:solidFill>
+                  <a:srgbClr val="222426"/>
+                </a:solidFill>
+                <a:effectLst/>
+              </a:rPr>
+              <a:t>class component</a:t>
+            </a:r>
+            <a:r>
+              <a:rPr lang="ko-KR" altLang="en-US" b="0" i="0">
+                <a:solidFill>
+                  <a:srgbClr val="222426"/>
+                </a:solidFill>
+                <a:effectLst/>
+              </a:rPr>
+              <a:t>는</a:t>
+            </a:r>
+            <a:endParaRPr lang="en-US" altLang="ko-KR" b="0" i="0">
+              <a:solidFill>
+                <a:srgbClr val="222426"/>
+              </a:solidFill>
+              <a:effectLst/>
+            </a:endParaRPr>
+          </a:p>
+          <a:p>
+            <a:r>
+              <a:rPr lang="en-US" altLang="ko-KR" b="0" i="0">
+                <a:solidFill>
+                  <a:srgbClr val="222426"/>
+                </a:solidFill>
+                <a:effectLst/>
+              </a:rPr>
+              <a:t>  class </a:t>
+            </a:r>
+            <a:r>
+              <a:rPr lang="ko-KR" altLang="en-US" b="0" i="0">
+                <a:solidFill>
+                  <a:srgbClr val="222426"/>
+                </a:solidFill>
+                <a:effectLst/>
+              </a:rPr>
+              <a:t>키워드 필요</a:t>
+            </a:r>
+            <a:endParaRPr lang="en-US" altLang="ko-KR" b="0" i="0">
+              <a:solidFill>
+                <a:srgbClr val="222426"/>
+              </a:solidFill>
+              <a:effectLst/>
+            </a:endParaRPr>
+          </a:p>
+          <a:p>
+            <a:r>
+              <a:rPr lang="en-US" altLang="ko-KR" b="0" i="0">
+                <a:solidFill>
+                  <a:srgbClr val="222426"/>
+                </a:solidFill>
+                <a:effectLst/>
+              </a:rPr>
+              <a:t>  Component</a:t>
+            </a:r>
+            <a:r>
+              <a:rPr lang="ko-KR" altLang="en-US" b="0" i="0">
+                <a:solidFill>
+                  <a:srgbClr val="222426"/>
+                </a:solidFill>
+                <a:effectLst/>
+              </a:rPr>
+              <a:t>로 상속을 받아야함</a:t>
+            </a:r>
+            <a:endParaRPr lang="en-US" altLang="ko-KR" b="0" i="0">
+              <a:solidFill>
+                <a:srgbClr val="222426"/>
+              </a:solidFill>
+              <a:effectLst/>
+            </a:endParaRPr>
+          </a:p>
+          <a:p>
+            <a:r>
+              <a:rPr lang="en-US" altLang="ko-KR" b="0" i="0">
+                <a:solidFill>
+                  <a:srgbClr val="222426"/>
+                </a:solidFill>
+                <a:effectLst/>
+              </a:rPr>
+              <a:t>  render() </a:t>
+            </a:r>
+            <a:r>
+              <a:rPr lang="ko-KR" altLang="en-US" b="0" i="0">
+                <a:solidFill>
+                  <a:srgbClr val="222426"/>
+                </a:solidFill>
+                <a:effectLst/>
+              </a:rPr>
+              <a:t>메소드가 필요</a:t>
+            </a:r>
+            <a:endParaRPr lang="en-US" altLang="ko-KR" b="0" i="0">
+              <a:solidFill>
+                <a:srgbClr val="222426"/>
+              </a:solidFill>
+              <a:effectLst/>
+            </a:endParaRPr>
+          </a:p>
         </p:txBody>
       </p:sp>
     </p:spTree>
     <p:extLst>
       <p:ext uri="{BB962C8B-B14F-4D97-AF65-F5344CB8AC3E}">
-        <p14:creationId xmlns:p14="http://schemas.microsoft.com/office/powerpoint/2010/main" val="3905469373"/>
+        <p14:creationId xmlns:p14="http://schemas.microsoft.com/office/powerpoint/2010/main" val="4241106486"/>
       </p:ext>
     </p:extLst>
   </p:cSld>
@@ -6515,84 +6182,251 @@
           <a:lstStyle/>
           <a:p>
             <a:r>
+              <a:rPr lang="ko-KR" altLang="en-US" b="0" i="0">
+                <a:solidFill>
+                  <a:srgbClr val="333333"/>
+                </a:solidFill>
+                <a:effectLst/>
+              </a:rPr>
+              <a:t>클래스형 컴포넌트의 경우 </a:t>
+            </a:r>
+            <a:r>
               <a:rPr lang="en-US" altLang="ko-KR" b="0" i="0">
                 <a:solidFill>
-                  <a:srgbClr val="222426"/>
-                </a:solidFill>
-                <a:effectLst/>
-              </a:rPr>
-              <a:t>props, state</a:t>
+                  <a:srgbClr val="333333"/>
+                </a:solidFill>
+                <a:effectLst/>
+              </a:rPr>
+              <a:t>state </a:t>
             </a:r>
             <a:r>
               <a:rPr lang="ko-KR" altLang="en-US" b="0" i="0">
                 <a:solidFill>
-                  <a:srgbClr val="222426"/>
-                </a:solidFill>
-                <a:effectLst/>
-              </a:rPr>
-              <a:t>가 변경되거나 </a:t>
+                  <a:srgbClr val="333333"/>
+                </a:solidFill>
+                <a:effectLst/>
+              </a:rPr>
+              <a:t>기능 및 라이프 사이클 기능을 사용 </a:t>
             </a:r>
             <a:r>
               <a:rPr lang="en-US" altLang="ko-KR" b="0" i="0">
                 <a:solidFill>
-                  <a:srgbClr val="222426"/>
-                </a:solidFill>
-                <a:effectLst/>
-              </a:rPr>
-              <a:t>forceUpdate()</a:t>
-            </a:r>
-          </a:p>
-          <a:p>
+                  <a:srgbClr val="333333"/>
+                </a:solidFill>
+                <a:effectLst/>
+              </a:rPr>
+              <a:t>(</a:t>
+            </a:r>
+            <a:r>
+              <a:rPr lang="ko-KR" altLang="en-US" b="0" i="0">
+                <a:solidFill>
+                  <a:srgbClr val="333333"/>
+                </a:solidFill>
+                <a:effectLst/>
+              </a:rPr>
+              <a:t>함수형 컴포넌트는 훅스로 해결</a:t>
+            </a:r>
             <a:r>
               <a:rPr lang="en-US" altLang="ko-KR" b="0" i="0">
                 <a:solidFill>
-                  <a:srgbClr val="222426"/>
-                </a:solidFill>
-                <a:effectLst/>
-              </a:rPr>
-              <a:t>forceUpdate - </a:t>
-            </a:r>
+                  <a:srgbClr val="333333"/>
+                </a:solidFill>
+                <a:effectLst/>
+              </a:rPr>
+              <a:t>)</a:t>
+            </a:r>
+          </a:p>
+          <a:p>
             <a:r>
               <a:rPr lang="ko-KR" altLang="en-US" b="0" i="0">
                 <a:solidFill>
-                  <a:srgbClr val="212529"/>
-                </a:solidFill>
-                <a:effectLst/>
-              </a:rPr>
-              <a:t>출력 검증 작업 없이 함수가 호출될 때마다 새롭게 화면을 출력 </a:t>
-            </a:r>
-            <a:r>
-              <a:rPr lang="en-US" altLang="ko-KR" b="0" i="0">
-                <a:solidFill>
-                  <a:srgbClr val="212529"/>
-                </a:solidFill>
-                <a:effectLst/>
-              </a:rPr>
-              <a:t>(</a:t>
-            </a:r>
-            <a:r>
-              <a:rPr lang="ko-KR" altLang="en-US" b="0" i="0">
-                <a:solidFill>
-                  <a:srgbClr val="212529"/>
-                </a:solidFill>
-                <a:effectLst/>
-              </a:rPr>
-              <a:t>클래스 인스턴스 변수와 화면을 강제로 출력</a:t>
-            </a:r>
-            <a:r>
-              <a:rPr lang="en-US" altLang="ko-KR" b="0" i="0">
-                <a:solidFill>
-                  <a:srgbClr val="212529"/>
-                </a:solidFill>
-                <a:effectLst/>
-              </a:rPr>
-              <a:t>)</a:t>
-            </a:r>
-          </a:p>
-          <a:p>
+                  <a:srgbClr val="000000"/>
+                </a:solidFill>
+                <a:effectLst/>
+              </a:rPr>
+              <a:t>함수형 컴포넌트는 메모리 자원을 덜 사용한다는 장점</a:t>
+            </a:r>
             <a:endParaRPr lang="en-US" altLang="ko-KR" b="0" i="0">
               <a:solidFill>
-                <a:srgbClr val="212529"/>
+                <a:srgbClr val="000000"/>
+              </a:solidFill>
+              <a:effectLst/>
+            </a:endParaRPr>
+          </a:p>
+          <a:p>
+            <a:r>
+              <a:rPr lang="en-US" altLang="ko-KR" b="0" i="0">
+                <a:solidFill>
+                  <a:srgbClr val="000000"/>
+                </a:solidFill>
+                <a:effectLst/>
+              </a:rPr>
+              <a:t>state</a:t>
+            </a:r>
+            <a:r>
+              <a:rPr lang="ko-KR" altLang="en-US" b="0" i="0">
+                <a:solidFill>
+                  <a:srgbClr val="000000"/>
+                </a:solidFill>
+                <a:effectLst/>
+              </a:rPr>
+              <a:t>선언 방식</a:t>
+            </a:r>
+            <a:r>
+              <a:rPr lang="en-US" altLang="ko-KR" b="0" i="0">
+                <a:solidFill>
+                  <a:srgbClr val="000000"/>
+                </a:solidFill>
+                <a:effectLst/>
+              </a:rPr>
+              <a:t>, props</a:t>
+            </a:r>
+            <a:r>
+              <a:rPr lang="ko-KR" altLang="en-US" b="0" i="0">
+                <a:solidFill>
+                  <a:srgbClr val="000000"/>
+                </a:solidFill>
+                <a:effectLst/>
+              </a:rPr>
+              <a:t>를 가져오는 방식</a:t>
+            </a:r>
+            <a:r>
+              <a:rPr lang="en-US" altLang="ko-KR" b="0" i="0">
+                <a:solidFill>
+                  <a:srgbClr val="000000"/>
+                </a:solidFill>
+                <a:effectLst/>
+              </a:rPr>
+              <a:t>, event handling</a:t>
+            </a:r>
+            <a:r>
+              <a:rPr lang="ko-KR" altLang="en-US" b="0" i="0">
+                <a:solidFill>
+                  <a:srgbClr val="000000"/>
+                </a:solidFill>
+                <a:effectLst/>
+              </a:rPr>
+              <a:t>을 하는 방식이 조금씩 다름</a:t>
+            </a:r>
+            <a:endParaRPr lang="en-US" altLang="ko-KR" b="0" i="0">
+              <a:solidFill>
+                <a:srgbClr val="000000"/>
+              </a:solidFill>
+              <a:effectLst/>
+            </a:endParaRPr>
+          </a:p>
+          <a:p>
+            <a:r>
+              <a:rPr lang="ko-KR" altLang="en-US" b="0" i="0">
+                <a:solidFill>
+                  <a:srgbClr val="000000"/>
+                </a:solidFill>
+                <a:effectLst/>
+              </a:rPr>
+              <a:t>주요 훅스 </a:t>
+            </a:r>
+            <a:r>
+              <a:rPr lang="en-US" altLang="ko-KR" b="0" i="0">
+                <a:solidFill>
+                  <a:srgbClr val="000000"/>
+                </a:solidFill>
+                <a:effectLst/>
+              </a:rPr>
+              <a:t>: useState, useEffect, useRef, useContext, useReducer, useCallback, useMemo</a:t>
+            </a:r>
+          </a:p>
+          <a:p>
+            <a:endParaRPr lang="en-US" altLang="ko-KR" b="0" i="0">
+              <a:solidFill>
+                <a:srgbClr val="000000"/>
+              </a:solidFill>
+              <a:effectLst/>
+            </a:endParaRPr>
+          </a:p>
+          <a:p>
+            <a:r>
+              <a:rPr lang="en-US" altLang="ko-KR" b="0" i="0">
+                <a:solidFill>
+                  <a:srgbClr val="000000"/>
+                </a:solidFill>
+                <a:effectLst/>
+              </a:rPr>
+              <a:t>props : </a:t>
+            </a:r>
+            <a:r>
+              <a:rPr lang="ko-KR" altLang="en-US" b="0" i="0">
+                <a:solidFill>
+                  <a:srgbClr val="000000"/>
+                </a:solidFill>
+                <a:effectLst/>
+              </a:rPr>
+              <a:t>상위 컴포넌트에서 하위 컴포넌트로 데이터를 전달할 때 사용</a:t>
+            </a:r>
+            <a:endParaRPr lang="en-US" altLang="ko-KR" b="0" i="0">
+              <a:solidFill>
+                <a:srgbClr val="000000"/>
+              </a:solidFill>
+              <a:effectLst/>
+            </a:endParaRPr>
+          </a:p>
+          <a:p>
+            <a:r>
+              <a:rPr lang="en-US" altLang="ko-KR" b="0" i="0">
+                <a:solidFill>
+                  <a:srgbClr val="000000"/>
+                </a:solidFill>
+                <a:effectLst/>
+              </a:rPr>
+              <a:t>hook : </a:t>
+            </a:r>
+            <a:r>
+              <a:rPr lang="ko-KR" altLang="en-US" b="0" i="0">
+                <a:solidFill>
+                  <a:srgbClr val="000000"/>
+                </a:solidFill>
+                <a:effectLst/>
+              </a:rPr>
+              <a:t>함수컴포넌트에서 클래스 구성 요소처럼 </a:t>
+            </a:r>
+            <a:r>
+              <a:rPr lang="en-US" altLang="ko-KR" b="0" i="0">
+                <a:solidFill>
+                  <a:srgbClr val="000000"/>
+                </a:solidFill>
+                <a:effectLst/>
+              </a:rPr>
+              <a:t>&lt;state&gt; </a:t>
+            </a:r>
+            <a:r>
+              <a:rPr lang="ko-KR" altLang="en-US" b="0" i="0">
+                <a:solidFill>
+                  <a:srgbClr val="000000"/>
+                </a:solidFill>
+                <a:effectLst/>
+              </a:rPr>
+              <a:t>및 </a:t>
+            </a:r>
+            <a:r>
+              <a:rPr lang="en-US" altLang="ko-KR" b="0" i="0">
+                <a:solidFill>
+                  <a:srgbClr val="000000"/>
+                </a:solidFill>
+                <a:effectLst/>
+              </a:rPr>
+              <a:t>&lt;lifecycle features&gt;</a:t>
+            </a:r>
+            <a:r>
+              <a:rPr lang="ko-KR" altLang="en-US" b="0" i="0">
+                <a:solidFill>
+                  <a:srgbClr val="000000"/>
+                </a:solidFill>
+                <a:effectLst/>
+              </a:rPr>
+              <a:t>를 사용할 수 있도록하는 함수</a:t>
+            </a:r>
+            <a:endParaRPr lang="en-US" altLang="ko-KR" b="0" i="0">
+              <a:solidFill>
+                <a:srgbClr val="222426"/>
               </a:solidFill>
               <a:effectLst/>
             </a:endParaRPr>
@@ -6602,7 +6436,7 @@
     </p:spTree>
     <p:extLst>
       <p:ext uri="{BB962C8B-B14F-4D97-AF65-F5344CB8AC3E}">
-        <p14:creationId xmlns:p14="http://schemas.microsoft.com/office/powerpoint/2010/main" val="1765329827"/>
+        <p14:creationId xmlns:p14="http://schemas.microsoft.com/office/powerpoint/2010/main" val="3905469373"/>
       </p:ext>
     </p:extLst>
   </p:cSld>
@@ -6663,7 +6497,7 @@
                 </a:solidFill>
                 <a:effectLst/>
               </a:rPr>
-              <a:t>useState - </a:t>
+              <a:t>props, state</a:t>
             </a:r>
             <a:r>
               <a:rPr lang="ko-KR" altLang="en-US" b="0" i="0">
@@ -6672,7 +6506,7 @@
                 </a:solidFill>
                 <a:effectLst/>
               </a:rPr>
-              <a:t>가장 기본적인 </a:t>
+              <a:t>가 변경되거나 </a:t>
             </a:r>
             <a:r>
               <a:rPr lang="en-US" altLang="ko-KR" b="0" i="0">
@@ -6681,244 +6515,60 @@
                 </a:solidFill>
                 <a:effectLst/>
               </a:rPr>
-              <a:t>Hook </a:t>
+              <a:t>forceUpdate()</a:t>
+            </a:r>
+          </a:p>
+          <a:p>
+            <a:r>
+              <a:rPr lang="en-US" altLang="ko-KR" b="0" i="0">
+                <a:solidFill>
+                  <a:srgbClr val="222426"/>
+                </a:solidFill>
+                <a:effectLst/>
+              </a:rPr>
+              <a:t>forceUpdate - </a:t>
             </a:r>
             <a:r>
               <a:rPr lang="ko-KR" altLang="en-US" b="0" i="0">
                 <a:solidFill>
-                  <a:srgbClr val="222426"/>
-                </a:solidFill>
-                <a:effectLst/>
-              </a:rPr>
-              <a:t>으로서</a:t>
+                  <a:srgbClr val="212529"/>
+                </a:solidFill>
+                <a:effectLst/>
+              </a:rPr>
+              <a:t>출력 검증 작업 없이 함수가 호출될 때마다 새롭게 화면을 출력 </a:t>
             </a:r>
             <a:r>
               <a:rPr lang="en-US" altLang="ko-KR" b="0" i="0">
                 <a:solidFill>
-                  <a:srgbClr val="222426"/>
-                </a:solidFill>
-                <a:effectLst/>
-              </a:rPr>
-              <a:t>, </a:t>
+                  <a:srgbClr val="212529"/>
+                </a:solidFill>
+                <a:effectLst/>
+              </a:rPr>
+              <a:t>(</a:t>
             </a:r>
             <a:r>
               <a:rPr lang="ko-KR" altLang="en-US" b="0" i="0">
                 <a:solidFill>
-                  <a:srgbClr val="222426"/>
-                </a:solidFill>
-                <a:effectLst/>
-              </a:rPr>
-              <a:t>함수형 컴포넌트에서도 가변적인 상태를 지니고 있을 수 있게 해줌</a:t>
-            </a:r>
+                  <a:srgbClr val="212529"/>
+                </a:solidFill>
+                <a:effectLst/>
+              </a:rPr>
+              <a:t>클래스 인스턴스 변수와 화면을 강제로 출력</a:t>
+            </a:r>
+            <a:r>
+              <a:rPr lang="en-US" altLang="ko-KR" b="0" i="0">
+                <a:solidFill>
+                  <a:srgbClr val="212529"/>
+                </a:solidFill>
+                <a:effectLst/>
+              </a:rPr>
+              <a:t>)</a:t>
+            </a:r>
+          </a:p>
+          <a:p>
             <a:endParaRPr lang="en-US" altLang="ko-KR" b="0" i="0">
               <a:solidFill>
-                <a:srgbClr val="222426"/>
-              </a:solidFill>
-              <a:effectLst/>
-            </a:endParaRPr>
-          </a:p>
-          <a:p>
-            <a:r>
-              <a:rPr lang="en-US" altLang="ko-KR" b="0" i="0">
-                <a:solidFill>
-                  <a:srgbClr val="222426"/>
-                </a:solidFill>
-                <a:effectLst/>
-              </a:rPr>
-              <a:t>useEffect - </a:t>
-            </a:r>
-            <a:r>
-              <a:rPr lang="ko-KR" altLang="en-US" b="0" i="0">
-                <a:solidFill>
-                  <a:srgbClr val="222426"/>
-                </a:solidFill>
-                <a:effectLst/>
-              </a:rPr>
-              <a:t>리액트 컴포넌트가 렌더링 될 때마다 특정 작업을 수행하도록 설정 할 수 있는 </a:t>
-            </a:r>
-            <a:r>
-              <a:rPr lang="en-US" altLang="ko-KR" b="0" i="0">
-                <a:solidFill>
-                  <a:srgbClr val="222426"/>
-                </a:solidFill>
-                <a:effectLst/>
-              </a:rPr>
-              <a:t>Hook</a:t>
-            </a:r>
-          </a:p>
-          <a:p>
-            <a:r>
-              <a:rPr lang="en-US" altLang="ko-KR" b="0" i="0">
-                <a:solidFill>
-                  <a:srgbClr val="222426"/>
-                </a:solidFill>
-                <a:effectLst/>
-              </a:rPr>
-              <a:t>useContext - </a:t>
-            </a:r>
-            <a:r>
-              <a:rPr lang="ko-KR" altLang="en-US" b="0" i="0">
-                <a:solidFill>
-                  <a:srgbClr val="222426"/>
-                </a:solidFill>
-                <a:effectLst/>
-              </a:rPr>
-              <a:t>함수형 컴포넌트에서 </a:t>
-            </a:r>
-            <a:r>
-              <a:rPr lang="en-US" altLang="ko-KR" b="0" i="0">
-                <a:solidFill>
-                  <a:srgbClr val="222426"/>
-                </a:solidFill>
-                <a:effectLst/>
-              </a:rPr>
-              <a:t>Context </a:t>
-            </a:r>
-            <a:r>
-              <a:rPr lang="ko-KR" altLang="en-US" b="0" i="0">
-                <a:solidFill>
-                  <a:srgbClr val="222426"/>
-                </a:solidFill>
-                <a:effectLst/>
-              </a:rPr>
-              <a:t>를 보다 더 쉽게 사용 할 수 있음</a:t>
-            </a:r>
-            <a:endParaRPr lang="en-US" altLang="ko-KR" b="0" i="0">
-              <a:solidFill>
-                <a:srgbClr val="222426"/>
-              </a:solidFill>
-              <a:effectLst/>
-            </a:endParaRPr>
-          </a:p>
-          <a:p>
-            <a:r>
-              <a:rPr lang="en-US" altLang="ko-KR" b="0" i="0">
-                <a:solidFill>
-                  <a:srgbClr val="222426"/>
-                </a:solidFill>
-                <a:effectLst/>
-              </a:rPr>
-              <a:t>useReducer - useState </a:t>
-            </a:r>
-            <a:r>
-              <a:rPr lang="ko-KR" altLang="en-US" b="0" i="0">
-                <a:solidFill>
-                  <a:srgbClr val="222426"/>
-                </a:solidFill>
-                <a:effectLst/>
-              </a:rPr>
-              <a:t>보다 컴포넌트에서 더 다양한 상황에 따라 다양한 상태를 다른 값으로 업데이트해주고 싶을 때 사용하는 </a:t>
-            </a:r>
-            <a:r>
-              <a:rPr lang="en-US" altLang="ko-KR" b="0" i="0">
-                <a:solidFill>
-                  <a:srgbClr val="222426"/>
-                </a:solidFill>
-                <a:effectLst/>
-              </a:rPr>
-              <a:t>Hook</a:t>
-            </a:r>
-          </a:p>
-          <a:p>
-            <a:r>
-              <a:rPr lang="en-US" altLang="ko-KR" b="0" i="0">
-                <a:solidFill>
-                  <a:srgbClr val="222426"/>
-                </a:solidFill>
-                <a:effectLst/>
-              </a:rPr>
-              <a:t>useMemo -</a:t>
-            </a:r>
-            <a:r>
-              <a:rPr lang="ko-KR" altLang="en-US" b="0" i="0">
-                <a:solidFill>
-                  <a:srgbClr val="222426"/>
-                </a:solidFill>
-                <a:effectLst/>
-              </a:rPr>
-              <a:t> 함수형 컴포넌트 내부에서 발생하는 연산을 최적화</a:t>
-            </a:r>
-            <a:endParaRPr lang="en-US" altLang="ko-KR" b="0" i="0">
-              <a:solidFill>
-                <a:srgbClr val="222426"/>
-              </a:solidFill>
-              <a:effectLst/>
-            </a:endParaRPr>
-          </a:p>
-          <a:p>
-            <a:r>
-              <a:rPr lang="en-US" altLang="ko-KR" b="0" i="0">
-                <a:solidFill>
-                  <a:srgbClr val="222426"/>
-                </a:solidFill>
-                <a:effectLst/>
-              </a:rPr>
-              <a:t>useCallback - </a:t>
-            </a:r>
-            <a:r>
-              <a:rPr lang="ko-KR" altLang="en-US" b="0" i="0">
-                <a:solidFill>
-                  <a:srgbClr val="222426"/>
-                </a:solidFill>
-                <a:effectLst/>
-              </a:rPr>
-              <a:t>렌더링 성능을 최적화</a:t>
-            </a:r>
-            <a:endParaRPr lang="en-US" altLang="ko-KR" b="0" i="0">
-              <a:solidFill>
-                <a:srgbClr val="222426"/>
-              </a:solidFill>
-              <a:effectLst/>
-            </a:endParaRPr>
-          </a:p>
-          <a:p>
-            <a:r>
-              <a:rPr lang="en-US" altLang="ko-KR" b="0" i="0">
-                <a:solidFill>
-                  <a:srgbClr val="222426"/>
-                </a:solidFill>
-                <a:effectLst/>
-              </a:rPr>
-              <a:t>useRef - </a:t>
-            </a:r>
-            <a:r>
-              <a:rPr lang="ko-KR" altLang="en-US" b="0" i="0">
-                <a:solidFill>
-                  <a:srgbClr val="222426"/>
-                </a:solidFill>
-                <a:effectLst/>
-              </a:rPr>
-              <a:t>함수형 컴포넌트에서 </a:t>
-            </a:r>
-            <a:r>
-              <a:rPr lang="en-US" altLang="ko-KR" b="0" i="0">
-                <a:solidFill>
-                  <a:srgbClr val="222426"/>
-                </a:solidFill>
-                <a:effectLst/>
-              </a:rPr>
-              <a:t>ref </a:t>
-            </a:r>
-            <a:r>
-              <a:rPr lang="ko-KR" altLang="en-US" b="0" i="0">
-                <a:solidFill>
-                  <a:srgbClr val="222426"/>
-                </a:solidFill>
-                <a:effectLst/>
-              </a:rPr>
-              <a:t>를 쉽게 사용 할 수 있게 해줌</a:t>
-            </a:r>
-            <a:endParaRPr lang="en-US" altLang="ko-KR" b="0" i="0">
-              <a:solidFill>
-                <a:srgbClr val="222426"/>
-              </a:solidFill>
-              <a:effectLst/>
-            </a:endParaRPr>
-          </a:p>
-          <a:p>
-            <a:endParaRPr lang="en-US" altLang="ko-KR" b="0" i="0">
-              <a:solidFill>
-                <a:srgbClr val="222426"/>
+                <a:srgbClr val="212529"/>
               </a:solidFill>
               <a:effectLst/>
             </a:endParaRPr>
@@ -6928,7 +6578,7 @@
     </p:spTree>
     <p:extLst>
       <p:ext uri="{BB962C8B-B14F-4D97-AF65-F5344CB8AC3E}">
-        <p14:creationId xmlns:p14="http://schemas.microsoft.com/office/powerpoint/2010/main" val="3799933800"/>
+        <p14:creationId xmlns:p14="http://schemas.microsoft.com/office/powerpoint/2010/main" val="1765329827"/>
       </p:ext>
     </p:extLst>
   </p:cSld>
@@ -6983,6 +6633,10 @@
           <a:lstStyle/>
           <a:p>
             <a:r>
+              <a:rPr lang="en-US" altLang="ko-KR"/>
+              <a:t>Front-end - </a:t>
+            </a:r>
+            <a:r>
               <a:rPr lang="ko-KR" altLang="en-US" b="0" i="0">
                 <a:solidFill>
                   <a:srgbClr val="000000"/>
@@ -6990,7 +6644,7 @@
                 <a:effectLst/>
                 <a:latin typeface="빙그레 메로나체" panose="020B0503000000000000" pitchFamily="50" charset="-127"/>
               </a:rPr>
-              <a:t>인식</a:t>
+              <a:t>사용자가 해당 데이터를보고 상호 작용할 수 있도록 </a:t>
             </a:r>
             <a:r>
               <a:rPr lang="en-US" altLang="ko-KR" b="0" i="0">
@@ -7000,7 +6654,7 @@
                 <a:effectLst/>
                 <a:latin typeface="빙그레 메로나체" panose="020B0503000000000000" pitchFamily="50" charset="-127"/>
               </a:rPr>
-              <a:t>, </a:t>
+              <a:t>HTML, CSS </a:t>
             </a:r>
             <a:r>
               <a:rPr lang="ko-KR" altLang="en-US" b="0" i="0">
@@ -7010,7 +6664,88 @@
                 <a:effectLst/>
                 <a:latin typeface="빙그레 메로나체" panose="020B0503000000000000" pitchFamily="50" charset="-127"/>
               </a:rPr>
-              <a:t>관심 및 만족도 순위</a:t>
+              <a:t>및 </a:t>
+            </a:r>
+            <a:r>
+              <a:rPr lang="en-US" altLang="ko-KR" b="0" i="0">
+                <a:solidFill>
+                  <a:srgbClr val="000000"/>
+                </a:solidFill>
+                <a:effectLst/>
+                <a:latin typeface="빙그레 메로나체" panose="020B0503000000000000" pitchFamily="50" charset="-127"/>
+              </a:rPr>
+              <a:t>JavaScript</a:t>
+            </a:r>
+            <a:r>
+              <a:rPr lang="ko-KR" altLang="en-US" b="0" i="0">
+                <a:solidFill>
+                  <a:srgbClr val="000000"/>
+                </a:solidFill>
+                <a:effectLst/>
+                <a:latin typeface="빙그레 메로나체" panose="020B0503000000000000" pitchFamily="50" charset="-127"/>
+              </a:rPr>
+              <a:t>를 사용하여 데이터를 그래픽 인터페이스로 변환하는 방법</a:t>
+            </a:r>
+            <a:endParaRPr lang="en-US" altLang="ko-KR" b="0" i="0">
+              <a:solidFill>
+                <a:srgbClr val="000000"/>
+              </a:solidFill>
+              <a:effectLst/>
+              <a:latin typeface="빙그레 메로나체" panose="020B0503000000000000" pitchFamily="50" charset="-127"/>
+            </a:endParaRPr>
+          </a:p>
+          <a:p>
+            <a:r>
+              <a:rPr lang="en-US" altLang="ko-KR" b="0" i="0">
+                <a:solidFill>
+                  <a:srgbClr val="000000"/>
+                </a:solidFill>
+                <a:effectLst/>
+                <a:latin typeface="빙그레 메로나체" panose="020B0503000000000000" pitchFamily="50" charset="-127"/>
+              </a:rPr>
+              <a:t>Framework - </a:t>
+            </a:r>
+            <a:r>
+              <a:rPr lang="ko-KR" altLang="en-US" b="0" i="0">
+                <a:solidFill>
+                  <a:srgbClr val="000000"/>
+                </a:solidFill>
+                <a:effectLst/>
+                <a:latin typeface="빙그레 메로나체" panose="020B0503000000000000" pitchFamily="50" charset="-127"/>
+              </a:rPr>
+              <a:t>전체 흐름을 자체적으로 유지하고 사용자가 필요한 코드를 입력합니다</a:t>
+            </a:r>
+            <a:r>
+              <a:rPr lang="en-US" altLang="ko-KR" b="0" i="0">
+                <a:solidFill>
+                  <a:srgbClr val="000000"/>
+                </a:solidFill>
+                <a:effectLst/>
+                <a:latin typeface="빙그레 메로나체" panose="020B0503000000000000" pitchFamily="50" charset="-127"/>
+              </a:rPr>
+              <a:t>.</a:t>
+            </a:r>
+          </a:p>
+          <a:p>
+            <a:r>
+              <a:rPr lang="en-US" altLang="ko-KR" b="0" i="0">
+                <a:solidFill>
+                  <a:srgbClr val="000000"/>
+                </a:solidFill>
+                <a:effectLst/>
+                <a:latin typeface="빙그레 메로나체" panose="020B0503000000000000" pitchFamily="50" charset="-127"/>
+              </a:rPr>
+              <a:t>Library - </a:t>
+            </a:r>
+            <a:r>
+              <a:rPr lang="ko-KR" altLang="en-US" b="0" i="0">
+                <a:solidFill>
+                  <a:srgbClr val="000000"/>
+                </a:solidFill>
+                <a:effectLst/>
+                <a:latin typeface="빙그레 메로나체" panose="020B0503000000000000" pitchFamily="50" charset="-127"/>
+              </a:rPr>
+              <a:t>사용자가 전체 흐름을 만들고 라이브러리를 가져 오는 곳입니다</a:t>
             </a:r>
             <a:r>
               <a:rPr lang="en-US" altLang="ko-KR" b="0" i="0">
@@ -7029,7 +6764,333 @@
     </p:spTree>
     <p:extLst>
       <p:ext uri="{BB962C8B-B14F-4D97-AF65-F5344CB8AC3E}">
-        <p14:creationId xmlns:p14="http://schemas.microsoft.com/office/powerpoint/2010/main" val="2746808643"/>
+        <p14:creationId xmlns:p14="http://schemas.microsoft.com/office/powerpoint/2010/main" val="258987597"/>
+      </p:ext>
+    </p:extLst>
+  </p:cSld>
+  <p:clrMapOvr>
+    <a:masterClrMapping/>
+  </p:clrMapOvr>
+</p:notes>
+</file>
+
+<file path=ppt/notesSlides/notesSlide40.xml><?xml version="1.0" encoding="utf-8"?>
+<p:notes xmlns:a="http://schemas.openxmlformats.org/drawingml/2006/main" xmlns:r="http://schemas.openxmlformats.org/officeDocument/2006/relationships" xmlns:p="http://schemas.openxmlformats.org/presentationml/2006/main">
+  <p:cSld>
+    <p:spTree>
+      <p:nvGrpSpPr>
+        <p:cNvPr id="1" name=""/>
+        <p:cNvGrpSpPr/>
+        <p:nvPr/>
+      </p:nvGrpSpPr>
+      <p:grpSpPr>
+        <a:xfrm>
+          <a:off x="0" y="0"/>
+          <a:ext cx="0" cy="0"/>
+          <a:chOff x="0" y="0"/>
+          <a:chExt cx="0" cy="0"/>
+        </a:xfrm>
+      </p:grpSpPr>
+      <p:sp>
+        <p:nvSpPr>
+          <p:cNvPr id="2" name="슬라이드 이미지 개체 틀 1"/>
+          <p:cNvSpPr>
+            <a:spLocks noGrp="1" noRot="1" noChangeAspect="1"/>
+          </p:cNvSpPr>
+          <p:nvPr>
+            <p:ph type="sldImg"/>
+          </p:nvPr>
+        </p:nvSpPr>
+        <p:spPr/>
+      </p:sp>
+      <p:sp>
+        <p:nvSpPr>
+          <p:cNvPr id="3" name="슬라이드 노트 개체 틀 2"/>
+          <p:cNvSpPr>
+            <a:spLocks noGrp="1"/>
+          </p:cNvSpPr>
+          <p:nvPr>
+            <p:ph type="body" idx="1"/>
+          </p:nvPr>
+        </p:nvSpPr>
+        <p:spPr/>
+        <p:txBody>
+          <a:bodyPr/>
+          <a:lstStyle/>
+          <a:p>
+            <a:r>
+              <a:rPr lang="en-US" altLang="ko-KR" b="0" i="0">
+                <a:solidFill>
+                  <a:srgbClr val="222426"/>
+                </a:solidFill>
+                <a:effectLst/>
+              </a:rPr>
+              <a:t>useState - </a:t>
+            </a:r>
+            <a:r>
+              <a:rPr lang="ko-KR" altLang="en-US" b="0" i="0">
+                <a:solidFill>
+                  <a:srgbClr val="222426"/>
+                </a:solidFill>
+                <a:effectLst/>
+              </a:rPr>
+              <a:t>가장 기본적인 </a:t>
+            </a:r>
+            <a:r>
+              <a:rPr lang="en-US" altLang="ko-KR" b="0" i="0">
+                <a:solidFill>
+                  <a:srgbClr val="222426"/>
+                </a:solidFill>
+                <a:effectLst/>
+              </a:rPr>
+              <a:t>Hook </a:t>
+            </a:r>
+            <a:r>
+              <a:rPr lang="ko-KR" altLang="en-US" b="0" i="0">
+                <a:solidFill>
+                  <a:srgbClr val="222426"/>
+                </a:solidFill>
+                <a:effectLst/>
+              </a:rPr>
+              <a:t>으로서</a:t>
+            </a:r>
+            <a:r>
+              <a:rPr lang="en-US" altLang="ko-KR" b="0" i="0">
+                <a:solidFill>
+                  <a:srgbClr val="222426"/>
+                </a:solidFill>
+                <a:effectLst/>
+              </a:rPr>
+              <a:t>, </a:t>
+            </a:r>
+            <a:r>
+              <a:rPr lang="ko-KR" altLang="en-US" b="0" i="0">
+                <a:solidFill>
+                  <a:srgbClr val="222426"/>
+                </a:solidFill>
+                <a:effectLst/>
+              </a:rPr>
+              <a:t>함수형 컴포넌트에서도 가변적인 상태를 지니고 있을 수 있게 해줌</a:t>
+            </a:r>
+            <a:endParaRPr lang="en-US" altLang="ko-KR" b="0" i="0">
+              <a:solidFill>
+                <a:srgbClr val="222426"/>
+              </a:solidFill>
+              <a:effectLst/>
+            </a:endParaRPr>
+          </a:p>
+          <a:p>
+            <a:r>
+              <a:rPr lang="en-US" altLang="ko-KR" b="0" i="0">
+                <a:solidFill>
+                  <a:srgbClr val="222426"/>
+                </a:solidFill>
+                <a:effectLst/>
+              </a:rPr>
+              <a:t>useEffect - </a:t>
+            </a:r>
+            <a:r>
+              <a:rPr lang="ko-KR" altLang="en-US" b="0" i="0">
+                <a:solidFill>
+                  <a:srgbClr val="222426"/>
+                </a:solidFill>
+                <a:effectLst/>
+              </a:rPr>
+              <a:t>리액트 컴포넌트가 렌더링 될 때마다 특정 작업을 수행하도록 설정 할 수 있는 </a:t>
+            </a:r>
+            <a:r>
+              <a:rPr lang="en-US" altLang="ko-KR" b="0" i="0">
+                <a:solidFill>
+                  <a:srgbClr val="222426"/>
+                </a:solidFill>
+                <a:effectLst/>
+              </a:rPr>
+              <a:t>Hook</a:t>
+            </a:r>
+          </a:p>
+          <a:p>
+            <a:r>
+              <a:rPr lang="en-US" altLang="ko-KR" b="0" i="0">
+                <a:solidFill>
+                  <a:srgbClr val="222426"/>
+                </a:solidFill>
+                <a:effectLst/>
+              </a:rPr>
+              <a:t>useContext - </a:t>
+            </a:r>
+            <a:r>
+              <a:rPr lang="ko-KR" altLang="en-US" b="0" i="0">
+                <a:solidFill>
+                  <a:srgbClr val="222426"/>
+                </a:solidFill>
+                <a:effectLst/>
+              </a:rPr>
+              <a:t>함수형 컴포넌트에서 </a:t>
+            </a:r>
+            <a:r>
+              <a:rPr lang="en-US" altLang="ko-KR" b="0" i="0">
+                <a:solidFill>
+                  <a:srgbClr val="222426"/>
+                </a:solidFill>
+                <a:effectLst/>
+              </a:rPr>
+              <a:t>Context </a:t>
+            </a:r>
+            <a:r>
+              <a:rPr lang="ko-KR" altLang="en-US" b="0" i="0">
+                <a:solidFill>
+                  <a:srgbClr val="222426"/>
+                </a:solidFill>
+                <a:effectLst/>
+              </a:rPr>
+              <a:t>를 보다 더 쉽게 사용 할 수 있음</a:t>
+            </a:r>
+            <a:endParaRPr lang="en-US" altLang="ko-KR" b="0" i="0">
+              <a:solidFill>
+                <a:srgbClr val="222426"/>
+              </a:solidFill>
+              <a:effectLst/>
+            </a:endParaRPr>
+          </a:p>
+          <a:p>
+            <a:r>
+              <a:rPr lang="en-US" altLang="ko-KR" b="0" i="0">
+                <a:solidFill>
+                  <a:srgbClr val="222426"/>
+                </a:solidFill>
+                <a:effectLst/>
+              </a:rPr>
+              <a:t>useReducer - useState </a:t>
+            </a:r>
+            <a:r>
+              <a:rPr lang="ko-KR" altLang="en-US" b="0" i="0">
+                <a:solidFill>
+                  <a:srgbClr val="222426"/>
+                </a:solidFill>
+                <a:effectLst/>
+              </a:rPr>
+              <a:t>보다 컴포넌트에서 더 다양한 상황에 따라 다양한 상태를 다른 값으로 업데이트해주고 싶을 때 사용하는 </a:t>
+            </a:r>
+            <a:r>
+              <a:rPr lang="en-US" altLang="ko-KR" b="0" i="0">
+                <a:solidFill>
+                  <a:srgbClr val="222426"/>
+                </a:solidFill>
+                <a:effectLst/>
+              </a:rPr>
+              <a:t>Hook</a:t>
+            </a:r>
+          </a:p>
+          <a:p>
+            <a:r>
+              <a:rPr lang="en-US" altLang="ko-KR" b="0" i="0">
+                <a:solidFill>
+                  <a:srgbClr val="222426"/>
+                </a:solidFill>
+                <a:effectLst/>
+              </a:rPr>
+              <a:t>useMemo -</a:t>
+            </a:r>
+            <a:r>
+              <a:rPr lang="ko-KR" altLang="en-US" b="0" i="0">
+                <a:solidFill>
+                  <a:srgbClr val="222426"/>
+                </a:solidFill>
+                <a:effectLst/>
+              </a:rPr>
+              <a:t> 함수형 컴포넌트 내부에서 발생하는 연산을 최적화</a:t>
+            </a:r>
+            <a:endParaRPr lang="en-US" altLang="ko-KR" b="0" i="0">
+              <a:solidFill>
+                <a:srgbClr val="222426"/>
+              </a:solidFill>
+              <a:effectLst/>
+            </a:endParaRPr>
+          </a:p>
+          <a:p>
+            <a:r>
+              <a:rPr lang="en-US" altLang="ko-KR" b="0" i="0">
+                <a:solidFill>
+                  <a:srgbClr val="222426"/>
+                </a:solidFill>
+                <a:effectLst/>
+              </a:rPr>
+              <a:t>useCallback - </a:t>
+            </a:r>
+            <a:r>
+              <a:rPr lang="ko-KR" altLang="en-US" b="0" i="0">
+                <a:solidFill>
+                  <a:srgbClr val="222426"/>
+                </a:solidFill>
+                <a:effectLst/>
+              </a:rPr>
+              <a:t>렌더링 성능을 최적화</a:t>
+            </a:r>
+            <a:endParaRPr lang="en-US" altLang="ko-KR" b="0" i="0">
+              <a:solidFill>
+                <a:srgbClr val="222426"/>
+              </a:solidFill>
+              <a:effectLst/>
+            </a:endParaRPr>
+          </a:p>
+          <a:p>
+            <a:r>
+              <a:rPr lang="en-US" altLang="ko-KR" b="0" i="0">
+                <a:solidFill>
+                  <a:srgbClr val="222426"/>
+                </a:solidFill>
+                <a:effectLst/>
+              </a:rPr>
+              <a:t>useRef - </a:t>
+            </a:r>
+            <a:r>
+              <a:rPr lang="ko-KR" altLang="en-US" b="0" i="0">
+                <a:solidFill>
+                  <a:srgbClr val="222426"/>
+                </a:solidFill>
+                <a:effectLst/>
+              </a:rPr>
+              <a:t>함수형 컴포넌트에서 </a:t>
+            </a:r>
+            <a:r>
+              <a:rPr lang="en-US" altLang="ko-KR" b="0" i="0">
+                <a:solidFill>
+                  <a:srgbClr val="222426"/>
+                </a:solidFill>
+                <a:effectLst/>
+              </a:rPr>
+              <a:t>ref </a:t>
+            </a:r>
+            <a:r>
+              <a:rPr lang="ko-KR" altLang="en-US" b="0" i="0">
+                <a:solidFill>
+                  <a:srgbClr val="222426"/>
+                </a:solidFill>
+                <a:effectLst/>
+              </a:rPr>
+              <a:t>를 쉽게 사용 할 수 있게 해줌</a:t>
+            </a:r>
+            <a:endParaRPr lang="en-US" altLang="ko-KR" b="0" i="0">
+              <a:solidFill>
+                <a:srgbClr val="222426"/>
+              </a:solidFill>
+              <a:effectLst/>
+            </a:endParaRPr>
+          </a:p>
+          <a:p>
+            <a:endParaRPr lang="en-US" altLang="ko-KR" b="0" i="0">
+              <a:solidFill>
+                <a:srgbClr val="222426"/>
+              </a:solidFill>
+              <a:effectLst/>
+            </a:endParaRPr>
+          </a:p>
+        </p:txBody>
+      </p:sp>
+    </p:spTree>
+    <p:extLst>
+      <p:ext uri="{BB962C8B-B14F-4D97-AF65-F5344CB8AC3E}">
+        <p14:creationId xmlns:p14="http://schemas.microsoft.com/office/powerpoint/2010/main" val="3799933800"/>
       </p:ext>
     </p:extLst>
   </p:cSld>
@@ -7091,17 +7152,18 @@
                 <a:effectLst/>
                 <a:latin typeface="빙그레 메로나체" panose="020B0503000000000000" pitchFamily="50" charset="-127"/>
               </a:rPr>
-              <a:t>사용해보았고 다시 사용할 예정</a:t>
-            </a:r>
-            <a:endParaRPr lang="en-US" altLang="ko-KR" b="0" i="0">
-              <a:solidFill>
-                <a:srgbClr val="000000"/>
-              </a:solidFill>
-              <a:effectLst/>
-              <a:latin typeface="빙그레 메로나체" panose="020B0503000000000000" pitchFamily="50" charset="-127"/>
-            </a:endParaRPr>
-          </a:p>
-          <a:p>
+              <a:t>인식</a:t>
+            </a:r>
+            <a:r>
+              <a:rPr lang="en-US" altLang="ko-KR" b="0" i="0">
+                <a:solidFill>
+                  <a:srgbClr val="000000"/>
+                </a:solidFill>
+                <a:effectLst/>
+                <a:latin typeface="빙그레 메로나체" panose="020B0503000000000000" pitchFamily="50" charset="-127"/>
+              </a:rPr>
+              <a:t>, </a:t>
+            </a:r>
             <a:r>
               <a:rPr lang="ko-KR" altLang="en-US" b="0" i="0">
                 <a:solidFill>
@@ -7110,64 +7172,17 @@
                 <a:effectLst/>
                 <a:latin typeface="빙그레 메로나체" panose="020B0503000000000000" pitchFamily="50" charset="-127"/>
               </a:rPr>
-              <a:t>사용해보았지만 다시 사용하지 않을 예정</a:t>
-            </a:r>
-            <a:endParaRPr lang="en-US" altLang="ko-KR" b="0" i="0">
-              <a:solidFill>
-                <a:srgbClr val="000000"/>
-              </a:solidFill>
-              <a:effectLst/>
-              <a:latin typeface="빙그레 메로나체" panose="020B0503000000000000" pitchFamily="50" charset="-127"/>
-            </a:endParaRPr>
-          </a:p>
-          <a:p>
-            <a:r>
-              <a:rPr lang="ko-KR" altLang="en-US" b="0" i="0">
+              <a:t>관심 및 만족도 순위</a:t>
+            </a:r>
+            <a:r>
+              <a:rPr lang="en-US" altLang="ko-KR" b="0" i="0">
                 <a:solidFill>
                   <a:srgbClr val="000000"/>
                 </a:solidFill>
                 <a:effectLst/>
                 <a:latin typeface="빙그레 메로나체" panose="020B0503000000000000" pitchFamily="50" charset="-127"/>
               </a:rPr>
-              <a:t>들어본적있고 배우고 싶음</a:t>
-            </a:r>
-            <a:endParaRPr lang="en-US" altLang="ko-KR" b="0" i="0">
-              <a:solidFill>
-                <a:srgbClr val="000000"/>
-              </a:solidFill>
-              <a:effectLst/>
-              <a:latin typeface="빙그레 메로나체" panose="020B0503000000000000" pitchFamily="50" charset="-127"/>
-            </a:endParaRPr>
-          </a:p>
-          <a:p>
-            <a:r>
-              <a:rPr lang="ko-KR" altLang="en-US" b="0" i="0">
-                <a:solidFill>
-                  <a:srgbClr val="000000"/>
-                </a:solidFill>
-                <a:effectLst/>
-                <a:latin typeface="빙그레 메로나체" panose="020B0503000000000000" pitchFamily="50" charset="-127"/>
-              </a:rPr>
-              <a:t>들어본적있고 관심 없음</a:t>
-            </a:r>
-            <a:endParaRPr lang="en-US" altLang="ko-KR" b="0" i="0">
-              <a:solidFill>
-                <a:srgbClr val="000000"/>
-              </a:solidFill>
-              <a:effectLst/>
-              <a:latin typeface="빙그레 메로나체" panose="020B0503000000000000" pitchFamily="50" charset="-127"/>
-            </a:endParaRPr>
-          </a:p>
-          <a:p>
-            <a:r>
-              <a:rPr lang="ko-KR" altLang="en-US" b="0" i="0">
-                <a:solidFill>
-                  <a:srgbClr val="000000"/>
-                </a:solidFill>
-                <a:effectLst/>
-                <a:latin typeface="빙그레 메로나체" panose="020B0503000000000000" pitchFamily="50" charset="-127"/>
-              </a:rPr>
-              <a:t>들어본적없음</a:t>
+              <a:t>.</a:t>
             </a:r>
             <a:endParaRPr lang="ko-KR" altLang="en-US"/>
           </a:p>
@@ -7176,7 +7191,7 @@
     </p:spTree>
     <p:extLst>
       <p:ext uri="{BB962C8B-B14F-4D97-AF65-F5344CB8AC3E}">
-        <p14:creationId xmlns:p14="http://schemas.microsoft.com/office/powerpoint/2010/main" val="1488793387"/>
+        <p14:creationId xmlns:p14="http://schemas.microsoft.com/office/powerpoint/2010/main" val="2746808643"/>
       </p:ext>
     </p:extLst>
   </p:cSld>
@@ -7230,6 +7245,92 @@
           <a:bodyPr/>
           <a:lstStyle/>
           <a:p>
+            <a:r>
+              <a:rPr lang="ko-KR" altLang="en-US" b="0" i="0">
+                <a:solidFill>
+                  <a:srgbClr val="000000"/>
+                </a:solidFill>
+                <a:effectLst/>
+                <a:latin typeface="빙그레 메로나체" panose="020B0503000000000000" pitchFamily="50" charset="-127"/>
+              </a:rPr>
+              <a:t>사용해보았고 다시 사용할 예정</a:t>
+            </a:r>
+            <a:endParaRPr lang="en-US" altLang="ko-KR" b="0" i="0">
+              <a:solidFill>
+                <a:srgbClr val="000000"/>
+              </a:solidFill>
+              <a:effectLst/>
+              <a:latin typeface="빙그레 메로나체" panose="020B0503000000000000" pitchFamily="50" charset="-127"/>
+            </a:endParaRPr>
+          </a:p>
+          <a:p>
+            <a:r>
+              <a:rPr lang="ko-KR" altLang="en-US" b="0" i="0">
+                <a:solidFill>
+                  <a:srgbClr val="000000"/>
+                </a:solidFill>
+                <a:effectLst/>
+                <a:latin typeface="빙그레 메로나체" panose="020B0503000000000000" pitchFamily="50" charset="-127"/>
+              </a:rPr>
+              <a:t>사용해보았지만 다시 사용하지 않을 예정</a:t>
+            </a:r>
+            <a:endParaRPr lang="en-US" altLang="ko-KR" b="0" i="0">
+              <a:solidFill>
+                <a:srgbClr val="000000"/>
+              </a:solidFill>
+              <a:effectLst/>
+              <a:latin typeface="빙그레 메로나체" panose="020B0503000000000000" pitchFamily="50" charset="-127"/>
+            </a:endParaRPr>
+          </a:p>
+          <a:p>
+            <a:r>
+              <a:rPr lang="ko-KR" altLang="en-US" b="0" i="0">
+                <a:solidFill>
+                  <a:srgbClr val="000000"/>
+                </a:solidFill>
+                <a:effectLst/>
+                <a:latin typeface="빙그레 메로나체" panose="020B0503000000000000" pitchFamily="50" charset="-127"/>
+              </a:rPr>
+              <a:t>들어본적있고 배우고 싶음</a:t>
+            </a:r>
+            <a:endParaRPr lang="en-US" altLang="ko-KR" b="0" i="0">
+              <a:solidFill>
+                <a:srgbClr val="000000"/>
+              </a:solidFill>
+              <a:effectLst/>
+              <a:latin typeface="빙그레 메로나체" panose="020B0503000000000000" pitchFamily="50" charset="-127"/>
+            </a:endParaRPr>
+          </a:p>
+          <a:p>
+            <a:r>
+              <a:rPr lang="ko-KR" altLang="en-US" b="0" i="0">
+                <a:solidFill>
+                  <a:srgbClr val="000000"/>
+                </a:solidFill>
+                <a:effectLst/>
+                <a:latin typeface="빙그레 메로나체" panose="020B0503000000000000" pitchFamily="50" charset="-127"/>
+              </a:rPr>
+              <a:t>들어본적있고 관심 없음</a:t>
+            </a:r>
+            <a:endParaRPr lang="en-US" altLang="ko-KR" b="0" i="0">
+              <a:solidFill>
+                <a:srgbClr val="000000"/>
+              </a:solidFill>
+              <a:effectLst/>
+              <a:latin typeface="빙그레 메로나체" panose="020B0503000000000000" pitchFamily="50" charset="-127"/>
+            </a:endParaRPr>
+          </a:p>
+          <a:p>
+            <a:r>
+              <a:rPr lang="ko-KR" altLang="en-US" b="0" i="0">
+                <a:solidFill>
+                  <a:srgbClr val="000000"/>
+                </a:solidFill>
+                <a:effectLst/>
+                <a:latin typeface="빙그레 메로나체" panose="020B0503000000000000" pitchFamily="50" charset="-127"/>
+              </a:rPr>
+              <a:t>들어본적없음</a:t>
+            </a:r>
             <a:endParaRPr lang="ko-KR" altLang="en-US"/>
           </a:p>
         </p:txBody>
@@ -7237,7 +7338,7 @@
     </p:spTree>
     <p:extLst>
       <p:ext uri="{BB962C8B-B14F-4D97-AF65-F5344CB8AC3E}">
-        <p14:creationId xmlns:p14="http://schemas.microsoft.com/office/powerpoint/2010/main" val="1272367088"/>
+        <p14:creationId xmlns:p14="http://schemas.microsoft.com/office/powerpoint/2010/main" val="1488793387"/>
       </p:ext>
     </p:extLst>
   </p:cSld>
@@ -7291,70 +7392,14 @@
           <a:bodyPr/>
           <a:lstStyle/>
           <a:p>
-            <a:r>
-              <a:rPr lang="ko-KR" altLang="en-US"/>
-              <a:t>리액트 커뮤니티</a:t>
-            </a:r>
-            <a:r>
-              <a:rPr lang="en-US" altLang="ko-KR"/>
-              <a:t>, </a:t>
-            </a:r>
-            <a:r>
-              <a:rPr lang="ko-KR" altLang="en-US"/>
-              <a:t>리소스 많음</a:t>
-            </a:r>
-            <a:br>
-              <a:rPr lang="en-US" altLang="ko-KR"/>
-            </a:br>
-            <a:r>
-              <a:rPr lang="ko-KR" altLang="en-US"/>
-              <a:t>앵귤러 커뮤니티</a:t>
-            </a:r>
-            <a:r>
-              <a:rPr lang="en-US" altLang="ko-KR"/>
-              <a:t>, </a:t>
-            </a:r>
-            <a:r>
-              <a:rPr lang="ko-KR" altLang="en-US"/>
-              <a:t>리소스 많음</a:t>
-            </a:r>
-            <a:r>
-              <a:rPr lang="en-US" altLang="ko-KR"/>
-              <a:t>, </a:t>
-            </a:r>
-            <a:r>
-              <a:rPr lang="ko-KR" altLang="en-US"/>
-              <a:t>리소스 오래된게 많음</a:t>
-            </a:r>
-            <a:endParaRPr lang="en-US" altLang="ko-KR"/>
-          </a:p>
-          <a:p>
-            <a:r>
-              <a:rPr lang="ko-KR" altLang="en-US"/>
-              <a:t>뷰 커뮤니티 리액트보다 작지만 많음</a:t>
-            </a:r>
-            <a:r>
-              <a:rPr lang="en-US" altLang="ko-KR"/>
-              <a:t>, </a:t>
-            </a:r>
-            <a:r>
-              <a:rPr lang="ko-KR" altLang="en-US"/>
-              <a:t>리소스 많음</a:t>
-            </a:r>
-            <a:endParaRPr lang="en-US" altLang="ko-KR"/>
-          </a:p>
-          <a:p>
-            <a:r>
-              <a:rPr lang="ko-KR" altLang="en-US"/>
-              <a:t>스벨트 커뮤니티 리소스 다른것들에 비해 적지만 빠른 속도로 증가중</a:t>
-            </a:r>
+            <a:endParaRPr lang="ko-KR" altLang="en-US"/>
           </a:p>
         </p:txBody>
       </p:sp>
     </p:spTree>
     <p:extLst>
       <p:ext uri="{BB962C8B-B14F-4D97-AF65-F5344CB8AC3E}">
-        <p14:creationId xmlns:p14="http://schemas.microsoft.com/office/powerpoint/2010/main" val="1806228829"/>
+        <p14:creationId xmlns:p14="http://schemas.microsoft.com/office/powerpoint/2010/main" val="1272367088"/>
       </p:ext>
     </p:extLst>
   </p:cSld>
@@ -7409,131 +7454,69 @@
           <a:lstStyle/>
           <a:p>
             <a:r>
-              <a:rPr lang="en-US" altLang="ko-KR" b="0" i="0">
-                <a:solidFill>
-                  <a:srgbClr val="08090A"/>
-                </a:solidFill>
-                <a:effectLst/>
-                <a:latin typeface="빙그레 메로나체" panose="020B0503000000000000" pitchFamily="50" charset="-127"/>
-              </a:rPr>
-              <a:t>speed - </a:t>
-            </a:r>
-            <a:r>
-              <a:rPr lang="ko-KR" altLang="en-US" b="0" i="0">
-                <a:solidFill>
-                  <a:srgbClr val="08090A"/>
-                </a:solidFill>
-                <a:effectLst/>
-                <a:latin typeface="빙그레 메로나체" panose="020B0503000000000000" pitchFamily="50" charset="-127"/>
-              </a:rPr>
-              <a:t>일련의 작업에서 각 프레임 워크를 비교하고 완료 속도</a:t>
-            </a:r>
-            <a:endParaRPr lang="en-US" altLang="ko-KR" b="0" i="0">
-              <a:solidFill>
-                <a:srgbClr val="08090A"/>
-              </a:solidFill>
-              <a:effectLst/>
-              <a:latin typeface="빙그레 메로나체" panose="020B0503000000000000" pitchFamily="50" charset="-127"/>
-            </a:endParaRPr>
-          </a:p>
-          <a:p>
-            <a:r>
-              <a:rPr lang="en-US" altLang="ko-KR" b="0" i="0">
-                <a:solidFill>
-                  <a:srgbClr val="08090A"/>
-                </a:solidFill>
-                <a:effectLst/>
-                <a:latin typeface="빙그레 메로나체" panose="020B0503000000000000" pitchFamily="50" charset="-127"/>
-              </a:rPr>
-              <a:t>startup - </a:t>
-            </a:r>
-            <a:r>
-              <a:rPr lang="ko-KR" altLang="en-US" b="0" i="0">
-                <a:solidFill>
-                  <a:srgbClr val="08090A"/>
-                </a:solidFill>
-                <a:effectLst/>
-                <a:latin typeface="빙그레 메로나체" panose="020B0503000000000000" pitchFamily="50" charset="-127"/>
-              </a:rPr>
-              <a:t>프레임 워크 중 하나가 </a:t>
-            </a:r>
-            <a:r>
-              <a:rPr lang="en-US" altLang="ko-KR" b="0" i="0">
-                <a:solidFill>
-                  <a:srgbClr val="08090A"/>
-                </a:solidFill>
-                <a:effectLst/>
-                <a:latin typeface="빙그레 메로나체" panose="020B0503000000000000" pitchFamily="50" charset="-127"/>
-              </a:rPr>
-              <a:t>"</a:t>
-            </a:r>
-            <a:r>
-              <a:rPr lang="ko-KR" altLang="en-US" b="0" i="0">
-                <a:solidFill>
-                  <a:srgbClr val="08090A"/>
-                </a:solidFill>
-                <a:effectLst/>
-                <a:latin typeface="빙그레 메로나체" panose="020B0503000000000000" pitchFamily="50" charset="-127"/>
-              </a:rPr>
-              <a:t>시작</a:t>
-            </a:r>
-            <a:r>
-              <a:rPr lang="en-US" altLang="ko-KR" b="0" i="0">
-                <a:solidFill>
-                  <a:srgbClr val="08090A"/>
-                </a:solidFill>
-                <a:effectLst/>
-                <a:latin typeface="빙그레 메로나체" panose="020B0503000000000000" pitchFamily="50" charset="-127"/>
-              </a:rPr>
-              <a:t>"</a:t>
-            </a:r>
-            <a:r>
-              <a:rPr lang="ko-KR" altLang="en-US" b="0" i="0">
-                <a:solidFill>
-                  <a:srgbClr val="08090A"/>
-                </a:solidFill>
-                <a:effectLst/>
-                <a:latin typeface="빙그레 메로나체" panose="020B0503000000000000" pitchFamily="50" charset="-127"/>
-              </a:rPr>
-              <a:t>하는 데 걸리는 시간을 측정</a:t>
-            </a:r>
-            <a:endParaRPr lang="en-US" altLang="ko-KR" b="0" i="0">
-              <a:solidFill>
-                <a:srgbClr val="08090A"/>
-              </a:solidFill>
-              <a:effectLst/>
-              <a:latin typeface="빙그레 메로나체" panose="020B0503000000000000" pitchFamily="50" charset="-127"/>
-            </a:endParaRPr>
-          </a:p>
-          <a:p>
-            <a:r>
-              <a:rPr lang="en-US" altLang="ko-KR" b="0" i="0">
-                <a:solidFill>
-                  <a:srgbClr val="08090A"/>
-                </a:solidFill>
-                <a:effectLst/>
-                <a:latin typeface="빙그레 메로나체" panose="020B0503000000000000" pitchFamily="50" charset="-127"/>
-              </a:rPr>
-              <a:t>memory - </a:t>
-            </a:r>
-            <a:r>
-              <a:rPr lang="ko-KR" altLang="en-US" b="0" i="0">
-                <a:solidFill>
-                  <a:srgbClr val="08090A"/>
-                </a:solidFill>
-                <a:effectLst/>
-                <a:latin typeface="빙그레 메로나체" panose="020B0503000000000000" pitchFamily="50" charset="-127"/>
-              </a:rPr>
-              <a:t>동일한 테스트에서 가장 적은 양의 메모리를 차지하는 프레임 워크를 확인</a:t>
-            </a:r>
-            <a:endParaRPr lang="ko-KR" altLang="en-US"/>
+              <a:rPr lang="ko-KR" altLang="en-US"/>
+              <a:t>리액트 커뮤니티</a:t>
+            </a:r>
+            <a:r>
+              <a:rPr lang="en-US" altLang="ko-KR"/>
+              <a:t>, </a:t>
+            </a:r>
+            <a:r>
+              <a:rPr lang="ko-KR" altLang="en-US"/>
+              <a:t>리소스 많음</a:t>
+            </a:r>
+            <a:br>
+              <a:rPr lang="en-US" altLang="ko-KR"/>
+            </a:br>
+            <a:r>
+              <a:rPr lang="ko-KR" altLang="en-US"/>
+              <a:t>앵귤러 커뮤니티</a:t>
+            </a:r>
+            <a:r>
+              <a:rPr lang="en-US" altLang="ko-KR"/>
+              <a:t>, </a:t>
+            </a:r>
+            <a:r>
+              <a:rPr lang="ko-KR" altLang="en-US"/>
+              <a:t>리소스 많음</a:t>
+            </a:r>
+            <a:r>
+              <a:rPr lang="en-US" altLang="ko-KR"/>
+              <a:t>, </a:t>
+            </a:r>
+            <a:r>
+              <a:rPr lang="ko-KR" altLang="en-US"/>
+              <a:t>리소스 오래된게 많음</a:t>
+            </a:r>
+            <a:endParaRPr lang="en-US" altLang="ko-KR"/>
+          </a:p>
+          <a:p>
+            <a:r>
+              <a:rPr lang="ko-KR" altLang="en-US"/>
+              <a:t>뷰 커뮤니티 리액트보다 작지만 많음</a:t>
+            </a:r>
+            <a:r>
+              <a:rPr lang="en-US" altLang="ko-KR"/>
+              <a:t>, </a:t>
+            </a:r>
+            <a:r>
+              <a:rPr lang="ko-KR" altLang="en-US"/>
+              <a:t>리소스 많음</a:t>
+            </a:r>
+            <a:endParaRPr lang="en-US" altLang="ko-KR"/>
+          </a:p>
+          <a:p>
+            <a:r>
+              <a:rPr lang="ko-KR" altLang="en-US"/>
+              <a:t>스벨트 커뮤니티 리소스 다른것들에 비해 적지만 빠른 속도로 증가중</a:t>
+            </a:r>
           </a:p>
         </p:txBody>
       </p:sp>
     </p:spTree>
     <p:extLst>
       <p:ext uri="{BB962C8B-B14F-4D97-AF65-F5344CB8AC3E}">
-        <p14:creationId xmlns:p14="http://schemas.microsoft.com/office/powerpoint/2010/main" val="966849332"/>
+        <p14:creationId xmlns:p14="http://schemas.microsoft.com/office/powerpoint/2010/main" val="1806228829"/>
       </p:ext>
     </p:extLst>
   </p:cSld>
@@ -7588,6 +7571,16 @@
           <a:lstStyle/>
           <a:p>
             <a:r>
+              <a:rPr lang="en-US" altLang="ko-KR" b="0" i="0">
+                <a:solidFill>
+                  <a:srgbClr val="08090A"/>
+                </a:solidFill>
+                <a:effectLst/>
+                <a:latin typeface="빙그레 메로나체" panose="020B0503000000000000" pitchFamily="50" charset="-127"/>
+              </a:rPr>
+              <a:t>speed - </a:t>
+            </a:r>
+            <a:r>
               <a:rPr lang="ko-KR" altLang="en-US" b="0" i="0">
                 <a:solidFill>
                   <a:srgbClr val="08090A"/>
@@ -7595,8 +7588,17 @@
                 <a:effectLst/>
                 <a:latin typeface="빙그레 메로나체" panose="020B0503000000000000" pitchFamily="50" charset="-127"/>
               </a:rPr>
-              <a:t>모든 프레임 워크에서 거의 동일한 결과를 얻을 수 있음</a:t>
-            </a:r>
+              <a:t>일련의 작업에서 각 프레임 워크를 비교하고 완료 속도</a:t>
+            </a:r>
+            <a:endParaRPr lang="en-US" altLang="ko-KR" b="0" i="0">
+              <a:solidFill>
+                <a:srgbClr val="08090A"/>
+              </a:solidFill>
+              <a:effectLst/>
+              <a:latin typeface="빙그레 메로나체" panose="020B0503000000000000" pitchFamily="50" charset="-127"/>
+            </a:endParaRPr>
+          </a:p>
+          <a:p>
             <a:r>
               <a:rPr lang="en-US" altLang="ko-KR" b="0" i="0">
                 <a:solidFill>
@@ -7605,7 +7607,7 @@
                 <a:effectLst/>
                 <a:latin typeface="빙그레 메로나체" panose="020B0503000000000000" pitchFamily="50" charset="-127"/>
               </a:rPr>
-              <a:t>. </a:t>
+              <a:t>startup - </a:t>
             </a:r>
             <a:r>
               <a:rPr lang="ko-KR" altLang="en-US" b="0" i="0">
@@ -7615,7 +7617,7 @@
                 <a:effectLst/>
                 <a:latin typeface="빙그레 메로나체" panose="020B0503000000000000" pitchFamily="50" charset="-127"/>
               </a:rPr>
-              <a:t>자신에게 맞는거 선택해서 사용</a:t>
+              <a:t>프레임 워크 중 하나가 </a:t>
             </a:r>
             <a:r>
               <a:rPr lang="en-US" altLang="ko-KR" b="0" i="0">
@@ -7625,7 +7627,66 @@
                 <a:effectLst/>
                 <a:latin typeface="빙그레 메로나체" panose="020B0503000000000000" pitchFamily="50" charset="-127"/>
               </a:rPr>
-              <a:t>.</a:t>
+              <a:t>"</a:t>
+            </a:r>
+            <a:r>
+              <a:rPr lang="ko-KR" altLang="en-US" b="0" i="0">
+                <a:solidFill>
+                  <a:srgbClr val="08090A"/>
+                </a:solidFill>
+                <a:effectLst/>
+                <a:latin typeface="빙그레 메로나체" panose="020B0503000000000000" pitchFamily="50" charset="-127"/>
+              </a:rPr>
+              <a:t>시작</a:t>
+            </a:r>
+            <a:r>
+              <a:rPr lang="en-US" altLang="ko-KR" b="0" i="0">
+                <a:solidFill>
+                  <a:srgbClr val="08090A"/>
+                </a:solidFill>
+                <a:effectLst/>
+                <a:latin typeface="빙그레 메로나체" panose="020B0503000000000000" pitchFamily="50" charset="-127"/>
+              </a:rPr>
+              <a:t>"</a:t>
+            </a:r>
+            <a:r>
+              <a:rPr lang="ko-KR" altLang="en-US" b="0" i="0">
+                <a:solidFill>
+                  <a:srgbClr val="08090A"/>
+                </a:solidFill>
+                <a:effectLst/>
+                <a:latin typeface="빙그레 메로나체" panose="020B0503000000000000" pitchFamily="50" charset="-127"/>
+              </a:rPr>
+              <a:t>하는 데 걸리는 시간을 측정</a:t>
+            </a:r>
+            <a:endParaRPr lang="en-US" altLang="ko-KR" b="0" i="0">
+              <a:solidFill>
+                <a:srgbClr val="08090A"/>
+              </a:solidFill>
+              <a:effectLst/>
+              <a:latin typeface="빙그레 메로나체" panose="020B0503000000000000" pitchFamily="50" charset="-127"/>
+            </a:endParaRPr>
+          </a:p>
+          <a:p>
+            <a:r>
+              <a:rPr lang="en-US" altLang="ko-KR" b="0" i="0">
+                <a:solidFill>
+                  <a:srgbClr val="08090A"/>
+                </a:solidFill>
+                <a:effectLst/>
+                <a:latin typeface="빙그레 메로나체" panose="020B0503000000000000" pitchFamily="50" charset="-127"/>
+              </a:rPr>
+              <a:t>memory - </a:t>
+            </a:r>
+            <a:r>
+              <a:rPr lang="ko-KR" altLang="en-US" b="0" i="0">
+                <a:solidFill>
+                  <a:srgbClr val="08090A"/>
+                </a:solidFill>
+                <a:effectLst/>
+                <a:latin typeface="빙그레 메로나체" panose="020B0503000000000000" pitchFamily="50" charset="-127"/>
+              </a:rPr>
+              <a:t>동일한 테스트에서 가장 적은 양의 메모리를 차지하는 프레임 워크를 확인</a:t>
             </a:r>
             <a:endParaRPr lang="ko-KR" altLang="en-US"/>
           </a:p>
@@ -7634,7 +7695,7 @@
     </p:spTree>
     <p:extLst>
       <p:ext uri="{BB962C8B-B14F-4D97-AF65-F5344CB8AC3E}">
-        <p14:creationId xmlns:p14="http://schemas.microsoft.com/office/powerpoint/2010/main" val="2088768480"/>
+        <p14:creationId xmlns:p14="http://schemas.microsoft.com/office/powerpoint/2010/main" val="966849332"/>
       </p:ext>
     </p:extLst>
   </p:cSld>
@@ -7796,7 +7857,7 @@
           <a:p>
             <a:fld id="{7DC6197A-B81F-4CAF-8F9E-3C147E2873D6}" type="datetime1">
               <a:rPr lang="ko-KR" altLang="en-US" smtClean="0"/>
-              <a:t>21-02-06(Sat)</a:t>
+              <a:t>21-02-07(Sun)</a:t>
             </a:fld>
             <a:endParaRPr lang="ko-KR" altLang="en-US"/>
           </a:p>
@@ -8015,7 +8076,7 @@
           <a:p>
             <a:fld id="{2E9FEE90-94DC-4A70-8DB6-77140FDC4928}" type="datetime1">
               <a:rPr lang="ko-KR" altLang="en-US" smtClean="0"/>
-              <a:t>21-02-06(Sat)</a:t>
+              <a:t>21-02-07(Sun)</a:t>
             </a:fld>
             <a:endParaRPr lang="ko-KR" altLang="en-US"/>
           </a:p>
@@ -8223,7 +8284,7 @@
           <a:p>
             <a:fld id="{35B46D19-C2B4-4F76-8EC4-654FF4D1B867}" type="datetime1">
               <a:rPr lang="ko-KR" altLang="en-US" smtClean="0"/>
-              <a:t>21-02-06(Sat)</a:t>
+              <a:t>21-02-07(Sun)</a:t>
             </a:fld>
             <a:endParaRPr lang="ko-KR" altLang="en-US"/>
           </a:p>
@@ -8421,7 +8482,7 @@
           <a:p>
             <a:fld id="{C373018D-A7B2-4FBD-B6A9-55243D35BED3}" type="datetime1">
               <a:rPr lang="ko-KR" altLang="en-US" smtClean="0"/>
-              <a:t>21-02-06(Sat)</a:t>
+              <a:t>21-02-07(Sun)</a:t>
             </a:fld>
             <a:endParaRPr lang="ko-KR" altLang="en-US"/>
           </a:p>
@@ -8696,7 +8757,7 @@
           <a:p>
             <a:fld id="{4435D3D0-A066-4F71-AFF5-8B496FFE7BCA}" type="datetime1">
               <a:rPr lang="ko-KR" altLang="en-US" smtClean="0"/>
-              <a:t>21-02-06(Sat)</a:t>
+              <a:t>21-02-07(Sun)</a:t>
             </a:fld>
             <a:endParaRPr lang="ko-KR" altLang="en-US"/>
           </a:p>
@@ -8961,7 +9022,7 @@
           <a:p>
             <a:fld id="{365C1C25-AAFE-4B7A-972A-986C48C551DC}" type="datetime1">
               <a:rPr lang="ko-KR" altLang="en-US" smtClean="0"/>
-              <a:t>21-02-06(Sat)</a:t>
+              <a:t>21-02-07(Sun)</a:t>
             </a:fld>
             <a:endParaRPr lang="ko-KR" altLang="en-US"/>
           </a:p>
@@ -9373,7 +9434,7 @@
           <a:p>
             <a:fld id="{81CD69AD-8091-45FF-A7FD-D5E8A83B14A6}" type="datetime1">
               <a:rPr lang="ko-KR" altLang="en-US" smtClean="0"/>
-              <a:t>21-02-06(Sat)</a:t>
+              <a:t>21-02-07(Sun)</a:t>
             </a:fld>
             <a:endParaRPr lang="ko-KR" altLang="en-US"/>
           </a:p>
@@ -9514,7 +9575,7 @@
           <a:p>
             <a:fld id="{16E1BF7E-2A53-4D85-AD06-DBD10CF13045}" type="datetime1">
               <a:rPr lang="ko-KR" altLang="en-US" smtClean="0"/>
-              <a:t>21-02-06(Sat)</a:t>
+              <a:t>21-02-07(Sun)</a:t>
             </a:fld>
             <a:endParaRPr lang="ko-KR" altLang="en-US"/>
           </a:p>
@@ -9627,7 +9688,7 @@
           <a:p>
             <a:fld id="{D7EEE6D7-F07E-4CE2-AFD1-E0ADDB02E34F}" type="datetime1">
               <a:rPr lang="ko-KR" altLang="en-US" smtClean="0"/>
-              <a:t>21-02-06(Sat)</a:t>
+              <a:t>21-02-07(Sun)</a:t>
             </a:fld>
             <a:endParaRPr lang="ko-KR" altLang="en-US"/>
           </a:p>
@@ -9938,7 +9999,7 @@
           <a:p>
             <a:fld id="{022DB226-797E-4714-A363-EB143067361E}" type="datetime1">
               <a:rPr lang="ko-KR" altLang="en-US" smtClean="0"/>
-              <a:t>21-02-06(Sat)</a:t>
+              <a:t>21-02-07(Sun)</a:t>
             </a:fld>
             <a:endParaRPr lang="ko-KR" altLang="en-US"/>
           </a:p>
@@ -10226,7 +10287,7 @@
           <a:p>
             <a:fld id="{2946DBEB-5FFE-47E0-9C69-4E429AFA7594}" type="datetime1">
               <a:rPr lang="ko-KR" altLang="en-US" smtClean="0"/>
-              <a:t>21-02-06(Sat)</a:t>
+              <a:t>21-02-07(Sun)</a:t>
             </a:fld>
             <a:endParaRPr lang="ko-KR" altLang="en-US"/>
           </a:p>
@@ -10473,7 +10534,7 @@
             <a:fld id="{932790BA-7C09-43EA-8E7D-6E5A6153DBF0}" type="datetime1">
               <a:rPr lang="ko-KR" altLang="en-US" smtClean="0"/>
               <a:pPr/>
-              <a:t>21-02-06(Sat)</a:t>
+              <a:t>21-02-07(Sun)</a:t>
             </a:fld>
             <a:endParaRPr lang="ko-KR" altLang="en-US"/>
           </a:p>
@@ -11056,7 +11117,7 @@
                 <a:latin typeface="빙그레 메로나체" panose="020B0503000000000000" pitchFamily="50" charset="-127"/>
                 <a:ea typeface="빙그레 메로나체" panose="020B0503000000000000" pitchFamily="50" charset="-127"/>
               </a:rPr>
-              <a:t>2021 02 06 Qualcomm Institute </a:t>
+              <a:t>2021 02 07 Qualcomm Institute </a:t>
             </a:r>
           </a:p>
         </p:txBody>
@@ -17872,257 +17933,6 @@
       </p:sp>
       <p:sp>
         <p:nvSpPr>
-          <p:cNvPr id="8" name="Rectangle 4">
-            <a:extLst>
-              <a:ext uri="{FF2B5EF4-FFF2-40B4-BE49-F238E27FC236}">
-                <a16:creationId xmlns:a16="http://schemas.microsoft.com/office/drawing/2014/main" id="{C27A468C-93B8-4A42-BC56-8170C9FCEABF}"/>
-              </a:ext>
-            </a:extLst>
-          </p:cNvPr>
-          <p:cNvSpPr>
-            <a:spLocks noChangeArrowheads="1"/>
-          </p:cNvSpPr>
-          <p:nvPr/>
-        </p:nvSpPr>
-        <p:spPr bwMode="auto">
-          <a:xfrm>
-            <a:off x="3562047" y="2405763"/>
-            <a:ext cx="5067906" cy="307777"/>
-          </a:xfrm>
-          <a:prstGeom prst="rect">
-            <a:avLst/>
-          </a:prstGeom>
-          <a:solidFill>
-            <a:schemeClr val="tx1"/>
-          </a:solidFill>
-          <a:ln>
-            <a:noFill/>
-          </a:ln>
-          <a:effectLst/>
-        </p:spPr>
-        <p:txBody>
-          <a:bodyPr vert="horz" wrap="square" lIns="0" tIns="0" rIns="0" bIns="0" numCol="1" anchor="ctr" anchorCtr="0" compatLnSpc="1">
-            <a:prstTxWarp prst="textNoShape">
-              <a:avLst/>
-            </a:prstTxWarp>
-            <a:spAutoFit/>
-          </a:bodyPr>
-          <a:lstStyle/>
-          <a:p>
-            <a:pPr marL="0" marR="0" lvl="0" indent="0" algn="l" defTabSz="914400" rtl="0" eaLnBrk="0" fontAlgn="base" latinLnBrk="0" hangingPunct="0">
-              <a:lnSpc>
-                <a:spcPct val="100000"/>
-              </a:lnSpc>
-              <a:spcBef>
-                <a:spcPct val="0"/>
-              </a:spcBef>
-              <a:spcAft>
-                <a:spcPct val="0"/>
-              </a:spcAft>
-              <a:buClrTx/>
-              <a:buSzTx/>
-              <a:buFontTx/>
-              <a:buNone/>
-              <a:tabLst/>
-            </a:pPr>
-            <a:r>
-              <a:rPr kumimoji="0" lang="en-US" altLang="ko-KR" sz="2000" b="0" i="0" u="none" strike="noStrike" cap="none" normalizeH="0" baseline="0">
-                <a:ln>
-                  <a:noFill/>
-                </a:ln>
-                <a:solidFill>
-                  <a:srgbClr val="C5A5C5"/>
-                </a:solidFill>
-                <a:effectLst/>
-                <a:latin typeface="빙그레 메로나체" panose="020B0503000000000000" pitchFamily="50" charset="-127"/>
-                <a:ea typeface="빙그레 메로나체" panose="020B0503000000000000" pitchFamily="50" charset="-127"/>
-              </a:rPr>
-              <a:t>  </a:t>
-            </a:r>
-            <a:r>
-              <a:rPr kumimoji="0" lang="ko-KR" altLang="ko-KR" sz="2000" b="0" i="0" u="none" strike="noStrike" cap="none" normalizeH="0" baseline="0">
-                <a:ln>
-                  <a:noFill/>
-                </a:ln>
-                <a:solidFill>
-                  <a:srgbClr val="C5A5C5"/>
-                </a:solidFill>
-                <a:effectLst/>
-                <a:latin typeface="빙그레 메로나체" panose="020B0503000000000000" pitchFamily="50" charset="-127"/>
-                <a:ea typeface="빙그레 메로나체" panose="020B0503000000000000" pitchFamily="50" charset="-127"/>
-              </a:rPr>
-              <a:t>const</a:t>
-            </a:r>
-            <a:r>
-              <a:rPr kumimoji="0" lang="ko-KR" altLang="ko-KR" sz="2000" b="0" i="0" u="none" strike="noStrike" cap="none" normalizeH="0" baseline="0">
-                <a:ln>
-                  <a:noFill/>
-                </a:ln>
-                <a:solidFill>
-                  <a:srgbClr val="FFFFFF"/>
-                </a:solidFill>
-                <a:effectLst/>
-                <a:latin typeface="빙그레 메로나체" panose="020B0503000000000000" pitchFamily="50" charset="-127"/>
-                <a:ea typeface="빙그레 메로나체" panose="020B0503000000000000" pitchFamily="50" charset="-127"/>
-              </a:rPr>
-              <a:t> element </a:t>
-            </a:r>
-            <a:r>
-              <a:rPr kumimoji="0" lang="ko-KR" altLang="ko-KR" sz="2000" b="0" i="0" u="none" strike="noStrike" cap="none" normalizeH="0" baseline="0">
-                <a:ln>
-                  <a:noFill/>
-                </a:ln>
-                <a:solidFill>
-                  <a:srgbClr val="D7DEEA"/>
-                </a:solidFill>
-                <a:effectLst/>
-                <a:latin typeface="빙그레 메로나체" panose="020B0503000000000000" pitchFamily="50" charset="-127"/>
-                <a:ea typeface="빙그레 메로나체" panose="020B0503000000000000" pitchFamily="50" charset="-127"/>
-              </a:rPr>
-              <a:t>=</a:t>
-            </a:r>
-            <a:r>
-              <a:rPr kumimoji="0" lang="ko-KR" altLang="ko-KR" sz="2000" b="0" i="0" u="none" strike="noStrike" cap="none" normalizeH="0" baseline="0">
-                <a:ln>
-                  <a:noFill/>
-                </a:ln>
-                <a:solidFill>
-                  <a:srgbClr val="FFFFFF"/>
-                </a:solidFill>
-                <a:effectLst/>
-                <a:latin typeface="빙그레 메로나체" panose="020B0503000000000000" pitchFamily="50" charset="-127"/>
-                <a:ea typeface="빙그레 메로나체" panose="020B0503000000000000" pitchFamily="50" charset="-127"/>
-              </a:rPr>
-              <a:t> </a:t>
-            </a:r>
-            <a:r>
-              <a:rPr kumimoji="0" lang="ko-KR" altLang="ko-KR" sz="2000" b="0" i="0" u="none" strike="noStrike" cap="none" normalizeH="0" baseline="0">
-                <a:ln>
-                  <a:noFill/>
-                </a:ln>
-                <a:solidFill>
-                  <a:srgbClr val="88C6BE"/>
-                </a:solidFill>
-                <a:effectLst/>
-                <a:latin typeface="빙그레 메로나체" panose="020B0503000000000000" pitchFamily="50" charset="-127"/>
-                <a:ea typeface="빙그레 메로나체" panose="020B0503000000000000" pitchFamily="50" charset="-127"/>
-              </a:rPr>
-              <a:t>&lt;</a:t>
-            </a:r>
-            <a:r>
-              <a:rPr kumimoji="0" lang="ko-KR" altLang="ko-KR" sz="2000" b="0" i="0" u="none" strike="noStrike" cap="none" normalizeH="0" baseline="0">
-                <a:ln>
-                  <a:noFill/>
-                </a:ln>
-                <a:solidFill>
-                  <a:srgbClr val="FC929E"/>
-                </a:solidFill>
-                <a:effectLst/>
-                <a:latin typeface="빙그레 메로나체" panose="020B0503000000000000" pitchFamily="50" charset="-127"/>
-                <a:ea typeface="빙그레 메로나체" panose="020B0503000000000000" pitchFamily="50" charset="-127"/>
-              </a:rPr>
-              <a:t>h1</a:t>
-            </a:r>
-            <a:r>
-              <a:rPr kumimoji="0" lang="ko-KR" altLang="ko-KR" sz="2000" b="0" i="0" u="none" strike="noStrike" cap="none" normalizeH="0" baseline="0">
-                <a:ln>
-                  <a:noFill/>
-                </a:ln>
-                <a:solidFill>
-                  <a:srgbClr val="88C6BE"/>
-                </a:solidFill>
-                <a:effectLst/>
-                <a:latin typeface="빙그레 메로나체" panose="020B0503000000000000" pitchFamily="50" charset="-127"/>
-                <a:ea typeface="빙그레 메로나체" panose="020B0503000000000000" pitchFamily="50" charset="-127"/>
-              </a:rPr>
-              <a:t>&gt;</a:t>
-            </a:r>
-            <a:r>
-              <a:rPr kumimoji="0" lang="ko-KR" altLang="ko-KR" sz="2000" b="0" i="0" u="none" strike="noStrike" cap="none" normalizeH="0" baseline="0">
-                <a:ln>
-                  <a:noFill/>
-                </a:ln>
-                <a:solidFill>
-                  <a:srgbClr val="FFFFFF"/>
-                </a:solidFill>
-                <a:effectLst/>
-                <a:latin typeface="빙그레 메로나체" panose="020B0503000000000000" pitchFamily="50" charset="-127"/>
-                <a:ea typeface="빙그레 메로나체" panose="020B0503000000000000" pitchFamily="50" charset="-127"/>
-              </a:rPr>
-              <a:t>Hello, world!</a:t>
-            </a:r>
-            <a:r>
-              <a:rPr kumimoji="0" lang="ko-KR" altLang="ko-KR" sz="2000" b="0" i="0" u="none" strike="noStrike" cap="none" normalizeH="0" baseline="0">
-                <a:ln>
-                  <a:noFill/>
-                </a:ln>
-                <a:solidFill>
-                  <a:srgbClr val="88C6BE"/>
-                </a:solidFill>
-                <a:effectLst/>
-                <a:latin typeface="빙그레 메로나체" panose="020B0503000000000000" pitchFamily="50" charset="-127"/>
-                <a:ea typeface="빙그레 메로나체" panose="020B0503000000000000" pitchFamily="50" charset="-127"/>
-              </a:rPr>
-              <a:t>&lt;/</a:t>
-            </a:r>
-            <a:r>
-              <a:rPr kumimoji="0" lang="ko-KR" altLang="ko-KR" sz="2000" b="0" i="0" u="none" strike="noStrike" cap="none" normalizeH="0" baseline="0">
-                <a:ln>
-                  <a:noFill/>
-                </a:ln>
-                <a:solidFill>
-                  <a:srgbClr val="FC929E"/>
-                </a:solidFill>
-                <a:effectLst/>
-                <a:latin typeface="빙그레 메로나체" panose="020B0503000000000000" pitchFamily="50" charset="-127"/>
-                <a:ea typeface="빙그레 메로나체" panose="020B0503000000000000" pitchFamily="50" charset="-127"/>
-              </a:rPr>
-              <a:t>h1</a:t>
-            </a:r>
-            <a:r>
-              <a:rPr kumimoji="0" lang="ko-KR" altLang="ko-KR" sz="2000" b="0" i="0" u="none" strike="noStrike" cap="none" normalizeH="0" baseline="0">
-                <a:ln>
-                  <a:noFill/>
-                </a:ln>
-                <a:solidFill>
-                  <a:srgbClr val="88C6BE"/>
-                </a:solidFill>
-                <a:effectLst/>
-                <a:latin typeface="빙그레 메로나체" panose="020B0503000000000000" pitchFamily="50" charset="-127"/>
-                <a:ea typeface="빙그레 메로나체" panose="020B0503000000000000" pitchFamily="50" charset="-127"/>
-              </a:rPr>
-              <a:t>&gt;;</a:t>
-            </a:r>
-            <a:r>
-              <a:rPr kumimoji="0" lang="ko-KR" altLang="ko-KR" b="0" i="0" u="none" strike="noStrike" cap="none" normalizeH="0" baseline="0">
-                <a:ln>
-                  <a:noFill/>
-                </a:ln>
-                <a:solidFill>
-                  <a:schemeClr val="tx1"/>
-                </a:solidFill>
-                <a:effectLst/>
-                <a:latin typeface="빙그레 메로나체" panose="020B0503000000000000" pitchFamily="50" charset="-127"/>
-                <a:ea typeface="빙그레 메로나체" panose="020B0503000000000000" pitchFamily="50" charset="-127"/>
-              </a:rPr>
-              <a:t> </a:t>
-            </a:r>
-            <a:endParaRPr kumimoji="0" lang="ko-KR" altLang="ko-KR" sz="4400" b="0" i="0" u="none" strike="noStrike" cap="none" normalizeH="0" baseline="0">
-              <a:ln>
-                <a:noFill/>
-              </a:ln>
-              <a:solidFill>
-                <a:schemeClr val="tx1"/>
-              </a:solidFill>
-              <a:effectLst/>
-              <a:latin typeface="빙그레 메로나체" panose="020B0503000000000000" pitchFamily="50" charset="-127"/>
-              <a:ea typeface="빙그레 메로나체" panose="020B0503000000000000" pitchFamily="50" charset="-127"/>
-            </a:endParaRPr>
-          </a:p>
-        </p:txBody>
-      </p:sp>
-      <p:sp>
-        <p:nvSpPr>
           <p:cNvPr id="41" name="TextBox 40">
             <a:extLst>
               <a:ext uri="{FF2B5EF4-FFF2-40B4-BE49-F238E27FC236}">
@@ -18231,7 +18041,7 @@
         </p:nvSpPr>
         <p:spPr>
           <a:xfrm>
-            <a:off x="2011680" y="3221017"/>
+            <a:off x="2011680" y="2699556"/>
             <a:ext cx="3452377" cy="624978"/>
           </a:xfrm>
           <a:prstGeom prst="roundRect">
@@ -18302,7 +18112,7 @@
         </p:nvSpPr>
         <p:spPr>
           <a:xfrm>
-            <a:off x="6794410" y="3221017"/>
+            <a:off x="6794410" y="2699556"/>
             <a:ext cx="3452377" cy="624978"/>
           </a:xfrm>
           <a:prstGeom prst="roundRect">
@@ -18373,7 +18183,7 @@
         </p:nvSpPr>
         <p:spPr>
           <a:xfrm>
-            <a:off x="2011680" y="4123777"/>
+            <a:off x="2011680" y="3602316"/>
             <a:ext cx="3452377" cy="624978"/>
           </a:xfrm>
           <a:prstGeom prst="roundRect">
@@ -18444,7 +18254,7 @@
         </p:nvSpPr>
         <p:spPr>
           <a:xfrm>
-            <a:off x="6794410" y="4123777"/>
+            <a:off x="6794410" y="3602316"/>
             <a:ext cx="3452377" cy="624978"/>
           </a:xfrm>
           <a:prstGeom prst="roundRect">
@@ -18515,7 +18325,7 @@
         </p:nvSpPr>
         <p:spPr>
           <a:xfrm>
-            <a:off x="2011680" y="5022357"/>
+            <a:off x="2011680" y="4500896"/>
             <a:ext cx="3452377" cy="624978"/>
           </a:xfrm>
           <a:prstGeom prst="roundRect">
@@ -18586,7 +18396,7 @@
         </p:nvSpPr>
         <p:spPr>
           <a:xfrm>
-            <a:off x="6794410" y="5022357"/>
+            <a:off x="6794410" y="4500896"/>
             <a:ext cx="3452377" cy="624978"/>
           </a:xfrm>
           <a:prstGeom prst="roundRect">

--- a/210207_React.pptx
+++ b/210207_React.pptx
@@ -1698,70 +1698,41 @@
           <a:bodyPr/>
           <a:lstStyle/>
           <a:p>
+            <a:pPr marL="0" marR="0" lvl="0" indent="0" algn="l" defTabSz="914400" rtl="0" eaLnBrk="1" fontAlgn="auto" latinLnBrk="1" hangingPunct="1">
+              <a:lnSpc>
+                <a:spcPct val="100000"/>
+              </a:lnSpc>
+              <a:spcBef>
+                <a:spcPts val="0"/>
+              </a:spcBef>
+              <a:spcAft>
+                <a:spcPts val="0"/>
+              </a:spcAft>
+              <a:buClrTx/>
+              <a:buSzTx/>
+              <a:buFontTx/>
+              <a:buNone/>
+              <a:tabLst/>
+              <a:defRPr/>
+            </a:pPr>
+            <a:r>
+              <a:rPr lang="en-US" altLang="ko-KR" b="0" i="0">
+                <a:solidFill>
+                  <a:srgbClr val="000000"/>
+                </a:solidFill>
+                <a:effectLst/>
+              </a:rPr>
+              <a:t>JSX</a:t>
+            </a:r>
             <a:r>
               <a:rPr lang="ko-KR" altLang="en-US" b="0" i="0">
                 <a:solidFill>
                   <a:srgbClr val="000000"/>
                 </a:solidFill>
                 <a:effectLst/>
-                <a:latin typeface="빙그레 메로나체" panose="020B0503000000000000" pitchFamily="50" charset="-127"/>
-              </a:rPr>
-              <a:t>따옴표를 사용하여 문자열 리터럴을 속성으로 지정할 수 있습니다</a:t>
-            </a:r>
-            <a:r>
-              <a:rPr lang="en-US" altLang="ko-KR" b="0" i="0">
-                <a:solidFill>
-                  <a:srgbClr val="000000"/>
-                </a:solidFill>
-                <a:effectLst/>
-                <a:latin typeface="빙그레 메로나체" panose="020B0503000000000000" pitchFamily="50" charset="-127"/>
-              </a:rPr>
-              <a:t>.</a:t>
-            </a:r>
-          </a:p>
-          <a:p>
-            <a:r>
-              <a:rPr lang="ko-KR" altLang="en-US" b="0" i="0">
-                <a:solidFill>
-                  <a:srgbClr val="000000"/>
-                </a:solidFill>
-                <a:effectLst/>
-                <a:latin typeface="빙그레 메로나체" panose="020B0503000000000000" pitchFamily="50" charset="-127"/>
-              </a:rPr>
-              <a:t>중괄호를 사용하여 속성에 </a:t>
-            </a:r>
-            <a:r>
-              <a:rPr lang="en-US" altLang="ko-KR" b="0" i="0">
-                <a:solidFill>
-                  <a:srgbClr val="000000"/>
-                </a:solidFill>
-                <a:effectLst/>
-                <a:latin typeface="빙그레 메로나체" panose="020B0503000000000000" pitchFamily="50" charset="-127"/>
-              </a:rPr>
-              <a:t>JavaScript </a:t>
-            </a:r>
-            <a:r>
-              <a:rPr lang="ko-KR" altLang="en-US" b="0" i="0">
-                <a:solidFill>
-                  <a:srgbClr val="000000"/>
-                </a:solidFill>
-                <a:effectLst/>
-                <a:latin typeface="빙그레 메로나체" panose="020B0503000000000000" pitchFamily="50" charset="-127"/>
-              </a:rPr>
-              <a:t>표현식을 포함 할 수도 있습니다</a:t>
-            </a:r>
-            <a:r>
-              <a:rPr lang="en-US" altLang="ko-KR" b="0" i="0">
-                <a:solidFill>
-                  <a:srgbClr val="000000"/>
-                </a:solidFill>
-                <a:effectLst/>
-                <a:latin typeface="빙그레 메로나체" panose="020B0503000000000000" pitchFamily="50" charset="-127"/>
-              </a:rPr>
-              <a:t>.</a:t>
-            </a:r>
-          </a:p>
-          <a:p>
+              </a:rPr>
+              <a:t>로 속성 지정</a:t>
+            </a:r>
             <a:endParaRPr lang="en-US" altLang="ko-KR" b="0" i="0">
               <a:solidFill>
                 <a:srgbClr val="000000"/>
@@ -1771,6 +1742,25 @@
             </a:endParaRPr>
           </a:p>
           <a:p>
+            <a:endParaRPr lang="en-US" altLang="ko-KR" b="0" i="0">
+              <a:solidFill>
+                <a:srgbClr val="000000"/>
+              </a:solidFill>
+              <a:effectLst/>
+              <a:latin typeface="빙그레 메로나체" panose="020B0503000000000000" pitchFamily="50" charset="-127"/>
+            </a:endParaRPr>
+          </a:p>
+          <a:p>
+            <a:r>
+              <a:rPr lang="ko-KR" altLang="en-US" b="0" i="0">
+                <a:solidFill>
+                  <a:srgbClr val="000000"/>
+                </a:solidFill>
+                <a:effectLst/>
+                <a:latin typeface="빙그레 메로나체" panose="020B0503000000000000" pitchFamily="50" charset="-127"/>
+              </a:rPr>
+              <a:t>따옴표를 사용하여 문자열 리터럴을 속성으로 지정할 수 있습니다</a:t>
+            </a:r>
             <a:r>
               <a:rPr lang="en-US" altLang="ko-KR" b="0" i="0">
                 <a:solidFill>
@@ -1779,6 +1769,69 @@
                 <a:effectLst/>
                 <a:latin typeface="빙그레 메로나체" panose="020B0503000000000000" pitchFamily="50" charset="-127"/>
               </a:rPr>
+              <a:t>.</a:t>
+            </a:r>
+          </a:p>
+          <a:p>
+            <a:r>
+              <a:rPr lang="ko-KR" altLang="en-US" b="0" i="0">
+                <a:solidFill>
+                  <a:srgbClr val="000000"/>
+                </a:solidFill>
+                <a:effectLst/>
+                <a:latin typeface="빙그레 메로나체" panose="020B0503000000000000" pitchFamily="50" charset="-127"/>
+              </a:rPr>
+              <a:t>중괄호를 사용하여 속성에 </a:t>
+            </a:r>
+            <a:r>
+              <a:rPr lang="en-US" altLang="ko-KR" b="0" i="0">
+                <a:solidFill>
+                  <a:srgbClr val="000000"/>
+                </a:solidFill>
+                <a:effectLst/>
+                <a:latin typeface="빙그레 메로나체" panose="020B0503000000000000" pitchFamily="50" charset="-127"/>
+              </a:rPr>
+              <a:t>JavaScript </a:t>
+            </a:r>
+            <a:r>
+              <a:rPr lang="ko-KR" altLang="en-US" b="0" i="0">
+                <a:solidFill>
+                  <a:srgbClr val="000000"/>
+                </a:solidFill>
+                <a:effectLst/>
+                <a:latin typeface="빙그레 메로나체" panose="020B0503000000000000" pitchFamily="50" charset="-127"/>
+              </a:rPr>
+              <a:t>표현식을 포함 할 수도 있습니다</a:t>
+            </a:r>
+            <a:r>
+              <a:rPr lang="en-US" altLang="ko-KR" b="0" i="0">
+                <a:solidFill>
+                  <a:srgbClr val="000000"/>
+                </a:solidFill>
+                <a:effectLst/>
+                <a:latin typeface="빙그레 메로나체" panose="020B0503000000000000" pitchFamily="50" charset="-127"/>
+              </a:rPr>
+              <a:t>.</a:t>
+            </a:r>
+          </a:p>
+          <a:p>
+            <a:endParaRPr lang="en-US" altLang="ko-KR" b="0" i="0">
+              <a:solidFill>
+                <a:srgbClr val="000000"/>
+              </a:solidFill>
+              <a:effectLst/>
+              <a:latin typeface="빙그레 메로나체" panose="020B0503000000000000" pitchFamily="50" charset="-127"/>
+            </a:endParaRPr>
+          </a:p>
+          <a:p>
+            <a:r>
+              <a:rPr lang="en-US" altLang="ko-KR" b="0" i="0">
+                <a:solidFill>
+                  <a:srgbClr val="000000"/>
+                </a:solidFill>
+                <a:effectLst/>
+                <a:latin typeface="빙그레 메로나체" panose="020B0503000000000000" pitchFamily="50" charset="-127"/>
+              </a:rPr>
               <a:t>JSX</a:t>
             </a:r>
             <a:r>
@@ -1873,7 +1926,7 @@
             </a:r>
             <a:r>
               <a:rPr lang="en-US" altLang="ko-KR"/>
-              <a:t>camelCasef</a:t>
+              <a:t>camelCase</a:t>
             </a:r>
             <a:r>
               <a:rPr lang="ko-KR" altLang="en-US"/>
@@ -2092,6 +2145,61 @@
           <a:bodyPr/>
           <a:lstStyle/>
           <a:p>
+            <a:pPr marL="0" marR="0" lvl="0" indent="0" algn="l" defTabSz="914400" rtl="0" eaLnBrk="1" fontAlgn="auto" latinLnBrk="1" hangingPunct="1">
+              <a:lnSpc>
+                <a:spcPct val="100000"/>
+              </a:lnSpc>
+              <a:spcBef>
+                <a:spcPts val="0"/>
+              </a:spcBef>
+              <a:spcAft>
+                <a:spcPts val="0"/>
+              </a:spcAft>
+              <a:buClrTx/>
+              <a:buSzTx/>
+              <a:buFontTx/>
+              <a:buNone/>
+              <a:tabLst/>
+              <a:defRPr/>
+            </a:pPr>
+            <a:r>
+              <a:rPr lang="en-US" altLang="ko-KR" b="0" i="0">
+                <a:solidFill>
+                  <a:srgbClr val="000000"/>
+                </a:solidFill>
+                <a:effectLst/>
+              </a:rPr>
+              <a:t>JSX</a:t>
+            </a:r>
+            <a:r>
+              <a:rPr lang="ko-KR" altLang="en-US" b="0" i="0">
+                <a:solidFill>
+                  <a:srgbClr val="000000"/>
+                </a:solidFill>
+                <a:effectLst/>
+              </a:rPr>
+              <a:t>는 인젝션 공격을 방지합니다</a:t>
+            </a:r>
+            <a:r>
+              <a:rPr lang="en-US" altLang="ko-KR" b="0" i="0">
+                <a:solidFill>
+                  <a:srgbClr val="000000"/>
+                </a:solidFill>
+                <a:effectLst/>
+              </a:rPr>
+              <a:t>.</a:t>
+            </a:r>
+          </a:p>
+          <a:p>
+            <a:endParaRPr lang="en-US" altLang="ko-KR" b="0" i="0">
+              <a:solidFill>
+                <a:srgbClr val="000000"/>
+              </a:solidFill>
+              <a:effectLst/>
+              <a:latin typeface="빙그레 메로나체" panose="020B0503000000000000" pitchFamily="50" charset="-127"/>
+            </a:endParaRPr>
+          </a:p>
+          <a:p>
             <a:r>
               <a:rPr lang="en-US" altLang="ko-KR" b="0" i="0">
                 <a:solidFill>
@@ -3020,7 +3128,7 @@
                 </a:solidFill>
                 <a:effectLst/>
               </a:rPr>
-              <a:t>오프라인 </a:t>
+              <a:t>가상 </a:t>
             </a:r>
             <a:r>
               <a:rPr lang="en-US" altLang="ko-KR" b="0" i="0">
@@ -3758,7 +3866,7 @@
           </a:p>
           <a:p>
             <a:r>
-              <a:rPr lang="en-US" altLang="ko-KR">
+              <a:rPr lang="ko-KR" altLang="en-US">
                 <a:ln>
                   <a:solidFill>
                     <a:schemeClr val="tx1">
@@ -3769,21 +3877,7 @@
                 <a:latin typeface="빙그레 메로나체" panose="020B0503000000000000" pitchFamily="50" charset="-127"/>
                 <a:ea typeface="빙그레 메로나체" panose="020B0503000000000000" pitchFamily="50" charset="-127"/>
               </a:rPr>
-              <a:t>CSS Rules</a:t>
-            </a:r>
-            <a:r>
-              <a:rPr lang="ko-KR" altLang="en-US">
-                <a:ln>
-                  <a:solidFill>
-                    <a:schemeClr val="tx1">
-                      <a:alpha val="30000"/>
-                    </a:schemeClr>
-                  </a:solidFill>
-                </a:ln>
-                <a:latin typeface="빙그레 메로나체" panose="020B0503000000000000" pitchFamily="50" charset="-127"/>
-                <a:ea typeface="빙그레 메로나체" panose="020B0503000000000000" pitchFamily="50" charset="-127"/>
-              </a:rPr>
-              <a:t>를 브라우저가 이해하고 처리할 수 있는 형식으로 변환</a:t>
+              <a:t>브라우저가 이해하고 처리할 수 있는 형식으로 변환</a:t>
             </a:r>
           </a:p>
         </p:txBody>
@@ -4519,74 +4613,6 @@
             </a:endParaRPr>
           </a:p>
           <a:p>
-            <a:r>
-              <a:rPr lang="ko-KR" altLang="en-US">
-                <a:ln>
-                  <a:solidFill>
-                    <a:schemeClr val="tx1">
-                      <a:alpha val="30000"/>
-                    </a:schemeClr>
-                  </a:solidFill>
-                </a:ln>
-                <a:latin typeface="빙그레 메로나체" panose="020B0503000000000000" pitchFamily="50" charset="-127"/>
-                <a:ea typeface="빙그레 메로나체" panose="020B0503000000000000" pitchFamily="50" charset="-127"/>
-              </a:rPr>
-              <a:t>양방향은 </a:t>
-            </a:r>
-            <a:r>
-              <a:rPr lang="en-US" altLang="ko-KR">
-                <a:ln>
-                  <a:solidFill>
-                    <a:schemeClr val="tx1">
-                      <a:alpha val="30000"/>
-                    </a:schemeClr>
-                  </a:solidFill>
-                </a:ln>
-                <a:latin typeface="빙그레 메로나체" panose="020B0503000000000000" pitchFamily="50" charset="-127"/>
-                <a:ea typeface="빙그레 메로나체" panose="020B0503000000000000" pitchFamily="50" charset="-127"/>
-              </a:rPr>
-              <a:t>HTML</a:t>
-            </a:r>
-            <a:r>
-              <a:rPr lang="ko-KR" altLang="en-US">
-                <a:ln>
-                  <a:solidFill>
-                    <a:schemeClr val="tx1">
-                      <a:alpha val="30000"/>
-                    </a:schemeClr>
-                  </a:solidFill>
-                </a:ln>
-                <a:latin typeface="빙그레 메로나체" panose="020B0503000000000000" pitchFamily="50" charset="-127"/>
-                <a:ea typeface="빙그레 메로나체" panose="020B0503000000000000" pitchFamily="50" charset="-127"/>
-              </a:rPr>
-              <a:t>내에서 값이 바뀌면 </a:t>
-            </a:r>
-            <a:endParaRPr lang="en-US" altLang="ko-KR">
-              <a:ln>
-                <a:solidFill>
-                  <a:schemeClr val="tx1">
-                    <a:alpha val="30000"/>
-                  </a:schemeClr>
-                </a:solidFill>
-              </a:ln>
-              <a:latin typeface="빙그레 메로나체" panose="020B0503000000000000" pitchFamily="50" charset="-127"/>
-              <a:ea typeface="빙그레 메로나체" panose="020B0503000000000000" pitchFamily="50" charset="-127"/>
-            </a:endParaRPr>
-          </a:p>
-          <a:p>
-            <a:endParaRPr lang="en-US" altLang="ko-KR">
-              <a:ln>
-                <a:solidFill>
-                  <a:schemeClr val="tx1">
-                    <a:alpha val="30000"/>
-                  </a:schemeClr>
-                </a:solidFill>
-              </a:ln>
-              <a:latin typeface="빙그레 메로나체" panose="020B0503000000000000" pitchFamily="50" charset="-127"/>
-              <a:ea typeface="빙그레 메로나체" panose="020B0503000000000000" pitchFamily="50" charset="-127"/>
-            </a:endParaRPr>
-          </a:p>
-          <a:p>
             <a:endParaRPr lang="ko-KR" altLang="en-US">
               <a:ln>
                 <a:solidFill>
@@ -5189,49 +5215,14 @@
               </a:rPr>
               <a:t>비효율</a:t>
             </a:r>
-            <a:endParaRPr lang="en-US" altLang="ko-KR" b="0" i="0">
-              <a:solidFill>
-                <a:srgbClr val="222426"/>
-              </a:solidFill>
-              <a:effectLst/>
-            </a:endParaRPr>
-          </a:p>
-          <a:p>
-            <a:r>
-              <a:rPr lang="ko-KR" altLang="en-US" b="0" i="0">
+            <a:br>
+              <a:rPr lang="en-US" altLang="ko-KR" b="0" i="0">
                 <a:solidFill>
                   <a:srgbClr val="222426"/>
                 </a:solidFill>
                 <a:effectLst/>
               </a:rPr>
-              <a:t>최신 자바스크립트에서 모듈 개념이 생김 </a:t>
-            </a:r>
-            <a:r>
-              <a:rPr lang="en-US" altLang="ko-KR" b="0" i="0">
-                <a:solidFill>
-                  <a:srgbClr val="222426"/>
-                </a:solidFill>
-                <a:effectLst/>
-              </a:rPr>
-              <a:t>- </a:t>
-            </a:r>
-            <a:r>
-              <a:rPr lang="ko-KR" altLang="en-US" b="0" i="0">
-                <a:solidFill>
-                  <a:srgbClr val="222426"/>
-                </a:solidFill>
-                <a:effectLst/>
-              </a:rPr>
-              <a:t>지원되지 않는 브라우저들을 위해 코드 변환이 필요</a:t>
-            </a:r>
-            <a:endParaRPr lang="en-US" altLang="ko-KR" b="0" i="0">
-              <a:solidFill>
-                <a:srgbClr val="222426"/>
-              </a:solidFill>
-              <a:effectLst/>
-            </a:endParaRPr>
-          </a:p>
-          <a:p>
+            </a:br>
             <a:endParaRPr lang="en-US" altLang="ko-KR" b="0" i="0">
               <a:solidFill>
                 <a:srgbClr val="222426"/>
@@ -5354,57 +5345,6 @@
               <a:effectLst/>
             </a:endParaRPr>
           </a:p>
-          <a:p>
-            <a:endParaRPr lang="en-US" altLang="ko-KR" b="0" i="0">
-              <a:solidFill>
-                <a:srgbClr val="222426"/>
-              </a:solidFill>
-              <a:effectLst/>
-            </a:endParaRPr>
-          </a:p>
-          <a:p>
-            <a:r>
-              <a:rPr lang="ko-KR" altLang="en-US" b="0" i="0">
-                <a:solidFill>
-                  <a:srgbClr val="222426"/>
-                </a:solidFill>
-                <a:effectLst/>
-              </a:rPr>
-              <a:t>최신 자바스크립트에서 모듈 개념이 생김 </a:t>
-            </a:r>
-            <a:r>
-              <a:rPr lang="en-US" altLang="ko-KR" b="0" i="0">
-                <a:solidFill>
-                  <a:srgbClr val="222426"/>
-                </a:solidFill>
-                <a:effectLst/>
-              </a:rPr>
-              <a:t>- </a:t>
-            </a:r>
-            <a:r>
-              <a:rPr lang="ko-KR" altLang="en-US" b="0" i="0">
-                <a:solidFill>
-                  <a:srgbClr val="222426"/>
-                </a:solidFill>
-                <a:effectLst/>
-              </a:rPr>
-              <a:t>지원되지 않는 브라우저들을 위해 코드 변환이 필요</a:t>
-            </a:r>
-            <a:endParaRPr lang="en-US" altLang="ko-KR" b="0" i="0">
-              <a:solidFill>
-                <a:srgbClr val="222426"/>
-              </a:solidFill>
-              <a:effectLst/>
-            </a:endParaRPr>
-          </a:p>
-          <a:p>
-            <a:endParaRPr lang="en-US" altLang="ko-KR" b="0" i="0">
-              <a:solidFill>
-                <a:srgbClr val="222426"/>
-              </a:solidFill>
-              <a:effectLst/>
-            </a:endParaRPr>
-          </a:p>
         </p:txBody>
       </p:sp>
     </p:spTree>
@@ -5515,7 +5455,7 @@
                 </a:solidFill>
                 <a:effectLst/>
               </a:rPr>
-              <a:t>모든 개발환경을 설정하지 않아도 되고 페이스북이라는 거대한 기업에서 지속적으로 업데이트를 해주기에 많은 사람들이 사용</a:t>
+              <a:t>모든 개발환경을 설정하지 않아도 되고 페이스북이라는 기업에서 지속적으로 업데이트를 해주기에 많은 사람들이 사용</a:t>
             </a:r>
             <a:endParaRPr lang="en-US" altLang="ko-KR" b="0" i="0">
               <a:solidFill>
@@ -5918,16 +5858,26 @@
                 </a:solidFill>
                 <a:effectLst/>
               </a:rPr>
-              <a:t>변형이 거의 또는 전혀없이 여러 위치에서 반복되는 코드 섹션</a:t>
-            </a:r>
-            <a:endParaRPr lang="en-US" altLang="ko-KR" b="0" i="0">
-              <a:solidFill>
-                <a:srgbClr val="222426"/>
-              </a:solidFill>
-              <a:effectLst/>
-            </a:endParaRPr>
-          </a:p>
-          <a:p>
+              <a:t>변경없이 계속하여 재사용할 수 있는 저작품</a:t>
+            </a:r>
+            <a:r>
+              <a:rPr lang="en-US" altLang="ko-KR" b="0" i="0">
+                <a:solidFill>
+                  <a:srgbClr val="222426"/>
+                </a:solidFill>
+                <a:effectLst/>
+              </a:rPr>
+              <a:t>, </a:t>
+            </a:r>
+            <a:r>
+              <a:rPr lang="ko-KR" altLang="en-US" b="0" i="0">
+                <a:solidFill>
+                  <a:srgbClr val="222426"/>
+                </a:solidFill>
+                <a:effectLst/>
+              </a:rPr>
+              <a:t>재사용 가능한 프로그램</a:t>
+            </a:r>
             <a:endParaRPr lang="en-US" altLang="ko-KR" b="0" i="0">
               <a:solidFill>
                 <a:srgbClr val="222426"/>
@@ -6566,6 +6516,32 @@
             </a:r>
           </a:p>
           <a:p>
+            <a:endParaRPr lang="en-US" altLang="ko-KR" b="0" i="0">
+              <a:solidFill>
+                <a:srgbClr val="212529"/>
+              </a:solidFill>
+              <a:effectLst/>
+            </a:endParaRPr>
+          </a:p>
+          <a:p>
+            <a:r>
+              <a:rPr lang="en-US" altLang="ko-KR" b="0" i="0">
+                <a:solidFill>
+                  <a:srgbClr val="212529"/>
+                </a:solidFill>
+                <a:effectLst/>
+              </a:rPr>
+              <a:t>* Mount : </a:t>
+            </a:r>
+            <a:r>
+              <a:rPr lang="ko-KR" altLang="en-US" b="0" i="0">
+                <a:solidFill>
+                  <a:srgbClr val="212529"/>
+                </a:solidFill>
+                <a:effectLst/>
+              </a:rPr>
+              <a:t>컴포넌트가 처음 실행되는 순간</a:t>
+            </a:r>
             <a:endParaRPr lang="en-US" altLang="ko-KR" b="0" i="0">
               <a:solidFill>
                 <a:srgbClr val="212529"/>
@@ -24406,7 +24382,7 @@
         <p:spPr>
           <a:xfrm>
             <a:off x="7469160" y="2605846"/>
-            <a:ext cx="4400547" cy="1938992"/>
+            <a:ext cx="4400547" cy="2677656"/>
           </a:xfrm>
           <a:prstGeom prst="rect">
             <a:avLst/>
@@ -24431,7 +24407,7 @@
                 <a:latin typeface="빙그레 메로나체" panose="020B0503000000000000" pitchFamily="50" charset="-127"/>
                 <a:ea typeface="빙그레 메로나체" panose="020B0503000000000000" pitchFamily="50" charset="-127"/>
               </a:rPr>
-              <a:t>4. Webpack</a:t>
+              <a:t>4. Development environment</a:t>
             </a:r>
           </a:p>
           <a:p>
@@ -24447,7 +24423,7 @@
                 <a:latin typeface="빙그레 메로나체" panose="020B0503000000000000" pitchFamily="50" charset="-127"/>
                 <a:ea typeface="빙그레 메로나체" panose="020B0503000000000000" pitchFamily="50" charset="-127"/>
               </a:rPr>
-              <a:t>5. Babel</a:t>
+              <a:t>- Webpack</a:t>
             </a:r>
           </a:p>
           <a:p>
@@ -24463,7 +24439,7 @@
                 <a:latin typeface="빙그레 메로나체" panose="020B0503000000000000" pitchFamily="50" charset="-127"/>
                 <a:ea typeface="빙그레 메로나체" panose="020B0503000000000000" pitchFamily="50" charset="-127"/>
               </a:rPr>
-              <a:t>6. Create React App</a:t>
+              <a:t>- Babel</a:t>
             </a:r>
           </a:p>
           <a:p>
@@ -24479,8 +24455,21 @@
                 <a:latin typeface="빙그레 메로나체" panose="020B0503000000000000" pitchFamily="50" charset="-127"/>
                 <a:ea typeface="빙그레 메로나체" panose="020B0503000000000000" pitchFamily="50" charset="-127"/>
               </a:rPr>
-              <a:t>7. Class, Function Component</a:t>
-            </a:r>
+              <a:t>- Create React App</a:t>
+            </a:r>
+          </a:p>
+          <a:p>
+            <a:endParaRPr lang="en-US" altLang="ko-KR" sz="2400">
+              <a:ln>
+                <a:solidFill>
+                  <a:schemeClr val="tx1">
+                    <a:alpha val="30000"/>
+                  </a:schemeClr>
+                </a:solidFill>
+              </a:ln>
+              <a:latin typeface="빙그레 메로나체" panose="020B0503000000000000" pitchFamily="50" charset="-127"/>
+              <a:ea typeface="빙그레 메로나체" panose="020B0503000000000000" pitchFamily="50" charset="-127"/>
+            </a:endParaRPr>
           </a:p>
           <a:p>
             <a:r>
@@ -24495,7 +24484,23 @@
                 <a:latin typeface="빙그레 메로나체" panose="020B0503000000000000" pitchFamily="50" charset="-127"/>
                 <a:ea typeface="빙그레 메로나체" panose="020B0503000000000000" pitchFamily="50" charset="-127"/>
               </a:rPr>
-              <a:t>8. Lifecycle</a:t>
+              <a:t>5. Class, Function Component</a:t>
+            </a:r>
+          </a:p>
+          <a:p>
+            <a:r>
+              <a:rPr lang="en-US" altLang="ko-KR" sz="2400">
+                <a:ln>
+                  <a:solidFill>
+                    <a:schemeClr val="tx1">
+                      <a:alpha val="30000"/>
+                    </a:schemeClr>
+                  </a:solidFill>
+                </a:ln>
+                <a:latin typeface="빙그레 메로나체" panose="020B0503000000000000" pitchFamily="50" charset="-127"/>
+                <a:ea typeface="빙그레 메로나체" panose="020B0503000000000000" pitchFamily="50" charset="-127"/>
+              </a:rPr>
+              <a:t>6. Lifecycle</a:t>
             </a:r>
           </a:p>
         </p:txBody>
@@ -35403,7 +35408,7 @@
                 <a:latin typeface="빙그레 메로나체" panose="020B0503000000000000" pitchFamily="50" charset="-127"/>
                 <a:ea typeface="빙그레 메로나체" panose="020B0503000000000000" pitchFamily="50" charset="-127"/>
               </a:rPr>
-              <a:t>Webpack</a:t>
+              <a:t>Development Environment - Webpack</a:t>
             </a:r>
           </a:p>
         </p:txBody>
@@ -35825,7 +35830,7 @@
                 <a:latin typeface="빙그레 메로나체" panose="020B0503000000000000" pitchFamily="50" charset="-127"/>
                 <a:ea typeface="빙그레 메로나체" panose="020B0503000000000000" pitchFamily="50" charset="-127"/>
               </a:rPr>
-              <a:t>Babel</a:t>
+              <a:t>Development Environment - Babel</a:t>
             </a:r>
           </a:p>
         </p:txBody>
@@ -36185,7 +36190,7 @@
         <p:spPr>
           <a:xfrm>
             <a:off x="2497154" y="414543"/>
-            <a:ext cx="4132245" cy="369332"/>
+            <a:ext cx="5289534" cy="369332"/>
           </a:xfrm>
           <a:prstGeom prst="rect">
             <a:avLst/>
@@ -36213,7 +36218,7 @@
                 <a:latin typeface="빙그레 메로나체" panose="020B0503000000000000" pitchFamily="50" charset="-127"/>
                 <a:ea typeface="빙그레 메로나체" panose="020B0503000000000000" pitchFamily="50" charset="-127"/>
               </a:rPr>
-              <a:t>Create React App</a:t>
+              <a:t>Development Environment - Create React App</a:t>
             </a:r>
           </a:p>
         </p:txBody>
@@ -36442,7 +36447,7 @@
                 <a:latin typeface="빙그레 메로나체" panose="020B0503000000000000" pitchFamily="50" charset="-127"/>
                 <a:ea typeface="빙그레 메로나체" panose="020B0503000000000000" pitchFamily="50" charset="-127"/>
               </a:rPr>
-              <a:t>:  sections of code that are repeated in multiple places with little to no variation</a:t>
+              <a:t>: A work that can be reused over and over again without modification</a:t>
             </a:r>
           </a:p>
         </p:txBody>
@@ -38105,51 +38110,6 @@
               <a:latin typeface="빙그레 메로나체" panose="020B0503000000000000" pitchFamily="50" charset="-127"/>
               <a:ea typeface="빙그레 메로나체" panose="020B0503000000000000" pitchFamily="50" charset="-127"/>
             </a:endParaRPr>
-          </a:p>
-        </p:txBody>
-      </p:sp>
-      <p:sp>
-        <p:nvSpPr>
-          <p:cNvPr id="22" name="TextBox 21">
-            <a:extLst>
-              <a:ext uri="{FF2B5EF4-FFF2-40B4-BE49-F238E27FC236}">
-                <a16:creationId xmlns:a16="http://schemas.microsoft.com/office/drawing/2014/main" id="{B60E60E9-9A06-4733-9DD1-01067BA13439}"/>
-              </a:ext>
-            </a:extLst>
-          </p:cNvPr>
-          <p:cNvSpPr txBox="1"/>
-          <p:nvPr/>
-        </p:nvSpPr>
-        <p:spPr>
-          <a:xfrm>
-            <a:off x="582516" y="6229518"/>
-            <a:ext cx="10656712" cy="307777"/>
-          </a:xfrm>
-          <a:prstGeom prst="rect">
-            <a:avLst/>
-          </a:prstGeom>
-          <a:noFill/>
-        </p:spPr>
-        <p:txBody>
-          <a:bodyPr wrap="square">
-            <a:spAutoFit/>
-          </a:bodyPr>
-          <a:lstStyle/>
-          <a:p>
-            <a:r>
-              <a:rPr lang="en-US" altLang="ko-KR" sz="1400">
-                <a:ln>
-                  <a:solidFill>
-                    <a:schemeClr val="tx1">
-                      <a:alpha val="30000"/>
-                    </a:schemeClr>
-                  </a:solidFill>
-                </a:ln>
-                <a:latin typeface="빙그레 메로나체" panose="020B0503000000000000" pitchFamily="50" charset="-127"/>
-                <a:ea typeface="빙그레 메로나체" panose="020B0503000000000000" pitchFamily="50" charset="-127"/>
-              </a:rPr>
-              <a:t>* component : A function to create a UI according to the data given</a:t>
-            </a:r>
           </a:p>
         </p:txBody>
       </p:sp>

--- a/210207_React.pptx
+++ b/210207_React.pptx
@@ -275,7 +275,7 @@
                 <a:latin typeface="빙그레 메로나체" panose="020B0503000000000000" pitchFamily="50" charset="-127"/>
                 <a:ea typeface="빙그레 메로나체" panose="020B0503000000000000" pitchFamily="50" charset="-127"/>
               </a:rPr>
-              <a:t>21-02-07(Sun)</a:t>
+              <a:t>21-02-08(Mon)</a:t>
             </a:fld>
             <a:endParaRPr lang="ko-KR" altLang="en-US">
               <a:latin typeface="빙그레 메로나체" panose="020B0503000000000000" pitchFamily="50" charset="-127"/>
@@ -472,7 +472,7 @@
             <a:fld id="{4603488D-D3EA-41C9-A985-B1D359B38FE8}" type="datetimeFigureOut">
               <a:rPr lang="ko-KR" altLang="en-US" smtClean="0"/>
               <a:pPr/>
-              <a:t>21-02-07(Sun)</a:t>
+              <a:t>21-02-08(Mon)</a:t>
             </a:fld>
             <a:endParaRPr lang="ko-KR" altLang="en-US"/>
           </a:p>
@@ -7833,7 +7833,7 @@
           <a:p>
             <a:fld id="{7DC6197A-B81F-4CAF-8F9E-3C147E2873D6}" type="datetime1">
               <a:rPr lang="ko-KR" altLang="en-US" smtClean="0"/>
-              <a:t>21-02-07(Sun)</a:t>
+              <a:t>21-02-08(Mon)</a:t>
             </a:fld>
             <a:endParaRPr lang="ko-KR" altLang="en-US"/>
           </a:p>
@@ -8052,7 +8052,7 @@
           <a:p>
             <a:fld id="{2E9FEE90-94DC-4A70-8DB6-77140FDC4928}" type="datetime1">
               <a:rPr lang="ko-KR" altLang="en-US" smtClean="0"/>
-              <a:t>21-02-07(Sun)</a:t>
+              <a:t>21-02-08(Mon)</a:t>
             </a:fld>
             <a:endParaRPr lang="ko-KR" altLang="en-US"/>
           </a:p>
@@ -8260,7 +8260,7 @@
           <a:p>
             <a:fld id="{35B46D19-C2B4-4F76-8EC4-654FF4D1B867}" type="datetime1">
               <a:rPr lang="ko-KR" altLang="en-US" smtClean="0"/>
-              <a:t>21-02-07(Sun)</a:t>
+              <a:t>21-02-08(Mon)</a:t>
             </a:fld>
             <a:endParaRPr lang="ko-KR" altLang="en-US"/>
           </a:p>
@@ -8458,7 +8458,7 @@
           <a:p>
             <a:fld id="{C373018D-A7B2-4FBD-B6A9-55243D35BED3}" type="datetime1">
               <a:rPr lang="ko-KR" altLang="en-US" smtClean="0"/>
-              <a:t>21-02-07(Sun)</a:t>
+              <a:t>21-02-08(Mon)</a:t>
             </a:fld>
             <a:endParaRPr lang="ko-KR" altLang="en-US"/>
           </a:p>
@@ -8733,7 +8733,7 @@
           <a:p>
             <a:fld id="{4435D3D0-A066-4F71-AFF5-8B496FFE7BCA}" type="datetime1">
               <a:rPr lang="ko-KR" altLang="en-US" smtClean="0"/>
-              <a:t>21-02-07(Sun)</a:t>
+              <a:t>21-02-08(Mon)</a:t>
             </a:fld>
             <a:endParaRPr lang="ko-KR" altLang="en-US"/>
           </a:p>
@@ -8998,7 +8998,7 @@
           <a:p>
             <a:fld id="{365C1C25-AAFE-4B7A-972A-986C48C551DC}" type="datetime1">
               <a:rPr lang="ko-KR" altLang="en-US" smtClean="0"/>
-              <a:t>21-02-07(Sun)</a:t>
+              <a:t>21-02-08(Mon)</a:t>
             </a:fld>
             <a:endParaRPr lang="ko-KR" altLang="en-US"/>
           </a:p>
@@ -9410,7 +9410,7 @@
           <a:p>
             <a:fld id="{81CD69AD-8091-45FF-A7FD-D5E8A83B14A6}" type="datetime1">
               <a:rPr lang="ko-KR" altLang="en-US" smtClean="0"/>
-              <a:t>21-02-07(Sun)</a:t>
+              <a:t>21-02-08(Mon)</a:t>
             </a:fld>
             <a:endParaRPr lang="ko-KR" altLang="en-US"/>
           </a:p>
@@ -9551,7 +9551,7 @@
           <a:p>
             <a:fld id="{16E1BF7E-2A53-4D85-AD06-DBD10CF13045}" type="datetime1">
               <a:rPr lang="ko-KR" altLang="en-US" smtClean="0"/>
-              <a:t>21-02-07(Sun)</a:t>
+              <a:t>21-02-08(Mon)</a:t>
             </a:fld>
             <a:endParaRPr lang="ko-KR" altLang="en-US"/>
           </a:p>
@@ -9664,7 +9664,7 @@
           <a:p>
             <a:fld id="{D7EEE6D7-F07E-4CE2-AFD1-E0ADDB02E34F}" type="datetime1">
               <a:rPr lang="ko-KR" altLang="en-US" smtClean="0"/>
-              <a:t>21-02-07(Sun)</a:t>
+              <a:t>21-02-08(Mon)</a:t>
             </a:fld>
             <a:endParaRPr lang="ko-KR" altLang="en-US"/>
           </a:p>
@@ -9975,7 +9975,7 @@
           <a:p>
             <a:fld id="{022DB226-797E-4714-A363-EB143067361E}" type="datetime1">
               <a:rPr lang="ko-KR" altLang="en-US" smtClean="0"/>
-              <a:t>21-02-07(Sun)</a:t>
+              <a:t>21-02-08(Mon)</a:t>
             </a:fld>
             <a:endParaRPr lang="ko-KR" altLang="en-US"/>
           </a:p>
@@ -10263,7 +10263,7 @@
           <a:p>
             <a:fld id="{2946DBEB-5FFE-47E0-9C69-4E429AFA7594}" type="datetime1">
               <a:rPr lang="ko-KR" altLang="en-US" smtClean="0"/>
-              <a:t>21-02-07(Sun)</a:t>
+              <a:t>21-02-08(Mon)</a:t>
             </a:fld>
             <a:endParaRPr lang="ko-KR" altLang="en-US"/>
           </a:p>
@@ -10510,7 +10510,7 @@
             <a:fld id="{932790BA-7C09-43EA-8E7D-6E5A6153DBF0}" type="datetime1">
               <a:rPr lang="ko-KR" altLang="en-US" smtClean="0"/>
               <a:pPr/>
-              <a:t>21-02-07(Sun)</a:t>
+              <a:t>21-02-08(Mon)</a:t>
             </a:fld>
             <a:endParaRPr lang="ko-KR" altLang="en-US"/>
           </a:p>
@@ -33803,7 +33803,7 @@
                 <a:latin typeface="빙그레 메로나체" panose="020B0503000000000000" pitchFamily="50" charset="-127"/>
                 <a:ea typeface="빙그레 메로나체" panose="020B0503000000000000" pitchFamily="50" charset="-127"/>
               </a:rPr>
-              <a:t>Characteristic - One way data binding</a:t>
+              <a:t>Characteristic - Community</a:t>
             </a:r>
           </a:p>
         </p:txBody>
@@ -34437,7 +34437,7 @@
                 <a:latin typeface="빙그레 메로나체" panose="020B0503000000000000" pitchFamily="50" charset="-127"/>
                 <a:ea typeface="빙그레 메로나체" panose="020B0503000000000000" pitchFamily="50" charset="-127"/>
               </a:rPr>
-              <a:t>Characteristic - One way data binding</a:t>
+              <a:t>Characteristic - Community</a:t>
             </a:r>
           </a:p>
         </p:txBody>
@@ -35026,7 +35026,7 @@
                 <a:latin typeface="빙그레 메로나체" panose="020B0503000000000000" pitchFamily="50" charset="-127"/>
                 <a:ea typeface="빙그레 메로나체" panose="020B0503000000000000" pitchFamily="50" charset="-127"/>
               </a:rPr>
-              <a:t>Characteristic - One way data binding</a:t>
+              <a:t>Characteristic - React Native</a:t>
             </a:r>
           </a:p>
         </p:txBody>

--- a/210207_React.pptx
+++ b/210207_React.pptx
@@ -5,10 +5,10 @@
     <p:sldMasterId id="2147483648" r:id="rId1"/>
   </p:sldMasterIdLst>
   <p:notesMasterIdLst>
-    <p:notesMasterId r:id="rId45"/>
+    <p:notesMasterId r:id="rId46"/>
   </p:notesMasterIdLst>
   <p:handoutMasterIdLst>
-    <p:handoutMasterId r:id="rId46"/>
+    <p:handoutMasterId r:id="rId47"/>
   </p:handoutMasterIdLst>
   <p:sldIdLst>
     <p:sldId id="256" r:id="rId2"/>
@@ -46,31 +46,27 @@
     <p:sldId id="385" r:id="rId34"/>
     <p:sldId id="387" r:id="rId35"/>
     <p:sldId id="386" r:id="rId36"/>
-    <p:sldId id="388" r:id="rId37"/>
-    <p:sldId id="389" r:id="rId38"/>
-    <p:sldId id="390" r:id="rId39"/>
-    <p:sldId id="391" r:id="rId40"/>
-    <p:sldId id="392" r:id="rId41"/>
-    <p:sldId id="393" r:id="rId42"/>
-    <p:sldId id="394" r:id="rId43"/>
-    <p:sldId id="262" r:id="rId44"/>
+    <p:sldId id="397" r:id="rId37"/>
+    <p:sldId id="388" r:id="rId38"/>
+    <p:sldId id="389" r:id="rId39"/>
+    <p:sldId id="390" r:id="rId40"/>
+    <p:sldId id="391" r:id="rId41"/>
+    <p:sldId id="392" r:id="rId42"/>
+    <p:sldId id="393" r:id="rId43"/>
+    <p:sldId id="394" r:id="rId44"/>
+    <p:sldId id="262" r:id="rId45"/>
   </p:sldIdLst>
   <p:sldSz cx="12192000" cy="6858000"/>
   <p:notesSz cx="6858000" cy="9144000"/>
   <p:embeddedFontLst>
     <p:embeddedFont>
-      <p:font typeface="맑은 고딕" panose="020B0503020000020004" pitchFamily="50" charset="-127"/>
-      <p:regular r:id="rId47"/>
-      <p:bold r:id="rId48"/>
-    </p:embeddedFont>
-    <p:embeddedFont>
       <p:font typeface="배달의민족 주아" panose="02020603020101020101" pitchFamily="18" charset="-127"/>
-      <p:regular r:id="rId49"/>
+      <p:regular r:id="rId48"/>
     </p:embeddedFont>
     <p:embeddedFont>
       <p:font typeface="빙그레 메로나체" panose="020B0503000000000000" pitchFamily="50" charset="-127"/>
-      <p:regular r:id="rId50"/>
-      <p:bold r:id="rId51"/>
+      <p:regular r:id="rId49"/>
+      <p:bold r:id="rId50"/>
     </p:embeddedFont>
   </p:embeddedFontLst>
   <p:defaultTextStyle>
@@ -4620,7 +4616,6 @@
                 <a:srgbClr val="555555"/>
               </a:solidFill>
               <a:effectLst/>
-              <a:latin typeface="AppleSDGothicNeo"/>
             </a:endParaRPr>
           </a:p>
           <a:p>
@@ -4630,7 +4625,6 @@
                   <a:srgbClr val="555555"/>
                 </a:solidFill>
                 <a:effectLst/>
-                <a:latin typeface="AppleSDGothicNeo"/>
               </a:rPr>
               <a:t>차이 </a:t>
             </a:r>
@@ -4640,7 +4634,6 @@
                   <a:srgbClr val="555555"/>
                 </a:solidFill>
                 <a:effectLst/>
-                <a:latin typeface="AppleSDGothicNeo"/>
               </a:rPr>
               <a:t>-</a:t>
             </a:r>
@@ -4650,7 +4643,6 @@
                   <a:srgbClr val="555555"/>
                 </a:solidFill>
                 <a:effectLst/>
-                <a:latin typeface="AppleSDGothicNeo"/>
               </a:rPr>
               <a:t> </a:t>
             </a:r>
@@ -4660,7 +4652,6 @@
                   <a:srgbClr val="555555"/>
                 </a:solidFill>
                 <a:effectLst/>
-                <a:latin typeface="AppleSDGothicNeo"/>
               </a:rPr>
               <a:t>HTML</a:t>
             </a:r>
@@ -4670,7 +4661,6 @@
                   <a:srgbClr val="555555"/>
                 </a:solidFill>
                 <a:effectLst/>
-                <a:latin typeface="AppleSDGothicNeo"/>
               </a:rPr>
               <a:t>에서 변경된 내용이 데이터 영향을 미치는가</a:t>
             </a:r>
@@ -4679,7 +4669,6 @@
                 <a:srgbClr val="555555"/>
               </a:solidFill>
               <a:effectLst/>
-              <a:latin typeface="AppleSDGothicNeo"/>
             </a:endParaRPr>
           </a:p>
           <a:p>
@@ -4696,7 +4685,6 @@
                   <a:srgbClr val="555555"/>
                 </a:solidFill>
                 <a:effectLst/>
-                <a:latin typeface="AppleSDGothicNeo"/>
                 <a:ea typeface="빙그레 메로나체" panose="020B0503000000000000" pitchFamily="50" charset="-127"/>
               </a:rPr>
               <a:t>    </a:t>
@@ -4707,7 +4695,6 @@
                   <a:srgbClr val="555555"/>
                 </a:solidFill>
                 <a:effectLst/>
-                <a:latin typeface="AppleSDGothicNeo"/>
               </a:rPr>
               <a:t>React</a:t>
             </a:r>
@@ -4717,7 +4704,6 @@
                   <a:srgbClr val="555555"/>
                 </a:solidFill>
                 <a:effectLst/>
-                <a:latin typeface="AppleSDGothicNeo"/>
               </a:rPr>
               <a:t>와 같은 단방향 데이터 바인딩은 </a:t>
             </a:r>
@@ -4727,7 +4713,6 @@
                   <a:srgbClr val="555555"/>
                 </a:solidFill>
                 <a:effectLst/>
-                <a:latin typeface="AppleSDGothicNeo"/>
               </a:rPr>
               <a:t>Javascript -&gt; HTML</a:t>
             </a:r>
@@ -4737,7 +4722,6 @@
                   <a:srgbClr val="555555"/>
                 </a:solidFill>
                 <a:effectLst/>
-                <a:latin typeface="AppleSDGothicNeo"/>
               </a:rPr>
               <a:t>로 데이터 바인딩만 가능</a:t>
             </a:r>
@@ -4746,7 +4730,6 @@
                 <a:srgbClr val="555555"/>
               </a:solidFill>
               <a:effectLst/>
-              <a:latin typeface="AppleSDGothicNeo"/>
             </a:endParaRPr>
           </a:p>
           <a:p>
@@ -4763,7 +4746,6 @@
                   <a:srgbClr val="555555"/>
                 </a:solidFill>
                 <a:effectLst/>
-                <a:latin typeface="AppleSDGothicNeo"/>
                 <a:ea typeface="빙그레 메로나체" panose="020B0503000000000000" pitchFamily="50" charset="-127"/>
               </a:rPr>
               <a:t>    </a:t>
@@ -4774,7 +4756,6 @@
                   <a:srgbClr val="333333"/>
                 </a:solidFill>
                 <a:effectLst/>
-                <a:latin typeface="Apple SD Gothic Neo"/>
               </a:rPr>
               <a:t>이벤트를 통해 다시 화면에 뿌려주는 과정이 필요</a:t>
             </a:r>
@@ -4936,7 +4917,6 @@
                   <a:srgbClr val="333333"/>
                 </a:solidFill>
                 <a:effectLst/>
-                <a:latin typeface="Spoqa Han Sans"/>
               </a:rPr>
               <a:t>모델</a:t>
             </a:r>
@@ -4946,7 +4926,6 @@
                   <a:srgbClr val="333333"/>
                 </a:solidFill>
                 <a:effectLst/>
-                <a:latin typeface="Spoqa Han Sans"/>
               </a:rPr>
               <a:t>, </a:t>
             </a:r>
@@ -4956,7 +4935,6 @@
                   <a:srgbClr val="333333"/>
                 </a:solidFill>
                 <a:effectLst/>
-                <a:latin typeface="Spoqa Han Sans"/>
               </a:rPr>
               <a:t>뷰 동기화 </a:t>
             </a:r>
@@ -4966,7 +4944,6 @@
                   <a:srgbClr val="333333"/>
                 </a:solidFill>
                 <a:effectLst/>
-                <a:latin typeface="Spoqa Han Sans"/>
               </a:rPr>
               <a:t>- </a:t>
             </a:r>
@@ -4976,7 +4953,6 @@
                   <a:srgbClr val="333333"/>
                 </a:solidFill>
                 <a:effectLst/>
-                <a:latin typeface="Spoqa Han Sans"/>
               </a:rPr>
               <a:t>데이터 변화를 감지하여 모델과 뷰가 같도록 만들어줌</a:t>
             </a:r>
@@ -4986,7 +4962,6 @@
                   <a:srgbClr val="333333"/>
                 </a:solidFill>
                 <a:effectLst/>
-                <a:latin typeface="Spoqa Han Sans"/>
               </a:rPr>
               <a:t>. </a:t>
             </a:r>
@@ -4996,7 +4971,6 @@
                   <a:srgbClr val="333333"/>
                 </a:solidFill>
                 <a:effectLst/>
-                <a:latin typeface="Spoqa Han Sans"/>
               </a:rPr>
               <a:t>단방향은 같게하기위한 추가적인 코드가 필요</a:t>
             </a:r>
@@ -5005,7 +4979,6 @@
                 <a:srgbClr val="333333"/>
               </a:solidFill>
               <a:effectLst/>
-              <a:latin typeface="Spoqa Han Sans"/>
             </a:endParaRPr>
           </a:p>
           <a:p>
@@ -5015,7 +4988,6 @@
                   <a:srgbClr val="333333"/>
                 </a:solidFill>
                 <a:effectLst/>
-                <a:latin typeface="Spoqa Han Sans"/>
               </a:rPr>
               <a:t>코드량 </a:t>
             </a:r>
@@ -5025,7 +4997,6 @@
                   <a:srgbClr val="333333"/>
                 </a:solidFill>
                 <a:effectLst/>
-                <a:latin typeface="Spoqa Han Sans"/>
               </a:rPr>
               <a:t>- </a:t>
             </a:r>
@@ -5035,7 +5006,6 @@
                   <a:srgbClr val="333333"/>
                 </a:solidFill>
                 <a:effectLst/>
-                <a:latin typeface="Spoqa Han Sans"/>
               </a:rPr>
               <a:t>코드의 사용면에서 코드량을 크게 줄여주는 등의 장점</a:t>
             </a:r>
@@ -5044,7 +5014,6 @@
                 <a:srgbClr val="333333"/>
               </a:solidFill>
               <a:effectLst/>
-              <a:latin typeface="Spoqa Han Sans"/>
             </a:endParaRPr>
           </a:p>
           <a:p>
@@ -5054,7 +5023,6 @@
                   <a:srgbClr val="333333"/>
                 </a:solidFill>
                 <a:effectLst/>
-                <a:latin typeface="Spoqa Han Sans"/>
               </a:rPr>
             </a:br>
             <a:r>
@@ -5063,7 +5031,6 @@
                   <a:srgbClr val="333333"/>
                 </a:solidFill>
                 <a:effectLst/>
-                <a:latin typeface="Spoqa Han Sans"/>
               </a:rPr>
               <a:t>성능 </a:t>
             </a:r>
@@ -5073,7 +5040,6 @@
                   <a:srgbClr val="333333"/>
                 </a:solidFill>
                 <a:effectLst/>
-                <a:latin typeface="Spoqa Han Sans"/>
               </a:rPr>
               <a:t>- </a:t>
             </a:r>
@@ -5083,7 +5049,6 @@
                   <a:srgbClr val="333333"/>
                 </a:solidFill>
                 <a:effectLst/>
-                <a:latin typeface="Spoqa Han Sans"/>
               </a:rPr>
               <a:t>자체 실행 코드 내에서 데이터의 변화를 감지하여 </a:t>
             </a:r>
@@ -5093,7 +5058,6 @@
                   <a:srgbClr val="333333"/>
                 </a:solidFill>
                 <a:effectLst/>
-                <a:latin typeface="Spoqa Han Sans"/>
               </a:rPr>
               <a:t>DOM </a:t>
             </a:r>
@@ -5103,7 +5067,6 @@
                   <a:srgbClr val="333333"/>
                 </a:solidFill>
                 <a:effectLst/>
-                <a:latin typeface="Spoqa Han Sans"/>
               </a:rPr>
               <a:t>객체 전체를 렌더링 해주거나</a:t>
             </a:r>
@@ -5113,7 +5076,6 @@
                   <a:srgbClr val="333333"/>
                 </a:solidFill>
                 <a:effectLst/>
-                <a:latin typeface="Spoqa Han Sans"/>
               </a:rPr>
               <a:t>, </a:t>
             </a:r>
@@ -5123,7 +5085,6 @@
                   <a:srgbClr val="333333"/>
                 </a:solidFill>
                 <a:effectLst/>
-                <a:latin typeface="Spoqa Han Sans"/>
               </a:rPr>
               <a:t>데이터를 바꿔주는 등의 실행으로 인하여 성능이 감소</a:t>
             </a:r>
@@ -5139,7 +5100,6 @@
                 <a:srgbClr val="333333"/>
               </a:solidFill>
               <a:effectLst/>
-              <a:latin typeface="Spoqa Han Sans"/>
               <a:ea typeface="빙그레 메로나체" panose="020B0503000000000000" pitchFamily="50" charset="-127"/>
             </a:endParaRPr>
           </a:p>
@@ -5157,7 +5117,6 @@
                   <a:srgbClr val="333333"/>
                 </a:solidFill>
                 <a:effectLst/>
-                <a:latin typeface="Spoqa Han Sans"/>
                 <a:ea typeface="빙그레 메로나체" panose="020B0503000000000000" pitchFamily="50" charset="-127"/>
               </a:rPr>
               <a:t>디버깅 </a:t>
@@ -5175,7 +5134,6 @@
                   <a:srgbClr val="333333"/>
                 </a:solidFill>
                 <a:effectLst/>
-                <a:latin typeface="Spoqa Han Sans"/>
                 <a:ea typeface="빙그레 메로나체" panose="020B0503000000000000" pitchFamily="50" charset="-127"/>
               </a:rPr>
               <a:t>- </a:t>
@@ -5186,7 +5144,6 @@
                   <a:srgbClr val="666666"/>
                 </a:solidFill>
                 <a:effectLst/>
-                <a:latin typeface="Helvetica Neue"/>
               </a:rPr>
               <a:t>예측 가능성이 높기 때문에 코드 디버깅이 쉬움</a:t>
             </a:r>
@@ -5202,7 +5159,6 @@
                 <a:srgbClr val="333333"/>
               </a:solidFill>
               <a:effectLst/>
-              <a:latin typeface="Spoqa Han Sans"/>
               <a:ea typeface="빙그레 메로나체" panose="020B0503000000000000" pitchFamily="50" charset="-127"/>
             </a:endParaRPr>
           </a:p>
@@ -5220,7 +5176,6 @@
                   <a:srgbClr val="333333"/>
                 </a:solidFill>
                 <a:effectLst/>
-                <a:latin typeface="Spoqa Han Sans"/>
                 <a:ea typeface="빙그레 메로나체" panose="020B0503000000000000" pitchFamily="50" charset="-127"/>
               </a:rPr>
               <a:t>안정성 </a:t>
@@ -5238,7 +5193,6 @@
                   <a:srgbClr val="333333"/>
                 </a:solidFill>
                 <a:effectLst/>
-                <a:latin typeface="Spoqa Han Sans"/>
                 <a:ea typeface="빙그레 메로나체" panose="020B0503000000000000" pitchFamily="50" charset="-127"/>
               </a:rPr>
               <a:t>- </a:t>
@@ -5249,7 +5203,6 @@
                   <a:srgbClr val="666666"/>
                 </a:solidFill>
                 <a:effectLst/>
-                <a:latin typeface="Helvetica Neue"/>
               </a:rPr>
               <a:t>예측 가능성이 높기 때문에 코드가 안정적</a:t>
             </a:r>
@@ -5750,6 +5703,60 @@
               </a:rPr>
               <a:t>모바일 애플리케이션 개발을 할 수있는 페이스 북의 오픈 소스 프레임 워크</a:t>
             </a:r>
+            <a:endParaRPr lang="en-US" altLang="ko-KR">
+              <a:ln>
+                <a:solidFill>
+                  <a:schemeClr val="tx1">
+                    <a:alpha val="30000"/>
+                  </a:schemeClr>
+                </a:solidFill>
+              </a:ln>
+              <a:latin typeface="빙그레 메로나체" panose="020B0503000000000000" pitchFamily="50" charset="-127"/>
+              <a:ea typeface="빙그레 메로나체" panose="020B0503000000000000" pitchFamily="50" charset="-127"/>
+            </a:endParaRPr>
+          </a:p>
+          <a:p>
+            <a:endParaRPr lang="en-US" altLang="ko-KR">
+              <a:ln>
+                <a:solidFill>
+                  <a:schemeClr val="tx1">
+                    <a:alpha val="30000"/>
+                  </a:schemeClr>
+                </a:solidFill>
+              </a:ln>
+              <a:latin typeface="빙그레 메로나체" panose="020B0503000000000000" pitchFamily="50" charset="-127"/>
+              <a:ea typeface="빙그레 메로나체" panose="020B0503000000000000" pitchFamily="50" charset="-127"/>
+            </a:endParaRPr>
+          </a:p>
+          <a:p>
+            <a:r>
+              <a:rPr lang="en-US" altLang="ko-KR">
+                <a:ln>
+                  <a:solidFill>
+                    <a:schemeClr val="tx1">
+                      <a:alpha val="30000"/>
+                    </a:schemeClr>
+                  </a:solidFill>
+                </a:ln>
+                <a:latin typeface="빙그레 메로나체" panose="020B0503000000000000" pitchFamily="50" charset="-127"/>
+                <a:ea typeface="빙그레 메로나체" panose="020B0503000000000000" pitchFamily="50" charset="-127"/>
+              </a:rPr>
+              <a:t>bridge : IOS, Android </a:t>
+            </a:r>
+            <a:r>
+              <a:rPr lang="ko-KR" altLang="en-US">
+                <a:ln>
+                  <a:solidFill>
+                    <a:schemeClr val="tx1">
+                      <a:alpha val="30000"/>
+                    </a:schemeClr>
+                  </a:solidFill>
+                </a:ln>
+                <a:latin typeface="빙그레 메로나체" panose="020B0503000000000000" pitchFamily="50" charset="-127"/>
+                <a:ea typeface="빙그레 메로나체" panose="020B0503000000000000" pitchFamily="50" charset="-127"/>
+              </a:rPr>
+              <a:t>네이티브 코드에 접근할 수 있는 일종의 다리 역할을 수행</a:t>
+            </a:r>
           </a:p>
         </p:txBody>
       </p:sp>
@@ -5810,94 +5817,194 @@
           <a:bodyPr/>
           <a:lstStyle/>
           <a:p>
+            <a:pPr algn="l">
+              <a:buFont typeface="+mj-lt"/>
+              <a:buAutoNum type="arabicPeriod"/>
+            </a:pPr>
             <a:r>
               <a:rPr lang="ko-KR" altLang="en-US" b="0" i="0">
                 <a:solidFill>
-                  <a:srgbClr val="222426"/>
-                </a:solidFill>
-                <a:effectLst/>
-              </a:rPr>
-              <a:t>웹페이지에서는 페이지를 보여주기 위한 수 많은 자바스크립트 파일을 서버에 요청 </a:t>
+                  <a:srgbClr val="292929"/>
+                </a:solidFill>
+                <a:effectLst/>
+              </a:rPr>
+              <a:t> 직접 작성하는 리액트 코드</a:t>
             </a:r>
             <a:r>
               <a:rPr lang="en-US" altLang="ko-KR" b="0" i="0">
                 <a:solidFill>
-                  <a:srgbClr val="222426"/>
-                </a:solidFill>
-                <a:effectLst/>
-              </a:rPr>
-              <a:t>- </a:t>
+                  <a:srgbClr val="292929"/>
+                </a:solidFill>
+                <a:effectLst/>
+              </a:rPr>
+              <a:t>(</a:t>
             </a:r>
             <a:r>
               <a:rPr lang="ko-KR" altLang="en-US" b="0" i="0">
                 <a:solidFill>
-                  <a:srgbClr val="222426"/>
-                </a:solidFill>
-                <a:effectLst/>
-              </a:rPr>
-              <a:t>서버와 여러번 통신 </a:t>
+                  <a:srgbClr val="292929"/>
+                </a:solidFill>
+                <a:effectLst/>
+              </a:rPr>
+              <a:t>리액트 웹 코드와 매우 흡사한</a:t>
             </a:r>
             <a:r>
               <a:rPr lang="en-US" altLang="ko-KR" b="0" i="0">
                 <a:solidFill>
-                  <a:srgbClr val="222426"/>
-                </a:solidFill>
-                <a:effectLst/>
-              </a:rPr>
-              <a:t>- </a:t>
+                  <a:srgbClr val="292929"/>
+                </a:solidFill>
+                <a:effectLst/>
+              </a:rPr>
+              <a:t>) </a:t>
             </a:r>
             <a:r>
               <a:rPr lang="ko-KR" altLang="en-US" b="0" i="0">
                 <a:solidFill>
-                  <a:srgbClr val="222426"/>
-                </a:solidFill>
-                <a:effectLst/>
-              </a:rPr>
-              <a:t>비효율</a:t>
-            </a:r>
-            <a:br>
+                  <a:srgbClr val="292929"/>
+                </a:solidFill>
+                <a:effectLst/>
+              </a:rPr>
+              <a:t>파트</a:t>
+            </a:r>
+          </a:p>
+          <a:p>
+            <a:pPr algn="l">
+              <a:buFont typeface="+mj-lt"/>
+              <a:buAutoNum type="arabicPeriod"/>
+            </a:pPr>
+            <a:r>
+              <a:rPr lang="ko-KR" altLang="en-US" b="0" i="0">
+                <a:solidFill>
+                  <a:srgbClr val="292929"/>
+                </a:solidFill>
+                <a:effectLst/>
+              </a:rPr>
+              <a:t> 작성한 코드가 시스템에서 해석된 자바스크립트 파트</a:t>
+            </a:r>
+          </a:p>
+          <a:p>
+            <a:pPr algn="l">
+              <a:buFont typeface="+mj-lt"/>
+              <a:buAutoNum type="arabicPeriod"/>
+            </a:pPr>
+            <a:r>
+              <a:rPr lang="ko-KR" altLang="en-US" b="0" i="0">
+                <a:solidFill>
+                  <a:srgbClr val="292929"/>
+                </a:solidFill>
+                <a:effectLst/>
+              </a:rPr>
+              <a:t>“브릿지</a:t>
+            </a:r>
+            <a:r>
               <a:rPr lang="en-US" altLang="ko-KR" b="0" i="0">
                 <a:solidFill>
-                  <a:srgbClr val="222426"/>
-                </a:solidFill>
-                <a:effectLst/>
-              </a:rPr>
-            </a:br>
+                  <a:srgbClr val="292929"/>
+                </a:solidFill>
+                <a:effectLst/>
+              </a:rPr>
+              <a:t>"</a:t>
+            </a:r>
+            <a:r>
+              <a:rPr lang="ko-KR" altLang="en-US" b="0" i="0">
+                <a:solidFill>
+                  <a:srgbClr val="292929"/>
+                </a:solidFill>
+                <a:effectLst/>
+              </a:rPr>
+              <a:t>라고 불리는 요소들의 집합 파트</a:t>
+            </a:r>
+          </a:p>
+          <a:p>
+            <a:pPr algn="l">
+              <a:buFont typeface="+mj-lt"/>
+              <a:buAutoNum type="arabicPeriod"/>
+            </a:pPr>
+            <a:r>
+              <a:rPr lang="ko-KR" altLang="en-US" b="0" i="0">
+                <a:solidFill>
+                  <a:srgbClr val="292929"/>
+                </a:solidFill>
+                <a:effectLst/>
+              </a:rPr>
+              <a:t>네이티브 파트</a:t>
+            </a:r>
             <a:endParaRPr lang="en-US" altLang="ko-KR" b="0" i="0">
               <a:solidFill>
-                <a:srgbClr val="222426"/>
+                <a:srgbClr val="292929"/>
               </a:solidFill>
               <a:effectLst/>
             </a:endParaRPr>
           </a:p>
           <a:p>
+            <a:pPr algn="l">
+              <a:buFont typeface="+mj-lt"/>
+              <a:buAutoNum type="arabicPeriod"/>
+            </a:pPr>
+            <a:endParaRPr lang="en-US" altLang="ko-KR" b="0" i="0">
+              <a:solidFill>
+                <a:srgbClr val="292929"/>
+              </a:solidFill>
+              <a:effectLst/>
+            </a:endParaRPr>
+          </a:p>
+          <a:p>
+            <a:pPr algn="l">
+              <a:buFont typeface="+mj-lt"/>
+              <a:buNone/>
+            </a:pPr>
             <a:r>
               <a:rPr lang="ko-KR" altLang="en-US" b="0" i="0">
                 <a:solidFill>
-                  <a:srgbClr val="222426"/>
-                </a:solidFill>
-                <a:effectLst/>
-              </a:rPr>
-              <a:t>모듈 번들러 여러개의 나누어져 있는 파일들을 하나의 파일로 만들어주는 라이브러리</a:t>
-            </a:r>
-            <a:endParaRPr lang="ko-KR" altLang="en-US">
-              <a:ln>
-                <a:solidFill>
-                  <a:schemeClr val="tx1">
-                    <a:alpha val="30000"/>
-                  </a:schemeClr>
-                </a:solidFill>
-              </a:ln>
-              <a:latin typeface="빙그레 메로나체" panose="020B0503000000000000" pitchFamily="50" charset="-127"/>
-              <a:ea typeface="빙그레 메로나체" panose="020B0503000000000000" pitchFamily="50" charset="-127"/>
-            </a:endParaRPr>
+                  <a:srgbClr val="292929"/>
+                </a:solidFill>
+                <a:effectLst/>
+              </a:rPr>
+              <a:t>자바스크립트 부분과</a:t>
+            </a:r>
+            <a:r>
+              <a:rPr lang="en-US" altLang="ko-KR" b="0" i="0">
+                <a:solidFill>
+                  <a:srgbClr val="292929"/>
+                </a:solidFill>
+                <a:effectLst/>
+              </a:rPr>
+              <a:t> </a:t>
+            </a:r>
+            <a:r>
+              <a:rPr lang="ko-KR" altLang="en-US" b="0" i="0">
+                <a:solidFill>
+                  <a:srgbClr val="292929"/>
+                </a:solidFill>
+                <a:effectLst/>
+              </a:rPr>
+              <a:t>네이티브 부분이 가장 중요한데 서로를 잘 인지하지 못함</a:t>
+            </a:r>
+            <a:r>
+              <a:rPr lang="en-US" altLang="ko-KR" b="0" i="0">
+                <a:solidFill>
+                  <a:srgbClr val="292929"/>
+                </a:solidFill>
+                <a:effectLst/>
+              </a:rPr>
+              <a:t>. </a:t>
+            </a:r>
+            <a:r>
+              <a:rPr lang="ko-KR" altLang="en-US" b="0" i="0">
+                <a:solidFill>
+                  <a:srgbClr val="292929"/>
+                </a:solidFill>
+                <a:effectLst/>
+              </a:rPr>
+              <a:t>이를 브릿지가 해줌</a:t>
+            </a:r>
           </a:p>
         </p:txBody>
       </p:sp>
     </p:spTree>
     <p:extLst>
       <p:ext uri="{BB962C8B-B14F-4D97-AF65-F5344CB8AC3E}">
-        <p14:creationId xmlns:p14="http://schemas.microsoft.com/office/powerpoint/2010/main" val="279055325"/>
+        <p14:creationId xmlns:p14="http://schemas.microsoft.com/office/powerpoint/2010/main" val="465456940"/>
       </p:ext>
     </p:extLst>
   </p:cSld>
@@ -5958,7 +6065,7 @@
                 </a:solidFill>
                 <a:effectLst/>
               </a:rPr>
-              <a:t>최신 문법을 특정 이전 버전의 </a:t>
+              <a:t>웹페이지에서는 페이지를 보여주기 위한 수 많은 자바스크립트 파일을 서버에 요청 </a:t>
             </a:r>
             <a:r>
               <a:rPr lang="en-US" altLang="ko-KR" b="0" i="0">
@@ -5967,7 +6074,7 @@
                 </a:solidFill>
                 <a:effectLst/>
               </a:rPr>
-              <a:t>js</a:t>
+              <a:t>- </a:t>
             </a:r>
             <a:r>
               <a:rPr lang="ko-KR" altLang="en-US" b="0" i="0">
@@ -5976,8 +6083,34 @@
                 </a:solidFill>
                 <a:effectLst/>
               </a:rPr>
-              <a:t>로 변환하는 도구</a:t>
-            </a:r>
+              <a:t>서버와 여러번 통신 </a:t>
+            </a:r>
+            <a:r>
+              <a:rPr lang="en-US" altLang="ko-KR" b="0" i="0">
+                <a:solidFill>
+                  <a:srgbClr val="222426"/>
+                </a:solidFill>
+                <a:effectLst/>
+              </a:rPr>
+              <a:t>- </a:t>
+            </a:r>
+            <a:r>
+              <a:rPr lang="ko-KR" altLang="en-US" b="0" i="0">
+                <a:solidFill>
+                  <a:srgbClr val="222426"/>
+                </a:solidFill>
+                <a:effectLst/>
+              </a:rPr>
+              <a:t>비효율</a:t>
+            </a:r>
+            <a:br>
+              <a:rPr lang="en-US" altLang="ko-KR" b="0" i="0">
+                <a:solidFill>
+                  <a:srgbClr val="222426"/>
+                </a:solidFill>
+                <a:effectLst/>
+              </a:rPr>
+            </a:br>
             <a:endParaRPr lang="en-US" altLang="ko-KR" b="0" i="0">
               <a:solidFill>
                 <a:srgbClr val="222426"/>
@@ -5985,12 +6118,34 @@
               <a:effectLst/>
             </a:endParaRPr>
           </a:p>
+          <a:p>
+            <a:r>
+              <a:rPr lang="ko-KR" altLang="en-US" b="0" i="0">
+                <a:solidFill>
+                  <a:srgbClr val="222426"/>
+                </a:solidFill>
+                <a:effectLst/>
+              </a:rPr>
+              <a:t>모듈 번들러 여러개의 나누어져 있는 파일들을 하나의 파일로 만들어주는 라이브러리</a:t>
+            </a:r>
+            <a:endParaRPr lang="ko-KR" altLang="en-US">
+              <a:ln>
+                <a:solidFill>
+                  <a:schemeClr val="tx1">
+                    <a:alpha val="30000"/>
+                  </a:schemeClr>
+                </a:solidFill>
+              </a:ln>
+              <a:latin typeface="빙그레 메로나체" panose="020B0503000000000000" pitchFamily="50" charset="-127"/>
+              <a:ea typeface="빙그레 메로나체" panose="020B0503000000000000" pitchFamily="50" charset="-127"/>
+            </a:endParaRPr>
+          </a:p>
         </p:txBody>
       </p:sp>
     </p:spTree>
     <p:extLst>
       <p:ext uri="{BB962C8B-B14F-4D97-AF65-F5344CB8AC3E}">
-        <p14:creationId xmlns:p14="http://schemas.microsoft.com/office/powerpoint/2010/main" val="1935384192"/>
+        <p14:creationId xmlns:p14="http://schemas.microsoft.com/office/powerpoint/2010/main" val="279055325"/>
       </p:ext>
     </p:extLst>
   </p:cSld>
@@ -6045,57 +6200,31 @@
           <a:lstStyle/>
           <a:p>
             <a:r>
+              <a:rPr lang="ko-KR" altLang="en-US" b="0" i="0">
+                <a:solidFill>
+                  <a:srgbClr val="222426"/>
+                </a:solidFill>
+                <a:effectLst/>
+              </a:rPr>
+              <a:t>최신 문법을 특정 이전 버전의 </a:t>
+            </a:r>
+            <a:r>
               <a:rPr lang="en-US" altLang="ko-KR" b="0" i="0">
                 <a:solidFill>
-                  <a:srgbClr val="FFFFFF"/>
-                </a:solidFill>
-                <a:effectLst/>
-              </a:rPr>
-              <a:t>Facebook</a:t>
+                  <a:srgbClr val="222426"/>
+                </a:solidFill>
+                <a:effectLst/>
+              </a:rPr>
+              <a:t>js</a:t>
             </a:r>
             <a:r>
               <a:rPr lang="ko-KR" altLang="en-US" b="0" i="0">
                 <a:solidFill>
-                  <a:srgbClr val="FFFFFF"/>
-                </a:solidFill>
-                <a:effectLst/>
-              </a:rPr>
-              <a:t>의 공식 </a:t>
-            </a:r>
-            <a:r>
-              <a:rPr lang="en-US" altLang="ko-KR" b="0" i="0">
-                <a:solidFill>
-                  <a:srgbClr val="FFFFFF"/>
-                </a:solidFill>
-                <a:effectLst/>
-              </a:rPr>
-              <a:t>React </a:t>
-            </a:r>
-            <a:r>
-              <a:rPr lang="ko-KR" altLang="en-US" b="0" i="0">
-                <a:solidFill>
-                  <a:srgbClr val="FFFFFF"/>
-                </a:solidFill>
-                <a:effectLst/>
-              </a:rPr>
-              <a:t>웹 개발을위한 보일러 플레이트</a:t>
-            </a:r>
-            <a:endParaRPr lang="en-US" altLang="ko-KR" b="0" i="0">
-              <a:solidFill>
-                <a:srgbClr val="FFFFFF"/>
-              </a:solidFill>
-              <a:effectLst/>
-            </a:endParaRPr>
-          </a:p>
-          <a:p>
-            <a:r>
-              <a:rPr lang="ko-KR" altLang="en-US" b="0" i="0">
-                <a:solidFill>
                   <a:srgbClr val="222426"/>
                 </a:solidFill>
                 <a:effectLst/>
               </a:rPr>
-              <a:t>모든 개발환경을 설정하지 않아도 되고 페이스북이라는 기업에서 지속적으로 업데이트를 해주기에 많은 사람들이 사용</a:t>
+              <a:t>로 변환하는 도구</a:t>
             </a:r>
             <a:endParaRPr lang="en-US" altLang="ko-KR" b="0" i="0">
               <a:solidFill>
@@ -6104,433 +6233,12 @@
               <a:effectLst/>
             </a:endParaRPr>
           </a:p>
-          <a:p>
-            <a:r>
-              <a:rPr lang="ko-KR" altLang="en-US" b="0" i="0">
-                <a:solidFill>
-                  <a:srgbClr val="303030"/>
-                </a:solidFill>
-                <a:effectLst/>
-              </a:rPr>
-              <a:t>원래 리액트 앱 실행을 하기 위해선 </a:t>
-            </a:r>
-            <a:r>
-              <a:rPr lang="en-US" altLang="ko-KR" b="0" i="0">
-                <a:solidFill>
-                  <a:srgbClr val="303030"/>
-                </a:solidFill>
-                <a:effectLst/>
-              </a:rPr>
-              <a:t>webpack(</a:t>
-            </a:r>
-            <a:r>
-              <a:rPr lang="ko-KR" altLang="en-US" b="0" i="0">
-                <a:solidFill>
-                  <a:srgbClr val="303030"/>
-                </a:solidFill>
-                <a:effectLst/>
-              </a:rPr>
-              <a:t>번들화</a:t>
-            </a:r>
-            <a:r>
-              <a:rPr lang="en-US" altLang="ko-KR" b="0" i="0">
-                <a:solidFill>
-                  <a:srgbClr val="303030"/>
-                </a:solidFill>
-                <a:effectLst/>
-              </a:rPr>
-              <a:t>), babel(</a:t>
-            </a:r>
-            <a:r>
-              <a:rPr lang="ko-KR" altLang="en-US" b="0" i="0">
-                <a:solidFill>
-                  <a:srgbClr val="303030"/>
-                </a:solidFill>
-                <a:effectLst/>
-              </a:rPr>
-              <a:t>최신 자바스크립트 문법 지원</a:t>
-            </a:r>
-            <a:r>
-              <a:rPr lang="en-US" altLang="ko-KR" b="0" i="0">
-                <a:solidFill>
-                  <a:srgbClr val="303030"/>
-                </a:solidFill>
-                <a:effectLst/>
-              </a:rPr>
-              <a:t>) </a:t>
-            </a:r>
-            <a:r>
-              <a:rPr lang="ko-KR" altLang="en-US" b="0" i="0">
-                <a:solidFill>
-                  <a:srgbClr val="303030"/>
-                </a:solidFill>
-                <a:effectLst/>
-              </a:rPr>
-              <a:t>설정을 위한 시간이 많이 소요됨</a:t>
-            </a:r>
-            <a:r>
-              <a:rPr lang="en-US" altLang="ko-KR" b="0" i="0">
-                <a:solidFill>
-                  <a:srgbClr val="303030"/>
-                </a:solidFill>
-                <a:effectLst/>
-              </a:rPr>
-              <a:t>.</a:t>
-            </a:r>
-          </a:p>
-          <a:p>
-            <a:endParaRPr lang="en-US" altLang="ko-KR" b="0" i="0">
-              <a:solidFill>
-                <a:srgbClr val="222426"/>
-              </a:solidFill>
-              <a:effectLst/>
-            </a:endParaRPr>
-          </a:p>
-          <a:p>
-            <a:r>
-              <a:rPr lang="ko-KR" altLang="en-US" b="0" i="0">
-                <a:solidFill>
-                  <a:srgbClr val="222426"/>
-                </a:solidFill>
-                <a:effectLst/>
-              </a:rPr>
-              <a:t>포함</a:t>
-            </a:r>
-            <a:endParaRPr lang="en-US" altLang="ko-KR" b="0" i="0">
-              <a:solidFill>
-                <a:srgbClr val="222426"/>
-              </a:solidFill>
-              <a:effectLst/>
-            </a:endParaRPr>
-          </a:p>
-          <a:p>
-            <a:pPr algn="l" fontAlgn="base">
-              <a:buFont typeface="Arial" panose="020B0604020202020204" pitchFamily="34" charset="0"/>
-              <a:buChar char="•"/>
-            </a:pPr>
-            <a:r>
-              <a:rPr lang="en-US" altLang="ko-KR" b="0" i="0">
-                <a:solidFill>
-                  <a:srgbClr val="333333"/>
-                </a:solidFill>
-                <a:effectLst/>
-              </a:rPr>
-              <a:t>Webpack : minify, uglify </a:t>
-            </a:r>
-            <a:r>
-              <a:rPr lang="ko-KR" altLang="en-US" b="0" i="0">
-                <a:solidFill>
-                  <a:srgbClr val="333333"/>
-                </a:solidFill>
-                <a:effectLst/>
-              </a:rPr>
-              <a:t>등을 포함한 모듈 번들링 도구</a:t>
-            </a:r>
-          </a:p>
-          <a:p>
-            <a:pPr algn="l" fontAlgn="base">
-              <a:buFont typeface="Arial" panose="020B0604020202020204" pitchFamily="34" charset="0"/>
-              <a:buChar char="•"/>
-            </a:pPr>
-            <a:r>
-              <a:rPr lang="en-US" altLang="ko-KR" b="0" i="0">
-                <a:solidFill>
-                  <a:srgbClr val="333333"/>
-                </a:solidFill>
-                <a:effectLst/>
-              </a:rPr>
-              <a:t>Babel : ES6, React </a:t>
-            </a:r>
-            <a:r>
-              <a:rPr lang="ko-KR" altLang="en-US" b="0" i="0">
-                <a:solidFill>
-                  <a:srgbClr val="333333"/>
-                </a:solidFill>
-                <a:effectLst/>
-              </a:rPr>
-              <a:t>등의 문법을 </a:t>
-            </a:r>
-            <a:r>
-              <a:rPr lang="en-US" altLang="ko-KR" b="0" i="0">
-                <a:solidFill>
-                  <a:srgbClr val="333333"/>
-                </a:solidFill>
-                <a:effectLst/>
-              </a:rPr>
-              <a:t>ES5 </a:t>
-            </a:r>
-            <a:r>
-              <a:rPr lang="ko-KR" altLang="en-US" b="0" i="0">
-                <a:solidFill>
-                  <a:srgbClr val="333333"/>
-                </a:solidFill>
-                <a:effectLst/>
-              </a:rPr>
-              <a:t>코드로 변환시켜주는 트랜스파일러</a:t>
-            </a:r>
-          </a:p>
-          <a:p>
-            <a:pPr algn="l" fontAlgn="base">
-              <a:buFont typeface="Arial" panose="020B0604020202020204" pitchFamily="34" charset="0"/>
-              <a:buChar char="•"/>
-            </a:pPr>
-            <a:r>
-              <a:rPr lang="en-US" altLang="ko-KR" b="0" i="0">
-                <a:solidFill>
-                  <a:srgbClr val="333333"/>
-                </a:solidFill>
-                <a:effectLst/>
-              </a:rPr>
-              <a:t>Autoprefixer : </a:t>
-            </a:r>
-            <a:r>
-              <a:rPr lang="ko-KR" altLang="en-US" b="0" i="0">
-                <a:solidFill>
-                  <a:srgbClr val="333333"/>
-                </a:solidFill>
-                <a:effectLst/>
-              </a:rPr>
-              <a:t>다양한 벤더</a:t>
-            </a:r>
-            <a:r>
-              <a:rPr lang="en-US" altLang="ko-KR" b="0" i="0">
-                <a:solidFill>
-                  <a:srgbClr val="333333"/>
-                </a:solidFill>
-                <a:effectLst/>
-              </a:rPr>
-              <a:t>(</a:t>
-            </a:r>
-            <a:r>
-              <a:rPr lang="ko-KR" altLang="en-US" b="0" i="0">
-                <a:solidFill>
-                  <a:srgbClr val="333333"/>
-                </a:solidFill>
-                <a:effectLst/>
-              </a:rPr>
-              <a:t>브라우저</a:t>
-            </a:r>
-            <a:r>
-              <a:rPr lang="en-US" altLang="ko-KR" b="0" i="0">
-                <a:solidFill>
-                  <a:srgbClr val="333333"/>
-                </a:solidFill>
-                <a:effectLst/>
-              </a:rPr>
-              <a:t>)</a:t>
-            </a:r>
-            <a:r>
-              <a:rPr lang="ko-KR" altLang="en-US" b="0" i="0">
-                <a:solidFill>
-                  <a:srgbClr val="333333"/>
-                </a:solidFill>
-                <a:effectLst/>
-              </a:rPr>
-              <a:t>들에게 적절한 </a:t>
-            </a:r>
-            <a:r>
-              <a:rPr lang="en-US" altLang="ko-KR" b="0" i="0">
-                <a:solidFill>
-                  <a:srgbClr val="333333"/>
-                </a:solidFill>
-                <a:effectLst/>
-              </a:rPr>
-              <a:t>CSS </a:t>
-            </a:r>
-            <a:r>
-              <a:rPr lang="ko-KR" altLang="en-US" b="0" i="0">
-                <a:solidFill>
-                  <a:srgbClr val="333333"/>
-                </a:solidFill>
-                <a:effectLst/>
-              </a:rPr>
-              <a:t>가 적용될 수 있도록 </a:t>
-            </a:r>
-            <a:r>
-              <a:rPr lang="en-US" altLang="ko-KR" b="0" i="0">
-                <a:solidFill>
-                  <a:srgbClr val="333333"/>
-                </a:solidFill>
-                <a:effectLst/>
-              </a:rPr>
-              <a:t>prefix </a:t>
-            </a:r>
-            <a:r>
-              <a:rPr lang="ko-KR" altLang="en-US" b="0" i="0">
-                <a:solidFill>
-                  <a:srgbClr val="333333"/>
-                </a:solidFill>
-                <a:effectLst/>
-              </a:rPr>
-              <a:t>를 붙여준다</a:t>
-            </a:r>
-            <a:r>
-              <a:rPr lang="en-US" altLang="ko-KR" b="0" i="0">
-                <a:solidFill>
-                  <a:srgbClr val="333333"/>
-                </a:solidFill>
-                <a:effectLst/>
-              </a:rPr>
-              <a:t>.</a:t>
-            </a:r>
-          </a:p>
-          <a:p>
-            <a:pPr algn="l" fontAlgn="base">
-              <a:buFont typeface="Arial" panose="020B0604020202020204" pitchFamily="34" charset="0"/>
-              <a:buChar char="•"/>
-            </a:pPr>
-            <a:r>
-              <a:rPr lang="en-US" altLang="ko-KR" b="0" i="0">
-                <a:solidFill>
-                  <a:srgbClr val="333333"/>
-                </a:solidFill>
-                <a:effectLst/>
-              </a:rPr>
-              <a:t>ESLint : </a:t>
-            </a:r>
-            <a:r>
-              <a:rPr lang="ko-KR" altLang="en-US" b="0" i="0">
-                <a:solidFill>
-                  <a:srgbClr val="333333"/>
-                </a:solidFill>
-                <a:effectLst/>
-              </a:rPr>
-              <a:t>자바스크립트 </a:t>
-            </a:r>
-            <a:r>
-              <a:rPr lang="en-US" altLang="ko-KR" b="0" i="0">
-                <a:solidFill>
-                  <a:srgbClr val="333333"/>
-                </a:solidFill>
-                <a:effectLst/>
-              </a:rPr>
-              <a:t>lint, </a:t>
-            </a:r>
-            <a:r>
-              <a:rPr lang="ko-KR" altLang="en-US" b="0" i="0">
-                <a:solidFill>
-                  <a:srgbClr val="333333"/>
-                </a:solidFill>
-                <a:effectLst/>
-              </a:rPr>
-              <a:t>코드 컨벤션과 오류 등을 잡아준다</a:t>
-            </a:r>
-            <a:r>
-              <a:rPr lang="en-US" altLang="ko-KR" b="0" i="0">
-                <a:solidFill>
-                  <a:srgbClr val="333333"/>
-                </a:solidFill>
-                <a:effectLst/>
-              </a:rPr>
-              <a:t>.</a:t>
-            </a:r>
-          </a:p>
-          <a:p>
-            <a:pPr algn="l" fontAlgn="base">
-              <a:buFont typeface="Arial" panose="020B0604020202020204" pitchFamily="34" charset="0"/>
-              <a:buChar char="•"/>
-            </a:pPr>
-            <a:r>
-              <a:rPr lang="en-US" altLang="ko-KR" b="0" i="0">
-                <a:solidFill>
-                  <a:srgbClr val="333333"/>
-                </a:solidFill>
-                <a:effectLst/>
-              </a:rPr>
-              <a:t>Jest : </a:t>
-            </a:r>
-            <a:r>
-              <a:rPr lang="ko-KR" altLang="en-US" b="0" i="0">
-                <a:solidFill>
-                  <a:srgbClr val="333333"/>
-                </a:solidFill>
-                <a:effectLst/>
-              </a:rPr>
-              <a:t>자바스크립트 테스트 도구</a:t>
-            </a:r>
-          </a:p>
-          <a:p>
-            <a:pPr algn="l" fontAlgn="base">
-              <a:buFont typeface="Arial" panose="020B0604020202020204" pitchFamily="34" charset="0"/>
-              <a:buChar char="•"/>
-            </a:pPr>
-            <a:r>
-              <a:rPr lang="ko-KR" altLang="en-US" b="0" i="0">
-                <a:solidFill>
-                  <a:srgbClr val="333333"/>
-                </a:solidFill>
-                <a:effectLst/>
-              </a:rPr>
-              <a:t>이외에 여러개</a:t>
-            </a:r>
-          </a:p>
-          <a:p>
-            <a:endParaRPr lang="en-US" altLang="ko-KR" b="0" i="0">
-              <a:solidFill>
-                <a:srgbClr val="222426"/>
-              </a:solidFill>
-              <a:effectLst/>
-            </a:endParaRPr>
-          </a:p>
-          <a:p>
-            <a:r>
-              <a:rPr lang="ko-KR" altLang="en-US" b="0" i="0">
-                <a:solidFill>
-                  <a:srgbClr val="222426"/>
-                </a:solidFill>
-                <a:effectLst/>
-              </a:rPr>
-              <a:t>보일러 플레이트 </a:t>
-            </a:r>
-            <a:r>
-              <a:rPr lang="en-US" altLang="ko-KR" b="0" i="0">
-                <a:solidFill>
-                  <a:srgbClr val="222426"/>
-                </a:solidFill>
-                <a:effectLst/>
-              </a:rPr>
-              <a:t>: </a:t>
-            </a:r>
-            <a:r>
-              <a:rPr lang="ko-KR" altLang="en-US" b="0" i="0">
-                <a:solidFill>
-                  <a:srgbClr val="222426"/>
-                </a:solidFill>
-                <a:effectLst/>
-              </a:rPr>
-              <a:t>변경없이 계속하여 재사용할 수 있는 저작품</a:t>
-            </a:r>
-            <a:r>
-              <a:rPr lang="en-US" altLang="ko-KR" b="0" i="0">
-                <a:solidFill>
-                  <a:srgbClr val="222426"/>
-                </a:solidFill>
-                <a:effectLst/>
-              </a:rPr>
-              <a:t>, </a:t>
-            </a:r>
-            <a:r>
-              <a:rPr lang="ko-KR" altLang="en-US" b="0" i="0">
-                <a:solidFill>
-                  <a:srgbClr val="222426"/>
-                </a:solidFill>
-                <a:effectLst/>
-              </a:rPr>
-              <a:t>재사용 가능한 프로그램</a:t>
-            </a:r>
-            <a:endParaRPr lang="en-US" altLang="ko-KR" b="0" i="0">
-              <a:solidFill>
-                <a:srgbClr val="222426"/>
-              </a:solidFill>
-              <a:effectLst/>
-            </a:endParaRPr>
-          </a:p>
         </p:txBody>
       </p:sp>
     </p:spTree>
     <p:extLst>
       <p:ext uri="{BB962C8B-B14F-4D97-AF65-F5344CB8AC3E}">
-        <p14:creationId xmlns:p14="http://schemas.microsoft.com/office/powerpoint/2010/main" val="2924714942"/>
+        <p14:creationId xmlns:p14="http://schemas.microsoft.com/office/powerpoint/2010/main" val="1935384192"/>
       </p:ext>
     </p:extLst>
   </p:cSld>
@@ -6585,13 +6293,57 @@
           <a:lstStyle/>
           <a:p>
             <a:r>
+              <a:rPr lang="en-US" altLang="ko-KR" b="0" i="0">
+                <a:solidFill>
+                  <a:srgbClr val="FFFFFF"/>
+                </a:solidFill>
+                <a:effectLst/>
+              </a:rPr>
+              <a:t>Facebook</a:t>
+            </a:r>
+            <a:r>
               <a:rPr lang="ko-KR" altLang="en-US" b="0" i="0">
                 <a:solidFill>
+                  <a:srgbClr val="FFFFFF"/>
+                </a:solidFill>
+                <a:effectLst/>
+              </a:rPr>
+              <a:t>의 공식 </a:t>
+            </a:r>
+            <a:r>
+              <a:rPr lang="en-US" altLang="ko-KR" b="0" i="0">
+                <a:solidFill>
+                  <a:srgbClr val="FFFFFF"/>
+                </a:solidFill>
+                <a:effectLst/>
+              </a:rPr>
+              <a:t>React </a:t>
+            </a:r>
+            <a:r>
+              <a:rPr lang="ko-KR" altLang="en-US" b="0" i="0">
+                <a:solidFill>
+                  <a:srgbClr val="FFFFFF"/>
+                </a:solidFill>
+                <a:effectLst/>
+              </a:rPr>
+              <a:t>웹 개발을위한 보일러 플레이트</a:t>
+            </a:r>
+            <a:endParaRPr lang="en-US" altLang="ko-KR" b="0" i="0">
+              <a:solidFill>
+                <a:srgbClr val="FFFFFF"/>
+              </a:solidFill>
+              <a:effectLst/>
+            </a:endParaRPr>
+          </a:p>
+          <a:p>
+            <a:r>
+              <a:rPr lang="ko-KR" altLang="en-US" b="0" i="0">
+                <a:solidFill>
                   <a:srgbClr val="222426"/>
                 </a:solidFill>
                 <a:effectLst/>
               </a:rPr>
-              <a:t>함수형 컴포넌트가 선언이 더 편함</a:t>
+              <a:t>모든 개발환경을 설정하지 않아도 되고 페이스북이라는 기업에서 지속적으로 업데이트를 해주기에 많은 사람들이 사용</a:t>
             </a:r>
             <a:endParaRPr lang="en-US" altLang="ko-KR" b="0" i="0">
               <a:solidFill>
@@ -6601,6 +6353,80 @@
             </a:endParaRPr>
           </a:p>
           <a:p>
+            <a:r>
+              <a:rPr lang="ko-KR" altLang="en-US" b="0" i="0">
+                <a:solidFill>
+                  <a:srgbClr val="303030"/>
+                </a:solidFill>
+                <a:effectLst/>
+              </a:rPr>
+              <a:t>원래 리액트 앱 실행을 하기 위해선 </a:t>
+            </a:r>
+            <a:r>
+              <a:rPr lang="en-US" altLang="ko-KR" b="0" i="0">
+                <a:solidFill>
+                  <a:srgbClr val="303030"/>
+                </a:solidFill>
+                <a:effectLst/>
+              </a:rPr>
+              <a:t>webpack(</a:t>
+            </a:r>
+            <a:r>
+              <a:rPr lang="ko-KR" altLang="en-US" b="0" i="0">
+                <a:solidFill>
+                  <a:srgbClr val="303030"/>
+                </a:solidFill>
+                <a:effectLst/>
+              </a:rPr>
+              <a:t>번들화</a:t>
+            </a:r>
+            <a:r>
+              <a:rPr lang="en-US" altLang="ko-KR" b="0" i="0">
+                <a:solidFill>
+                  <a:srgbClr val="303030"/>
+                </a:solidFill>
+                <a:effectLst/>
+              </a:rPr>
+              <a:t>), babel(</a:t>
+            </a:r>
+            <a:r>
+              <a:rPr lang="ko-KR" altLang="en-US" b="0" i="0">
+                <a:solidFill>
+                  <a:srgbClr val="303030"/>
+                </a:solidFill>
+                <a:effectLst/>
+              </a:rPr>
+              <a:t>최신 자바스크립트 문법 지원</a:t>
+            </a:r>
+            <a:r>
+              <a:rPr lang="en-US" altLang="ko-KR" b="0" i="0">
+                <a:solidFill>
+                  <a:srgbClr val="303030"/>
+                </a:solidFill>
+                <a:effectLst/>
+              </a:rPr>
+              <a:t>) </a:t>
+            </a:r>
+            <a:r>
+              <a:rPr lang="ko-KR" altLang="en-US" b="0" i="0">
+                <a:solidFill>
+                  <a:srgbClr val="303030"/>
+                </a:solidFill>
+                <a:effectLst/>
+              </a:rPr>
+              <a:t>설정을 위한 시간이 많이 소요됨</a:t>
+            </a:r>
+            <a:r>
+              <a:rPr lang="en-US" altLang="ko-KR" b="0" i="0">
+                <a:solidFill>
+                  <a:srgbClr val="303030"/>
+                </a:solidFill>
+                <a:effectLst/>
+              </a:rPr>
+              <a:t>.</a:t>
+            </a:r>
+          </a:p>
+          <a:p>
             <a:endParaRPr lang="en-US" altLang="ko-KR" b="0" i="0">
               <a:solidFill>
                 <a:srgbClr val="222426"/>
@@ -6610,22 +6436,13 @@
           </a:p>
           <a:p>
             <a:r>
-              <a:rPr lang="en-US" altLang="ko-KR" b="0" i="0">
+              <a:rPr lang="ko-KR" altLang="en-US" b="0" i="0">
                 <a:solidFill>
                   <a:srgbClr val="222426"/>
                 </a:solidFill>
                 <a:effectLst/>
               </a:rPr>
-              <a:t>class component</a:t>
-            </a:r>
-            <a:r>
-              <a:rPr lang="ko-KR" altLang="en-US" b="0" i="0">
-                <a:solidFill>
-                  <a:srgbClr val="222426"/>
-                </a:solidFill>
-                <a:effectLst/>
-              </a:rPr>
-              <a:t>는</a:t>
+              <a:t>포함</a:t>
             </a:r>
             <a:endParaRPr lang="en-US" altLang="ko-KR" b="0" i="0">
               <a:solidFill>
@@ -6635,24 +6452,267 @@
             </a:endParaRPr>
           </a:p>
           <a:p>
+            <a:pPr algn="l" fontAlgn="base">
+              <a:buFont typeface="Arial" panose="020B0604020202020204" pitchFamily="34" charset="0"/>
+              <a:buChar char="•"/>
+            </a:pPr>
             <a:r>
               <a:rPr lang="en-US" altLang="ko-KR" b="0" i="0">
                 <a:solidFill>
-                  <a:srgbClr val="222426"/>
-                </a:solidFill>
-                <a:effectLst/>
-              </a:rPr>
-              <a:t>  class </a:t>
+                  <a:srgbClr val="333333"/>
+                </a:solidFill>
+                <a:effectLst/>
+              </a:rPr>
+              <a:t>Webpack : minify, uglify </a:t>
             </a:r>
             <a:r>
               <a:rPr lang="ko-KR" altLang="en-US" b="0" i="0">
                 <a:solidFill>
-                  <a:srgbClr val="222426"/>
-                </a:solidFill>
-                <a:effectLst/>
-              </a:rPr>
-              <a:t>키워드 필요</a:t>
-            </a:r>
+                  <a:srgbClr val="333333"/>
+                </a:solidFill>
+                <a:effectLst/>
+              </a:rPr>
+              <a:t>등을 포함한 모듈 번들링 도구</a:t>
+            </a:r>
+          </a:p>
+          <a:p>
+            <a:pPr algn="l" fontAlgn="base">
+              <a:buFont typeface="Arial" panose="020B0604020202020204" pitchFamily="34" charset="0"/>
+              <a:buChar char="•"/>
+            </a:pPr>
+            <a:r>
+              <a:rPr lang="en-US" altLang="ko-KR" b="0" i="0">
+                <a:solidFill>
+                  <a:srgbClr val="333333"/>
+                </a:solidFill>
+                <a:effectLst/>
+              </a:rPr>
+              <a:t>Babel : ES6, React </a:t>
+            </a:r>
+            <a:r>
+              <a:rPr lang="ko-KR" altLang="en-US" b="0" i="0">
+                <a:solidFill>
+                  <a:srgbClr val="333333"/>
+                </a:solidFill>
+                <a:effectLst/>
+              </a:rPr>
+              <a:t>등의 문법을 </a:t>
+            </a:r>
+            <a:r>
+              <a:rPr lang="en-US" altLang="ko-KR" b="0" i="0">
+                <a:solidFill>
+                  <a:srgbClr val="333333"/>
+                </a:solidFill>
+                <a:effectLst/>
+              </a:rPr>
+              <a:t>ES5 </a:t>
+            </a:r>
+            <a:r>
+              <a:rPr lang="ko-KR" altLang="en-US" b="0" i="0">
+                <a:solidFill>
+                  <a:srgbClr val="333333"/>
+                </a:solidFill>
+                <a:effectLst/>
+              </a:rPr>
+              <a:t>코드로 변환시켜주는 트랜스파일러</a:t>
+            </a:r>
+          </a:p>
+          <a:p>
+            <a:pPr algn="l" fontAlgn="base">
+              <a:buFont typeface="Arial" panose="020B0604020202020204" pitchFamily="34" charset="0"/>
+              <a:buChar char="•"/>
+            </a:pPr>
+            <a:r>
+              <a:rPr lang="en-US" altLang="ko-KR" b="0" i="0">
+                <a:solidFill>
+                  <a:srgbClr val="333333"/>
+                </a:solidFill>
+                <a:effectLst/>
+              </a:rPr>
+              <a:t>Autoprefixer : </a:t>
+            </a:r>
+            <a:r>
+              <a:rPr lang="ko-KR" altLang="en-US" b="0" i="0">
+                <a:solidFill>
+                  <a:srgbClr val="333333"/>
+                </a:solidFill>
+                <a:effectLst/>
+              </a:rPr>
+              <a:t>다양한 벤더</a:t>
+            </a:r>
+            <a:r>
+              <a:rPr lang="en-US" altLang="ko-KR" b="0" i="0">
+                <a:solidFill>
+                  <a:srgbClr val="333333"/>
+                </a:solidFill>
+                <a:effectLst/>
+              </a:rPr>
+              <a:t>(</a:t>
+            </a:r>
+            <a:r>
+              <a:rPr lang="ko-KR" altLang="en-US" b="0" i="0">
+                <a:solidFill>
+                  <a:srgbClr val="333333"/>
+                </a:solidFill>
+                <a:effectLst/>
+              </a:rPr>
+              <a:t>브라우저</a:t>
+            </a:r>
+            <a:r>
+              <a:rPr lang="en-US" altLang="ko-KR" b="0" i="0">
+                <a:solidFill>
+                  <a:srgbClr val="333333"/>
+                </a:solidFill>
+                <a:effectLst/>
+              </a:rPr>
+              <a:t>)</a:t>
+            </a:r>
+            <a:r>
+              <a:rPr lang="ko-KR" altLang="en-US" b="0" i="0">
+                <a:solidFill>
+                  <a:srgbClr val="333333"/>
+                </a:solidFill>
+                <a:effectLst/>
+              </a:rPr>
+              <a:t>들에게 적절한 </a:t>
+            </a:r>
+            <a:r>
+              <a:rPr lang="en-US" altLang="ko-KR" b="0" i="0">
+                <a:solidFill>
+                  <a:srgbClr val="333333"/>
+                </a:solidFill>
+                <a:effectLst/>
+              </a:rPr>
+              <a:t>CSS </a:t>
+            </a:r>
+            <a:r>
+              <a:rPr lang="ko-KR" altLang="en-US" b="0" i="0">
+                <a:solidFill>
+                  <a:srgbClr val="333333"/>
+                </a:solidFill>
+                <a:effectLst/>
+              </a:rPr>
+              <a:t>가 적용될 수 있도록 </a:t>
+            </a:r>
+            <a:r>
+              <a:rPr lang="en-US" altLang="ko-KR" b="0" i="0">
+                <a:solidFill>
+                  <a:srgbClr val="333333"/>
+                </a:solidFill>
+                <a:effectLst/>
+              </a:rPr>
+              <a:t>prefix </a:t>
+            </a:r>
+            <a:r>
+              <a:rPr lang="ko-KR" altLang="en-US" b="0" i="0">
+                <a:solidFill>
+                  <a:srgbClr val="333333"/>
+                </a:solidFill>
+                <a:effectLst/>
+              </a:rPr>
+              <a:t>를 붙여준다</a:t>
+            </a:r>
+            <a:r>
+              <a:rPr lang="en-US" altLang="ko-KR" b="0" i="0">
+                <a:solidFill>
+                  <a:srgbClr val="333333"/>
+                </a:solidFill>
+                <a:effectLst/>
+              </a:rPr>
+              <a:t>.</a:t>
+            </a:r>
+          </a:p>
+          <a:p>
+            <a:pPr algn="l" fontAlgn="base">
+              <a:buFont typeface="Arial" panose="020B0604020202020204" pitchFamily="34" charset="0"/>
+              <a:buChar char="•"/>
+            </a:pPr>
+            <a:r>
+              <a:rPr lang="en-US" altLang="ko-KR" b="0" i="0">
+                <a:solidFill>
+                  <a:srgbClr val="333333"/>
+                </a:solidFill>
+                <a:effectLst/>
+              </a:rPr>
+              <a:t>ESLint : </a:t>
+            </a:r>
+            <a:r>
+              <a:rPr lang="ko-KR" altLang="en-US" b="0" i="0">
+                <a:solidFill>
+                  <a:srgbClr val="333333"/>
+                </a:solidFill>
+                <a:effectLst/>
+              </a:rPr>
+              <a:t>자바스크립트 </a:t>
+            </a:r>
+            <a:r>
+              <a:rPr lang="en-US" altLang="ko-KR" b="0" i="0">
+                <a:solidFill>
+                  <a:srgbClr val="333333"/>
+                </a:solidFill>
+                <a:effectLst/>
+              </a:rPr>
+              <a:t>lint, </a:t>
+            </a:r>
+            <a:r>
+              <a:rPr lang="ko-KR" altLang="en-US" b="0" i="0">
+                <a:solidFill>
+                  <a:srgbClr val="333333"/>
+                </a:solidFill>
+                <a:effectLst/>
+              </a:rPr>
+              <a:t>코드 컨벤션과 오류 등을 잡아준다</a:t>
+            </a:r>
+            <a:r>
+              <a:rPr lang="en-US" altLang="ko-KR" b="0" i="0">
+                <a:solidFill>
+                  <a:srgbClr val="333333"/>
+                </a:solidFill>
+                <a:effectLst/>
+              </a:rPr>
+              <a:t>.</a:t>
+            </a:r>
+          </a:p>
+          <a:p>
+            <a:pPr algn="l" fontAlgn="base">
+              <a:buFont typeface="Arial" panose="020B0604020202020204" pitchFamily="34" charset="0"/>
+              <a:buChar char="•"/>
+            </a:pPr>
+            <a:r>
+              <a:rPr lang="en-US" altLang="ko-KR" b="0" i="0">
+                <a:solidFill>
+                  <a:srgbClr val="333333"/>
+                </a:solidFill>
+                <a:effectLst/>
+              </a:rPr>
+              <a:t>Jest : </a:t>
+            </a:r>
+            <a:r>
+              <a:rPr lang="ko-KR" altLang="en-US" b="0" i="0">
+                <a:solidFill>
+                  <a:srgbClr val="333333"/>
+                </a:solidFill>
+                <a:effectLst/>
+              </a:rPr>
+              <a:t>자바스크립트 테스트 도구</a:t>
+            </a:r>
+          </a:p>
+          <a:p>
+            <a:pPr algn="l" fontAlgn="base">
+              <a:buFont typeface="Arial" panose="020B0604020202020204" pitchFamily="34" charset="0"/>
+              <a:buChar char="•"/>
+            </a:pPr>
+            <a:r>
+              <a:rPr lang="ko-KR" altLang="en-US" b="0" i="0">
+                <a:solidFill>
+                  <a:srgbClr val="333333"/>
+                </a:solidFill>
+                <a:effectLst/>
+              </a:rPr>
+              <a:t>이외에 여러개</a:t>
+            </a:r>
+          </a:p>
+          <a:p>
             <a:endParaRPr lang="en-US" altLang="ko-KR" b="0" i="0">
               <a:solidFill>
                 <a:srgbClr val="222426"/>
@@ -6662,13 +6722,22 @@
           </a:p>
           <a:p>
             <a:r>
+              <a:rPr lang="ko-KR" altLang="en-US" b="0" i="0">
+                <a:solidFill>
+                  <a:srgbClr val="222426"/>
+                </a:solidFill>
+                <a:effectLst/>
+              </a:rPr>
+              <a:t>보일러 플레이트 </a:t>
+            </a:r>
+            <a:r>
               <a:rPr lang="en-US" altLang="ko-KR" b="0" i="0">
                 <a:solidFill>
                   <a:srgbClr val="222426"/>
                 </a:solidFill>
                 <a:effectLst/>
               </a:rPr>
-              <a:t>  Component</a:t>
+              <a:t>: </a:t>
             </a:r>
             <a:r>
               <a:rPr lang="ko-KR" altLang="en-US" b="0" i="0">
@@ -6677,7 +6746,25 @@
                 </a:solidFill>
                 <a:effectLst/>
               </a:rPr>
-              <a:t>로 상속을 받아야함</a:t>
+              <a:t>변경없이 계속하여 재사용할 수 있는 저작품</a:t>
+            </a:r>
+            <a:r>
+              <a:rPr lang="en-US" altLang="ko-KR" b="0" i="0">
+                <a:solidFill>
+                  <a:srgbClr val="222426"/>
+                </a:solidFill>
+                <a:effectLst/>
+              </a:rPr>
+              <a:t>, </a:t>
+            </a:r>
+            <a:r>
+              <a:rPr lang="ko-KR" altLang="en-US" b="0" i="0">
+                <a:solidFill>
+                  <a:srgbClr val="222426"/>
+                </a:solidFill>
+                <a:effectLst/>
+              </a:rPr>
+              <a:t>재사용 가능한 프로그램</a:t>
             </a:r>
             <a:endParaRPr lang="en-US" altLang="ko-KR" b="0" i="0">
               <a:solidFill>
@@ -6686,38 +6773,12 @@
               <a:effectLst/>
             </a:endParaRPr>
           </a:p>
-          <a:p>
-            <a:r>
-              <a:rPr lang="en-US" altLang="ko-KR" b="0" i="0">
-                <a:solidFill>
-                  <a:srgbClr val="222426"/>
-                </a:solidFill>
-                <a:effectLst/>
-              </a:rPr>
-              <a:t>  render() </a:t>
-            </a:r>
-            <a:r>
-              <a:rPr lang="ko-KR" altLang="en-US" b="0" i="0">
-                <a:solidFill>
-                  <a:srgbClr val="222426"/>
-                </a:solidFill>
-                <a:effectLst/>
-              </a:rPr>
-              <a:t>메소드가 필요</a:t>
-            </a:r>
-            <a:endParaRPr lang="en-US" altLang="ko-KR" b="0" i="0">
-              <a:solidFill>
-                <a:srgbClr val="222426"/>
-              </a:solidFill>
-              <a:effectLst/>
-            </a:endParaRPr>
-          </a:p>
         </p:txBody>
       </p:sp>
     </p:spTree>
     <p:extLst>
       <p:ext uri="{BB962C8B-B14F-4D97-AF65-F5344CB8AC3E}">
-        <p14:creationId xmlns:p14="http://schemas.microsoft.com/office/powerpoint/2010/main" val="4241106486"/>
+        <p14:creationId xmlns:p14="http://schemas.microsoft.com/office/powerpoint/2010/main" val="2924714942"/>
       </p:ext>
     </p:extLst>
   </p:cSld>
@@ -6774,245 +6835,11 @@
             <a:r>
               <a:rPr lang="ko-KR" altLang="en-US" b="0" i="0">
                 <a:solidFill>
-                  <a:srgbClr val="333333"/>
-                </a:solidFill>
-                <a:effectLst/>
-              </a:rPr>
-              <a:t>클래스형 컴포넌트의 경우 </a:t>
-            </a:r>
-            <a:r>
-              <a:rPr lang="en-US" altLang="ko-KR" b="0" i="0">
-                <a:solidFill>
-                  <a:srgbClr val="333333"/>
-                </a:solidFill>
-                <a:effectLst/>
-              </a:rPr>
-              <a:t>state </a:t>
-            </a:r>
-            <a:r>
-              <a:rPr lang="ko-KR" altLang="en-US" b="0" i="0">
-                <a:solidFill>
-                  <a:srgbClr val="333333"/>
-                </a:solidFill>
-                <a:effectLst/>
-              </a:rPr>
-              <a:t>기능 및 라이프 사이클 기능을 사용 </a:t>
-            </a:r>
-            <a:r>
-              <a:rPr lang="en-US" altLang="ko-KR" b="0" i="0">
-                <a:solidFill>
-                  <a:srgbClr val="333333"/>
-                </a:solidFill>
-                <a:effectLst/>
-              </a:rPr>
-              <a:t>(</a:t>
-            </a:r>
-            <a:r>
-              <a:rPr lang="ko-KR" altLang="en-US" b="0" i="0">
-                <a:solidFill>
-                  <a:srgbClr val="333333"/>
-                </a:solidFill>
-                <a:effectLst/>
-              </a:rPr>
-              <a:t>함수형 컴포넌트는 훅스로 해결</a:t>
-            </a:r>
-            <a:r>
-              <a:rPr lang="en-US" altLang="ko-KR" b="0" i="0">
-                <a:solidFill>
-                  <a:srgbClr val="333333"/>
-                </a:solidFill>
-                <a:effectLst/>
-              </a:rPr>
-              <a:t>)</a:t>
-            </a:r>
-          </a:p>
-          <a:p>
-            <a:r>
-              <a:rPr lang="ko-KR" altLang="en-US" b="0" i="0">
-                <a:solidFill>
-                  <a:srgbClr val="000000"/>
-                </a:solidFill>
-                <a:effectLst/>
-              </a:rPr>
-              <a:t>함수형 컴포넌트는 메모리 자원을 덜 사용한다는 장점</a:t>
-            </a:r>
-            <a:endParaRPr lang="en-US" altLang="ko-KR" b="0" i="0">
-              <a:solidFill>
-                <a:srgbClr val="000000"/>
-              </a:solidFill>
-              <a:effectLst/>
-            </a:endParaRPr>
-          </a:p>
-          <a:p>
-            <a:r>
-              <a:rPr lang="en-US" altLang="ko-KR" b="0" i="0">
-                <a:solidFill>
-                  <a:srgbClr val="000000"/>
-                </a:solidFill>
-                <a:effectLst/>
-              </a:rPr>
-              <a:t>state</a:t>
-            </a:r>
-            <a:r>
-              <a:rPr lang="ko-KR" altLang="en-US" b="0" i="0">
-                <a:solidFill>
-                  <a:srgbClr val="000000"/>
-                </a:solidFill>
-                <a:effectLst/>
-              </a:rPr>
-              <a:t>선언 방식</a:t>
-            </a:r>
-            <a:r>
-              <a:rPr lang="en-US" altLang="ko-KR" b="0" i="0">
-                <a:solidFill>
-                  <a:srgbClr val="000000"/>
-                </a:solidFill>
-                <a:effectLst/>
-              </a:rPr>
-              <a:t>, props</a:t>
-            </a:r>
-            <a:r>
-              <a:rPr lang="ko-KR" altLang="en-US" b="0" i="0">
-                <a:solidFill>
-                  <a:srgbClr val="000000"/>
-                </a:solidFill>
-                <a:effectLst/>
-              </a:rPr>
-              <a:t>를 가져오는 방식</a:t>
-            </a:r>
-            <a:r>
-              <a:rPr lang="en-US" altLang="ko-KR" b="0" i="0">
-                <a:solidFill>
-                  <a:srgbClr val="000000"/>
-                </a:solidFill>
-                <a:effectLst/>
-              </a:rPr>
-              <a:t>, event handling</a:t>
-            </a:r>
-            <a:r>
-              <a:rPr lang="ko-KR" altLang="en-US" b="0" i="0">
-                <a:solidFill>
-                  <a:srgbClr val="000000"/>
-                </a:solidFill>
-                <a:effectLst/>
-              </a:rPr>
-              <a:t>을 하는 방식이 조금씩 다름</a:t>
-            </a:r>
-            <a:endParaRPr lang="en-US" altLang="ko-KR" b="0" i="0">
-              <a:solidFill>
-                <a:srgbClr val="000000"/>
-              </a:solidFill>
-              <a:effectLst/>
-            </a:endParaRPr>
-          </a:p>
-          <a:p>
-            <a:r>
-              <a:rPr lang="ko-KR" altLang="en-US" b="0" i="0">
-                <a:solidFill>
-                  <a:srgbClr val="000000"/>
-                </a:solidFill>
-                <a:effectLst/>
-              </a:rPr>
-              <a:t>주요 훅스 </a:t>
-            </a:r>
-            <a:r>
-              <a:rPr lang="en-US" altLang="ko-KR" b="0" i="0">
-                <a:solidFill>
-                  <a:srgbClr val="000000"/>
-                </a:solidFill>
-                <a:effectLst/>
-              </a:rPr>
-              <a:t>: useState, useEffect, useRef, useContext, useReducer, useCallback, useMemo</a:t>
-            </a:r>
-          </a:p>
-          <a:p>
-            <a:endParaRPr lang="en-US" altLang="ko-KR" b="0" i="0">
-              <a:solidFill>
-                <a:srgbClr val="000000"/>
-              </a:solidFill>
-              <a:effectLst/>
-            </a:endParaRPr>
-          </a:p>
-          <a:p>
-            <a:r>
-              <a:rPr lang="en-US" altLang="ko-KR" b="0" i="0">
-                <a:solidFill>
-                  <a:srgbClr val="000000"/>
-                </a:solidFill>
-                <a:effectLst/>
-              </a:rPr>
-              <a:t>props : </a:t>
-            </a:r>
-            <a:r>
-              <a:rPr lang="ko-KR" altLang="en-US" b="0" i="0">
-                <a:solidFill>
-                  <a:srgbClr val="000000"/>
-                </a:solidFill>
-                <a:effectLst/>
-              </a:rPr>
-              <a:t>상위 컴포넌트에서 하위 컴포넌트로 데이터를 전달할 때 사용</a:t>
-            </a:r>
-            <a:endParaRPr lang="en-US" altLang="ko-KR" b="0" i="0">
-              <a:solidFill>
-                <a:srgbClr val="000000"/>
-              </a:solidFill>
-              <a:effectLst/>
-            </a:endParaRPr>
-          </a:p>
-          <a:p>
-            <a:r>
-              <a:rPr lang="en-US" altLang="ko-KR" b="0" i="0">
-                <a:solidFill>
-                  <a:srgbClr val="000000"/>
-                </a:solidFill>
-                <a:effectLst/>
-              </a:rPr>
-              <a:t>hook : </a:t>
-            </a:r>
-            <a:r>
-              <a:rPr lang="ko-KR" altLang="en-US" b="0" i="0">
-                <a:solidFill>
-                  <a:srgbClr val="000000"/>
-                </a:solidFill>
-                <a:effectLst/>
-              </a:rPr>
-              <a:t>함수컴포넌트에서 클래스 구성 요소처럼 </a:t>
-            </a:r>
-            <a:r>
-              <a:rPr lang="en-US" altLang="ko-KR" b="0" i="0">
-                <a:solidFill>
-                  <a:srgbClr val="000000"/>
-                </a:solidFill>
-                <a:effectLst/>
-              </a:rPr>
-              <a:t>&lt;state&gt; </a:t>
-            </a:r>
-            <a:r>
-              <a:rPr lang="ko-KR" altLang="en-US" b="0" i="0">
-                <a:solidFill>
-                  <a:srgbClr val="000000"/>
-                </a:solidFill>
-                <a:effectLst/>
-              </a:rPr>
-              <a:t>및 </a:t>
-            </a:r>
-            <a:r>
-              <a:rPr lang="en-US" altLang="ko-KR" b="0" i="0">
-                <a:solidFill>
-                  <a:srgbClr val="000000"/>
-                </a:solidFill>
-                <a:effectLst/>
-              </a:rPr>
-              <a:t>&lt;lifecycle features&gt;</a:t>
-            </a:r>
-            <a:r>
-              <a:rPr lang="ko-KR" altLang="en-US" b="0" i="0">
-                <a:solidFill>
-                  <a:srgbClr val="000000"/>
-                </a:solidFill>
-                <a:effectLst/>
-              </a:rPr>
-              <a:t>를 사용할 수 있도록하는 함수</a:t>
+                  <a:srgbClr val="222426"/>
+                </a:solidFill>
+                <a:effectLst/>
+              </a:rPr>
+              <a:t>함수형 컴포넌트가 선언이 더 편함</a:t>
             </a:r>
             <a:endParaRPr lang="en-US" altLang="ko-KR" b="0" i="0">
               <a:solidFill>
@@ -7021,12 +6848,124 @@
               <a:effectLst/>
             </a:endParaRPr>
           </a:p>
+          <a:p>
+            <a:endParaRPr lang="en-US" altLang="ko-KR" b="0" i="0">
+              <a:solidFill>
+                <a:srgbClr val="222426"/>
+              </a:solidFill>
+              <a:effectLst/>
+            </a:endParaRPr>
+          </a:p>
+          <a:p>
+            <a:r>
+              <a:rPr lang="en-US" altLang="ko-KR" b="0" i="0">
+                <a:solidFill>
+                  <a:srgbClr val="222426"/>
+                </a:solidFill>
+                <a:effectLst/>
+              </a:rPr>
+              <a:t>class component</a:t>
+            </a:r>
+            <a:r>
+              <a:rPr lang="ko-KR" altLang="en-US" b="0" i="0">
+                <a:solidFill>
+                  <a:srgbClr val="222426"/>
+                </a:solidFill>
+                <a:effectLst/>
+              </a:rPr>
+              <a:t>는</a:t>
+            </a:r>
+            <a:endParaRPr lang="en-US" altLang="ko-KR" b="0" i="0">
+              <a:solidFill>
+                <a:srgbClr val="222426"/>
+              </a:solidFill>
+              <a:effectLst/>
+            </a:endParaRPr>
+          </a:p>
+          <a:p>
+            <a:r>
+              <a:rPr lang="en-US" altLang="ko-KR" b="0" i="0">
+                <a:solidFill>
+                  <a:srgbClr val="222426"/>
+                </a:solidFill>
+                <a:effectLst/>
+              </a:rPr>
+              <a:t>  class </a:t>
+            </a:r>
+            <a:r>
+              <a:rPr lang="ko-KR" altLang="en-US" b="0" i="0">
+                <a:solidFill>
+                  <a:srgbClr val="222426"/>
+                </a:solidFill>
+                <a:effectLst/>
+              </a:rPr>
+              <a:t>키워드 필요</a:t>
+            </a:r>
+            <a:endParaRPr lang="en-US" altLang="ko-KR" b="0" i="0">
+              <a:solidFill>
+                <a:srgbClr val="222426"/>
+              </a:solidFill>
+              <a:effectLst/>
+            </a:endParaRPr>
+          </a:p>
+          <a:p>
+            <a:r>
+              <a:rPr lang="en-US" altLang="ko-KR" b="0" i="0">
+                <a:solidFill>
+                  <a:srgbClr val="222426"/>
+                </a:solidFill>
+                <a:effectLst/>
+              </a:rPr>
+              <a:t>  Component</a:t>
+            </a:r>
+            <a:r>
+              <a:rPr lang="ko-KR" altLang="en-US" b="0" i="0">
+                <a:solidFill>
+                  <a:srgbClr val="222426"/>
+                </a:solidFill>
+                <a:effectLst/>
+              </a:rPr>
+              <a:t>로 상속을 받아야함</a:t>
+            </a:r>
+            <a:endParaRPr lang="en-US" altLang="ko-KR" b="0" i="0">
+              <a:solidFill>
+                <a:srgbClr val="222426"/>
+              </a:solidFill>
+              <a:effectLst/>
+            </a:endParaRPr>
+          </a:p>
+          <a:p>
+            <a:r>
+              <a:rPr lang="en-US" altLang="ko-KR" b="0" i="0">
+                <a:solidFill>
+                  <a:srgbClr val="222426"/>
+                </a:solidFill>
+                <a:effectLst/>
+              </a:rPr>
+              <a:t>  render() </a:t>
+            </a:r>
+            <a:r>
+              <a:rPr lang="ko-KR" altLang="en-US" b="0" i="0">
+                <a:solidFill>
+                  <a:srgbClr val="222426"/>
+                </a:solidFill>
+                <a:effectLst/>
+              </a:rPr>
+              <a:t>메소드가 필요</a:t>
+            </a:r>
+            <a:endParaRPr lang="en-US" altLang="ko-KR" b="0" i="0">
+              <a:solidFill>
+                <a:srgbClr val="222426"/>
+              </a:solidFill>
+              <a:effectLst/>
+            </a:endParaRPr>
+          </a:p>
         </p:txBody>
       </p:sp>
     </p:spTree>
     <p:extLst>
       <p:ext uri="{BB962C8B-B14F-4D97-AF65-F5344CB8AC3E}">
-        <p14:creationId xmlns:p14="http://schemas.microsoft.com/office/powerpoint/2010/main" val="3905469373"/>
+        <p14:creationId xmlns:p14="http://schemas.microsoft.com/office/powerpoint/2010/main" val="4241106486"/>
       </p:ext>
     </p:extLst>
   </p:cSld>
@@ -7330,6 +7269,315 @@
           <a:lstStyle/>
           <a:p>
             <a:r>
+              <a:rPr lang="ko-KR" altLang="en-US" b="0" i="0">
+                <a:solidFill>
+                  <a:srgbClr val="333333"/>
+                </a:solidFill>
+                <a:effectLst/>
+              </a:rPr>
+              <a:t>클래스형 컴포넌트의 경우 </a:t>
+            </a:r>
+            <a:r>
+              <a:rPr lang="en-US" altLang="ko-KR" b="0" i="0">
+                <a:solidFill>
+                  <a:srgbClr val="333333"/>
+                </a:solidFill>
+                <a:effectLst/>
+              </a:rPr>
+              <a:t>state </a:t>
+            </a:r>
+            <a:r>
+              <a:rPr lang="ko-KR" altLang="en-US" b="0" i="0">
+                <a:solidFill>
+                  <a:srgbClr val="333333"/>
+                </a:solidFill>
+                <a:effectLst/>
+              </a:rPr>
+              <a:t>기능 및 라이프 사이클 기능을 사용 </a:t>
+            </a:r>
+            <a:r>
+              <a:rPr lang="en-US" altLang="ko-KR" b="0" i="0">
+                <a:solidFill>
+                  <a:srgbClr val="333333"/>
+                </a:solidFill>
+                <a:effectLst/>
+              </a:rPr>
+              <a:t>(</a:t>
+            </a:r>
+            <a:r>
+              <a:rPr lang="ko-KR" altLang="en-US" b="0" i="0">
+                <a:solidFill>
+                  <a:srgbClr val="333333"/>
+                </a:solidFill>
+                <a:effectLst/>
+              </a:rPr>
+              <a:t>함수형 컴포넌트는 훅스로 해결</a:t>
+            </a:r>
+            <a:r>
+              <a:rPr lang="en-US" altLang="ko-KR" b="0" i="0">
+                <a:solidFill>
+                  <a:srgbClr val="333333"/>
+                </a:solidFill>
+                <a:effectLst/>
+              </a:rPr>
+              <a:t>)</a:t>
+            </a:r>
+          </a:p>
+          <a:p>
+            <a:r>
+              <a:rPr lang="ko-KR" altLang="en-US" b="0" i="0">
+                <a:solidFill>
+                  <a:srgbClr val="000000"/>
+                </a:solidFill>
+                <a:effectLst/>
+              </a:rPr>
+              <a:t>함수형 컴포넌트는 메모리 자원을 덜 사용한다는 장점</a:t>
+            </a:r>
+            <a:endParaRPr lang="en-US" altLang="ko-KR" b="0" i="0">
+              <a:solidFill>
+                <a:srgbClr val="000000"/>
+              </a:solidFill>
+              <a:effectLst/>
+            </a:endParaRPr>
+          </a:p>
+          <a:p>
+            <a:r>
+              <a:rPr lang="en-US" altLang="ko-KR" b="0" i="0">
+                <a:solidFill>
+                  <a:srgbClr val="000000"/>
+                </a:solidFill>
+                <a:effectLst/>
+              </a:rPr>
+              <a:t>state</a:t>
+            </a:r>
+            <a:r>
+              <a:rPr lang="ko-KR" altLang="en-US" b="0" i="0">
+                <a:solidFill>
+                  <a:srgbClr val="000000"/>
+                </a:solidFill>
+                <a:effectLst/>
+              </a:rPr>
+              <a:t>선언 방식</a:t>
+            </a:r>
+            <a:r>
+              <a:rPr lang="en-US" altLang="ko-KR" b="0" i="0">
+                <a:solidFill>
+                  <a:srgbClr val="000000"/>
+                </a:solidFill>
+                <a:effectLst/>
+              </a:rPr>
+              <a:t>, props</a:t>
+            </a:r>
+            <a:r>
+              <a:rPr lang="ko-KR" altLang="en-US" b="0" i="0">
+                <a:solidFill>
+                  <a:srgbClr val="000000"/>
+                </a:solidFill>
+                <a:effectLst/>
+              </a:rPr>
+              <a:t>를 가져오는 방식</a:t>
+            </a:r>
+            <a:r>
+              <a:rPr lang="en-US" altLang="ko-KR" b="0" i="0">
+                <a:solidFill>
+                  <a:srgbClr val="000000"/>
+                </a:solidFill>
+                <a:effectLst/>
+              </a:rPr>
+              <a:t>, event handling</a:t>
+            </a:r>
+            <a:r>
+              <a:rPr lang="ko-KR" altLang="en-US" b="0" i="0">
+                <a:solidFill>
+                  <a:srgbClr val="000000"/>
+                </a:solidFill>
+                <a:effectLst/>
+              </a:rPr>
+              <a:t>을 하는 방식이 조금씩 다름</a:t>
+            </a:r>
+            <a:endParaRPr lang="en-US" altLang="ko-KR" b="0" i="0">
+              <a:solidFill>
+                <a:srgbClr val="000000"/>
+              </a:solidFill>
+              <a:effectLst/>
+            </a:endParaRPr>
+          </a:p>
+          <a:p>
+            <a:r>
+              <a:rPr lang="ko-KR" altLang="en-US" b="0" i="0">
+                <a:solidFill>
+                  <a:srgbClr val="000000"/>
+                </a:solidFill>
+                <a:effectLst/>
+              </a:rPr>
+              <a:t>주요 훅스 </a:t>
+            </a:r>
+            <a:r>
+              <a:rPr lang="en-US" altLang="ko-KR" b="0" i="0">
+                <a:solidFill>
+                  <a:srgbClr val="000000"/>
+                </a:solidFill>
+                <a:effectLst/>
+              </a:rPr>
+              <a:t>: useState, useEffect, useRef, useContext, useReducer, useCallback, useMemo</a:t>
+            </a:r>
+          </a:p>
+          <a:p>
+            <a:endParaRPr lang="en-US" altLang="ko-KR" b="0" i="0">
+              <a:solidFill>
+                <a:srgbClr val="000000"/>
+              </a:solidFill>
+              <a:effectLst/>
+            </a:endParaRPr>
+          </a:p>
+          <a:p>
+            <a:r>
+              <a:rPr lang="en-US" altLang="ko-KR" b="0" i="0">
+                <a:solidFill>
+                  <a:srgbClr val="000000"/>
+                </a:solidFill>
+                <a:effectLst/>
+              </a:rPr>
+              <a:t>props : </a:t>
+            </a:r>
+            <a:r>
+              <a:rPr lang="ko-KR" altLang="en-US" b="0" i="0">
+                <a:solidFill>
+                  <a:srgbClr val="000000"/>
+                </a:solidFill>
+                <a:effectLst/>
+              </a:rPr>
+              <a:t>상위 컴포넌트에서 하위 컴포넌트로 데이터를 전달할 때 사용</a:t>
+            </a:r>
+            <a:endParaRPr lang="en-US" altLang="ko-KR" b="0" i="0">
+              <a:solidFill>
+                <a:srgbClr val="000000"/>
+              </a:solidFill>
+              <a:effectLst/>
+            </a:endParaRPr>
+          </a:p>
+          <a:p>
+            <a:r>
+              <a:rPr lang="en-US" altLang="ko-KR" b="0" i="0">
+                <a:solidFill>
+                  <a:srgbClr val="000000"/>
+                </a:solidFill>
+                <a:effectLst/>
+              </a:rPr>
+              <a:t>hook : </a:t>
+            </a:r>
+            <a:r>
+              <a:rPr lang="ko-KR" altLang="en-US" b="0" i="0">
+                <a:solidFill>
+                  <a:srgbClr val="000000"/>
+                </a:solidFill>
+                <a:effectLst/>
+              </a:rPr>
+              <a:t>함수컴포넌트에서 클래스 구성 요소처럼 </a:t>
+            </a:r>
+            <a:r>
+              <a:rPr lang="en-US" altLang="ko-KR" b="0" i="0">
+                <a:solidFill>
+                  <a:srgbClr val="000000"/>
+                </a:solidFill>
+                <a:effectLst/>
+              </a:rPr>
+              <a:t>&lt;state&gt; </a:t>
+            </a:r>
+            <a:r>
+              <a:rPr lang="ko-KR" altLang="en-US" b="0" i="0">
+                <a:solidFill>
+                  <a:srgbClr val="000000"/>
+                </a:solidFill>
+                <a:effectLst/>
+              </a:rPr>
+              <a:t>및 </a:t>
+            </a:r>
+            <a:r>
+              <a:rPr lang="en-US" altLang="ko-KR" b="0" i="0">
+                <a:solidFill>
+                  <a:srgbClr val="000000"/>
+                </a:solidFill>
+                <a:effectLst/>
+              </a:rPr>
+              <a:t>&lt;lifecycle features&gt;</a:t>
+            </a:r>
+            <a:r>
+              <a:rPr lang="ko-KR" altLang="en-US" b="0" i="0">
+                <a:solidFill>
+                  <a:srgbClr val="000000"/>
+                </a:solidFill>
+                <a:effectLst/>
+              </a:rPr>
+              <a:t>를 사용할 수 있도록하는 함수</a:t>
+            </a:r>
+            <a:endParaRPr lang="en-US" altLang="ko-KR" b="0" i="0">
+              <a:solidFill>
+                <a:srgbClr val="222426"/>
+              </a:solidFill>
+              <a:effectLst/>
+            </a:endParaRPr>
+          </a:p>
+        </p:txBody>
+      </p:sp>
+    </p:spTree>
+    <p:extLst>
+      <p:ext uri="{BB962C8B-B14F-4D97-AF65-F5344CB8AC3E}">
+        <p14:creationId xmlns:p14="http://schemas.microsoft.com/office/powerpoint/2010/main" val="3905469373"/>
+      </p:ext>
+    </p:extLst>
+  </p:cSld>
+  <p:clrMapOvr>
+    <a:masterClrMapping/>
+  </p:clrMapOvr>
+</p:notes>
+</file>
+
+<file path=ppt/notesSlides/notesSlide41.xml><?xml version="1.0" encoding="utf-8"?>
+<p:notes xmlns:a="http://schemas.openxmlformats.org/drawingml/2006/main" xmlns:r="http://schemas.openxmlformats.org/officeDocument/2006/relationships" xmlns:p="http://schemas.openxmlformats.org/presentationml/2006/main">
+  <p:cSld>
+    <p:spTree>
+      <p:nvGrpSpPr>
+        <p:cNvPr id="1" name=""/>
+        <p:cNvGrpSpPr/>
+        <p:nvPr/>
+      </p:nvGrpSpPr>
+      <p:grpSpPr>
+        <a:xfrm>
+          <a:off x="0" y="0"/>
+          <a:ext cx="0" cy="0"/>
+          <a:chOff x="0" y="0"/>
+          <a:chExt cx="0" cy="0"/>
+        </a:xfrm>
+      </p:grpSpPr>
+      <p:sp>
+        <p:nvSpPr>
+          <p:cNvPr id="2" name="슬라이드 이미지 개체 틀 1"/>
+          <p:cNvSpPr>
+            <a:spLocks noGrp="1" noRot="1" noChangeAspect="1"/>
+          </p:cNvSpPr>
+          <p:nvPr>
+            <p:ph type="sldImg"/>
+          </p:nvPr>
+        </p:nvSpPr>
+        <p:spPr/>
+      </p:sp>
+      <p:sp>
+        <p:nvSpPr>
+          <p:cNvPr id="3" name="슬라이드 노트 개체 틀 2"/>
+          <p:cNvSpPr>
+            <a:spLocks noGrp="1"/>
+          </p:cNvSpPr>
+          <p:nvPr>
+            <p:ph type="body" idx="1"/>
+          </p:nvPr>
+        </p:nvSpPr>
+        <p:spPr/>
+        <p:txBody>
+          <a:bodyPr/>
+          <a:lstStyle/>
+          <a:p>
+            <a:r>
               <a:rPr lang="en-US" altLang="ko-KR" b="0" i="0">
                 <a:solidFill>
                   <a:srgbClr val="222426"/>
@@ -7453,7 +7701,7 @@
 </p:notes>
 </file>
 
-<file path=ppt/notesSlides/notesSlide41.xml><?xml version="1.0" encoding="utf-8"?>
+<file path=ppt/notesSlides/notesSlide42.xml><?xml version="1.0" encoding="utf-8"?>
 <p:notes xmlns:a="http://schemas.openxmlformats.org/drawingml/2006/main" xmlns:r="http://schemas.openxmlformats.org/officeDocument/2006/relationships" xmlns:p="http://schemas.openxmlformats.org/presentationml/2006/main">
   <p:cSld>
     <p:spTree>
@@ -24891,7 +25139,10 @@
           <a:lstStyle/>
           <a:p>
             <a:pPr algn="ctr"/>
-            <a:endParaRPr lang="ko-KR" altLang="en-US"/>
+            <a:endParaRPr lang="ko-KR" altLang="en-US">
+              <a:latin typeface="빙그레 메로나체" panose="020B0503000000000000" pitchFamily="50" charset="-127"/>
+              <a:ea typeface="빙그레 메로나체" panose="020B0503000000000000" pitchFamily="50" charset="-127"/>
+            </a:endParaRPr>
           </a:p>
         </p:txBody>
       </p:sp>
@@ -24945,7 +25196,10 @@
           <a:lstStyle/>
           <a:p>
             <a:pPr algn="ctr"/>
-            <a:endParaRPr lang="ko-KR" altLang="en-US"/>
+            <a:endParaRPr lang="ko-KR" altLang="en-US">
+              <a:latin typeface="빙그레 메로나체" panose="020B0503000000000000" pitchFamily="50" charset="-127"/>
+              <a:ea typeface="빙그레 메로나체" panose="020B0503000000000000" pitchFamily="50" charset="-127"/>
+            </a:endParaRPr>
           </a:p>
         </p:txBody>
       </p:sp>
@@ -34969,7 +35223,10 @@
           <a:lstStyle/>
           <a:p>
             <a:pPr algn="ctr"/>
-            <a:endParaRPr lang="ko-KR" altLang="en-US"/>
+            <a:endParaRPr lang="ko-KR" altLang="en-US">
+              <a:latin typeface="빙그레 메로나체" panose="020B0503000000000000" pitchFamily="50" charset="-127"/>
+              <a:ea typeface="빙그레 메로나체" panose="020B0503000000000000" pitchFamily="50" charset="-127"/>
+            </a:endParaRPr>
           </a:p>
         </p:txBody>
       </p:sp>
@@ -35069,7 +35326,10 @@
           <a:lstStyle/>
           <a:p>
             <a:pPr algn="ctr"/>
-            <a:endParaRPr lang="ko-KR" altLang="en-US"/>
+            <a:endParaRPr lang="ko-KR" altLang="en-US">
+              <a:latin typeface="빙그레 메로나체" panose="020B0503000000000000" pitchFamily="50" charset="-127"/>
+              <a:ea typeface="빙그레 메로나체" panose="020B0503000000000000" pitchFamily="50" charset="-127"/>
+            </a:endParaRPr>
           </a:p>
         </p:txBody>
       </p:sp>
@@ -37242,6 +37502,51 @@
           </a:p>
         </p:txBody>
       </p:sp>
+      <p:sp>
+        <p:nvSpPr>
+          <p:cNvPr id="12" name="TextBox 11">
+            <a:extLst>
+              <a:ext uri="{FF2B5EF4-FFF2-40B4-BE49-F238E27FC236}">
+                <a16:creationId xmlns:a16="http://schemas.microsoft.com/office/drawing/2014/main" id="{E5E9B77C-8B15-4527-AD16-5FA78B7CF67F}"/>
+              </a:ext>
+            </a:extLst>
+          </p:cNvPr>
+          <p:cNvSpPr txBox="1"/>
+          <p:nvPr/>
+        </p:nvSpPr>
+        <p:spPr>
+          <a:xfrm>
+            <a:off x="582516" y="6320424"/>
+            <a:ext cx="10656712" cy="307777"/>
+          </a:xfrm>
+          <a:prstGeom prst="rect">
+            <a:avLst/>
+          </a:prstGeom>
+          <a:noFill/>
+        </p:spPr>
+        <p:txBody>
+          <a:bodyPr wrap="square">
+            <a:spAutoFit/>
+          </a:bodyPr>
+          <a:lstStyle/>
+          <a:p>
+            <a:r>
+              <a:rPr lang="en-US" altLang="ko-KR" sz="1400">
+                <a:ln>
+                  <a:solidFill>
+                    <a:schemeClr val="tx1">
+                      <a:alpha val="30000"/>
+                    </a:schemeClr>
+                  </a:solidFill>
+                </a:ln>
+                <a:latin typeface="빙그레 메로나체" panose="020B0503000000000000" pitchFamily="50" charset="-127"/>
+                <a:ea typeface="빙그레 메로나체" panose="020B0503000000000000" pitchFamily="50" charset="-127"/>
+              </a:rPr>
+              <a:t>* bridge : IOS, Android can access native code</a:t>
+            </a:r>
+          </a:p>
+        </p:txBody>
+      </p:sp>
     </p:spTree>
     <p:extLst>
       <p:ext uri="{BB962C8B-B14F-4D97-AF65-F5344CB8AC3E}">
@@ -37437,7 +37742,7 @@
                 <a:latin typeface="빙그레 메로나체" panose="020B0503000000000000" pitchFamily="50" charset="-127"/>
                 <a:ea typeface="빙그레 메로나체" panose="020B0503000000000000" pitchFamily="50" charset="-127"/>
               </a:rPr>
-              <a:t>Development Environment - Webpack</a:t>
+              <a:t>Characteristic - React Native</a:t>
             </a:r>
           </a:p>
         </p:txBody>
@@ -37475,10 +37780,10 @@
       </p:sp>
       <p:sp>
         <p:nvSpPr>
-          <p:cNvPr id="15" name="TextBox 14">
+          <p:cNvPr id="14" name="TextBox 13">
             <a:extLst>
               <a:ext uri="{FF2B5EF4-FFF2-40B4-BE49-F238E27FC236}">
-                <a16:creationId xmlns:a16="http://schemas.microsoft.com/office/drawing/2014/main" id="{6B861D45-A875-4DB0-B2FF-051A4BAC2D3E}"/>
+                <a16:creationId xmlns:a16="http://schemas.microsoft.com/office/drawing/2014/main" id="{DA7321BA-C5E9-453D-BB89-B6EF7358FC4B}"/>
               </a:ext>
             </a:extLst>
           </p:cNvPr>
@@ -37487,26 +37792,28 @@
         </p:nvSpPr>
         <p:spPr>
           <a:xfrm>
-            <a:off x="0" y="5595085"/>
-            <a:ext cx="12187985" cy="400110"/>
+            <a:off x="618423" y="1524603"/>
+            <a:ext cx="2084137" cy="461665"/>
           </a:xfrm>
           <a:prstGeom prst="rect">
             <a:avLst/>
           </a:prstGeom>
-          <a:noFill/>
-          <a:ln>
-            <a:noFill/>
-          </a:ln>
+          <a:solidFill>
+            <a:schemeClr val="tx2">
+              <a:lumMod val="20000"/>
+              <a:lumOff val="80000"/>
+            </a:schemeClr>
+          </a:solidFill>
         </p:spPr>
         <p:txBody>
-          <a:bodyPr wrap="square" rtlCol="0">
+          <a:bodyPr wrap="square">
             <a:spAutoFit/>
           </a:bodyPr>
           <a:lstStyle/>
           <a:p>
             <a:pPr algn="ctr"/>
             <a:r>
-              <a:rPr lang="en-US" altLang="ko-KR" sz="2000">
+              <a:rPr lang="en-US" altLang="ko-KR" sz="2400">
                 <a:ln>
                   <a:solidFill>
                     <a:schemeClr val="tx1">
@@ -37514,11 +37821,28 @@
                     </a:schemeClr>
                   </a:solidFill>
                 </a:ln>
-                <a:latin typeface="빙그레 메로나체" panose="020B0503000000000000" pitchFamily="50" charset="-127"/>
-                <a:ea typeface="빙그레 메로나체" panose="020B0503000000000000" pitchFamily="50" charset="-127"/>
-              </a:rPr>
-              <a:t>Module bundler library</a:t>
-            </a:r>
+                <a:solidFill>
+                  <a:schemeClr val="tx1"/>
+                </a:solidFill>
+                <a:latin typeface="빙그레 메로나체" panose="020B0503000000000000" pitchFamily="50" charset="-127"/>
+                <a:ea typeface="빙그레 메로나체" panose="020B0503000000000000" pitchFamily="50" charset="-127"/>
+              </a:rPr>
+              <a:t>React Native</a:t>
+            </a:r>
+            <a:endParaRPr lang="ko-KR" altLang="en-US" sz="2400">
+              <a:ln>
+                <a:solidFill>
+                  <a:schemeClr val="tx1">
+                    <a:alpha val="30000"/>
+                  </a:schemeClr>
+                </a:solidFill>
+              </a:ln>
+              <a:solidFill>
+                <a:schemeClr val="tx1"/>
+              </a:solidFill>
+              <a:latin typeface="빙그레 메로나체" panose="020B0503000000000000" pitchFamily="50" charset="-127"/>
+              <a:ea typeface="빙그레 메로나체" panose="020B0503000000000000" pitchFamily="50" charset="-127"/>
+            </a:endParaRPr>
           </a:p>
         </p:txBody>
       </p:sp>
@@ -37527,7 +37851,7 @@
           <p:cNvPr id="11" name="TextBox 10">
             <a:extLst>
               <a:ext uri="{FF2B5EF4-FFF2-40B4-BE49-F238E27FC236}">
-                <a16:creationId xmlns:a16="http://schemas.microsoft.com/office/drawing/2014/main" id="{11AA1287-2638-445F-A4A9-782B40FAFAEE}"/>
+                <a16:creationId xmlns:a16="http://schemas.microsoft.com/office/drawing/2014/main" id="{C8FD682D-25E3-4247-B8ED-3CD889D1BF1D}"/>
               </a:ext>
             </a:extLst>
           </p:cNvPr>
@@ -37536,8 +37860,8 @@
         </p:nvSpPr>
         <p:spPr>
           <a:xfrm>
-            <a:off x="0" y="6562722"/>
-            <a:ext cx="7608858" cy="307777"/>
+            <a:off x="0" y="6334123"/>
+            <a:ext cx="11609484" cy="523220"/>
           </a:xfrm>
           <a:prstGeom prst="rect">
             <a:avLst/>
@@ -37567,17 +37891,17 @@
                 <a:latin typeface="빙그레 메로나체" panose="020B0503000000000000" pitchFamily="50" charset="-127"/>
                 <a:ea typeface="빙그레 메로나체" panose="020B0503000000000000" pitchFamily="50" charset="-127"/>
               </a:rPr>
-              <a:t>source : https://webpack.js.org/</a:t>
+              <a:t>source : https://medium.com/react-native-seoul/%EC%83%88%EB%A1%9C%EC%9A%B4-react-native-%EC%95%84%ED%82%A4%ED%85%8D%EC%B3%90-%EC%84%A4%EB%AA%85-a80a60ec04d7</a:t>
             </a:r>
           </a:p>
         </p:txBody>
       </p:sp>
       <p:pic>
         <p:nvPicPr>
-          <p:cNvPr id="1028" name="Picture 4" descr="Image for post">
+          <p:cNvPr id="3074" name="Picture 2" descr="Image for post">
             <a:extLst>
               <a:ext uri="{FF2B5EF4-FFF2-40B4-BE49-F238E27FC236}">
-                <a16:creationId xmlns:a16="http://schemas.microsoft.com/office/drawing/2014/main" id="{9CE3F4D5-38D9-4C48-BFAB-0A7DCE01145E}"/>
+                <a16:creationId xmlns:a16="http://schemas.microsoft.com/office/drawing/2014/main" id="{89906286-5F52-423F-865E-1E95E125BBC0}"/>
               </a:ext>
             </a:extLst>
           </p:cNvPr>
@@ -37586,7 +37910,7 @@
           </p:cNvPicPr>
           <p:nvPr/>
         </p:nvPicPr>
-        <p:blipFill>
+        <p:blipFill rotWithShape="1">
           <a:blip r:embed="rId3">
             <a:extLst>
               <a:ext uri="{28A0092B-C50C-407E-A947-70E740481C1C}">
@@ -37594,15 +37918,13 @@
               </a:ext>
             </a:extLst>
           </a:blip>
-          <a:srcRect/>
-          <a:stretch>
-            <a:fillRect/>
-          </a:stretch>
+          <a:srcRect t="4594" b="5774"/>
+          <a:stretch/>
         </p:blipFill>
         <p:spPr bwMode="auto">
           <a:xfrm>
-            <a:off x="1792705" y="1585532"/>
-            <a:ext cx="8606590" cy="3686938"/>
+            <a:off x="2904660" y="2040055"/>
+            <a:ext cx="6850303" cy="4094623"/>
           </a:xfrm>
           <a:prstGeom prst="rect">
             <a:avLst/>
@@ -37619,55 +37941,10 @@
           </a:extLst>
         </p:spPr>
       </p:pic>
-      <p:sp>
-        <p:nvSpPr>
-          <p:cNvPr id="13" name="TextBox 12">
-            <a:extLst>
-              <a:ext uri="{FF2B5EF4-FFF2-40B4-BE49-F238E27FC236}">
-                <a16:creationId xmlns:a16="http://schemas.microsoft.com/office/drawing/2014/main" id="{9AC59467-E4DA-488F-B627-48CBB7FE821B}"/>
-              </a:ext>
-            </a:extLst>
-          </p:cNvPr>
-          <p:cNvSpPr txBox="1"/>
-          <p:nvPr/>
-        </p:nvSpPr>
-        <p:spPr>
-          <a:xfrm>
-            <a:off x="582516" y="6320424"/>
-            <a:ext cx="10656712" cy="307777"/>
-          </a:xfrm>
-          <a:prstGeom prst="rect">
-            <a:avLst/>
-          </a:prstGeom>
-          <a:noFill/>
-        </p:spPr>
-        <p:txBody>
-          <a:bodyPr wrap="square">
-            <a:spAutoFit/>
-          </a:bodyPr>
-          <a:lstStyle/>
-          <a:p>
-            <a:r>
-              <a:rPr lang="en-US" altLang="ko-KR" sz="1400">
-                <a:ln>
-                  <a:solidFill>
-                    <a:schemeClr val="tx1">
-                      <a:alpha val="30000"/>
-                    </a:schemeClr>
-                  </a:solidFill>
-                </a:ln>
-                <a:latin typeface="빙그레 메로나체" panose="020B0503000000000000" pitchFamily="50" charset="-127"/>
-                <a:ea typeface="빙그레 메로나체" panose="020B0503000000000000" pitchFamily="50" charset="-127"/>
-              </a:rPr>
-              <a:t>* module bundler : A library that makes multiple divided files into one file</a:t>
-            </a:r>
-          </a:p>
-        </p:txBody>
-      </p:sp>
     </p:spTree>
     <p:extLst>
       <p:ext uri="{BB962C8B-B14F-4D97-AF65-F5344CB8AC3E}">
-        <p14:creationId xmlns:p14="http://schemas.microsoft.com/office/powerpoint/2010/main" val="100461765"/>
+        <p14:creationId xmlns:p14="http://schemas.microsoft.com/office/powerpoint/2010/main" val="2861182564"/>
       </p:ext>
     </p:extLst>
   </p:cSld>
@@ -37859,7 +38136,7 @@
                 <a:latin typeface="빙그레 메로나체" panose="020B0503000000000000" pitchFamily="50" charset="-127"/>
                 <a:ea typeface="빙그레 메로나체" panose="020B0503000000000000" pitchFamily="50" charset="-127"/>
               </a:rPr>
-              <a:t>Development Environment - Babel</a:t>
+              <a:t>Development Environment - Webpack</a:t>
             </a:r>
           </a:p>
         </p:txBody>
@@ -37939,7 +38216,7 @@
                 <a:latin typeface="빙그레 메로나체" panose="020B0503000000000000" pitchFamily="50" charset="-127"/>
                 <a:ea typeface="빙그레 메로나체" panose="020B0503000000000000" pitchFamily="50" charset="-127"/>
               </a:rPr>
-              <a:t>Tool to convert the latest grammar to a specific older version of js</a:t>
+              <a:t>Module bundler library</a:t>
             </a:r>
           </a:p>
         </p:txBody>
@@ -37989,17 +38266,17 @@
                 <a:latin typeface="빙그레 메로나체" panose="020B0503000000000000" pitchFamily="50" charset="-127"/>
                 <a:ea typeface="빙그레 메로나체" panose="020B0503000000000000" pitchFamily="50" charset="-127"/>
               </a:rPr>
-              <a:t>source : https://babeljs.io/docs/en/</a:t>
+              <a:t>source : https://webpack.js.org/</a:t>
             </a:r>
           </a:p>
         </p:txBody>
       </p:sp>
       <p:pic>
         <p:nvPicPr>
-          <p:cNvPr id="2050" name="Picture 2" descr="What is Babel? · Babel">
+          <p:cNvPr id="1028" name="Picture 4" descr="Image for post">
             <a:extLst>
               <a:ext uri="{FF2B5EF4-FFF2-40B4-BE49-F238E27FC236}">
-                <a16:creationId xmlns:a16="http://schemas.microsoft.com/office/drawing/2014/main" id="{FA87A662-5BA2-4A75-A921-85B8C1AB76E9}"/>
+                <a16:creationId xmlns:a16="http://schemas.microsoft.com/office/drawing/2014/main" id="{9CE3F4D5-38D9-4C48-BFAB-0A7DCE01145E}"/>
               </a:ext>
             </a:extLst>
           </p:cNvPr>
@@ -38011,17 +38288,6 @@
         <p:blipFill>
           <a:blip r:embed="rId3">
             <a:extLst>
-              <a:ext uri="{BEBA8EAE-BF5A-486C-A8C5-ECC9F3942E4B}">
-                <a14:imgProps xmlns:a14="http://schemas.microsoft.com/office/drawing/2010/main">
-                  <a14:imgLayer r:embed="rId4">
-                    <a14:imgEffect>
-                      <a14:backgroundRemoval t="10000" b="90000" l="10000" r="90000">
-                        <a14:foregroundMark x1="69369" y1="19868" x2="73273" y2="20530"/>
-                      </a14:backgroundRemoval>
-                    </a14:imgEffect>
-                  </a14:imgLayer>
-                </a14:imgProps>
-              </a:ext>
               <a:ext uri="{28A0092B-C50C-407E-A947-70E740481C1C}">
                 <a14:useLocalDpi xmlns:a14="http://schemas.microsoft.com/office/drawing/2010/main" val="0"/>
               </a:ext>
@@ -38034,8 +38300,8 @@
         </p:blipFill>
         <p:spPr bwMode="auto">
           <a:xfrm>
-            <a:off x="2646680" y="1864896"/>
-            <a:ext cx="6898642" cy="3128210"/>
+            <a:off x="1792705" y="1585532"/>
+            <a:ext cx="8606590" cy="3686938"/>
           </a:xfrm>
           <a:prstGeom prst="rect">
             <a:avLst/>
@@ -38052,10 +38318,55 @@
           </a:extLst>
         </p:spPr>
       </p:pic>
+      <p:sp>
+        <p:nvSpPr>
+          <p:cNvPr id="13" name="TextBox 12">
+            <a:extLst>
+              <a:ext uri="{FF2B5EF4-FFF2-40B4-BE49-F238E27FC236}">
+                <a16:creationId xmlns:a16="http://schemas.microsoft.com/office/drawing/2014/main" id="{9AC59467-E4DA-488F-B627-48CBB7FE821B}"/>
+              </a:ext>
+            </a:extLst>
+          </p:cNvPr>
+          <p:cNvSpPr txBox="1"/>
+          <p:nvPr/>
+        </p:nvSpPr>
+        <p:spPr>
+          <a:xfrm>
+            <a:off x="582516" y="6320424"/>
+            <a:ext cx="10656712" cy="307777"/>
+          </a:xfrm>
+          <a:prstGeom prst="rect">
+            <a:avLst/>
+          </a:prstGeom>
+          <a:noFill/>
+        </p:spPr>
+        <p:txBody>
+          <a:bodyPr wrap="square">
+            <a:spAutoFit/>
+          </a:bodyPr>
+          <a:lstStyle/>
+          <a:p>
+            <a:r>
+              <a:rPr lang="en-US" altLang="ko-KR" sz="1400">
+                <a:ln>
+                  <a:solidFill>
+                    <a:schemeClr val="tx1">
+                      <a:alpha val="30000"/>
+                    </a:schemeClr>
+                  </a:solidFill>
+                </a:ln>
+                <a:latin typeface="빙그레 메로나체" panose="020B0503000000000000" pitchFamily="50" charset="-127"/>
+                <a:ea typeface="빙그레 메로나체" panose="020B0503000000000000" pitchFamily="50" charset="-127"/>
+              </a:rPr>
+              <a:t>* module bundler : A library that makes multiple divided files into one file</a:t>
+            </a:r>
+          </a:p>
+        </p:txBody>
+      </p:sp>
     </p:spTree>
     <p:extLst>
       <p:ext uri="{BB962C8B-B14F-4D97-AF65-F5344CB8AC3E}">
-        <p14:creationId xmlns:p14="http://schemas.microsoft.com/office/powerpoint/2010/main" val="2735811081"/>
+        <p14:creationId xmlns:p14="http://schemas.microsoft.com/office/powerpoint/2010/main" val="100461765"/>
       </p:ext>
     </p:extLst>
   </p:cSld>
@@ -38219,7 +38530,7 @@
         <p:spPr>
           <a:xfrm>
             <a:off x="2497154" y="414543"/>
-            <a:ext cx="5289534" cy="369332"/>
+            <a:ext cx="4132245" cy="369332"/>
           </a:xfrm>
           <a:prstGeom prst="rect">
             <a:avLst/>
@@ -38247,7 +38558,7 @@
                 <a:latin typeface="빙그레 메로나체" panose="020B0503000000000000" pitchFamily="50" charset="-127"/>
                 <a:ea typeface="빙그레 메로나체" panose="020B0503000000000000" pitchFamily="50" charset="-127"/>
               </a:rPr>
-              <a:t>Development Environment - Create React App</a:t>
+              <a:t>Development Environment - Babel</a:t>
             </a:r>
           </a:p>
         </p:txBody>
@@ -38327,7 +38638,7 @@
                 <a:latin typeface="빙그레 메로나체" panose="020B0503000000000000" pitchFamily="50" charset="-127"/>
                 <a:ea typeface="빙그레 메로나체" panose="020B0503000000000000" pitchFamily="50" charset="-127"/>
               </a:rPr>
-              <a:t>*Boilerplate for official React web development from Facebook</a:t>
+              <a:t>Tool to convert the latest grammar to a specific older version of js</a:t>
             </a:r>
           </a:p>
         </p:txBody>
@@ -38377,114 +38688,73 @@
                 <a:latin typeface="빙그레 메로나체" panose="020B0503000000000000" pitchFamily="50" charset="-127"/>
                 <a:ea typeface="빙그레 메로나체" panose="020B0503000000000000" pitchFamily="50" charset="-127"/>
               </a:rPr>
-              <a:t>source : https://create-react-app.dev/</a:t>
+              <a:t>source : https://babeljs.io/docs/en/</a:t>
             </a:r>
           </a:p>
         </p:txBody>
       </p:sp>
       <p:pic>
         <p:nvPicPr>
-          <p:cNvPr id="13" name="그림 12">
+          <p:cNvPr id="2050" name="Picture 2" descr="What is Babel? · Babel">
             <a:extLst>
               <a:ext uri="{FF2B5EF4-FFF2-40B4-BE49-F238E27FC236}">
-                <a16:creationId xmlns:a16="http://schemas.microsoft.com/office/drawing/2014/main" id="{C44C6D57-E3A8-4B14-8770-94157E2AD8ED}"/>
+                <a16:creationId xmlns:a16="http://schemas.microsoft.com/office/drawing/2014/main" id="{FA87A662-5BA2-4A75-A921-85B8C1AB76E9}"/>
               </a:ext>
             </a:extLst>
           </p:cNvPr>
           <p:cNvPicPr>
-            <a:picLocks noChangeAspect="1"/>
+            <a:picLocks noChangeAspect="1" noChangeArrowheads="1"/>
           </p:cNvPicPr>
           <p:nvPr/>
         </p:nvPicPr>
         <p:blipFill>
-          <a:blip r:embed="rId3"/>
+          <a:blip r:embed="rId3">
+            <a:extLst>
+              <a:ext uri="{BEBA8EAE-BF5A-486C-A8C5-ECC9F3942E4B}">
+                <a14:imgProps xmlns:a14="http://schemas.microsoft.com/office/drawing/2010/main">
+                  <a14:imgLayer r:embed="rId4">
+                    <a14:imgEffect>
+                      <a14:backgroundRemoval t="10000" b="90000" l="10000" r="90000">
+                        <a14:foregroundMark x1="69369" y1="19868" x2="73273" y2="20530"/>
+                      </a14:backgroundRemoval>
+                    </a14:imgEffect>
+                  </a14:imgLayer>
+                </a14:imgProps>
+              </a:ext>
+              <a:ext uri="{28A0092B-C50C-407E-A947-70E740481C1C}">
+                <a14:useLocalDpi xmlns:a14="http://schemas.microsoft.com/office/drawing/2010/main" val="0"/>
+              </a:ext>
+            </a:extLst>
+          </a:blip>
+          <a:srcRect/>
           <a:stretch>
             <a:fillRect/>
           </a:stretch>
         </p:blipFill>
-        <p:spPr>
+        <p:spPr bwMode="auto">
           <a:xfrm>
-            <a:off x="3932903" y="1312609"/>
-            <a:ext cx="4326194" cy="4055806"/>
-          </a:xfrm>
-          <a:prstGeom prst="rect">
-            <a:avLst/>
-          </a:prstGeom>
-        </p:spPr>
-      </p:pic>
-      <p:sp>
-        <p:nvSpPr>
-          <p:cNvPr id="19" name="TextBox 18">
-            <a:extLst>
-              <a:ext uri="{FF2B5EF4-FFF2-40B4-BE49-F238E27FC236}">
-                <a16:creationId xmlns:a16="http://schemas.microsoft.com/office/drawing/2014/main" id="{F446EAF5-475A-46DE-8E5A-ADF3BD34A385}"/>
-              </a:ext>
-            </a:extLst>
-          </p:cNvPr>
-          <p:cNvSpPr txBox="1"/>
-          <p:nvPr/>
-        </p:nvSpPr>
-        <p:spPr>
-          <a:xfrm>
-            <a:off x="582516" y="6127918"/>
-            <a:ext cx="10656712" cy="307777"/>
+            <a:off x="2646680" y="1864896"/>
+            <a:ext cx="6898642" cy="3128210"/>
           </a:xfrm>
           <a:prstGeom prst="rect">
             <a:avLst/>
           </a:prstGeom>
           <a:noFill/>
+          <a:extLst>
+            <a:ext uri="{909E8E84-426E-40DD-AFC4-6F175D3DCCD1}">
+              <a14:hiddenFill xmlns:a14="http://schemas.microsoft.com/office/drawing/2010/main">
+                <a:solidFill>
+                  <a:srgbClr val="FFFFFF"/>
+                </a:solidFill>
+              </a14:hiddenFill>
+            </a:ext>
+          </a:extLst>
         </p:spPr>
-        <p:txBody>
-          <a:bodyPr wrap="square">
-            <a:spAutoFit/>
-          </a:bodyPr>
-          <a:lstStyle/>
-          <a:p>
-            <a:r>
-              <a:rPr lang="en-US" altLang="ko-KR" sz="1400">
-                <a:ln>
-                  <a:solidFill>
-                    <a:schemeClr val="tx1">
-                      <a:alpha val="30000"/>
-                    </a:schemeClr>
-                  </a:solidFill>
-                </a:ln>
-                <a:latin typeface="빙그레 메로나체" panose="020B0503000000000000" pitchFamily="50" charset="-127"/>
-                <a:ea typeface="빙그레 메로나체" panose="020B0503000000000000" pitchFamily="50" charset="-127"/>
-              </a:rPr>
-              <a:t>* </a:t>
-            </a:r>
-            <a:r>
-              <a:rPr lang="en-US" altLang="ko-KR" sz="1400" b="1" i="0">
-                <a:solidFill>
-                  <a:srgbClr val="202122"/>
-                </a:solidFill>
-                <a:effectLst/>
-                <a:latin typeface="빙그레 메로나체" panose="020B0503000000000000" pitchFamily="50" charset="-127"/>
-              </a:rPr>
-              <a:t>boilerplate </a:t>
-            </a:r>
-            <a:r>
-              <a:rPr lang="en-US" altLang="ko-KR" sz="1400">
-                <a:ln>
-                  <a:solidFill>
-                    <a:schemeClr val="tx1">
-                      <a:alpha val="30000"/>
-                    </a:schemeClr>
-                  </a:solidFill>
-                </a:ln>
-                <a:latin typeface="빙그레 메로나체" panose="020B0503000000000000" pitchFamily="50" charset="-127"/>
-                <a:ea typeface="빙그레 메로나체" panose="020B0503000000000000" pitchFamily="50" charset="-127"/>
-              </a:rPr>
-              <a:t>: A work that can be reused over and over again without modification</a:t>
-            </a:r>
-          </a:p>
-        </p:txBody>
-      </p:sp>
+      </p:pic>
     </p:spTree>
     <p:extLst>
       <p:ext uri="{BB962C8B-B14F-4D97-AF65-F5344CB8AC3E}">
-        <p14:creationId xmlns:p14="http://schemas.microsoft.com/office/powerpoint/2010/main" val="3884482338"/>
+        <p14:creationId xmlns:p14="http://schemas.microsoft.com/office/powerpoint/2010/main" val="2735811081"/>
       </p:ext>
     </p:extLst>
   </p:cSld>
@@ -38648,7 +38918,7 @@
         <p:spPr>
           <a:xfrm>
             <a:off x="2497154" y="414543"/>
-            <a:ext cx="4132245" cy="369332"/>
+            <a:ext cx="5289534" cy="369332"/>
           </a:xfrm>
           <a:prstGeom prst="rect">
             <a:avLst/>
@@ -38676,7 +38946,7 @@
                 <a:latin typeface="빙그레 메로나체" panose="020B0503000000000000" pitchFamily="50" charset="-127"/>
                 <a:ea typeface="빙그레 메로나체" panose="020B0503000000000000" pitchFamily="50" charset="-127"/>
               </a:rPr>
-              <a:t>Class Component, Function Component</a:t>
+              <a:t>Development Environment - Create React App</a:t>
             </a:r>
           </a:p>
         </p:txBody>
@@ -38726,15 +38996,13 @@
         </p:nvSpPr>
         <p:spPr>
           <a:xfrm>
-            <a:off x="6283384" y="2766643"/>
-            <a:ext cx="5459446" cy="2862322"/>
+            <a:off x="0" y="5595085"/>
+            <a:ext cx="12187985" cy="400110"/>
           </a:xfrm>
           <a:prstGeom prst="rect">
             <a:avLst/>
           </a:prstGeom>
-          <a:solidFill>
-            <a:schemeClr val="tx1"/>
-          </a:solidFill>
+          <a:noFill/>
           <a:ln>
             <a:noFill/>
           </a:ln>
@@ -38745,525 +39013,30 @@
           </a:bodyPr>
           <a:lstStyle/>
           <a:p>
-            <a:r>
-              <a:rPr lang="en-US" altLang="ko-KR" b="0" i="1">
-                <a:solidFill>
-                  <a:srgbClr val="89DDFF"/>
-                </a:solidFill>
-                <a:effectLst/>
-                <a:latin typeface="빙그레 메로나체" panose="020B0503000000000000" pitchFamily="50" charset="-127"/>
-              </a:rPr>
-              <a:t>import</a:t>
-            </a:r>
-            <a:r>
-              <a:rPr lang="en-US" altLang="ko-KR" b="0">
-                <a:solidFill>
-                  <a:srgbClr val="EEFFFF"/>
-                </a:solidFill>
-                <a:effectLst/>
-                <a:latin typeface="빙그레 메로나체" panose="020B0503000000000000" pitchFamily="50" charset="-127"/>
-              </a:rPr>
-              <a:t> React </a:t>
-            </a:r>
-            <a:r>
-              <a:rPr lang="en-US" altLang="ko-KR" b="0" i="1">
-                <a:solidFill>
-                  <a:srgbClr val="89DDFF"/>
-                </a:solidFill>
-                <a:effectLst/>
-                <a:latin typeface="빙그레 메로나체" panose="020B0503000000000000" pitchFamily="50" charset="-127"/>
-              </a:rPr>
-              <a:t>from</a:t>
-            </a:r>
-            <a:r>
-              <a:rPr lang="en-US" altLang="ko-KR" b="0">
-                <a:solidFill>
-                  <a:srgbClr val="EEFFFF"/>
-                </a:solidFill>
-                <a:effectLst/>
-                <a:latin typeface="빙그레 메로나체" panose="020B0503000000000000" pitchFamily="50" charset="-127"/>
-              </a:rPr>
-              <a:t> </a:t>
-            </a:r>
-            <a:r>
-              <a:rPr lang="en-US" altLang="ko-KR" b="0">
-                <a:solidFill>
-                  <a:srgbClr val="89DDFF"/>
-                </a:solidFill>
-                <a:effectLst/>
-                <a:latin typeface="빙그레 메로나체" panose="020B0503000000000000" pitchFamily="50" charset="-127"/>
-              </a:rPr>
-              <a:t>'</a:t>
-            </a:r>
-            <a:r>
-              <a:rPr lang="en-US" altLang="ko-KR" b="0">
-                <a:solidFill>
-                  <a:srgbClr val="C3E88D"/>
-                </a:solidFill>
-                <a:effectLst/>
-                <a:latin typeface="빙그레 메로나체" panose="020B0503000000000000" pitchFamily="50" charset="-127"/>
-              </a:rPr>
-              <a:t>react</a:t>
-            </a:r>
-            <a:r>
-              <a:rPr lang="en-US" altLang="ko-KR" b="0">
-                <a:solidFill>
-                  <a:srgbClr val="89DDFF"/>
-                </a:solidFill>
-                <a:effectLst/>
-                <a:latin typeface="빙그레 메로나체" panose="020B0503000000000000" pitchFamily="50" charset="-127"/>
-              </a:rPr>
-              <a:t>';</a:t>
-            </a:r>
-            <a:endParaRPr lang="en-US" altLang="ko-KR" b="0">
-              <a:solidFill>
-                <a:srgbClr val="EEFFFF"/>
-              </a:solidFill>
-              <a:effectLst/>
-              <a:latin typeface="빙그레 메로나체" panose="020B0503000000000000" pitchFamily="50" charset="-127"/>
-            </a:endParaRPr>
-          </a:p>
-          <a:p>
-            <a:br>
-              <a:rPr lang="en-US" altLang="ko-KR" b="0">
-                <a:solidFill>
-                  <a:srgbClr val="EEFFFF"/>
-                </a:solidFill>
-                <a:effectLst/>
-                <a:latin typeface="빙그레 메로나체" panose="020B0503000000000000" pitchFamily="50" charset="-127"/>
-              </a:rPr>
-            </a:br>
-            <a:r>
-              <a:rPr lang="en-US" altLang="ko-KR" b="0">
-                <a:solidFill>
-                  <a:srgbClr val="C792EA"/>
-                </a:solidFill>
-                <a:effectLst/>
-                <a:latin typeface="빙그레 메로나체" panose="020B0503000000000000" pitchFamily="50" charset="-127"/>
-              </a:rPr>
-              <a:t>function</a:t>
-            </a:r>
-            <a:r>
-              <a:rPr lang="en-US" altLang="ko-KR" b="0">
-                <a:solidFill>
-                  <a:srgbClr val="EEFFFF"/>
-                </a:solidFill>
-                <a:effectLst/>
-                <a:latin typeface="빙그레 메로나체" panose="020B0503000000000000" pitchFamily="50" charset="-127"/>
-              </a:rPr>
-              <a:t> </a:t>
-            </a:r>
-            <a:r>
-              <a:rPr lang="en-US" altLang="ko-KR" b="0">
-                <a:solidFill>
-                  <a:srgbClr val="82AAFF"/>
-                </a:solidFill>
-                <a:effectLst/>
-                <a:latin typeface="빙그레 메로나체" panose="020B0503000000000000" pitchFamily="50" charset="-127"/>
-              </a:rPr>
-              <a:t>App</a:t>
-            </a:r>
-            <a:r>
-              <a:rPr lang="en-US" altLang="ko-KR" b="0">
-                <a:solidFill>
-                  <a:srgbClr val="89DDFF"/>
-                </a:solidFill>
-                <a:effectLst/>
-                <a:latin typeface="빙그레 메로나체" panose="020B0503000000000000" pitchFamily="50" charset="-127"/>
-              </a:rPr>
-              <a:t>()</a:t>
-            </a:r>
-            <a:r>
-              <a:rPr lang="en-US" altLang="ko-KR" b="0">
-                <a:solidFill>
-                  <a:srgbClr val="EEFFFF"/>
-                </a:solidFill>
-                <a:effectLst/>
-                <a:latin typeface="빙그레 메로나체" panose="020B0503000000000000" pitchFamily="50" charset="-127"/>
-              </a:rPr>
-              <a:t> </a:t>
-            </a:r>
-            <a:r>
-              <a:rPr lang="en-US" altLang="ko-KR" b="0">
-                <a:solidFill>
-                  <a:srgbClr val="89DDFF"/>
-                </a:solidFill>
-                <a:effectLst/>
-                <a:latin typeface="빙그레 메로나체" panose="020B0503000000000000" pitchFamily="50" charset="-127"/>
-              </a:rPr>
-              <a:t>{</a:t>
-            </a:r>
-            <a:endParaRPr lang="en-US" altLang="ko-KR" b="0">
-              <a:solidFill>
-                <a:srgbClr val="EEFFFF"/>
-              </a:solidFill>
-              <a:effectLst/>
-              <a:latin typeface="빙그레 메로나체" panose="020B0503000000000000" pitchFamily="50" charset="-127"/>
-            </a:endParaRPr>
-          </a:p>
-          <a:p>
-            <a:r>
-              <a:rPr lang="en-US" altLang="ko-KR" b="0">
-                <a:solidFill>
-                  <a:srgbClr val="F07178"/>
-                </a:solidFill>
-                <a:effectLst/>
-                <a:latin typeface="빙그레 메로나체" panose="020B0503000000000000" pitchFamily="50" charset="-127"/>
-              </a:rPr>
-              <a:t>  </a:t>
-            </a:r>
-            <a:r>
-              <a:rPr lang="en-US" altLang="ko-KR" b="0">
-                <a:solidFill>
-                  <a:srgbClr val="C792EA"/>
-                </a:solidFill>
-                <a:effectLst/>
-                <a:latin typeface="빙그레 메로나체" panose="020B0503000000000000" pitchFamily="50" charset="-127"/>
-              </a:rPr>
-              <a:t>const</a:t>
-            </a:r>
-            <a:r>
-              <a:rPr lang="en-US" altLang="ko-KR" b="0">
-                <a:solidFill>
-                  <a:srgbClr val="F07178"/>
-                </a:solidFill>
-                <a:effectLst/>
-                <a:latin typeface="빙그레 메로나체" panose="020B0503000000000000" pitchFamily="50" charset="-127"/>
-              </a:rPr>
-              <a:t> </a:t>
-            </a:r>
-            <a:r>
-              <a:rPr lang="en-US" altLang="ko-KR" b="0">
-                <a:solidFill>
-                  <a:srgbClr val="EEFFFF"/>
-                </a:solidFill>
-                <a:effectLst/>
-                <a:latin typeface="빙그레 메로나체" panose="020B0503000000000000" pitchFamily="50" charset="-127"/>
-              </a:rPr>
-              <a:t>name</a:t>
-            </a:r>
-            <a:r>
-              <a:rPr lang="en-US" altLang="ko-KR" b="0">
-                <a:solidFill>
-                  <a:srgbClr val="F07178"/>
-                </a:solidFill>
-                <a:effectLst/>
-                <a:latin typeface="빙그레 메로나체" panose="020B0503000000000000" pitchFamily="50" charset="-127"/>
-              </a:rPr>
-              <a:t> </a:t>
-            </a:r>
-            <a:r>
-              <a:rPr lang="en-US" altLang="ko-KR" b="0">
-                <a:solidFill>
-                  <a:srgbClr val="89DDFF"/>
-                </a:solidFill>
-                <a:effectLst/>
-                <a:latin typeface="빙그레 메로나체" panose="020B0503000000000000" pitchFamily="50" charset="-127"/>
-              </a:rPr>
-              <a:t>=</a:t>
-            </a:r>
-            <a:r>
-              <a:rPr lang="en-US" altLang="ko-KR" b="0">
-                <a:solidFill>
-                  <a:srgbClr val="F07178"/>
-                </a:solidFill>
-                <a:effectLst/>
-                <a:latin typeface="빙그레 메로나체" panose="020B0503000000000000" pitchFamily="50" charset="-127"/>
-              </a:rPr>
-              <a:t> </a:t>
-            </a:r>
-            <a:r>
-              <a:rPr lang="en-US" altLang="ko-KR" b="0">
-                <a:solidFill>
-                  <a:srgbClr val="89DDFF"/>
-                </a:solidFill>
-                <a:effectLst/>
-                <a:latin typeface="빙그레 메로나체" panose="020B0503000000000000" pitchFamily="50" charset="-127"/>
-              </a:rPr>
-              <a:t>'</a:t>
-            </a:r>
-            <a:r>
-              <a:rPr lang="en-US" altLang="ko-KR" b="0">
-                <a:solidFill>
-                  <a:srgbClr val="C3E88D"/>
-                </a:solidFill>
-                <a:effectLst/>
-                <a:latin typeface="빙그레 메로나체" panose="020B0503000000000000" pitchFamily="50" charset="-127"/>
-              </a:rPr>
-              <a:t>react</a:t>
-            </a:r>
-            <a:r>
-              <a:rPr lang="en-US" altLang="ko-KR" b="0">
-                <a:solidFill>
-                  <a:srgbClr val="89DDFF"/>
-                </a:solidFill>
-                <a:effectLst/>
-                <a:latin typeface="빙그레 메로나체" panose="020B0503000000000000" pitchFamily="50" charset="-127"/>
-              </a:rPr>
-              <a:t>';</a:t>
-            </a:r>
-            <a:endParaRPr lang="en-US" altLang="ko-KR" b="0">
-              <a:solidFill>
-                <a:srgbClr val="EEFFFF"/>
-              </a:solidFill>
-              <a:effectLst/>
-              <a:latin typeface="빙그레 메로나체" panose="020B0503000000000000" pitchFamily="50" charset="-127"/>
-            </a:endParaRPr>
-          </a:p>
-          <a:p>
-            <a:r>
-              <a:rPr lang="en-US" altLang="ko-KR" b="0">
-                <a:solidFill>
-                  <a:srgbClr val="F07178"/>
-                </a:solidFill>
-                <a:effectLst/>
-                <a:latin typeface="빙그레 메로나체" panose="020B0503000000000000" pitchFamily="50" charset="-127"/>
-              </a:rPr>
-              <a:t>  </a:t>
-            </a:r>
-            <a:r>
-              <a:rPr lang="en-US" altLang="ko-KR" b="0" i="1">
-                <a:solidFill>
-                  <a:srgbClr val="89DDFF"/>
-                </a:solidFill>
-                <a:effectLst/>
-                <a:latin typeface="빙그레 메로나체" panose="020B0503000000000000" pitchFamily="50" charset="-127"/>
-              </a:rPr>
-              <a:t>return</a:t>
-            </a:r>
-            <a:r>
-              <a:rPr lang="en-US" altLang="ko-KR" b="0">
-                <a:solidFill>
-                  <a:srgbClr val="F07178"/>
-                </a:solidFill>
-                <a:effectLst/>
-                <a:latin typeface="빙그레 메로나체" panose="020B0503000000000000" pitchFamily="50" charset="-127"/>
-              </a:rPr>
-              <a:t> </a:t>
-            </a:r>
-            <a:r>
-              <a:rPr lang="en-US" altLang="ko-KR" b="0">
-                <a:solidFill>
-                  <a:srgbClr val="89DDFF"/>
-                </a:solidFill>
-                <a:effectLst/>
-                <a:latin typeface="빙그레 메로나체" panose="020B0503000000000000" pitchFamily="50" charset="-127"/>
-              </a:rPr>
-              <a:t>&lt;</a:t>
-            </a:r>
-            <a:r>
-              <a:rPr lang="en-US" altLang="ko-KR" b="0">
-                <a:solidFill>
-                  <a:srgbClr val="F07178"/>
-                </a:solidFill>
-                <a:effectLst/>
-                <a:latin typeface="빙그레 메로나체" panose="020B0503000000000000" pitchFamily="50" charset="-127"/>
-              </a:rPr>
-              <a:t>div</a:t>
-            </a:r>
-            <a:r>
-              <a:rPr lang="en-US" altLang="ko-KR" b="0">
-                <a:solidFill>
-                  <a:srgbClr val="89DDFF"/>
-                </a:solidFill>
-                <a:effectLst/>
-                <a:latin typeface="빙그레 메로나체" panose="020B0503000000000000" pitchFamily="50" charset="-127"/>
-              </a:rPr>
-              <a:t> </a:t>
-            </a:r>
-            <a:r>
-              <a:rPr lang="en-US" altLang="ko-KR" b="0">
-                <a:solidFill>
-                  <a:srgbClr val="C792EA"/>
-                </a:solidFill>
-                <a:effectLst/>
-                <a:latin typeface="빙그레 메로나체" panose="020B0503000000000000" pitchFamily="50" charset="-127"/>
-              </a:rPr>
-              <a:t>className</a:t>
-            </a:r>
-            <a:r>
-              <a:rPr lang="en-US" altLang="ko-KR" b="0">
-                <a:solidFill>
-                  <a:srgbClr val="89DDFF"/>
-                </a:solidFill>
-                <a:effectLst/>
-                <a:latin typeface="빙그레 메로나체" panose="020B0503000000000000" pitchFamily="50" charset="-127"/>
-              </a:rPr>
-              <a:t> = "</a:t>
-            </a:r>
-            <a:r>
-              <a:rPr lang="en-US" altLang="ko-KR" b="0">
-                <a:solidFill>
-                  <a:srgbClr val="C3E88D"/>
-                </a:solidFill>
-                <a:effectLst/>
-                <a:latin typeface="빙그레 메로나체" panose="020B0503000000000000" pitchFamily="50" charset="-127"/>
-              </a:rPr>
-              <a:t>react</a:t>
-            </a:r>
-            <a:r>
-              <a:rPr lang="en-US" altLang="ko-KR" b="0">
-                <a:solidFill>
-                  <a:srgbClr val="89DDFF"/>
-                </a:solidFill>
-                <a:effectLst/>
-                <a:latin typeface="빙그레 메로나체" panose="020B0503000000000000" pitchFamily="50" charset="-127"/>
-              </a:rPr>
-              <a:t>"&gt;{</a:t>
-            </a:r>
-            <a:r>
-              <a:rPr lang="en-US" altLang="ko-KR" b="0">
-                <a:solidFill>
-                  <a:srgbClr val="EEFFFF"/>
-                </a:solidFill>
-                <a:effectLst/>
-                <a:latin typeface="빙그레 메로나체" panose="020B0503000000000000" pitchFamily="50" charset="-127"/>
-              </a:rPr>
-              <a:t>name</a:t>
-            </a:r>
-            <a:r>
-              <a:rPr lang="en-US" altLang="ko-KR" b="0">
-                <a:solidFill>
-                  <a:srgbClr val="89DDFF"/>
-                </a:solidFill>
-                <a:effectLst/>
-                <a:latin typeface="빙그레 메로나체" panose="020B0503000000000000" pitchFamily="50" charset="-127"/>
-              </a:rPr>
-              <a:t>}&lt;/</a:t>
-            </a:r>
-            <a:r>
-              <a:rPr lang="en-US" altLang="ko-KR" b="0">
-                <a:solidFill>
-                  <a:srgbClr val="F07178"/>
-                </a:solidFill>
-                <a:effectLst/>
-                <a:latin typeface="빙그레 메로나체" panose="020B0503000000000000" pitchFamily="50" charset="-127"/>
-              </a:rPr>
-              <a:t>div</a:t>
-            </a:r>
-            <a:r>
-              <a:rPr lang="en-US" altLang="ko-KR" b="0">
-                <a:solidFill>
-                  <a:srgbClr val="89DDFF"/>
-                </a:solidFill>
-                <a:effectLst/>
-                <a:latin typeface="빙그레 메로나체" panose="020B0503000000000000" pitchFamily="50" charset="-127"/>
-              </a:rPr>
-              <a:t>&gt;</a:t>
-            </a:r>
-            <a:endParaRPr lang="en-US" altLang="ko-KR" b="0">
-              <a:solidFill>
-                <a:srgbClr val="EEFFFF"/>
-              </a:solidFill>
-              <a:effectLst/>
-              <a:latin typeface="빙그레 메로나체" panose="020B0503000000000000" pitchFamily="50" charset="-127"/>
-            </a:endParaRPr>
-          </a:p>
-          <a:p>
-            <a:r>
-              <a:rPr lang="en-US" altLang="ko-KR" b="0">
-                <a:solidFill>
-                  <a:srgbClr val="89DDFF"/>
-                </a:solidFill>
-                <a:effectLst/>
-                <a:latin typeface="빙그레 메로나체" panose="020B0503000000000000" pitchFamily="50" charset="-127"/>
-              </a:rPr>
-              <a:t>}</a:t>
-            </a:r>
-            <a:endParaRPr lang="en-US" altLang="ko-KR" b="0">
-              <a:solidFill>
-                <a:srgbClr val="EEFFFF"/>
-              </a:solidFill>
-              <a:effectLst/>
-              <a:latin typeface="빙그레 메로나체" panose="020B0503000000000000" pitchFamily="50" charset="-127"/>
-            </a:endParaRPr>
-          </a:p>
-          <a:p>
-            <a:br>
-              <a:rPr lang="en-US" altLang="ko-KR" b="0">
-                <a:solidFill>
-                  <a:srgbClr val="EEFFFF"/>
-                </a:solidFill>
-                <a:effectLst/>
-                <a:latin typeface="빙그레 메로나체" panose="020B0503000000000000" pitchFamily="50" charset="-127"/>
-              </a:rPr>
-            </a:br>
-            <a:r>
-              <a:rPr lang="en-US" altLang="ko-KR" b="0" i="1">
-                <a:solidFill>
-                  <a:srgbClr val="89DDFF"/>
-                </a:solidFill>
-                <a:effectLst/>
-                <a:latin typeface="빙그레 메로나체" panose="020B0503000000000000" pitchFamily="50" charset="-127"/>
-              </a:rPr>
-              <a:t>export</a:t>
-            </a:r>
-            <a:r>
-              <a:rPr lang="en-US" altLang="ko-KR" b="0">
-                <a:solidFill>
-                  <a:srgbClr val="EEFFFF"/>
-                </a:solidFill>
-                <a:effectLst/>
-                <a:latin typeface="빙그레 메로나체" panose="020B0503000000000000" pitchFamily="50" charset="-127"/>
-              </a:rPr>
-              <a:t> </a:t>
-            </a:r>
-            <a:r>
-              <a:rPr lang="en-US" altLang="ko-KR" b="0" i="1">
-                <a:solidFill>
-                  <a:srgbClr val="89DDFF"/>
-                </a:solidFill>
-                <a:effectLst/>
-                <a:latin typeface="빙그레 메로나체" panose="020B0503000000000000" pitchFamily="50" charset="-127"/>
-              </a:rPr>
-              <a:t>default</a:t>
-            </a:r>
-            <a:r>
-              <a:rPr lang="en-US" altLang="ko-KR" b="0">
-                <a:solidFill>
-                  <a:srgbClr val="EEFFFF"/>
-                </a:solidFill>
-                <a:effectLst/>
-                <a:latin typeface="빙그레 메로나체" panose="020B0503000000000000" pitchFamily="50" charset="-127"/>
-              </a:rPr>
-              <a:t> App</a:t>
-            </a:r>
-            <a:r>
-              <a:rPr lang="en-US" altLang="ko-KR" b="0">
-                <a:solidFill>
-                  <a:srgbClr val="89DDFF"/>
-                </a:solidFill>
-                <a:effectLst/>
-                <a:latin typeface="빙그레 메로나체" panose="020B0503000000000000" pitchFamily="50" charset="-127"/>
-              </a:rPr>
-              <a:t>;</a:t>
-            </a:r>
-          </a:p>
-          <a:p>
-            <a:endParaRPr lang="en-US" altLang="ko-KR">
-              <a:solidFill>
-                <a:srgbClr val="89DDFF"/>
-              </a:solidFill>
-              <a:latin typeface="빙그레 메로나체" panose="020B0503000000000000" pitchFamily="50" charset="-127"/>
-            </a:endParaRPr>
-          </a:p>
-          <a:p>
-            <a:endParaRPr lang="en-US" altLang="ko-KR" b="0">
-              <a:solidFill>
-                <a:srgbClr val="EEFFFF"/>
-              </a:solidFill>
-              <a:effectLst/>
-              <a:latin typeface="빙그레 메로나체" panose="020B0503000000000000" pitchFamily="50" charset="-127"/>
-            </a:endParaRPr>
+            <a:pPr algn="ctr"/>
+            <a:r>
+              <a:rPr lang="en-US" altLang="ko-KR" sz="2000">
+                <a:ln>
+                  <a:solidFill>
+                    <a:schemeClr val="tx1">
+                      <a:alpha val="30000"/>
+                    </a:schemeClr>
+                  </a:solidFill>
+                </a:ln>
+                <a:latin typeface="빙그레 메로나체" panose="020B0503000000000000" pitchFamily="50" charset="-127"/>
+                <a:ea typeface="빙그레 메로나체" panose="020B0503000000000000" pitchFamily="50" charset="-127"/>
+              </a:rPr>
+              <a:t>*Boilerplate for official React web development from Facebook</a:t>
+            </a:r>
           </a:p>
         </p:txBody>
       </p:sp>
       <p:sp>
         <p:nvSpPr>
-          <p:cNvPr id="12" name="TextBox 11">
+          <p:cNvPr id="11" name="TextBox 10">
             <a:extLst>
               <a:ext uri="{FF2B5EF4-FFF2-40B4-BE49-F238E27FC236}">
-                <a16:creationId xmlns:a16="http://schemas.microsoft.com/office/drawing/2014/main" id="{2FF25EB2-1E28-4FF4-805E-4836DA7B2A37}"/>
+                <a16:creationId xmlns:a16="http://schemas.microsoft.com/office/drawing/2014/main" id="{11AA1287-2638-445F-A4A9-782B40FAFAEE}"/>
               </a:ext>
             </a:extLst>
           </p:cNvPr>
@@ -39272,18 +39045,13 @@
         </p:nvSpPr>
         <p:spPr>
           <a:xfrm>
-            <a:off x="520256" y="2766643"/>
-            <a:ext cx="5558031" cy="2862322"/>
+            <a:off x="0" y="6562722"/>
+            <a:ext cx="7608858" cy="307777"/>
           </a:xfrm>
           <a:prstGeom prst="rect">
             <a:avLst/>
           </a:prstGeom>
-          <a:solidFill>
-            <a:schemeClr val="tx1"/>
-          </a:solidFill>
-          <a:ln>
-            <a:noFill/>
-          </a:ln>
+          <a:noFill/>
         </p:spPr>
         <p:txBody>
           <a:bodyPr wrap="square" rtlCol="0">
@@ -39292,702 +39060,63 @@
           <a:lstStyle/>
           <a:p>
             <a:r>
-              <a:rPr lang="en-US" altLang="ko-KR" b="0" i="1">
-                <a:solidFill>
-                  <a:srgbClr val="89DDFF"/>
-                </a:solidFill>
-                <a:effectLst/>
-                <a:latin typeface="빙그레 메로나체" panose="020B0503000000000000" pitchFamily="50" charset="-127"/>
-              </a:rPr>
-              <a:t>import</a:t>
-            </a:r>
-            <a:r>
-              <a:rPr lang="en-US" altLang="ko-KR" b="0">
-                <a:solidFill>
-                  <a:srgbClr val="EEFFFF"/>
-                </a:solidFill>
-                <a:effectLst/>
-                <a:latin typeface="빙그레 메로나체" panose="020B0503000000000000" pitchFamily="50" charset="-127"/>
-              </a:rPr>
-              <a:t> React</a:t>
-            </a:r>
-            <a:r>
-              <a:rPr lang="en-US" altLang="ko-KR" b="0">
-                <a:solidFill>
-                  <a:srgbClr val="89DDFF"/>
-                </a:solidFill>
-                <a:effectLst/>
-                <a:latin typeface="빙그레 메로나체" panose="020B0503000000000000" pitchFamily="50" charset="-127"/>
-              </a:rPr>
-              <a:t>,</a:t>
-            </a:r>
-            <a:r>
-              <a:rPr lang="en-US" altLang="ko-KR" b="0">
-                <a:solidFill>
-                  <a:srgbClr val="EEFFFF"/>
-                </a:solidFill>
-                <a:effectLst/>
-                <a:latin typeface="빙그레 메로나체" panose="020B0503000000000000" pitchFamily="50" charset="-127"/>
-              </a:rPr>
-              <a:t> </a:t>
-            </a:r>
-            <a:r>
-              <a:rPr lang="en-US" altLang="ko-KR" b="0">
-                <a:solidFill>
-                  <a:srgbClr val="89DDFF"/>
-                </a:solidFill>
-                <a:effectLst/>
-                <a:latin typeface="빙그레 메로나체" panose="020B0503000000000000" pitchFamily="50" charset="-127"/>
-              </a:rPr>
-              <a:t>{</a:t>
-            </a:r>
-            <a:r>
-              <a:rPr lang="en-US" altLang="ko-KR" b="0">
-                <a:solidFill>
-                  <a:srgbClr val="EEFFFF"/>
-                </a:solidFill>
-                <a:effectLst/>
-                <a:latin typeface="빙그레 메로나체" panose="020B0503000000000000" pitchFamily="50" charset="-127"/>
-              </a:rPr>
-              <a:t>Component</a:t>
-            </a:r>
-            <a:r>
-              <a:rPr lang="en-US" altLang="ko-KR" b="0">
-                <a:solidFill>
-                  <a:srgbClr val="89DDFF"/>
-                </a:solidFill>
-                <a:effectLst/>
-                <a:latin typeface="빙그레 메로나체" panose="020B0503000000000000" pitchFamily="50" charset="-127"/>
-              </a:rPr>
-              <a:t>}</a:t>
-            </a:r>
-            <a:r>
-              <a:rPr lang="en-US" altLang="ko-KR" b="0">
-                <a:solidFill>
-                  <a:srgbClr val="EEFFFF"/>
-                </a:solidFill>
-                <a:effectLst/>
-                <a:latin typeface="빙그레 메로나체" panose="020B0503000000000000" pitchFamily="50" charset="-127"/>
-              </a:rPr>
-              <a:t> </a:t>
-            </a:r>
-            <a:r>
-              <a:rPr lang="en-US" altLang="ko-KR" b="0" i="1">
-                <a:solidFill>
-                  <a:srgbClr val="89DDFF"/>
-                </a:solidFill>
-                <a:effectLst/>
-                <a:latin typeface="빙그레 메로나체" panose="020B0503000000000000" pitchFamily="50" charset="-127"/>
-              </a:rPr>
-              <a:t>from</a:t>
-            </a:r>
-            <a:r>
-              <a:rPr lang="en-US" altLang="ko-KR" b="0">
-                <a:solidFill>
-                  <a:srgbClr val="EEFFFF"/>
-                </a:solidFill>
-                <a:effectLst/>
-                <a:latin typeface="빙그레 메로나체" panose="020B0503000000000000" pitchFamily="50" charset="-127"/>
-              </a:rPr>
-              <a:t> </a:t>
-            </a:r>
-            <a:r>
-              <a:rPr lang="en-US" altLang="ko-KR" b="0">
-                <a:solidFill>
-                  <a:srgbClr val="89DDFF"/>
-                </a:solidFill>
-                <a:effectLst/>
-                <a:latin typeface="빙그레 메로나체" panose="020B0503000000000000" pitchFamily="50" charset="-127"/>
-              </a:rPr>
-              <a:t>'</a:t>
-            </a:r>
-            <a:r>
-              <a:rPr lang="en-US" altLang="ko-KR" b="0">
-                <a:solidFill>
-                  <a:srgbClr val="C3E88D"/>
-                </a:solidFill>
-                <a:effectLst/>
-                <a:latin typeface="빙그레 메로나체" panose="020B0503000000000000" pitchFamily="50" charset="-127"/>
-              </a:rPr>
-              <a:t>react</a:t>
-            </a:r>
-            <a:r>
-              <a:rPr lang="en-US" altLang="ko-KR" b="0">
-                <a:solidFill>
-                  <a:srgbClr val="89DDFF"/>
-                </a:solidFill>
-                <a:effectLst/>
-                <a:latin typeface="빙그레 메로나체" panose="020B0503000000000000" pitchFamily="50" charset="-127"/>
-              </a:rPr>
-              <a:t>';</a:t>
-            </a:r>
-            <a:endParaRPr lang="en-US" altLang="ko-KR" b="0">
-              <a:solidFill>
-                <a:srgbClr val="EEFFFF"/>
-              </a:solidFill>
-              <a:effectLst/>
-              <a:latin typeface="빙그레 메로나체" panose="020B0503000000000000" pitchFamily="50" charset="-127"/>
-            </a:endParaRPr>
-          </a:p>
-          <a:p>
-            <a:br>
-              <a:rPr lang="en-US" altLang="ko-KR" b="0">
-                <a:solidFill>
-                  <a:srgbClr val="EEFFFF"/>
-                </a:solidFill>
-                <a:effectLst/>
-                <a:latin typeface="빙그레 메로나체" panose="020B0503000000000000" pitchFamily="50" charset="-127"/>
-              </a:rPr>
-            </a:br>
-            <a:r>
-              <a:rPr lang="en-US" altLang="ko-KR" b="0">
-                <a:solidFill>
-                  <a:srgbClr val="C792EA"/>
-                </a:solidFill>
-                <a:effectLst/>
-                <a:latin typeface="빙그레 메로나체" panose="020B0503000000000000" pitchFamily="50" charset="-127"/>
-              </a:rPr>
-              <a:t>class</a:t>
-            </a:r>
-            <a:r>
-              <a:rPr lang="en-US" altLang="ko-KR" b="0">
-                <a:solidFill>
-                  <a:srgbClr val="EEFFFF"/>
-                </a:solidFill>
-                <a:effectLst/>
-                <a:latin typeface="빙그레 메로나체" panose="020B0503000000000000" pitchFamily="50" charset="-127"/>
-              </a:rPr>
-              <a:t> </a:t>
-            </a:r>
-            <a:r>
-              <a:rPr lang="en-US" altLang="ko-KR" b="0">
-                <a:solidFill>
-                  <a:srgbClr val="FFCB6B"/>
-                </a:solidFill>
-                <a:effectLst/>
-                <a:latin typeface="빙그레 메로나체" panose="020B0503000000000000" pitchFamily="50" charset="-127"/>
-              </a:rPr>
-              <a:t>App</a:t>
-            </a:r>
-            <a:r>
-              <a:rPr lang="en-US" altLang="ko-KR" b="0">
-                <a:solidFill>
-                  <a:srgbClr val="EEFFFF"/>
-                </a:solidFill>
-                <a:effectLst/>
-                <a:latin typeface="빙그레 메로나체" panose="020B0503000000000000" pitchFamily="50" charset="-127"/>
-              </a:rPr>
-              <a:t> </a:t>
-            </a:r>
-            <a:r>
-              <a:rPr lang="en-US" altLang="ko-KR" b="0">
-                <a:solidFill>
-                  <a:srgbClr val="C792EA"/>
-                </a:solidFill>
-                <a:effectLst/>
-                <a:latin typeface="빙그레 메로나체" panose="020B0503000000000000" pitchFamily="50" charset="-127"/>
-              </a:rPr>
-              <a:t>extends</a:t>
-            </a:r>
-            <a:r>
-              <a:rPr lang="en-US" altLang="ko-KR" b="0">
-                <a:solidFill>
-                  <a:srgbClr val="EEFFFF"/>
-                </a:solidFill>
-                <a:effectLst/>
-                <a:latin typeface="빙그레 메로나체" panose="020B0503000000000000" pitchFamily="50" charset="-127"/>
-              </a:rPr>
-              <a:t> </a:t>
-            </a:r>
-            <a:r>
-              <a:rPr lang="en-US" altLang="ko-KR" b="0">
-                <a:solidFill>
-                  <a:srgbClr val="FFCB6B"/>
-                </a:solidFill>
-                <a:effectLst/>
-                <a:latin typeface="빙그레 메로나체" panose="020B0503000000000000" pitchFamily="50" charset="-127"/>
-              </a:rPr>
-              <a:t>Component</a:t>
-            </a:r>
-            <a:r>
-              <a:rPr lang="en-US" altLang="ko-KR" b="0">
-                <a:solidFill>
-                  <a:srgbClr val="EEFFFF"/>
-                </a:solidFill>
-                <a:effectLst/>
-                <a:latin typeface="빙그레 메로나체" panose="020B0503000000000000" pitchFamily="50" charset="-127"/>
-              </a:rPr>
-              <a:t> </a:t>
-            </a:r>
-            <a:r>
-              <a:rPr lang="en-US" altLang="ko-KR" b="0">
-                <a:solidFill>
-                  <a:srgbClr val="89DDFF"/>
-                </a:solidFill>
-                <a:effectLst/>
-                <a:latin typeface="빙그레 메로나체" panose="020B0503000000000000" pitchFamily="50" charset="-127"/>
-              </a:rPr>
-              <a:t>{</a:t>
-            </a:r>
-            <a:endParaRPr lang="en-US" altLang="ko-KR" b="0">
-              <a:solidFill>
-                <a:srgbClr val="EEFFFF"/>
-              </a:solidFill>
-              <a:effectLst/>
-              <a:latin typeface="빙그레 메로나체" panose="020B0503000000000000" pitchFamily="50" charset="-127"/>
-            </a:endParaRPr>
-          </a:p>
-          <a:p>
-            <a:r>
-              <a:rPr lang="en-US" altLang="ko-KR" b="0">
-                <a:solidFill>
-                  <a:srgbClr val="EEFFFF"/>
-                </a:solidFill>
-                <a:effectLst/>
-                <a:latin typeface="빙그레 메로나체" panose="020B0503000000000000" pitchFamily="50" charset="-127"/>
-              </a:rPr>
-              <a:t>  </a:t>
-            </a:r>
-            <a:r>
-              <a:rPr lang="en-US" altLang="ko-KR" b="0">
-                <a:solidFill>
-                  <a:srgbClr val="82AAFF"/>
-                </a:solidFill>
-                <a:effectLst/>
-                <a:latin typeface="빙그레 메로나체" panose="020B0503000000000000" pitchFamily="50" charset="-127"/>
-              </a:rPr>
-              <a:t>render</a:t>
-            </a:r>
-            <a:r>
-              <a:rPr lang="en-US" altLang="ko-KR" b="0">
-                <a:solidFill>
-                  <a:srgbClr val="89DDFF"/>
-                </a:solidFill>
-                <a:effectLst/>
-                <a:latin typeface="빙그레 메로나체" panose="020B0503000000000000" pitchFamily="50" charset="-127"/>
-              </a:rPr>
-              <a:t>()</a:t>
-            </a:r>
-            <a:r>
-              <a:rPr lang="en-US" altLang="ko-KR" b="0">
-                <a:solidFill>
-                  <a:srgbClr val="EEFFFF"/>
-                </a:solidFill>
-                <a:effectLst/>
-                <a:latin typeface="빙그레 메로나체" panose="020B0503000000000000" pitchFamily="50" charset="-127"/>
-              </a:rPr>
-              <a:t> </a:t>
-            </a:r>
-            <a:r>
-              <a:rPr lang="en-US" altLang="ko-KR" b="0">
-                <a:solidFill>
-                  <a:srgbClr val="89DDFF"/>
-                </a:solidFill>
-                <a:effectLst/>
-                <a:latin typeface="빙그레 메로나체" panose="020B0503000000000000" pitchFamily="50" charset="-127"/>
-              </a:rPr>
-              <a:t>{</a:t>
-            </a:r>
-            <a:endParaRPr lang="en-US" altLang="ko-KR" b="0">
-              <a:solidFill>
-                <a:srgbClr val="EEFFFF"/>
-              </a:solidFill>
-              <a:effectLst/>
-              <a:latin typeface="빙그레 메로나체" panose="020B0503000000000000" pitchFamily="50" charset="-127"/>
-            </a:endParaRPr>
-          </a:p>
-          <a:p>
-            <a:r>
-              <a:rPr lang="en-US" altLang="ko-KR" b="0">
-                <a:solidFill>
-                  <a:srgbClr val="F07178"/>
-                </a:solidFill>
-                <a:effectLst/>
-                <a:latin typeface="빙그레 메로나체" panose="020B0503000000000000" pitchFamily="50" charset="-127"/>
-              </a:rPr>
-              <a:t>    </a:t>
-            </a:r>
-            <a:r>
-              <a:rPr lang="en-US" altLang="ko-KR" b="0">
-                <a:solidFill>
-                  <a:srgbClr val="C792EA"/>
-                </a:solidFill>
-                <a:effectLst/>
-                <a:latin typeface="빙그레 메로나체" panose="020B0503000000000000" pitchFamily="50" charset="-127"/>
-              </a:rPr>
-              <a:t>const</a:t>
-            </a:r>
-            <a:r>
-              <a:rPr lang="en-US" altLang="ko-KR" b="0">
-                <a:solidFill>
-                  <a:srgbClr val="F07178"/>
-                </a:solidFill>
-                <a:effectLst/>
-                <a:latin typeface="빙그레 메로나체" panose="020B0503000000000000" pitchFamily="50" charset="-127"/>
-              </a:rPr>
-              <a:t> </a:t>
-            </a:r>
-            <a:r>
-              <a:rPr lang="en-US" altLang="ko-KR" b="0">
-                <a:solidFill>
-                  <a:srgbClr val="EEFFFF"/>
-                </a:solidFill>
-                <a:effectLst/>
-                <a:latin typeface="빙그레 메로나체" panose="020B0503000000000000" pitchFamily="50" charset="-127"/>
-              </a:rPr>
-              <a:t>name</a:t>
-            </a:r>
-            <a:r>
-              <a:rPr lang="en-US" altLang="ko-KR" b="0">
-                <a:solidFill>
-                  <a:srgbClr val="F07178"/>
-                </a:solidFill>
-                <a:effectLst/>
-                <a:latin typeface="빙그레 메로나체" panose="020B0503000000000000" pitchFamily="50" charset="-127"/>
-              </a:rPr>
-              <a:t> </a:t>
-            </a:r>
-            <a:r>
-              <a:rPr lang="en-US" altLang="ko-KR" b="0">
-                <a:solidFill>
-                  <a:srgbClr val="89DDFF"/>
-                </a:solidFill>
-                <a:effectLst/>
-                <a:latin typeface="빙그레 메로나체" panose="020B0503000000000000" pitchFamily="50" charset="-127"/>
-              </a:rPr>
-              <a:t>=</a:t>
-            </a:r>
-            <a:r>
-              <a:rPr lang="en-US" altLang="ko-KR" b="0">
-                <a:solidFill>
-                  <a:srgbClr val="F07178"/>
-                </a:solidFill>
-                <a:effectLst/>
-                <a:latin typeface="빙그레 메로나체" panose="020B0503000000000000" pitchFamily="50" charset="-127"/>
-              </a:rPr>
-              <a:t> </a:t>
-            </a:r>
-            <a:r>
-              <a:rPr lang="en-US" altLang="ko-KR" b="0">
-                <a:solidFill>
-                  <a:srgbClr val="89DDFF"/>
-                </a:solidFill>
-                <a:effectLst/>
-                <a:latin typeface="빙그레 메로나체" panose="020B0503000000000000" pitchFamily="50" charset="-127"/>
-              </a:rPr>
-              <a:t>'</a:t>
-            </a:r>
-            <a:r>
-              <a:rPr lang="en-US" altLang="ko-KR" b="0">
-                <a:solidFill>
-                  <a:srgbClr val="C3E88D"/>
-                </a:solidFill>
-                <a:effectLst/>
-                <a:latin typeface="빙그레 메로나체" panose="020B0503000000000000" pitchFamily="50" charset="-127"/>
-              </a:rPr>
-              <a:t>react</a:t>
-            </a:r>
-            <a:r>
-              <a:rPr lang="en-US" altLang="ko-KR" b="0">
-                <a:solidFill>
-                  <a:srgbClr val="89DDFF"/>
-                </a:solidFill>
-                <a:effectLst/>
-                <a:latin typeface="빙그레 메로나체" panose="020B0503000000000000" pitchFamily="50" charset="-127"/>
-              </a:rPr>
-              <a:t>';</a:t>
-            </a:r>
-            <a:endParaRPr lang="en-US" altLang="ko-KR" b="0">
-              <a:solidFill>
-                <a:srgbClr val="EEFFFF"/>
-              </a:solidFill>
-              <a:effectLst/>
-              <a:latin typeface="빙그레 메로나체" panose="020B0503000000000000" pitchFamily="50" charset="-127"/>
-            </a:endParaRPr>
-          </a:p>
-          <a:p>
-            <a:r>
-              <a:rPr lang="en-US" altLang="ko-KR" b="0">
-                <a:solidFill>
-                  <a:srgbClr val="F07178"/>
-                </a:solidFill>
-                <a:effectLst/>
-                <a:latin typeface="빙그레 메로나체" panose="020B0503000000000000" pitchFamily="50" charset="-127"/>
-              </a:rPr>
-              <a:t>    </a:t>
-            </a:r>
-            <a:r>
-              <a:rPr lang="en-US" altLang="ko-KR" b="0" i="1">
-                <a:solidFill>
-                  <a:srgbClr val="89DDFF"/>
-                </a:solidFill>
-                <a:effectLst/>
-                <a:latin typeface="빙그레 메로나체" panose="020B0503000000000000" pitchFamily="50" charset="-127"/>
-              </a:rPr>
-              <a:t>return</a:t>
-            </a:r>
-            <a:r>
-              <a:rPr lang="en-US" altLang="ko-KR" b="0">
-                <a:solidFill>
-                  <a:srgbClr val="F07178"/>
-                </a:solidFill>
-                <a:effectLst/>
-                <a:latin typeface="빙그레 메로나체" panose="020B0503000000000000" pitchFamily="50" charset="-127"/>
-              </a:rPr>
-              <a:t> </a:t>
-            </a:r>
-            <a:r>
-              <a:rPr lang="en-US" altLang="ko-KR" b="0">
-                <a:solidFill>
-                  <a:srgbClr val="89DDFF"/>
-                </a:solidFill>
-                <a:effectLst/>
-                <a:latin typeface="빙그레 메로나체" panose="020B0503000000000000" pitchFamily="50" charset="-127"/>
-              </a:rPr>
-              <a:t>&lt;</a:t>
-            </a:r>
-            <a:r>
-              <a:rPr lang="en-US" altLang="ko-KR" b="0">
-                <a:solidFill>
-                  <a:srgbClr val="F07178"/>
-                </a:solidFill>
-                <a:effectLst/>
-                <a:latin typeface="빙그레 메로나체" panose="020B0503000000000000" pitchFamily="50" charset="-127"/>
-              </a:rPr>
-              <a:t>div</a:t>
-            </a:r>
-            <a:r>
-              <a:rPr lang="en-US" altLang="ko-KR" b="0">
-                <a:solidFill>
-                  <a:srgbClr val="89DDFF"/>
-                </a:solidFill>
-                <a:effectLst/>
-                <a:latin typeface="빙그레 메로나체" panose="020B0503000000000000" pitchFamily="50" charset="-127"/>
-              </a:rPr>
-              <a:t> </a:t>
-            </a:r>
-            <a:r>
-              <a:rPr lang="en-US" altLang="ko-KR" b="0">
-                <a:solidFill>
-                  <a:srgbClr val="C792EA"/>
-                </a:solidFill>
-                <a:effectLst/>
-                <a:latin typeface="빙그레 메로나체" panose="020B0503000000000000" pitchFamily="50" charset="-127"/>
-              </a:rPr>
-              <a:t>className</a:t>
-            </a:r>
-            <a:r>
-              <a:rPr lang="en-US" altLang="ko-KR" b="0">
-                <a:solidFill>
-                  <a:srgbClr val="89DDFF"/>
-                </a:solidFill>
-                <a:effectLst/>
-                <a:latin typeface="빙그레 메로나체" panose="020B0503000000000000" pitchFamily="50" charset="-127"/>
-              </a:rPr>
-              <a:t>="</a:t>
-            </a:r>
-            <a:r>
-              <a:rPr lang="en-US" altLang="ko-KR" b="0">
-                <a:solidFill>
-                  <a:srgbClr val="C3E88D"/>
-                </a:solidFill>
-                <a:effectLst/>
-                <a:latin typeface="빙그레 메로나체" panose="020B0503000000000000" pitchFamily="50" charset="-127"/>
-              </a:rPr>
-              <a:t>react</a:t>
-            </a:r>
-            <a:r>
-              <a:rPr lang="en-US" altLang="ko-KR" b="0">
-                <a:solidFill>
-                  <a:srgbClr val="89DDFF"/>
-                </a:solidFill>
-                <a:effectLst/>
-                <a:latin typeface="빙그레 메로나체" panose="020B0503000000000000" pitchFamily="50" charset="-127"/>
-              </a:rPr>
-              <a:t>"&gt;{</a:t>
-            </a:r>
-            <a:r>
-              <a:rPr lang="en-US" altLang="ko-KR" b="0">
-                <a:solidFill>
-                  <a:srgbClr val="EEFFFF"/>
-                </a:solidFill>
-                <a:effectLst/>
-                <a:latin typeface="빙그레 메로나체" panose="020B0503000000000000" pitchFamily="50" charset="-127"/>
-              </a:rPr>
-              <a:t>name</a:t>
-            </a:r>
-            <a:r>
-              <a:rPr lang="en-US" altLang="ko-KR" b="0">
-                <a:solidFill>
-                  <a:srgbClr val="89DDFF"/>
-                </a:solidFill>
-                <a:effectLst/>
-                <a:latin typeface="빙그레 메로나체" panose="020B0503000000000000" pitchFamily="50" charset="-127"/>
-              </a:rPr>
-              <a:t>}&lt;/</a:t>
-            </a:r>
-            <a:r>
-              <a:rPr lang="en-US" altLang="ko-KR" b="0">
-                <a:solidFill>
-                  <a:srgbClr val="F07178"/>
-                </a:solidFill>
-                <a:effectLst/>
-                <a:latin typeface="빙그레 메로나체" panose="020B0503000000000000" pitchFamily="50" charset="-127"/>
-              </a:rPr>
-              <a:t>div</a:t>
-            </a:r>
-            <a:r>
-              <a:rPr lang="en-US" altLang="ko-KR" b="0">
-                <a:solidFill>
-                  <a:srgbClr val="89DDFF"/>
-                </a:solidFill>
-                <a:effectLst/>
-                <a:latin typeface="빙그레 메로나체" panose="020B0503000000000000" pitchFamily="50" charset="-127"/>
-              </a:rPr>
-              <a:t>&gt;</a:t>
-            </a:r>
-            <a:endParaRPr lang="en-US" altLang="ko-KR" b="0">
-              <a:solidFill>
-                <a:srgbClr val="EEFFFF"/>
-              </a:solidFill>
-              <a:effectLst/>
-              <a:latin typeface="빙그레 메로나체" panose="020B0503000000000000" pitchFamily="50" charset="-127"/>
-            </a:endParaRPr>
-          </a:p>
-          <a:p>
-            <a:r>
-              <a:rPr lang="en-US" altLang="ko-KR" b="0">
-                <a:solidFill>
-                  <a:srgbClr val="F07178"/>
-                </a:solidFill>
-                <a:effectLst/>
-                <a:latin typeface="빙그레 메로나체" panose="020B0503000000000000" pitchFamily="50" charset="-127"/>
-              </a:rPr>
-              <a:t>  </a:t>
-            </a:r>
-            <a:r>
-              <a:rPr lang="en-US" altLang="ko-KR" b="0">
-                <a:solidFill>
-                  <a:srgbClr val="89DDFF"/>
-                </a:solidFill>
-                <a:effectLst/>
-                <a:latin typeface="빙그레 메로나체" panose="020B0503000000000000" pitchFamily="50" charset="-127"/>
-              </a:rPr>
-              <a:t>}</a:t>
-            </a:r>
-            <a:endParaRPr lang="en-US" altLang="ko-KR" b="0">
-              <a:solidFill>
-                <a:srgbClr val="EEFFFF"/>
-              </a:solidFill>
-              <a:effectLst/>
-              <a:latin typeface="빙그레 메로나체" panose="020B0503000000000000" pitchFamily="50" charset="-127"/>
-            </a:endParaRPr>
-          </a:p>
-          <a:p>
-            <a:r>
-              <a:rPr lang="en-US" altLang="ko-KR" b="0">
-                <a:solidFill>
-                  <a:srgbClr val="89DDFF"/>
-                </a:solidFill>
-                <a:effectLst/>
-                <a:latin typeface="빙그레 메로나체" panose="020B0503000000000000" pitchFamily="50" charset="-127"/>
-              </a:rPr>
-              <a:t>}</a:t>
-            </a:r>
-            <a:endParaRPr lang="en-US" altLang="ko-KR" b="0">
-              <a:solidFill>
-                <a:srgbClr val="EEFFFF"/>
-              </a:solidFill>
-              <a:effectLst/>
-              <a:latin typeface="빙그레 메로나체" panose="020B0503000000000000" pitchFamily="50" charset="-127"/>
-            </a:endParaRPr>
-          </a:p>
-          <a:p>
-            <a:br>
-              <a:rPr lang="en-US" altLang="ko-KR" b="0">
-                <a:solidFill>
-                  <a:srgbClr val="EEFFFF"/>
-                </a:solidFill>
-                <a:effectLst/>
-                <a:latin typeface="빙그레 메로나체" panose="020B0503000000000000" pitchFamily="50" charset="-127"/>
-              </a:rPr>
-            </a:br>
-            <a:r>
-              <a:rPr lang="en-US" altLang="ko-KR" b="0" i="1">
-                <a:solidFill>
-                  <a:srgbClr val="89DDFF"/>
-                </a:solidFill>
-                <a:effectLst/>
-                <a:latin typeface="빙그레 메로나체" panose="020B0503000000000000" pitchFamily="50" charset="-127"/>
-              </a:rPr>
-              <a:t>export</a:t>
-            </a:r>
-            <a:r>
-              <a:rPr lang="en-US" altLang="ko-KR" b="0">
-                <a:solidFill>
-                  <a:srgbClr val="EEFFFF"/>
-                </a:solidFill>
-                <a:effectLst/>
-                <a:latin typeface="빙그레 메로나체" panose="020B0503000000000000" pitchFamily="50" charset="-127"/>
-              </a:rPr>
-              <a:t> </a:t>
-            </a:r>
-            <a:r>
-              <a:rPr lang="en-US" altLang="ko-KR" b="0" i="1">
-                <a:solidFill>
-                  <a:srgbClr val="89DDFF"/>
-                </a:solidFill>
-                <a:effectLst/>
-                <a:latin typeface="빙그레 메로나체" panose="020B0503000000000000" pitchFamily="50" charset="-127"/>
-              </a:rPr>
-              <a:t>default</a:t>
-            </a:r>
-            <a:r>
-              <a:rPr lang="en-US" altLang="ko-KR" b="0">
-                <a:solidFill>
-                  <a:srgbClr val="EEFFFF"/>
-                </a:solidFill>
-                <a:effectLst/>
-                <a:latin typeface="빙그레 메로나체" panose="020B0503000000000000" pitchFamily="50" charset="-127"/>
-              </a:rPr>
-              <a:t> </a:t>
-            </a:r>
-            <a:r>
-              <a:rPr lang="en-US" altLang="ko-KR" b="0">
-                <a:solidFill>
-                  <a:srgbClr val="FFCB6B"/>
-                </a:solidFill>
-                <a:effectLst/>
-                <a:latin typeface="빙그레 메로나체" panose="020B0503000000000000" pitchFamily="50" charset="-127"/>
-              </a:rPr>
-              <a:t>App</a:t>
-            </a:r>
-            <a:r>
-              <a:rPr lang="en-US" altLang="ko-KR" b="0">
-                <a:solidFill>
-                  <a:srgbClr val="89DDFF"/>
-                </a:solidFill>
-                <a:effectLst/>
-                <a:latin typeface="빙그레 메로나체" panose="020B0503000000000000" pitchFamily="50" charset="-127"/>
-              </a:rPr>
-              <a:t>;</a:t>
-            </a:r>
-            <a:endParaRPr lang="en-US" altLang="ko-KR" b="0">
-              <a:solidFill>
-                <a:srgbClr val="EEFFFF"/>
-              </a:solidFill>
-              <a:effectLst/>
-              <a:latin typeface="빙그레 메로나체" panose="020B0503000000000000" pitchFamily="50" charset="-127"/>
-            </a:endParaRPr>
+              <a:rPr lang="en-US" altLang="ko-KR" sz="1400">
+                <a:ln>
+                  <a:solidFill>
+                    <a:schemeClr val="tx1">
+                      <a:alpha val="30000"/>
+                    </a:schemeClr>
+                  </a:solidFill>
+                </a:ln>
+                <a:solidFill>
+                  <a:schemeClr val="bg1">
+                    <a:lumMod val="65000"/>
+                  </a:schemeClr>
+                </a:solidFill>
+                <a:latin typeface="빙그레 메로나체" panose="020B0503000000000000" pitchFamily="50" charset="-127"/>
+                <a:ea typeface="빙그레 메로나체" panose="020B0503000000000000" pitchFamily="50" charset="-127"/>
+              </a:rPr>
+              <a:t>source : https://create-react-app.dev/</a:t>
+            </a:r>
           </a:p>
         </p:txBody>
       </p:sp>
+      <p:pic>
+        <p:nvPicPr>
+          <p:cNvPr id="13" name="그림 12">
+            <a:extLst>
+              <a:ext uri="{FF2B5EF4-FFF2-40B4-BE49-F238E27FC236}">
+                <a16:creationId xmlns:a16="http://schemas.microsoft.com/office/drawing/2014/main" id="{C44C6D57-E3A8-4B14-8770-94157E2AD8ED}"/>
+              </a:ext>
+            </a:extLst>
+          </p:cNvPr>
+          <p:cNvPicPr>
+            <a:picLocks noChangeAspect="1"/>
+          </p:cNvPicPr>
+          <p:nvPr/>
+        </p:nvPicPr>
+        <p:blipFill>
+          <a:blip r:embed="rId3"/>
+          <a:stretch>
+            <a:fillRect/>
+          </a:stretch>
+        </p:blipFill>
+        <p:spPr>
+          <a:xfrm>
+            <a:off x="3932903" y="1312609"/>
+            <a:ext cx="4326194" cy="4055806"/>
+          </a:xfrm>
+          <a:prstGeom prst="rect">
+            <a:avLst/>
+          </a:prstGeom>
+        </p:spPr>
+      </p:pic>
       <p:sp>
         <p:nvSpPr>
-          <p:cNvPr id="16" name="TextBox 15">
+          <p:cNvPr id="19" name="TextBox 18">
             <a:extLst>
               <a:ext uri="{FF2B5EF4-FFF2-40B4-BE49-F238E27FC236}">
-                <a16:creationId xmlns:a16="http://schemas.microsoft.com/office/drawing/2014/main" id="{946F797A-78C0-44E0-A419-151263592016}"/>
+                <a16:creationId xmlns:a16="http://schemas.microsoft.com/office/drawing/2014/main" id="{F446EAF5-475A-46DE-8E5A-ADF3BD34A385}"/>
               </a:ext>
             </a:extLst>
           </p:cNvPr>
@@ -39996,12 +39125,13 @@
         </p:nvSpPr>
         <p:spPr>
           <a:xfrm>
-            <a:off x="2019412" y="5619718"/>
-            <a:ext cx="2559719" cy="461665"/>
+            <a:off x="582516" y="6127918"/>
+            <a:ext cx="10656712" cy="307777"/>
           </a:xfrm>
           <a:prstGeom prst="rect">
             <a:avLst/>
           </a:prstGeom>
+          <a:noFill/>
         </p:spPr>
         <p:txBody>
           <a:bodyPr wrap="square">
@@ -40009,9 +39139,8 @@
           </a:bodyPr>
           <a:lstStyle/>
           <a:p>
-            <a:pPr algn="ctr"/>
-            <a:r>
-              <a:rPr lang="en-US" altLang="ko-KR" sz="2400">
+            <a:r>
+              <a:rPr lang="en-US" altLang="ko-KR" sz="1400">
                 <a:ln>
                   <a:solidFill>
                     <a:schemeClr val="tx1">
@@ -40022,52 +39151,21 @@
                 <a:latin typeface="빙그레 메로나체" panose="020B0503000000000000" pitchFamily="50" charset="-127"/>
                 <a:ea typeface="빙그레 메로나체" panose="020B0503000000000000" pitchFamily="50" charset="-127"/>
               </a:rPr>
-              <a:t>class component</a:t>
-            </a:r>
-            <a:endParaRPr lang="ko-KR" altLang="en-US" sz="2400">
-              <a:ln>
-                <a:solidFill>
-                  <a:schemeClr val="tx1">
-                    <a:alpha val="30000"/>
-                  </a:schemeClr>
-                </a:solidFill>
-              </a:ln>
-              <a:latin typeface="빙그레 메로나체" panose="020B0503000000000000" pitchFamily="50" charset="-127"/>
-              <a:ea typeface="빙그레 메로나체" panose="020B0503000000000000" pitchFamily="50" charset="-127"/>
-            </a:endParaRPr>
-          </a:p>
-        </p:txBody>
-      </p:sp>
-      <p:sp>
-        <p:nvSpPr>
-          <p:cNvPr id="17" name="TextBox 16">
-            <a:extLst>
-              <a:ext uri="{FF2B5EF4-FFF2-40B4-BE49-F238E27FC236}">
-                <a16:creationId xmlns:a16="http://schemas.microsoft.com/office/drawing/2014/main" id="{311ED8E3-EF38-4B97-A6EB-79F49A24BB22}"/>
-              </a:ext>
-            </a:extLst>
-          </p:cNvPr>
-          <p:cNvSpPr txBox="1"/>
-          <p:nvPr/>
-        </p:nvSpPr>
-        <p:spPr>
-          <a:xfrm>
-            <a:off x="7251985" y="5619718"/>
-            <a:ext cx="3522245" cy="461665"/>
-          </a:xfrm>
-          <a:prstGeom prst="rect">
-            <a:avLst/>
-          </a:prstGeom>
-        </p:spPr>
-        <p:txBody>
-          <a:bodyPr wrap="square">
-            <a:spAutoFit/>
-          </a:bodyPr>
-          <a:lstStyle/>
-          <a:p>
-            <a:pPr algn="ctr"/>
-            <a:r>
-              <a:rPr lang="en-US" altLang="ko-KR" sz="2400">
+              <a:t>* </a:t>
+            </a:r>
+            <a:r>
+              <a:rPr lang="en-US" altLang="ko-KR" sz="1400" b="1" i="0">
+                <a:solidFill>
+                  <a:srgbClr val="202122"/>
+                </a:solidFill>
+                <a:effectLst/>
+                <a:latin typeface="빙그레 메로나체" panose="020B0503000000000000" pitchFamily="50" charset="-127"/>
+                <a:ea typeface="빙그레 메로나체" panose="020B0503000000000000" pitchFamily="50" charset="-127"/>
+              </a:rPr>
+              <a:t>boilerplate </a:t>
+            </a:r>
+            <a:r>
+              <a:rPr lang="en-US" altLang="ko-KR" sz="1400">
                 <a:ln>
                   <a:solidFill>
                     <a:schemeClr val="tx1">
@@ -40078,74 +39176,15 @@
                 <a:latin typeface="빙그레 메로나체" panose="020B0503000000000000" pitchFamily="50" charset="-127"/>
                 <a:ea typeface="빙그레 메로나체" panose="020B0503000000000000" pitchFamily="50" charset="-127"/>
               </a:rPr>
-              <a:t>functional component</a:t>
-            </a:r>
-          </a:p>
-        </p:txBody>
-      </p:sp>
-      <p:sp>
-        <p:nvSpPr>
-          <p:cNvPr id="21" name="TextBox 20">
-            <a:extLst>
-              <a:ext uri="{FF2B5EF4-FFF2-40B4-BE49-F238E27FC236}">
-                <a16:creationId xmlns:a16="http://schemas.microsoft.com/office/drawing/2014/main" id="{05EF44D7-7BDB-413C-9046-0483C4DEDC69}"/>
-              </a:ext>
-            </a:extLst>
-          </p:cNvPr>
-          <p:cNvSpPr txBox="1"/>
-          <p:nvPr/>
-        </p:nvSpPr>
-        <p:spPr>
-          <a:xfrm>
-            <a:off x="610597" y="1658596"/>
-            <a:ext cx="4226098" cy="523220"/>
-          </a:xfrm>
-          <a:prstGeom prst="rect">
-            <a:avLst/>
-          </a:prstGeom>
-          <a:solidFill>
-            <a:srgbClr val="FFCCCC"/>
-          </a:solidFill>
-        </p:spPr>
-        <p:txBody>
-          <a:bodyPr wrap="square">
-            <a:spAutoFit/>
-          </a:bodyPr>
-          <a:lstStyle/>
-          <a:p>
-            <a:pPr algn="ctr"/>
-            <a:r>
-              <a:rPr lang="en-US" altLang="ko-KR" sz="2800">
-                <a:ln>
-                  <a:solidFill>
-                    <a:schemeClr val="tx1">
-                      <a:alpha val="30000"/>
-                    </a:schemeClr>
-                  </a:solidFill>
-                </a:ln>
-                <a:latin typeface="빙그레 메로나체" panose="020B0503000000000000" pitchFamily="50" charset="-127"/>
-                <a:ea typeface="빙그레 메로나체" panose="020B0503000000000000" pitchFamily="50" charset="-127"/>
-              </a:rPr>
-              <a:t>Declaration method</a:t>
-            </a:r>
-            <a:endParaRPr lang="ko-KR" altLang="en-US" sz="2800">
-              <a:ln>
-                <a:solidFill>
-                  <a:schemeClr val="tx1">
-                    <a:alpha val="30000"/>
-                  </a:schemeClr>
-                </a:solidFill>
-              </a:ln>
-              <a:latin typeface="빙그레 메로나체" panose="020B0503000000000000" pitchFamily="50" charset="-127"/>
-              <a:ea typeface="빙그레 메로나체" panose="020B0503000000000000" pitchFamily="50" charset="-127"/>
-            </a:endParaRPr>
+              <a:t>: A work that can be reused over and over again without modification</a:t>
+            </a:r>
           </a:p>
         </p:txBody>
       </p:sp>
     </p:spTree>
     <p:extLst>
       <p:ext uri="{BB962C8B-B14F-4D97-AF65-F5344CB8AC3E}">
-        <p14:creationId xmlns:p14="http://schemas.microsoft.com/office/powerpoint/2010/main" val="2212106523"/>
+        <p14:creationId xmlns:p14="http://schemas.microsoft.com/office/powerpoint/2010/main" val="3884482338"/>
       </p:ext>
     </p:extLst>
   </p:cSld>
@@ -41009,6 +40048,1499 @@
       </p:sp>
       <p:sp>
         <p:nvSpPr>
+          <p:cNvPr id="15" name="TextBox 14">
+            <a:extLst>
+              <a:ext uri="{FF2B5EF4-FFF2-40B4-BE49-F238E27FC236}">
+                <a16:creationId xmlns:a16="http://schemas.microsoft.com/office/drawing/2014/main" id="{6B861D45-A875-4DB0-B2FF-051A4BAC2D3E}"/>
+              </a:ext>
+            </a:extLst>
+          </p:cNvPr>
+          <p:cNvSpPr txBox="1"/>
+          <p:nvPr/>
+        </p:nvSpPr>
+        <p:spPr>
+          <a:xfrm>
+            <a:off x="6283384" y="2766643"/>
+            <a:ext cx="5459446" cy="2862322"/>
+          </a:xfrm>
+          <a:prstGeom prst="rect">
+            <a:avLst/>
+          </a:prstGeom>
+          <a:solidFill>
+            <a:schemeClr val="tx1"/>
+          </a:solidFill>
+          <a:ln>
+            <a:noFill/>
+          </a:ln>
+        </p:spPr>
+        <p:txBody>
+          <a:bodyPr wrap="square" rtlCol="0">
+            <a:spAutoFit/>
+          </a:bodyPr>
+          <a:lstStyle/>
+          <a:p>
+            <a:r>
+              <a:rPr lang="en-US" altLang="ko-KR" b="0" i="1">
+                <a:solidFill>
+                  <a:srgbClr val="89DDFF"/>
+                </a:solidFill>
+                <a:effectLst/>
+                <a:latin typeface="빙그레 메로나체" panose="020B0503000000000000" pitchFamily="50" charset="-127"/>
+                <a:ea typeface="빙그레 메로나체" panose="020B0503000000000000" pitchFamily="50" charset="-127"/>
+              </a:rPr>
+              <a:t>import</a:t>
+            </a:r>
+            <a:r>
+              <a:rPr lang="en-US" altLang="ko-KR" b="0">
+                <a:solidFill>
+                  <a:srgbClr val="EEFFFF"/>
+                </a:solidFill>
+                <a:effectLst/>
+                <a:latin typeface="빙그레 메로나체" panose="020B0503000000000000" pitchFamily="50" charset="-127"/>
+                <a:ea typeface="빙그레 메로나체" panose="020B0503000000000000" pitchFamily="50" charset="-127"/>
+              </a:rPr>
+              <a:t> React </a:t>
+            </a:r>
+            <a:r>
+              <a:rPr lang="en-US" altLang="ko-KR" b="0" i="1">
+                <a:solidFill>
+                  <a:srgbClr val="89DDFF"/>
+                </a:solidFill>
+                <a:effectLst/>
+                <a:latin typeface="빙그레 메로나체" panose="020B0503000000000000" pitchFamily="50" charset="-127"/>
+                <a:ea typeface="빙그레 메로나체" panose="020B0503000000000000" pitchFamily="50" charset="-127"/>
+              </a:rPr>
+              <a:t>from</a:t>
+            </a:r>
+            <a:r>
+              <a:rPr lang="en-US" altLang="ko-KR" b="0">
+                <a:solidFill>
+                  <a:srgbClr val="EEFFFF"/>
+                </a:solidFill>
+                <a:effectLst/>
+                <a:latin typeface="빙그레 메로나체" panose="020B0503000000000000" pitchFamily="50" charset="-127"/>
+                <a:ea typeface="빙그레 메로나체" panose="020B0503000000000000" pitchFamily="50" charset="-127"/>
+              </a:rPr>
+              <a:t> </a:t>
+            </a:r>
+            <a:r>
+              <a:rPr lang="en-US" altLang="ko-KR" b="0">
+                <a:solidFill>
+                  <a:srgbClr val="89DDFF"/>
+                </a:solidFill>
+                <a:effectLst/>
+                <a:latin typeface="빙그레 메로나체" panose="020B0503000000000000" pitchFamily="50" charset="-127"/>
+                <a:ea typeface="빙그레 메로나체" panose="020B0503000000000000" pitchFamily="50" charset="-127"/>
+              </a:rPr>
+              <a:t>'</a:t>
+            </a:r>
+            <a:r>
+              <a:rPr lang="en-US" altLang="ko-KR" b="0">
+                <a:solidFill>
+                  <a:srgbClr val="C3E88D"/>
+                </a:solidFill>
+                <a:effectLst/>
+                <a:latin typeface="빙그레 메로나체" panose="020B0503000000000000" pitchFamily="50" charset="-127"/>
+                <a:ea typeface="빙그레 메로나체" panose="020B0503000000000000" pitchFamily="50" charset="-127"/>
+              </a:rPr>
+              <a:t>react</a:t>
+            </a:r>
+            <a:r>
+              <a:rPr lang="en-US" altLang="ko-KR" b="0">
+                <a:solidFill>
+                  <a:srgbClr val="89DDFF"/>
+                </a:solidFill>
+                <a:effectLst/>
+                <a:latin typeface="빙그레 메로나체" panose="020B0503000000000000" pitchFamily="50" charset="-127"/>
+                <a:ea typeface="빙그레 메로나체" panose="020B0503000000000000" pitchFamily="50" charset="-127"/>
+              </a:rPr>
+              <a:t>';</a:t>
+            </a:r>
+            <a:endParaRPr lang="en-US" altLang="ko-KR" b="0">
+              <a:solidFill>
+                <a:srgbClr val="EEFFFF"/>
+              </a:solidFill>
+              <a:effectLst/>
+              <a:latin typeface="빙그레 메로나체" panose="020B0503000000000000" pitchFamily="50" charset="-127"/>
+              <a:ea typeface="빙그레 메로나체" panose="020B0503000000000000" pitchFamily="50" charset="-127"/>
+            </a:endParaRPr>
+          </a:p>
+          <a:p>
+            <a:br>
+              <a:rPr lang="en-US" altLang="ko-KR" b="0">
+                <a:solidFill>
+                  <a:srgbClr val="EEFFFF"/>
+                </a:solidFill>
+                <a:effectLst/>
+                <a:latin typeface="빙그레 메로나체" panose="020B0503000000000000" pitchFamily="50" charset="-127"/>
+                <a:ea typeface="빙그레 메로나체" panose="020B0503000000000000" pitchFamily="50" charset="-127"/>
+              </a:rPr>
+            </a:br>
+            <a:r>
+              <a:rPr lang="en-US" altLang="ko-KR" b="0">
+                <a:solidFill>
+                  <a:srgbClr val="C792EA"/>
+                </a:solidFill>
+                <a:effectLst/>
+                <a:latin typeface="빙그레 메로나체" panose="020B0503000000000000" pitchFamily="50" charset="-127"/>
+                <a:ea typeface="빙그레 메로나체" panose="020B0503000000000000" pitchFamily="50" charset="-127"/>
+              </a:rPr>
+              <a:t>function</a:t>
+            </a:r>
+            <a:r>
+              <a:rPr lang="en-US" altLang="ko-KR" b="0">
+                <a:solidFill>
+                  <a:srgbClr val="EEFFFF"/>
+                </a:solidFill>
+                <a:effectLst/>
+                <a:latin typeface="빙그레 메로나체" panose="020B0503000000000000" pitchFamily="50" charset="-127"/>
+                <a:ea typeface="빙그레 메로나체" panose="020B0503000000000000" pitchFamily="50" charset="-127"/>
+              </a:rPr>
+              <a:t> </a:t>
+            </a:r>
+            <a:r>
+              <a:rPr lang="en-US" altLang="ko-KR" b="0">
+                <a:solidFill>
+                  <a:srgbClr val="82AAFF"/>
+                </a:solidFill>
+                <a:effectLst/>
+                <a:latin typeface="빙그레 메로나체" panose="020B0503000000000000" pitchFamily="50" charset="-127"/>
+                <a:ea typeface="빙그레 메로나체" panose="020B0503000000000000" pitchFamily="50" charset="-127"/>
+              </a:rPr>
+              <a:t>App</a:t>
+            </a:r>
+            <a:r>
+              <a:rPr lang="en-US" altLang="ko-KR" b="0">
+                <a:solidFill>
+                  <a:srgbClr val="89DDFF"/>
+                </a:solidFill>
+                <a:effectLst/>
+                <a:latin typeface="빙그레 메로나체" panose="020B0503000000000000" pitchFamily="50" charset="-127"/>
+                <a:ea typeface="빙그레 메로나체" panose="020B0503000000000000" pitchFamily="50" charset="-127"/>
+              </a:rPr>
+              <a:t>()</a:t>
+            </a:r>
+            <a:r>
+              <a:rPr lang="en-US" altLang="ko-KR" b="0">
+                <a:solidFill>
+                  <a:srgbClr val="EEFFFF"/>
+                </a:solidFill>
+                <a:effectLst/>
+                <a:latin typeface="빙그레 메로나체" panose="020B0503000000000000" pitchFamily="50" charset="-127"/>
+                <a:ea typeface="빙그레 메로나체" panose="020B0503000000000000" pitchFamily="50" charset="-127"/>
+              </a:rPr>
+              <a:t> </a:t>
+            </a:r>
+            <a:r>
+              <a:rPr lang="en-US" altLang="ko-KR" b="0">
+                <a:solidFill>
+                  <a:srgbClr val="89DDFF"/>
+                </a:solidFill>
+                <a:effectLst/>
+                <a:latin typeface="빙그레 메로나체" panose="020B0503000000000000" pitchFamily="50" charset="-127"/>
+                <a:ea typeface="빙그레 메로나체" panose="020B0503000000000000" pitchFamily="50" charset="-127"/>
+              </a:rPr>
+              <a:t>{</a:t>
+            </a:r>
+            <a:endParaRPr lang="en-US" altLang="ko-KR" b="0">
+              <a:solidFill>
+                <a:srgbClr val="EEFFFF"/>
+              </a:solidFill>
+              <a:effectLst/>
+              <a:latin typeface="빙그레 메로나체" panose="020B0503000000000000" pitchFamily="50" charset="-127"/>
+              <a:ea typeface="빙그레 메로나체" panose="020B0503000000000000" pitchFamily="50" charset="-127"/>
+            </a:endParaRPr>
+          </a:p>
+          <a:p>
+            <a:r>
+              <a:rPr lang="en-US" altLang="ko-KR" b="0">
+                <a:solidFill>
+                  <a:srgbClr val="F07178"/>
+                </a:solidFill>
+                <a:effectLst/>
+                <a:latin typeface="빙그레 메로나체" panose="020B0503000000000000" pitchFamily="50" charset="-127"/>
+                <a:ea typeface="빙그레 메로나체" panose="020B0503000000000000" pitchFamily="50" charset="-127"/>
+              </a:rPr>
+              <a:t>  </a:t>
+            </a:r>
+            <a:r>
+              <a:rPr lang="en-US" altLang="ko-KR" b="0">
+                <a:solidFill>
+                  <a:srgbClr val="C792EA"/>
+                </a:solidFill>
+                <a:effectLst/>
+                <a:latin typeface="빙그레 메로나체" panose="020B0503000000000000" pitchFamily="50" charset="-127"/>
+                <a:ea typeface="빙그레 메로나체" panose="020B0503000000000000" pitchFamily="50" charset="-127"/>
+              </a:rPr>
+              <a:t>const</a:t>
+            </a:r>
+            <a:r>
+              <a:rPr lang="en-US" altLang="ko-KR" b="0">
+                <a:solidFill>
+                  <a:srgbClr val="F07178"/>
+                </a:solidFill>
+                <a:effectLst/>
+                <a:latin typeface="빙그레 메로나체" panose="020B0503000000000000" pitchFamily="50" charset="-127"/>
+                <a:ea typeface="빙그레 메로나체" panose="020B0503000000000000" pitchFamily="50" charset="-127"/>
+              </a:rPr>
+              <a:t> </a:t>
+            </a:r>
+            <a:r>
+              <a:rPr lang="en-US" altLang="ko-KR" b="0">
+                <a:solidFill>
+                  <a:srgbClr val="EEFFFF"/>
+                </a:solidFill>
+                <a:effectLst/>
+                <a:latin typeface="빙그레 메로나체" panose="020B0503000000000000" pitchFamily="50" charset="-127"/>
+                <a:ea typeface="빙그레 메로나체" panose="020B0503000000000000" pitchFamily="50" charset="-127"/>
+              </a:rPr>
+              <a:t>name</a:t>
+            </a:r>
+            <a:r>
+              <a:rPr lang="en-US" altLang="ko-KR" b="0">
+                <a:solidFill>
+                  <a:srgbClr val="F07178"/>
+                </a:solidFill>
+                <a:effectLst/>
+                <a:latin typeface="빙그레 메로나체" panose="020B0503000000000000" pitchFamily="50" charset="-127"/>
+                <a:ea typeface="빙그레 메로나체" panose="020B0503000000000000" pitchFamily="50" charset="-127"/>
+              </a:rPr>
+              <a:t> </a:t>
+            </a:r>
+            <a:r>
+              <a:rPr lang="en-US" altLang="ko-KR" b="0">
+                <a:solidFill>
+                  <a:srgbClr val="89DDFF"/>
+                </a:solidFill>
+                <a:effectLst/>
+                <a:latin typeface="빙그레 메로나체" panose="020B0503000000000000" pitchFamily="50" charset="-127"/>
+                <a:ea typeface="빙그레 메로나체" panose="020B0503000000000000" pitchFamily="50" charset="-127"/>
+              </a:rPr>
+              <a:t>=</a:t>
+            </a:r>
+            <a:r>
+              <a:rPr lang="en-US" altLang="ko-KR" b="0">
+                <a:solidFill>
+                  <a:srgbClr val="F07178"/>
+                </a:solidFill>
+                <a:effectLst/>
+                <a:latin typeface="빙그레 메로나체" panose="020B0503000000000000" pitchFamily="50" charset="-127"/>
+                <a:ea typeface="빙그레 메로나체" panose="020B0503000000000000" pitchFamily="50" charset="-127"/>
+              </a:rPr>
+              <a:t> </a:t>
+            </a:r>
+            <a:r>
+              <a:rPr lang="en-US" altLang="ko-KR" b="0">
+                <a:solidFill>
+                  <a:srgbClr val="89DDFF"/>
+                </a:solidFill>
+                <a:effectLst/>
+                <a:latin typeface="빙그레 메로나체" panose="020B0503000000000000" pitchFamily="50" charset="-127"/>
+                <a:ea typeface="빙그레 메로나체" panose="020B0503000000000000" pitchFamily="50" charset="-127"/>
+              </a:rPr>
+              <a:t>'</a:t>
+            </a:r>
+            <a:r>
+              <a:rPr lang="en-US" altLang="ko-KR" b="0">
+                <a:solidFill>
+                  <a:srgbClr val="C3E88D"/>
+                </a:solidFill>
+                <a:effectLst/>
+                <a:latin typeface="빙그레 메로나체" panose="020B0503000000000000" pitchFamily="50" charset="-127"/>
+                <a:ea typeface="빙그레 메로나체" panose="020B0503000000000000" pitchFamily="50" charset="-127"/>
+              </a:rPr>
+              <a:t>react</a:t>
+            </a:r>
+            <a:r>
+              <a:rPr lang="en-US" altLang="ko-KR" b="0">
+                <a:solidFill>
+                  <a:srgbClr val="89DDFF"/>
+                </a:solidFill>
+                <a:effectLst/>
+                <a:latin typeface="빙그레 메로나체" panose="020B0503000000000000" pitchFamily="50" charset="-127"/>
+                <a:ea typeface="빙그레 메로나체" panose="020B0503000000000000" pitchFamily="50" charset="-127"/>
+              </a:rPr>
+              <a:t>';</a:t>
+            </a:r>
+            <a:endParaRPr lang="en-US" altLang="ko-KR" b="0">
+              <a:solidFill>
+                <a:srgbClr val="EEFFFF"/>
+              </a:solidFill>
+              <a:effectLst/>
+              <a:latin typeface="빙그레 메로나체" panose="020B0503000000000000" pitchFamily="50" charset="-127"/>
+              <a:ea typeface="빙그레 메로나체" panose="020B0503000000000000" pitchFamily="50" charset="-127"/>
+            </a:endParaRPr>
+          </a:p>
+          <a:p>
+            <a:r>
+              <a:rPr lang="en-US" altLang="ko-KR" b="0">
+                <a:solidFill>
+                  <a:srgbClr val="F07178"/>
+                </a:solidFill>
+                <a:effectLst/>
+                <a:latin typeface="빙그레 메로나체" panose="020B0503000000000000" pitchFamily="50" charset="-127"/>
+                <a:ea typeface="빙그레 메로나체" panose="020B0503000000000000" pitchFamily="50" charset="-127"/>
+              </a:rPr>
+              <a:t>  </a:t>
+            </a:r>
+            <a:r>
+              <a:rPr lang="en-US" altLang="ko-KR" b="0" i="1">
+                <a:solidFill>
+                  <a:srgbClr val="89DDFF"/>
+                </a:solidFill>
+                <a:effectLst/>
+                <a:latin typeface="빙그레 메로나체" panose="020B0503000000000000" pitchFamily="50" charset="-127"/>
+                <a:ea typeface="빙그레 메로나체" panose="020B0503000000000000" pitchFamily="50" charset="-127"/>
+              </a:rPr>
+              <a:t>return</a:t>
+            </a:r>
+            <a:r>
+              <a:rPr lang="en-US" altLang="ko-KR" b="0">
+                <a:solidFill>
+                  <a:srgbClr val="F07178"/>
+                </a:solidFill>
+                <a:effectLst/>
+                <a:latin typeface="빙그레 메로나체" panose="020B0503000000000000" pitchFamily="50" charset="-127"/>
+                <a:ea typeface="빙그레 메로나체" panose="020B0503000000000000" pitchFamily="50" charset="-127"/>
+              </a:rPr>
+              <a:t> </a:t>
+            </a:r>
+            <a:r>
+              <a:rPr lang="en-US" altLang="ko-KR" b="0">
+                <a:solidFill>
+                  <a:srgbClr val="89DDFF"/>
+                </a:solidFill>
+                <a:effectLst/>
+                <a:latin typeface="빙그레 메로나체" panose="020B0503000000000000" pitchFamily="50" charset="-127"/>
+                <a:ea typeface="빙그레 메로나체" panose="020B0503000000000000" pitchFamily="50" charset="-127"/>
+              </a:rPr>
+              <a:t>&lt;</a:t>
+            </a:r>
+            <a:r>
+              <a:rPr lang="en-US" altLang="ko-KR" b="0">
+                <a:solidFill>
+                  <a:srgbClr val="F07178"/>
+                </a:solidFill>
+                <a:effectLst/>
+                <a:latin typeface="빙그레 메로나체" panose="020B0503000000000000" pitchFamily="50" charset="-127"/>
+                <a:ea typeface="빙그레 메로나체" panose="020B0503000000000000" pitchFamily="50" charset="-127"/>
+              </a:rPr>
+              <a:t>div</a:t>
+            </a:r>
+            <a:r>
+              <a:rPr lang="en-US" altLang="ko-KR" b="0">
+                <a:solidFill>
+                  <a:srgbClr val="89DDFF"/>
+                </a:solidFill>
+                <a:effectLst/>
+                <a:latin typeface="빙그레 메로나체" panose="020B0503000000000000" pitchFamily="50" charset="-127"/>
+                <a:ea typeface="빙그레 메로나체" panose="020B0503000000000000" pitchFamily="50" charset="-127"/>
+              </a:rPr>
+              <a:t> </a:t>
+            </a:r>
+            <a:r>
+              <a:rPr lang="en-US" altLang="ko-KR" b="0">
+                <a:solidFill>
+                  <a:srgbClr val="C792EA"/>
+                </a:solidFill>
+                <a:effectLst/>
+                <a:latin typeface="빙그레 메로나체" panose="020B0503000000000000" pitchFamily="50" charset="-127"/>
+                <a:ea typeface="빙그레 메로나체" panose="020B0503000000000000" pitchFamily="50" charset="-127"/>
+              </a:rPr>
+              <a:t>className</a:t>
+            </a:r>
+            <a:r>
+              <a:rPr lang="en-US" altLang="ko-KR" b="0">
+                <a:solidFill>
+                  <a:srgbClr val="89DDFF"/>
+                </a:solidFill>
+                <a:effectLst/>
+                <a:latin typeface="빙그레 메로나체" panose="020B0503000000000000" pitchFamily="50" charset="-127"/>
+                <a:ea typeface="빙그레 메로나체" panose="020B0503000000000000" pitchFamily="50" charset="-127"/>
+              </a:rPr>
+              <a:t> = "</a:t>
+            </a:r>
+            <a:r>
+              <a:rPr lang="en-US" altLang="ko-KR" b="0">
+                <a:solidFill>
+                  <a:srgbClr val="C3E88D"/>
+                </a:solidFill>
+                <a:effectLst/>
+                <a:latin typeface="빙그레 메로나체" panose="020B0503000000000000" pitchFamily="50" charset="-127"/>
+                <a:ea typeface="빙그레 메로나체" panose="020B0503000000000000" pitchFamily="50" charset="-127"/>
+              </a:rPr>
+              <a:t>react</a:t>
+            </a:r>
+            <a:r>
+              <a:rPr lang="en-US" altLang="ko-KR" b="0">
+                <a:solidFill>
+                  <a:srgbClr val="89DDFF"/>
+                </a:solidFill>
+                <a:effectLst/>
+                <a:latin typeface="빙그레 메로나체" panose="020B0503000000000000" pitchFamily="50" charset="-127"/>
+                <a:ea typeface="빙그레 메로나체" panose="020B0503000000000000" pitchFamily="50" charset="-127"/>
+              </a:rPr>
+              <a:t>"&gt;{</a:t>
+            </a:r>
+            <a:r>
+              <a:rPr lang="en-US" altLang="ko-KR" b="0">
+                <a:solidFill>
+                  <a:srgbClr val="EEFFFF"/>
+                </a:solidFill>
+                <a:effectLst/>
+                <a:latin typeface="빙그레 메로나체" panose="020B0503000000000000" pitchFamily="50" charset="-127"/>
+                <a:ea typeface="빙그레 메로나체" panose="020B0503000000000000" pitchFamily="50" charset="-127"/>
+              </a:rPr>
+              <a:t>name</a:t>
+            </a:r>
+            <a:r>
+              <a:rPr lang="en-US" altLang="ko-KR" b="0">
+                <a:solidFill>
+                  <a:srgbClr val="89DDFF"/>
+                </a:solidFill>
+                <a:effectLst/>
+                <a:latin typeface="빙그레 메로나체" panose="020B0503000000000000" pitchFamily="50" charset="-127"/>
+                <a:ea typeface="빙그레 메로나체" panose="020B0503000000000000" pitchFamily="50" charset="-127"/>
+              </a:rPr>
+              <a:t>}&lt;/</a:t>
+            </a:r>
+            <a:r>
+              <a:rPr lang="en-US" altLang="ko-KR" b="0">
+                <a:solidFill>
+                  <a:srgbClr val="F07178"/>
+                </a:solidFill>
+                <a:effectLst/>
+                <a:latin typeface="빙그레 메로나체" panose="020B0503000000000000" pitchFamily="50" charset="-127"/>
+                <a:ea typeface="빙그레 메로나체" panose="020B0503000000000000" pitchFamily="50" charset="-127"/>
+              </a:rPr>
+              <a:t>div</a:t>
+            </a:r>
+            <a:r>
+              <a:rPr lang="en-US" altLang="ko-KR" b="0">
+                <a:solidFill>
+                  <a:srgbClr val="89DDFF"/>
+                </a:solidFill>
+                <a:effectLst/>
+                <a:latin typeface="빙그레 메로나체" panose="020B0503000000000000" pitchFamily="50" charset="-127"/>
+                <a:ea typeface="빙그레 메로나체" panose="020B0503000000000000" pitchFamily="50" charset="-127"/>
+              </a:rPr>
+              <a:t>&gt;</a:t>
+            </a:r>
+            <a:endParaRPr lang="en-US" altLang="ko-KR" b="0">
+              <a:solidFill>
+                <a:srgbClr val="EEFFFF"/>
+              </a:solidFill>
+              <a:effectLst/>
+              <a:latin typeface="빙그레 메로나체" panose="020B0503000000000000" pitchFamily="50" charset="-127"/>
+              <a:ea typeface="빙그레 메로나체" panose="020B0503000000000000" pitchFamily="50" charset="-127"/>
+            </a:endParaRPr>
+          </a:p>
+          <a:p>
+            <a:r>
+              <a:rPr lang="en-US" altLang="ko-KR" b="0">
+                <a:solidFill>
+                  <a:srgbClr val="89DDFF"/>
+                </a:solidFill>
+                <a:effectLst/>
+                <a:latin typeface="빙그레 메로나체" panose="020B0503000000000000" pitchFamily="50" charset="-127"/>
+                <a:ea typeface="빙그레 메로나체" panose="020B0503000000000000" pitchFamily="50" charset="-127"/>
+              </a:rPr>
+              <a:t>}</a:t>
+            </a:r>
+            <a:endParaRPr lang="en-US" altLang="ko-KR" b="0">
+              <a:solidFill>
+                <a:srgbClr val="EEFFFF"/>
+              </a:solidFill>
+              <a:effectLst/>
+              <a:latin typeface="빙그레 메로나체" panose="020B0503000000000000" pitchFamily="50" charset="-127"/>
+              <a:ea typeface="빙그레 메로나체" panose="020B0503000000000000" pitchFamily="50" charset="-127"/>
+            </a:endParaRPr>
+          </a:p>
+          <a:p>
+            <a:br>
+              <a:rPr lang="en-US" altLang="ko-KR" b="0">
+                <a:solidFill>
+                  <a:srgbClr val="EEFFFF"/>
+                </a:solidFill>
+                <a:effectLst/>
+                <a:latin typeface="빙그레 메로나체" panose="020B0503000000000000" pitchFamily="50" charset="-127"/>
+                <a:ea typeface="빙그레 메로나체" panose="020B0503000000000000" pitchFamily="50" charset="-127"/>
+              </a:rPr>
+            </a:br>
+            <a:r>
+              <a:rPr lang="en-US" altLang="ko-KR" b="0" i="1">
+                <a:solidFill>
+                  <a:srgbClr val="89DDFF"/>
+                </a:solidFill>
+                <a:effectLst/>
+                <a:latin typeface="빙그레 메로나체" panose="020B0503000000000000" pitchFamily="50" charset="-127"/>
+                <a:ea typeface="빙그레 메로나체" panose="020B0503000000000000" pitchFamily="50" charset="-127"/>
+              </a:rPr>
+              <a:t>export</a:t>
+            </a:r>
+            <a:r>
+              <a:rPr lang="en-US" altLang="ko-KR" b="0">
+                <a:solidFill>
+                  <a:srgbClr val="EEFFFF"/>
+                </a:solidFill>
+                <a:effectLst/>
+                <a:latin typeface="빙그레 메로나체" panose="020B0503000000000000" pitchFamily="50" charset="-127"/>
+                <a:ea typeface="빙그레 메로나체" panose="020B0503000000000000" pitchFamily="50" charset="-127"/>
+              </a:rPr>
+              <a:t> </a:t>
+            </a:r>
+            <a:r>
+              <a:rPr lang="en-US" altLang="ko-KR" b="0" i="1">
+                <a:solidFill>
+                  <a:srgbClr val="89DDFF"/>
+                </a:solidFill>
+                <a:effectLst/>
+                <a:latin typeface="빙그레 메로나체" panose="020B0503000000000000" pitchFamily="50" charset="-127"/>
+                <a:ea typeface="빙그레 메로나체" panose="020B0503000000000000" pitchFamily="50" charset="-127"/>
+              </a:rPr>
+              <a:t>default</a:t>
+            </a:r>
+            <a:r>
+              <a:rPr lang="en-US" altLang="ko-KR" b="0">
+                <a:solidFill>
+                  <a:srgbClr val="EEFFFF"/>
+                </a:solidFill>
+                <a:effectLst/>
+                <a:latin typeface="빙그레 메로나체" panose="020B0503000000000000" pitchFamily="50" charset="-127"/>
+                <a:ea typeface="빙그레 메로나체" panose="020B0503000000000000" pitchFamily="50" charset="-127"/>
+              </a:rPr>
+              <a:t> App</a:t>
+            </a:r>
+            <a:r>
+              <a:rPr lang="en-US" altLang="ko-KR" b="0">
+                <a:solidFill>
+                  <a:srgbClr val="89DDFF"/>
+                </a:solidFill>
+                <a:effectLst/>
+                <a:latin typeface="빙그레 메로나체" panose="020B0503000000000000" pitchFamily="50" charset="-127"/>
+                <a:ea typeface="빙그레 메로나체" panose="020B0503000000000000" pitchFamily="50" charset="-127"/>
+              </a:rPr>
+              <a:t>;</a:t>
+            </a:r>
+          </a:p>
+          <a:p>
+            <a:endParaRPr lang="en-US" altLang="ko-KR">
+              <a:solidFill>
+                <a:srgbClr val="89DDFF"/>
+              </a:solidFill>
+              <a:latin typeface="빙그레 메로나체" panose="020B0503000000000000" pitchFamily="50" charset="-127"/>
+              <a:ea typeface="빙그레 메로나체" panose="020B0503000000000000" pitchFamily="50" charset="-127"/>
+            </a:endParaRPr>
+          </a:p>
+          <a:p>
+            <a:endParaRPr lang="en-US" altLang="ko-KR" b="0">
+              <a:solidFill>
+                <a:srgbClr val="EEFFFF"/>
+              </a:solidFill>
+              <a:effectLst/>
+              <a:latin typeface="빙그레 메로나체" panose="020B0503000000000000" pitchFamily="50" charset="-127"/>
+              <a:ea typeface="빙그레 메로나체" panose="020B0503000000000000" pitchFamily="50" charset="-127"/>
+            </a:endParaRPr>
+          </a:p>
+        </p:txBody>
+      </p:sp>
+      <p:sp>
+        <p:nvSpPr>
+          <p:cNvPr id="12" name="TextBox 11">
+            <a:extLst>
+              <a:ext uri="{FF2B5EF4-FFF2-40B4-BE49-F238E27FC236}">
+                <a16:creationId xmlns:a16="http://schemas.microsoft.com/office/drawing/2014/main" id="{2FF25EB2-1E28-4FF4-805E-4836DA7B2A37}"/>
+              </a:ext>
+            </a:extLst>
+          </p:cNvPr>
+          <p:cNvSpPr txBox="1"/>
+          <p:nvPr/>
+        </p:nvSpPr>
+        <p:spPr>
+          <a:xfrm>
+            <a:off x="520256" y="2766643"/>
+            <a:ext cx="5558031" cy="2862322"/>
+          </a:xfrm>
+          <a:prstGeom prst="rect">
+            <a:avLst/>
+          </a:prstGeom>
+          <a:solidFill>
+            <a:schemeClr val="tx1"/>
+          </a:solidFill>
+          <a:ln>
+            <a:noFill/>
+          </a:ln>
+        </p:spPr>
+        <p:txBody>
+          <a:bodyPr wrap="square" rtlCol="0">
+            <a:spAutoFit/>
+          </a:bodyPr>
+          <a:lstStyle/>
+          <a:p>
+            <a:r>
+              <a:rPr lang="en-US" altLang="ko-KR" b="0" i="1">
+                <a:solidFill>
+                  <a:srgbClr val="89DDFF"/>
+                </a:solidFill>
+                <a:effectLst/>
+                <a:latin typeface="빙그레 메로나체" panose="020B0503000000000000" pitchFamily="50" charset="-127"/>
+                <a:ea typeface="빙그레 메로나체" panose="020B0503000000000000" pitchFamily="50" charset="-127"/>
+              </a:rPr>
+              <a:t>import</a:t>
+            </a:r>
+            <a:r>
+              <a:rPr lang="en-US" altLang="ko-KR" b="0">
+                <a:solidFill>
+                  <a:srgbClr val="EEFFFF"/>
+                </a:solidFill>
+                <a:effectLst/>
+                <a:latin typeface="빙그레 메로나체" panose="020B0503000000000000" pitchFamily="50" charset="-127"/>
+                <a:ea typeface="빙그레 메로나체" panose="020B0503000000000000" pitchFamily="50" charset="-127"/>
+              </a:rPr>
+              <a:t> React</a:t>
+            </a:r>
+            <a:r>
+              <a:rPr lang="en-US" altLang="ko-KR" b="0">
+                <a:solidFill>
+                  <a:srgbClr val="89DDFF"/>
+                </a:solidFill>
+                <a:effectLst/>
+                <a:latin typeface="빙그레 메로나체" panose="020B0503000000000000" pitchFamily="50" charset="-127"/>
+                <a:ea typeface="빙그레 메로나체" panose="020B0503000000000000" pitchFamily="50" charset="-127"/>
+              </a:rPr>
+              <a:t>,</a:t>
+            </a:r>
+            <a:r>
+              <a:rPr lang="en-US" altLang="ko-KR" b="0">
+                <a:solidFill>
+                  <a:srgbClr val="EEFFFF"/>
+                </a:solidFill>
+                <a:effectLst/>
+                <a:latin typeface="빙그레 메로나체" panose="020B0503000000000000" pitchFamily="50" charset="-127"/>
+                <a:ea typeface="빙그레 메로나체" panose="020B0503000000000000" pitchFamily="50" charset="-127"/>
+              </a:rPr>
+              <a:t> </a:t>
+            </a:r>
+            <a:r>
+              <a:rPr lang="en-US" altLang="ko-KR" b="0">
+                <a:solidFill>
+                  <a:srgbClr val="89DDFF"/>
+                </a:solidFill>
+                <a:effectLst/>
+                <a:latin typeface="빙그레 메로나체" panose="020B0503000000000000" pitchFamily="50" charset="-127"/>
+                <a:ea typeface="빙그레 메로나체" panose="020B0503000000000000" pitchFamily="50" charset="-127"/>
+              </a:rPr>
+              <a:t>{</a:t>
+            </a:r>
+            <a:r>
+              <a:rPr lang="en-US" altLang="ko-KR" b="0">
+                <a:solidFill>
+                  <a:srgbClr val="EEFFFF"/>
+                </a:solidFill>
+                <a:effectLst/>
+                <a:latin typeface="빙그레 메로나체" panose="020B0503000000000000" pitchFamily="50" charset="-127"/>
+                <a:ea typeface="빙그레 메로나체" panose="020B0503000000000000" pitchFamily="50" charset="-127"/>
+              </a:rPr>
+              <a:t>Component</a:t>
+            </a:r>
+            <a:r>
+              <a:rPr lang="en-US" altLang="ko-KR" b="0">
+                <a:solidFill>
+                  <a:srgbClr val="89DDFF"/>
+                </a:solidFill>
+                <a:effectLst/>
+                <a:latin typeface="빙그레 메로나체" panose="020B0503000000000000" pitchFamily="50" charset="-127"/>
+                <a:ea typeface="빙그레 메로나체" panose="020B0503000000000000" pitchFamily="50" charset="-127"/>
+              </a:rPr>
+              <a:t>}</a:t>
+            </a:r>
+            <a:r>
+              <a:rPr lang="en-US" altLang="ko-KR" b="0">
+                <a:solidFill>
+                  <a:srgbClr val="EEFFFF"/>
+                </a:solidFill>
+                <a:effectLst/>
+                <a:latin typeface="빙그레 메로나체" panose="020B0503000000000000" pitchFamily="50" charset="-127"/>
+                <a:ea typeface="빙그레 메로나체" panose="020B0503000000000000" pitchFamily="50" charset="-127"/>
+              </a:rPr>
+              <a:t> </a:t>
+            </a:r>
+            <a:r>
+              <a:rPr lang="en-US" altLang="ko-KR" b="0" i="1">
+                <a:solidFill>
+                  <a:srgbClr val="89DDFF"/>
+                </a:solidFill>
+                <a:effectLst/>
+                <a:latin typeface="빙그레 메로나체" panose="020B0503000000000000" pitchFamily="50" charset="-127"/>
+                <a:ea typeface="빙그레 메로나체" panose="020B0503000000000000" pitchFamily="50" charset="-127"/>
+              </a:rPr>
+              <a:t>from</a:t>
+            </a:r>
+            <a:r>
+              <a:rPr lang="en-US" altLang="ko-KR" b="0">
+                <a:solidFill>
+                  <a:srgbClr val="EEFFFF"/>
+                </a:solidFill>
+                <a:effectLst/>
+                <a:latin typeface="빙그레 메로나체" panose="020B0503000000000000" pitchFamily="50" charset="-127"/>
+                <a:ea typeface="빙그레 메로나체" panose="020B0503000000000000" pitchFamily="50" charset="-127"/>
+              </a:rPr>
+              <a:t> </a:t>
+            </a:r>
+            <a:r>
+              <a:rPr lang="en-US" altLang="ko-KR" b="0">
+                <a:solidFill>
+                  <a:srgbClr val="89DDFF"/>
+                </a:solidFill>
+                <a:effectLst/>
+                <a:latin typeface="빙그레 메로나체" panose="020B0503000000000000" pitchFamily="50" charset="-127"/>
+                <a:ea typeface="빙그레 메로나체" panose="020B0503000000000000" pitchFamily="50" charset="-127"/>
+              </a:rPr>
+              <a:t>'</a:t>
+            </a:r>
+            <a:r>
+              <a:rPr lang="en-US" altLang="ko-KR" b="0">
+                <a:solidFill>
+                  <a:srgbClr val="C3E88D"/>
+                </a:solidFill>
+                <a:effectLst/>
+                <a:latin typeface="빙그레 메로나체" panose="020B0503000000000000" pitchFamily="50" charset="-127"/>
+                <a:ea typeface="빙그레 메로나체" panose="020B0503000000000000" pitchFamily="50" charset="-127"/>
+              </a:rPr>
+              <a:t>react</a:t>
+            </a:r>
+            <a:r>
+              <a:rPr lang="en-US" altLang="ko-KR" b="0">
+                <a:solidFill>
+                  <a:srgbClr val="89DDFF"/>
+                </a:solidFill>
+                <a:effectLst/>
+                <a:latin typeface="빙그레 메로나체" panose="020B0503000000000000" pitchFamily="50" charset="-127"/>
+                <a:ea typeface="빙그레 메로나체" panose="020B0503000000000000" pitchFamily="50" charset="-127"/>
+              </a:rPr>
+              <a:t>';</a:t>
+            </a:r>
+            <a:endParaRPr lang="en-US" altLang="ko-KR" b="0">
+              <a:solidFill>
+                <a:srgbClr val="EEFFFF"/>
+              </a:solidFill>
+              <a:effectLst/>
+              <a:latin typeface="빙그레 메로나체" panose="020B0503000000000000" pitchFamily="50" charset="-127"/>
+              <a:ea typeface="빙그레 메로나체" panose="020B0503000000000000" pitchFamily="50" charset="-127"/>
+            </a:endParaRPr>
+          </a:p>
+          <a:p>
+            <a:br>
+              <a:rPr lang="en-US" altLang="ko-KR" b="0">
+                <a:solidFill>
+                  <a:srgbClr val="EEFFFF"/>
+                </a:solidFill>
+                <a:effectLst/>
+                <a:latin typeface="빙그레 메로나체" panose="020B0503000000000000" pitchFamily="50" charset="-127"/>
+                <a:ea typeface="빙그레 메로나체" panose="020B0503000000000000" pitchFamily="50" charset="-127"/>
+              </a:rPr>
+            </a:br>
+            <a:r>
+              <a:rPr lang="en-US" altLang="ko-KR" b="0">
+                <a:solidFill>
+                  <a:srgbClr val="C792EA"/>
+                </a:solidFill>
+                <a:effectLst/>
+                <a:latin typeface="빙그레 메로나체" panose="020B0503000000000000" pitchFamily="50" charset="-127"/>
+                <a:ea typeface="빙그레 메로나체" panose="020B0503000000000000" pitchFamily="50" charset="-127"/>
+              </a:rPr>
+              <a:t>class</a:t>
+            </a:r>
+            <a:r>
+              <a:rPr lang="en-US" altLang="ko-KR" b="0">
+                <a:solidFill>
+                  <a:srgbClr val="EEFFFF"/>
+                </a:solidFill>
+                <a:effectLst/>
+                <a:latin typeface="빙그레 메로나체" panose="020B0503000000000000" pitchFamily="50" charset="-127"/>
+                <a:ea typeface="빙그레 메로나체" panose="020B0503000000000000" pitchFamily="50" charset="-127"/>
+              </a:rPr>
+              <a:t> </a:t>
+            </a:r>
+            <a:r>
+              <a:rPr lang="en-US" altLang="ko-KR" b="0">
+                <a:solidFill>
+                  <a:srgbClr val="FFCB6B"/>
+                </a:solidFill>
+                <a:effectLst/>
+                <a:latin typeface="빙그레 메로나체" panose="020B0503000000000000" pitchFamily="50" charset="-127"/>
+                <a:ea typeface="빙그레 메로나체" panose="020B0503000000000000" pitchFamily="50" charset="-127"/>
+              </a:rPr>
+              <a:t>App</a:t>
+            </a:r>
+            <a:r>
+              <a:rPr lang="en-US" altLang="ko-KR" b="0">
+                <a:solidFill>
+                  <a:srgbClr val="EEFFFF"/>
+                </a:solidFill>
+                <a:effectLst/>
+                <a:latin typeface="빙그레 메로나체" panose="020B0503000000000000" pitchFamily="50" charset="-127"/>
+                <a:ea typeface="빙그레 메로나체" panose="020B0503000000000000" pitchFamily="50" charset="-127"/>
+              </a:rPr>
+              <a:t> </a:t>
+            </a:r>
+            <a:r>
+              <a:rPr lang="en-US" altLang="ko-KR" b="0">
+                <a:solidFill>
+                  <a:srgbClr val="C792EA"/>
+                </a:solidFill>
+                <a:effectLst/>
+                <a:latin typeface="빙그레 메로나체" panose="020B0503000000000000" pitchFamily="50" charset="-127"/>
+                <a:ea typeface="빙그레 메로나체" panose="020B0503000000000000" pitchFamily="50" charset="-127"/>
+              </a:rPr>
+              <a:t>extends</a:t>
+            </a:r>
+            <a:r>
+              <a:rPr lang="en-US" altLang="ko-KR" b="0">
+                <a:solidFill>
+                  <a:srgbClr val="EEFFFF"/>
+                </a:solidFill>
+                <a:effectLst/>
+                <a:latin typeface="빙그레 메로나체" panose="020B0503000000000000" pitchFamily="50" charset="-127"/>
+                <a:ea typeface="빙그레 메로나체" panose="020B0503000000000000" pitchFamily="50" charset="-127"/>
+              </a:rPr>
+              <a:t> </a:t>
+            </a:r>
+            <a:r>
+              <a:rPr lang="en-US" altLang="ko-KR" b="0">
+                <a:solidFill>
+                  <a:srgbClr val="FFCB6B"/>
+                </a:solidFill>
+                <a:effectLst/>
+                <a:latin typeface="빙그레 메로나체" panose="020B0503000000000000" pitchFamily="50" charset="-127"/>
+                <a:ea typeface="빙그레 메로나체" panose="020B0503000000000000" pitchFamily="50" charset="-127"/>
+              </a:rPr>
+              <a:t>Component</a:t>
+            </a:r>
+            <a:r>
+              <a:rPr lang="en-US" altLang="ko-KR" b="0">
+                <a:solidFill>
+                  <a:srgbClr val="EEFFFF"/>
+                </a:solidFill>
+                <a:effectLst/>
+                <a:latin typeface="빙그레 메로나체" panose="020B0503000000000000" pitchFamily="50" charset="-127"/>
+                <a:ea typeface="빙그레 메로나체" panose="020B0503000000000000" pitchFamily="50" charset="-127"/>
+              </a:rPr>
+              <a:t> </a:t>
+            </a:r>
+            <a:r>
+              <a:rPr lang="en-US" altLang="ko-KR" b="0">
+                <a:solidFill>
+                  <a:srgbClr val="89DDFF"/>
+                </a:solidFill>
+                <a:effectLst/>
+                <a:latin typeface="빙그레 메로나체" panose="020B0503000000000000" pitchFamily="50" charset="-127"/>
+                <a:ea typeface="빙그레 메로나체" panose="020B0503000000000000" pitchFamily="50" charset="-127"/>
+              </a:rPr>
+              <a:t>{</a:t>
+            </a:r>
+            <a:endParaRPr lang="en-US" altLang="ko-KR" b="0">
+              <a:solidFill>
+                <a:srgbClr val="EEFFFF"/>
+              </a:solidFill>
+              <a:effectLst/>
+              <a:latin typeface="빙그레 메로나체" panose="020B0503000000000000" pitchFamily="50" charset="-127"/>
+              <a:ea typeface="빙그레 메로나체" panose="020B0503000000000000" pitchFamily="50" charset="-127"/>
+            </a:endParaRPr>
+          </a:p>
+          <a:p>
+            <a:r>
+              <a:rPr lang="en-US" altLang="ko-KR" b="0">
+                <a:solidFill>
+                  <a:srgbClr val="EEFFFF"/>
+                </a:solidFill>
+                <a:effectLst/>
+                <a:latin typeface="빙그레 메로나체" panose="020B0503000000000000" pitchFamily="50" charset="-127"/>
+                <a:ea typeface="빙그레 메로나체" panose="020B0503000000000000" pitchFamily="50" charset="-127"/>
+              </a:rPr>
+              <a:t>  </a:t>
+            </a:r>
+            <a:r>
+              <a:rPr lang="en-US" altLang="ko-KR" b="0">
+                <a:solidFill>
+                  <a:srgbClr val="82AAFF"/>
+                </a:solidFill>
+                <a:effectLst/>
+                <a:latin typeface="빙그레 메로나체" panose="020B0503000000000000" pitchFamily="50" charset="-127"/>
+                <a:ea typeface="빙그레 메로나체" panose="020B0503000000000000" pitchFamily="50" charset="-127"/>
+              </a:rPr>
+              <a:t>render</a:t>
+            </a:r>
+            <a:r>
+              <a:rPr lang="en-US" altLang="ko-KR" b="0">
+                <a:solidFill>
+                  <a:srgbClr val="89DDFF"/>
+                </a:solidFill>
+                <a:effectLst/>
+                <a:latin typeface="빙그레 메로나체" panose="020B0503000000000000" pitchFamily="50" charset="-127"/>
+                <a:ea typeface="빙그레 메로나체" panose="020B0503000000000000" pitchFamily="50" charset="-127"/>
+              </a:rPr>
+              <a:t>()</a:t>
+            </a:r>
+            <a:r>
+              <a:rPr lang="en-US" altLang="ko-KR" b="0">
+                <a:solidFill>
+                  <a:srgbClr val="EEFFFF"/>
+                </a:solidFill>
+                <a:effectLst/>
+                <a:latin typeface="빙그레 메로나체" panose="020B0503000000000000" pitchFamily="50" charset="-127"/>
+                <a:ea typeface="빙그레 메로나체" panose="020B0503000000000000" pitchFamily="50" charset="-127"/>
+              </a:rPr>
+              <a:t> </a:t>
+            </a:r>
+            <a:r>
+              <a:rPr lang="en-US" altLang="ko-KR" b="0">
+                <a:solidFill>
+                  <a:srgbClr val="89DDFF"/>
+                </a:solidFill>
+                <a:effectLst/>
+                <a:latin typeface="빙그레 메로나체" panose="020B0503000000000000" pitchFamily="50" charset="-127"/>
+                <a:ea typeface="빙그레 메로나체" panose="020B0503000000000000" pitchFamily="50" charset="-127"/>
+              </a:rPr>
+              <a:t>{</a:t>
+            </a:r>
+            <a:endParaRPr lang="en-US" altLang="ko-KR" b="0">
+              <a:solidFill>
+                <a:srgbClr val="EEFFFF"/>
+              </a:solidFill>
+              <a:effectLst/>
+              <a:latin typeface="빙그레 메로나체" panose="020B0503000000000000" pitchFamily="50" charset="-127"/>
+              <a:ea typeface="빙그레 메로나체" panose="020B0503000000000000" pitchFamily="50" charset="-127"/>
+            </a:endParaRPr>
+          </a:p>
+          <a:p>
+            <a:r>
+              <a:rPr lang="en-US" altLang="ko-KR" b="0">
+                <a:solidFill>
+                  <a:srgbClr val="F07178"/>
+                </a:solidFill>
+                <a:effectLst/>
+                <a:latin typeface="빙그레 메로나체" panose="020B0503000000000000" pitchFamily="50" charset="-127"/>
+                <a:ea typeface="빙그레 메로나체" panose="020B0503000000000000" pitchFamily="50" charset="-127"/>
+              </a:rPr>
+              <a:t>    </a:t>
+            </a:r>
+            <a:r>
+              <a:rPr lang="en-US" altLang="ko-KR" b="0">
+                <a:solidFill>
+                  <a:srgbClr val="C792EA"/>
+                </a:solidFill>
+                <a:effectLst/>
+                <a:latin typeface="빙그레 메로나체" panose="020B0503000000000000" pitchFamily="50" charset="-127"/>
+                <a:ea typeface="빙그레 메로나체" panose="020B0503000000000000" pitchFamily="50" charset="-127"/>
+              </a:rPr>
+              <a:t>const</a:t>
+            </a:r>
+            <a:r>
+              <a:rPr lang="en-US" altLang="ko-KR" b="0">
+                <a:solidFill>
+                  <a:srgbClr val="F07178"/>
+                </a:solidFill>
+                <a:effectLst/>
+                <a:latin typeface="빙그레 메로나체" panose="020B0503000000000000" pitchFamily="50" charset="-127"/>
+                <a:ea typeface="빙그레 메로나체" panose="020B0503000000000000" pitchFamily="50" charset="-127"/>
+              </a:rPr>
+              <a:t> </a:t>
+            </a:r>
+            <a:r>
+              <a:rPr lang="en-US" altLang="ko-KR" b="0">
+                <a:solidFill>
+                  <a:srgbClr val="EEFFFF"/>
+                </a:solidFill>
+                <a:effectLst/>
+                <a:latin typeface="빙그레 메로나체" panose="020B0503000000000000" pitchFamily="50" charset="-127"/>
+                <a:ea typeface="빙그레 메로나체" panose="020B0503000000000000" pitchFamily="50" charset="-127"/>
+              </a:rPr>
+              <a:t>name</a:t>
+            </a:r>
+            <a:r>
+              <a:rPr lang="en-US" altLang="ko-KR" b="0">
+                <a:solidFill>
+                  <a:srgbClr val="F07178"/>
+                </a:solidFill>
+                <a:effectLst/>
+                <a:latin typeface="빙그레 메로나체" panose="020B0503000000000000" pitchFamily="50" charset="-127"/>
+                <a:ea typeface="빙그레 메로나체" panose="020B0503000000000000" pitchFamily="50" charset="-127"/>
+              </a:rPr>
+              <a:t> </a:t>
+            </a:r>
+            <a:r>
+              <a:rPr lang="en-US" altLang="ko-KR" b="0">
+                <a:solidFill>
+                  <a:srgbClr val="89DDFF"/>
+                </a:solidFill>
+                <a:effectLst/>
+                <a:latin typeface="빙그레 메로나체" panose="020B0503000000000000" pitchFamily="50" charset="-127"/>
+                <a:ea typeface="빙그레 메로나체" panose="020B0503000000000000" pitchFamily="50" charset="-127"/>
+              </a:rPr>
+              <a:t>=</a:t>
+            </a:r>
+            <a:r>
+              <a:rPr lang="en-US" altLang="ko-KR" b="0">
+                <a:solidFill>
+                  <a:srgbClr val="F07178"/>
+                </a:solidFill>
+                <a:effectLst/>
+                <a:latin typeface="빙그레 메로나체" panose="020B0503000000000000" pitchFamily="50" charset="-127"/>
+                <a:ea typeface="빙그레 메로나체" panose="020B0503000000000000" pitchFamily="50" charset="-127"/>
+              </a:rPr>
+              <a:t> </a:t>
+            </a:r>
+            <a:r>
+              <a:rPr lang="en-US" altLang="ko-KR" b="0">
+                <a:solidFill>
+                  <a:srgbClr val="89DDFF"/>
+                </a:solidFill>
+                <a:effectLst/>
+                <a:latin typeface="빙그레 메로나체" panose="020B0503000000000000" pitchFamily="50" charset="-127"/>
+                <a:ea typeface="빙그레 메로나체" panose="020B0503000000000000" pitchFamily="50" charset="-127"/>
+              </a:rPr>
+              <a:t>'</a:t>
+            </a:r>
+            <a:r>
+              <a:rPr lang="en-US" altLang="ko-KR" b="0">
+                <a:solidFill>
+                  <a:srgbClr val="C3E88D"/>
+                </a:solidFill>
+                <a:effectLst/>
+                <a:latin typeface="빙그레 메로나체" panose="020B0503000000000000" pitchFamily="50" charset="-127"/>
+                <a:ea typeface="빙그레 메로나체" panose="020B0503000000000000" pitchFamily="50" charset="-127"/>
+              </a:rPr>
+              <a:t>react</a:t>
+            </a:r>
+            <a:r>
+              <a:rPr lang="en-US" altLang="ko-KR" b="0">
+                <a:solidFill>
+                  <a:srgbClr val="89DDFF"/>
+                </a:solidFill>
+                <a:effectLst/>
+                <a:latin typeface="빙그레 메로나체" panose="020B0503000000000000" pitchFamily="50" charset="-127"/>
+                <a:ea typeface="빙그레 메로나체" panose="020B0503000000000000" pitchFamily="50" charset="-127"/>
+              </a:rPr>
+              <a:t>';</a:t>
+            </a:r>
+            <a:endParaRPr lang="en-US" altLang="ko-KR" b="0">
+              <a:solidFill>
+                <a:srgbClr val="EEFFFF"/>
+              </a:solidFill>
+              <a:effectLst/>
+              <a:latin typeface="빙그레 메로나체" panose="020B0503000000000000" pitchFamily="50" charset="-127"/>
+              <a:ea typeface="빙그레 메로나체" panose="020B0503000000000000" pitchFamily="50" charset="-127"/>
+            </a:endParaRPr>
+          </a:p>
+          <a:p>
+            <a:r>
+              <a:rPr lang="en-US" altLang="ko-KR" b="0">
+                <a:solidFill>
+                  <a:srgbClr val="F07178"/>
+                </a:solidFill>
+                <a:effectLst/>
+                <a:latin typeface="빙그레 메로나체" panose="020B0503000000000000" pitchFamily="50" charset="-127"/>
+                <a:ea typeface="빙그레 메로나체" panose="020B0503000000000000" pitchFamily="50" charset="-127"/>
+              </a:rPr>
+              <a:t>    </a:t>
+            </a:r>
+            <a:r>
+              <a:rPr lang="en-US" altLang="ko-KR" b="0" i="1">
+                <a:solidFill>
+                  <a:srgbClr val="89DDFF"/>
+                </a:solidFill>
+                <a:effectLst/>
+                <a:latin typeface="빙그레 메로나체" panose="020B0503000000000000" pitchFamily="50" charset="-127"/>
+                <a:ea typeface="빙그레 메로나체" panose="020B0503000000000000" pitchFamily="50" charset="-127"/>
+              </a:rPr>
+              <a:t>return</a:t>
+            </a:r>
+            <a:r>
+              <a:rPr lang="en-US" altLang="ko-KR" b="0">
+                <a:solidFill>
+                  <a:srgbClr val="F07178"/>
+                </a:solidFill>
+                <a:effectLst/>
+                <a:latin typeface="빙그레 메로나체" panose="020B0503000000000000" pitchFamily="50" charset="-127"/>
+                <a:ea typeface="빙그레 메로나체" panose="020B0503000000000000" pitchFamily="50" charset="-127"/>
+              </a:rPr>
+              <a:t> </a:t>
+            </a:r>
+            <a:r>
+              <a:rPr lang="en-US" altLang="ko-KR" b="0">
+                <a:solidFill>
+                  <a:srgbClr val="89DDFF"/>
+                </a:solidFill>
+                <a:effectLst/>
+                <a:latin typeface="빙그레 메로나체" panose="020B0503000000000000" pitchFamily="50" charset="-127"/>
+                <a:ea typeface="빙그레 메로나체" panose="020B0503000000000000" pitchFamily="50" charset="-127"/>
+              </a:rPr>
+              <a:t>&lt;</a:t>
+            </a:r>
+            <a:r>
+              <a:rPr lang="en-US" altLang="ko-KR" b="0">
+                <a:solidFill>
+                  <a:srgbClr val="F07178"/>
+                </a:solidFill>
+                <a:effectLst/>
+                <a:latin typeface="빙그레 메로나체" panose="020B0503000000000000" pitchFamily="50" charset="-127"/>
+                <a:ea typeface="빙그레 메로나체" panose="020B0503000000000000" pitchFamily="50" charset="-127"/>
+              </a:rPr>
+              <a:t>div</a:t>
+            </a:r>
+            <a:r>
+              <a:rPr lang="en-US" altLang="ko-KR" b="0">
+                <a:solidFill>
+                  <a:srgbClr val="89DDFF"/>
+                </a:solidFill>
+                <a:effectLst/>
+                <a:latin typeface="빙그레 메로나체" panose="020B0503000000000000" pitchFamily="50" charset="-127"/>
+                <a:ea typeface="빙그레 메로나체" panose="020B0503000000000000" pitchFamily="50" charset="-127"/>
+              </a:rPr>
+              <a:t> </a:t>
+            </a:r>
+            <a:r>
+              <a:rPr lang="en-US" altLang="ko-KR" b="0">
+                <a:solidFill>
+                  <a:srgbClr val="C792EA"/>
+                </a:solidFill>
+                <a:effectLst/>
+                <a:latin typeface="빙그레 메로나체" panose="020B0503000000000000" pitchFamily="50" charset="-127"/>
+                <a:ea typeface="빙그레 메로나체" panose="020B0503000000000000" pitchFamily="50" charset="-127"/>
+              </a:rPr>
+              <a:t>className</a:t>
+            </a:r>
+            <a:r>
+              <a:rPr lang="en-US" altLang="ko-KR" b="0">
+                <a:solidFill>
+                  <a:srgbClr val="89DDFF"/>
+                </a:solidFill>
+                <a:effectLst/>
+                <a:latin typeface="빙그레 메로나체" panose="020B0503000000000000" pitchFamily="50" charset="-127"/>
+                <a:ea typeface="빙그레 메로나체" panose="020B0503000000000000" pitchFamily="50" charset="-127"/>
+              </a:rPr>
+              <a:t>="</a:t>
+            </a:r>
+            <a:r>
+              <a:rPr lang="en-US" altLang="ko-KR" b="0">
+                <a:solidFill>
+                  <a:srgbClr val="C3E88D"/>
+                </a:solidFill>
+                <a:effectLst/>
+                <a:latin typeface="빙그레 메로나체" panose="020B0503000000000000" pitchFamily="50" charset="-127"/>
+                <a:ea typeface="빙그레 메로나체" panose="020B0503000000000000" pitchFamily="50" charset="-127"/>
+              </a:rPr>
+              <a:t>react</a:t>
+            </a:r>
+            <a:r>
+              <a:rPr lang="en-US" altLang="ko-KR" b="0">
+                <a:solidFill>
+                  <a:srgbClr val="89DDFF"/>
+                </a:solidFill>
+                <a:effectLst/>
+                <a:latin typeface="빙그레 메로나체" panose="020B0503000000000000" pitchFamily="50" charset="-127"/>
+                <a:ea typeface="빙그레 메로나체" panose="020B0503000000000000" pitchFamily="50" charset="-127"/>
+              </a:rPr>
+              <a:t>"&gt;{</a:t>
+            </a:r>
+            <a:r>
+              <a:rPr lang="en-US" altLang="ko-KR" b="0">
+                <a:solidFill>
+                  <a:srgbClr val="EEFFFF"/>
+                </a:solidFill>
+                <a:effectLst/>
+                <a:latin typeface="빙그레 메로나체" panose="020B0503000000000000" pitchFamily="50" charset="-127"/>
+                <a:ea typeface="빙그레 메로나체" panose="020B0503000000000000" pitchFamily="50" charset="-127"/>
+              </a:rPr>
+              <a:t>name</a:t>
+            </a:r>
+            <a:r>
+              <a:rPr lang="en-US" altLang="ko-KR" b="0">
+                <a:solidFill>
+                  <a:srgbClr val="89DDFF"/>
+                </a:solidFill>
+                <a:effectLst/>
+                <a:latin typeface="빙그레 메로나체" panose="020B0503000000000000" pitchFamily="50" charset="-127"/>
+                <a:ea typeface="빙그레 메로나체" panose="020B0503000000000000" pitchFamily="50" charset="-127"/>
+              </a:rPr>
+              <a:t>}&lt;/</a:t>
+            </a:r>
+            <a:r>
+              <a:rPr lang="en-US" altLang="ko-KR" b="0">
+                <a:solidFill>
+                  <a:srgbClr val="F07178"/>
+                </a:solidFill>
+                <a:effectLst/>
+                <a:latin typeface="빙그레 메로나체" panose="020B0503000000000000" pitchFamily="50" charset="-127"/>
+                <a:ea typeface="빙그레 메로나체" panose="020B0503000000000000" pitchFamily="50" charset="-127"/>
+              </a:rPr>
+              <a:t>div</a:t>
+            </a:r>
+            <a:r>
+              <a:rPr lang="en-US" altLang="ko-KR" b="0">
+                <a:solidFill>
+                  <a:srgbClr val="89DDFF"/>
+                </a:solidFill>
+                <a:effectLst/>
+                <a:latin typeface="빙그레 메로나체" panose="020B0503000000000000" pitchFamily="50" charset="-127"/>
+                <a:ea typeface="빙그레 메로나체" panose="020B0503000000000000" pitchFamily="50" charset="-127"/>
+              </a:rPr>
+              <a:t>&gt;</a:t>
+            </a:r>
+            <a:endParaRPr lang="en-US" altLang="ko-KR" b="0">
+              <a:solidFill>
+                <a:srgbClr val="EEFFFF"/>
+              </a:solidFill>
+              <a:effectLst/>
+              <a:latin typeface="빙그레 메로나체" panose="020B0503000000000000" pitchFamily="50" charset="-127"/>
+              <a:ea typeface="빙그레 메로나체" panose="020B0503000000000000" pitchFamily="50" charset="-127"/>
+            </a:endParaRPr>
+          </a:p>
+          <a:p>
+            <a:r>
+              <a:rPr lang="en-US" altLang="ko-KR" b="0">
+                <a:solidFill>
+                  <a:srgbClr val="F07178"/>
+                </a:solidFill>
+                <a:effectLst/>
+                <a:latin typeface="빙그레 메로나체" panose="020B0503000000000000" pitchFamily="50" charset="-127"/>
+                <a:ea typeface="빙그레 메로나체" panose="020B0503000000000000" pitchFamily="50" charset="-127"/>
+              </a:rPr>
+              <a:t>  </a:t>
+            </a:r>
+            <a:r>
+              <a:rPr lang="en-US" altLang="ko-KR" b="0">
+                <a:solidFill>
+                  <a:srgbClr val="89DDFF"/>
+                </a:solidFill>
+                <a:effectLst/>
+                <a:latin typeface="빙그레 메로나체" panose="020B0503000000000000" pitchFamily="50" charset="-127"/>
+                <a:ea typeface="빙그레 메로나체" panose="020B0503000000000000" pitchFamily="50" charset="-127"/>
+              </a:rPr>
+              <a:t>}</a:t>
+            </a:r>
+            <a:endParaRPr lang="en-US" altLang="ko-KR" b="0">
+              <a:solidFill>
+                <a:srgbClr val="EEFFFF"/>
+              </a:solidFill>
+              <a:effectLst/>
+              <a:latin typeface="빙그레 메로나체" panose="020B0503000000000000" pitchFamily="50" charset="-127"/>
+              <a:ea typeface="빙그레 메로나체" panose="020B0503000000000000" pitchFamily="50" charset="-127"/>
+            </a:endParaRPr>
+          </a:p>
+          <a:p>
+            <a:r>
+              <a:rPr lang="en-US" altLang="ko-KR" b="0">
+                <a:solidFill>
+                  <a:srgbClr val="89DDFF"/>
+                </a:solidFill>
+                <a:effectLst/>
+                <a:latin typeface="빙그레 메로나체" panose="020B0503000000000000" pitchFamily="50" charset="-127"/>
+                <a:ea typeface="빙그레 메로나체" panose="020B0503000000000000" pitchFamily="50" charset="-127"/>
+              </a:rPr>
+              <a:t>}</a:t>
+            </a:r>
+            <a:endParaRPr lang="en-US" altLang="ko-KR" b="0">
+              <a:solidFill>
+                <a:srgbClr val="EEFFFF"/>
+              </a:solidFill>
+              <a:effectLst/>
+              <a:latin typeface="빙그레 메로나체" panose="020B0503000000000000" pitchFamily="50" charset="-127"/>
+              <a:ea typeface="빙그레 메로나체" panose="020B0503000000000000" pitchFamily="50" charset="-127"/>
+            </a:endParaRPr>
+          </a:p>
+          <a:p>
+            <a:br>
+              <a:rPr lang="en-US" altLang="ko-KR" b="0">
+                <a:solidFill>
+                  <a:srgbClr val="EEFFFF"/>
+                </a:solidFill>
+                <a:effectLst/>
+                <a:latin typeface="빙그레 메로나체" panose="020B0503000000000000" pitchFamily="50" charset="-127"/>
+                <a:ea typeface="빙그레 메로나체" panose="020B0503000000000000" pitchFamily="50" charset="-127"/>
+              </a:rPr>
+            </a:br>
+            <a:r>
+              <a:rPr lang="en-US" altLang="ko-KR" b="0" i="1">
+                <a:solidFill>
+                  <a:srgbClr val="89DDFF"/>
+                </a:solidFill>
+                <a:effectLst/>
+                <a:latin typeface="빙그레 메로나체" panose="020B0503000000000000" pitchFamily="50" charset="-127"/>
+                <a:ea typeface="빙그레 메로나체" panose="020B0503000000000000" pitchFamily="50" charset="-127"/>
+              </a:rPr>
+              <a:t>export</a:t>
+            </a:r>
+            <a:r>
+              <a:rPr lang="en-US" altLang="ko-KR" b="0">
+                <a:solidFill>
+                  <a:srgbClr val="EEFFFF"/>
+                </a:solidFill>
+                <a:effectLst/>
+                <a:latin typeface="빙그레 메로나체" panose="020B0503000000000000" pitchFamily="50" charset="-127"/>
+                <a:ea typeface="빙그레 메로나체" panose="020B0503000000000000" pitchFamily="50" charset="-127"/>
+              </a:rPr>
+              <a:t> </a:t>
+            </a:r>
+            <a:r>
+              <a:rPr lang="en-US" altLang="ko-KR" b="0" i="1">
+                <a:solidFill>
+                  <a:srgbClr val="89DDFF"/>
+                </a:solidFill>
+                <a:effectLst/>
+                <a:latin typeface="빙그레 메로나체" panose="020B0503000000000000" pitchFamily="50" charset="-127"/>
+                <a:ea typeface="빙그레 메로나체" panose="020B0503000000000000" pitchFamily="50" charset="-127"/>
+              </a:rPr>
+              <a:t>default</a:t>
+            </a:r>
+            <a:r>
+              <a:rPr lang="en-US" altLang="ko-KR" b="0">
+                <a:solidFill>
+                  <a:srgbClr val="EEFFFF"/>
+                </a:solidFill>
+                <a:effectLst/>
+                <a:latin typeface="빙그레 메로나체" panose="020B0503000000000000" pitchFamily="50" charset="-127"/>
+                <a:ea typeface="빙그레 메로나체" panose="020B0503000000000000" pitchFamily="50" charset="-127"/>
+              </a:rPr>
+              <a:t> </a:t>
+            </a:r>
+            <a:r>
+              <a:rPr lang="en-US" altLang="ko-KR" b="0">
+                <a:solidFill>
+                  <a:srgbClr val="FFCB6B"/>
+                </a:solidFill>
+                <a:effectLst/>
+                <a:latin typeface="빙그레 메로나체" panose="020B0503000000000000" pitchFamily="50" charset="-127"/>
+                <a:ea typeface="빙그레 메로나체" panose="020B0503000000000000" pitchFamily="50" charset="-127"/>
+              </a:rPr>
+              <a:t>App</a:t>
+            </a:r>
+            <a:r>
+              <a:rPr lang="en-US" altLang="ko-KR" b="0">
+                <a:solidFill>
+                  <a:srgbClr val="89DDFF"/>
+                </a:solidFill>
+                <a:effectLst/>
+                <a:latin typeface="빙그레 메로나체" panose="020B0503000000000000" pitchFamily="50" charset="-127"/>
+                <a:ea typeface="빙그레 메로나체" panose="020B0503000000000000" pitchFamily="50" charset="-127"/>
+              </a:rPr>
+              <a:t>;</a:t>
+            </a:r>
+            <a:endParaRPr lang="en-US" altLang="ko-KR" b="0">
+              <a:solidFill>
+                <a:srgbClr val="EEFFFF"/>
+              </a:solidFill>
+              <a:effectLst/>
+              <a:latin typeface="빙그레 메로나체" panose="020B0503000000000000" pitchFamily="50" charset="-127"/>
+              <a:ea typeface="빙그레 메로나체" panose="020B0503000000000000" pitchFamily="50" charset="-127"/>
+            </a:endParaRPr>
+          </a:p>
+        </p:txBody>
+      </p:sp>
+      <p:sp>
+        <p:nvSpPr>
+          <p:cNvPr id="16" name="TextBox 15">
+            <a:extLst>
+              <a:ext uri="{FF2B5EF4-FFF2-40B4-BE49-F238E27FC236}">
+                <a16:creationId xmlns:a16="http://schemas.microsoft.com/office/drawing/2014/main" id="{946F797A-78C0-44E0-A419-151263592016}"/>
+              </a:ext>
+            </a:extLst>
+          </p:cNvPr>
+          <p:cNvSpPr txBox="1"/>
+          <p:nvPr/>
+        </p:nvSpPr>
+        <p:spPr>
+          <a:xfrm>
+            <a:off x="2019412" y="5619718"/>
+            <a:ext cx="2559719" cy="461665"/>
+          </a:xfrm>
+          <a:prstGeom prst="rect">
+            <a:avLst/>
+          </a:prstGeom>
+        </p:spPr>
+        <p:txBody>
+          <a:bodyPr wrap="square">
+            <a:spAutoFit/>
+          </a:bodyPr>
+          <a:lstStyle/>
+          <a:p>
+            <a:pPr algn="ctr"/>
+            <a:r>
+              <a:rPr lang="en-US" altLang="ko-KR" sz="2400">
+                <a:ln>
+                  <a:solidFill>
+                    <a:schemeClr val="tx1">
+                      <a:alpha val="30000"/>
+                    </a:schemeClr>
+                  </a:solidFill>
+                </a:ln>
+                <a:latin typeface="빙그레 메로나체" panose="020B0503000000000000" pitchFamily="50" charset="-127"/>
+                <a:ea typeface="빙그레 메로나체" panose="020B0503000000000000" pitchFamily="50" charset="-127"/>
+              </a:rPr>
+              <a:t>class component</a:t>
+            </a:r>
+            <a:endParaRPr lang="ko-KR" altLang="en-US" sz="2400">
+              <a:ln>
+                <a:solidFill>
+                  <a:schemeClr val="tx1">
+                    <a:alpha val="30000"/>
+                  </a:schemeClr>
+                </a:solidFill>
+              </a:ln>
+              <a:latin typeface="빙그레 메로나체" panose="020B0503000000000000" pitchFamily="50" charset="-127"/>
+              <a:ea typeface="빙그레 메로나체" panose="020B0503000000000000" pitchFamily="50" charset="-127"/>
+            </a:endParaRPr>
+          </a:p>
+        </p:txBody>
+      </p:sp>
+      <p:sp>
+        <p:nvSpPr>
+          <p:cNvPr id="17" name="TextBox 16">
+            <a:extLst>
+              <a:ext uri="{FF2B5EF4-FFF2-40B4-BE49-F238E27FC236}">
+                <a16:creationId xmlns:a16="http://schemas.microsoft.com/office/drawing/2014/main" id="{311ED8E3-EF38-4B97-A6EB-79F49A24BB22}"/>
+              </a:ext>
+            </a:extLst>
+          </p:cNvPr>
+          <p:cNvSpPr txBox="1"/>
+          <p:nvPr/>
+        </p:nvSpPr>
+        <p:spPr>
+          <a:xfrm>
+            <a:off x="7251985" y="5619718"/>
+            <a:ext cx="3522245" cy="461665"/>
+          </a:xfrm>
+          <a:prstGeom prst="rect">
+            <a:avLst/>
+          </a:prstGeom>
+        </p:spPr>
+        <p:txBody>
+          <a:bodyPr wrap="square">
+            <a:spAutoFit/>
+          </a:bodyPr>
+          <a:lstStyle/>
+          <a:p>
+            <a:pPr algn="ctr"/>
+            <a:r>
+              <a:rPr lang="en-US" altLang="ko-KR" sz="2400">
+                <a:ln>
+                  <a:solidFill>
+                    <a:schemeClr val="tx1">
+                      <a:alpha val="30000"/>
+                    </a:schemeClr>
+                  </a:solidFill>
+                </a:ln>
+                <a:latin typeface="빙그레 메로나체" panose="020B0503000000000000" pitchFamily="50" charset="-127"/>
+                <a:ea typeface="빙그레 메로나체" panose="020B0503000000000000" pitchFamily="50" charset="-127"/>
+              </a:rPr>
+              <a:t>functional component</a:t>
+            </a:r>
+          </a:p>
+        </p:txBody>
+      </p:sp>
+      <p:sp>
+        <p:nvSpPr>
           <p:cNvPr id="21" name="TextBox 20">
             <a:extLst>
               <a:ext uri="{FF2B5EF4-FFF2-40B4-BE49-F238E27FC236}">
@@ -41050,7 +41582,7 @@
                 <a:latin typeface="빙그레 메로나체" panose="020B0503000000000000" pitchFamily="50" charset="-127"/>
                 <a:ea typeface="빙그레 메로나체" panose="020B0503000000000000" pitchFamily="50" charset="-127"/>
               </a:rPr>
-              <a:t>General difference</a:t>
+              <a:t>Declaration method</a:t>
             </a:r>
             <a:endParaRPr lang="ko-KR" altLang="en-US" sz="2800">
               <a:ln>
@@ -41063,344 +41595,13 @@
               <a:latin typeface="빙그레 메로나체" panose="020B0503000000000000" pitchFamily="50" charset="-127"/>
               <a:ea typeface="빙그레 메로나체" panose="020B0503000000000000" pitchFamily="50" charset="-127"/>
             </a:endParaRPr>
-          </a:p>
-        </p:txBody>
-      </p:sp>
-      <p:sp>
-        <p:nvSpPr>
-          <p:cNvPr id="4" name="사각형: 둥근 모서리 3">
-            <a:extLst>
-              <a:ext uri="{FF2B5EF4-FFF2-40B4-BE49-F238E27FC236}">
-                <a16:creationId xmlns:a16="http://schemas.microsoft.com/office/drawing/2014/main" id="{245D727B-8426-4733-9A0F-80517D9FD24D}"/>
-              </a:ext>
-            </a:extLst>
-          </p:cNvPr>
-          <p:cNvSpPr/>
-          <p:nvPr/>
-        </p:nvSpPr>
-        <p:spPr>
-          <a:xfrm>
-            <a:off x="2769402" y="2703898"/>
-            <a:ext cx="6059638" cy="782052"/>
-          </a:xfrm>
-          <a:prstGeom prst="roundRect">
-            <a:avLst/>
-          </a:prstGeom>
-          <a:solidFill>
-            <a:srgbClr val="FFCCCC">
-              <a:alpha val="50196"/>
-            </a:srgbClr>
-          </a:solidFill>
-          <a:ln>
-            <a:noFill/>
-          </a:ln>
-        </p:spPr>
-        <p:style>
-          <a:lnRef idx="2">
-            <a:schemeClr val="accent1">
-              <a:shade val="50000"/>
-            </a:schemeClr>
-          </a:lnRef>
-          <a:fillRef idx="1">
-            <a:schemeClr val="accent1"/>
-          </a:fillRef>
-          <a:effectRef idx="0">
-            <a:schemeClr val="accent1"/>
-          </a:effectRef>
-          <a:fontRef idx="minor">
-            <a:schemeClr val="lt1"/>
-          </a:fontRef>
-        </p:style>
-        <p:txBody>
-          <a:bodyPr rtlCol="0" anchor="ctr"/>
-          <a:lstStyle/>
-          <a:p>
-            <a:pPr algn="ctr"/>
-            <a:r>
-              <a:rPr lang="en-US" altLang="ko-KR" sz="2800">
-                <a:solidFill>
-                  <a:sysClr val="windowText" lastClr="000000"/>
-                </a:solidFill>
-                <a:latin typeface="빙그레 메로나체" panose="020B0503000000000000" pitchFamily="50" charset="-127"/>
-                <a:ea typeface="빙그레 메로나체" panose="020B0503000000000000" pitchFamily="50" charset="-127"/>
-              </a:rPr>
-              <a:t>state,</a:t>
-            </a:r>
-            <a:r>
-              <a:rPr lang="ko-KR" altLang="en-US" sz="2800">
-                <a:solidFill>
-                  <a:sysClr val="windowText" lastClr="000000"/>
-                </a:solidFill>
-                <a:latin typeface="빙그레 메로나체" panose="020B0503000000000000" pitchFamily="50" charset="-127"/>
-                <a:ea typeface="빙그레 메로나체" panose="020B0503000000000000" pitchFamily="50" charset="-127"/>
-              </a:rPr>
-              <a:t> </a:t>
-            </a:r>
-            <a:r>
-              <a:rPr lang="en-US" altLang="ko-KR" sz="2800">
-                <a:solidFill>
-                  <a:sysClr val="windowText" lastClr="000000"/>
-                </a:solidFill>
-                <a:latin typeface="빙그레 메로나체" panose="020B0503000000000000" pitchFamily="50" charset="-127"/>
-                <a:ea typeface="빙그레 메로나체" panose="020B0503000000000000" pitchFamily="50" charset="-127"/>
-              </a:rPr>
-              <a:t>lifeCycle</a:t>
-            </a:r>
-            <a:endParaRPr lang="ko-KR" altLang="en-US" sz="2800">
-              <a:solidFill>
-                <a:sysClr val="windowText" lastClr="000000"/>
-              </a:solidFill>
-              <a:latin typeface="빙그레 메로나체" panose="020B0503000000000000" pitchFamily="50" charset="-127"/>
-              <a:ea typeface="빙그레 메로나체" panose="020B0503000000000000" pitchFamily="50" charset="-127"/>
-            </a:endParaRPr>
-          </a:p>
-        </p:txBody>
-      </p:sp>
-      <p:sp>
-        <p:nvSpPr>
-          <p:cNvPr id="19" name="사각형: 둥근 모서리 18">
-            <a:extLst>
-              <a:ext uri="{FF2B5EF4-FFF2-40B4-BE49-F238E27FC236}">
-                <a16:creationId xmlns:a16="http://schemas.microsoft.com/office/drawing/2014/main" id="{3A5B00DD-3672-472C-9968-E83153614929}"/>
-              </a:ext>
-            </a:extLst>
-          </p:cNvPr>
-          <p:cNvSpPr/>
-          <p:nvPr/>
-        </p:nvSpPr>
-        <p:spPr>
-          <a:xfrm>
-            <a:off x="2769402" y="3860846"/>
-            <a:ext cx="6059638" cy="782052"/>
-          </a:xfrm>
-          <a:prstGeom prst="roundRect">
-            <a:avLst/>
-          </a:prstGeom>
-          <a:solidFill>
-            <a:srgbClr val="FFCCCC">
-              <a:alpha val="50196"/>
-            </a:srgbClr>
-          </a:solidFill>
-          <a:ln>
-            <a:noFill/>
-          </a:ln>
-        </p:spPr>
-        <p:style>
-          <a:lnRef idx="2">
-            <a:schemeClr val="accent1">
-              <a:shade val="50000"/>
-            </a:schemeClr>
-          </a:lnRef>
-          <a:fillRef idx="1">
-            <a:schemeClr val="accent1"/>
-          </a:fillRef>
-          <a:effectRef idx="0">
-            <a:schemeClr val="accent1"/>
-          </a:effectRef>
-          <a:fontRef idx="minor">
-            <a:schemeClr val="lt1"/>
-          </a:fontRef>
-        </p:style>
-        <p:txBody>
-          <a:bodyPr rtlCol="0" anchor="ctr"/>
-          <a:lstStyle/>
-          <a:p>
-            <a:pPr algn="ctr"/>
-            <a:r>
-              <a:rPr lang="en-US" altLang="ko-KR" sz="2800">
-                <a:solidFill>
-                  <a:sysClr val="windowText" lastClr="000000"/>
-                </a:solidFill>
-                <a:latin typeface="빙그레 메로나체" panose="020B0503000000000000" pitchFamily="50" charset="-127"/>
-                <a:ea typeface="빙그레 메로나체" panose="020B0503000000000000" pitchFamily="50" charset="-127"/>
-              </a:rPr>
-              <a:t>memory source</a:t>
-            </a:r>
-            <a:endParaRPr lang="ko-KR" altLang="en-US" sz="2800">
-              <a:solidFill>
-                <a:sysClr val="windowText" lastClr="000000"/>
-              </a:solidFill>
-              <a:latin typeface="빙그레 메로나체" panose="020B0503000000000000" pitchFamily="50" charset="-127"/>
-              <a:ea typeface="빙그레 메로나체" panose="020B0503000000000000" pitchFamily="50" charset="-127"/>
-            </a:endParaRPr>
-          </a:p>
-        </p:txBody>
-      </p:sp>
-      <p:sp>
-        <p:nvSpPr>
-          <p:cNvPr id="20" name="사각형: 둥근 모서리 19">
-            <a:extLst>
-              <a:ext uri="{FF2B5EF4-FFF2-40B4-BE49-F238E27FC236}">
-                <a16:creationId xmlns:a16="http://schemas.microsoft.com/office/drawing/2014/main" id="{512BD13B-A5A3-4043-AC40-3BD677F1AA53}"/>
-              </a:ext>
-            </a:extLst>
-          </p:cNvPr>
-          <p:cNvSpPr/>
-          <p:nvPr/>
-        </p:nvSpPr>
-        <p:spPr>
-          <a:xfrm>
-            <a:off x="2769402" y="5017794"/>
-            <a:ext cx="6059638" cy="782052"/>
-          </a:xfrm>
-          <a:prstGeom prst="roundRect">
-            <a:avLst/>
-          </a:prstGeom>
-          <a:solidFill>
-            <a:srgbClr val="FFCCCC">
-              <a:alpha val="50196"/>
-            </a:srgbClr>
-          </a:solidFill>
-          <a:ln>
-            <a:noFill/>
-          </a:ln>
-        </p:spPr>
-        <p:style>
-          <a:lnRef idx="2">
-            <a:schemeClr val="accent1">
-              <a:shade val="50000"/>
-            </a:schemeClr>
-          </a:lnRef>
-          <a:fillRef idx="1">
-            <a:schemeClr val="accent1"/>
-          </a:fillRef>
-          <a:effectRef idx="0">
-            <a:schemeClr val="accent1"/>
-          </a:effectRef>
-          <a:fontRef idx="minor">
-            <a:schemeClr val="lt1"/>
-          </a:fontRef>
-        </p:style>
-        <p:txBody>
-          <a:bodyPr rtlCol="0" anchor="ctr"/>
-          <a:lstStyle/>
-          <a:p>
-            <a:pPr algn="ctr"/>
-            <a:r>
-              <a:rPr lang="en-US" altLang="ko-KR" sz="2800">
-                <a:solidFill>
-                  <a:sysClr val="windowText" lastClr="000000"/>
-                </a:solidFill>
-                <a:latin typeface="빙그레 메로나체" panose="020B0503000000000000" pitchFamily="50" charset="-127"/>
-                <a:ea typeface="빙그레 메로나체" panose="020B0503000000000000" pitchFamily="50" charset="-127"/>
-              </a:rPr>
-              <a:t>state,</a:t>
-            </a:r>
-            <a:r>
-              <a:rPr lang="ko-KR" altLang="en-US" sz="2800">
-                <a:solidFill>
-                  <a:sysClr val="windowText" lastClr="000000"/>
-                </a:solidFill>
-                <a:latin typeface="빙그레 메로나체" panose="020B0503000000000000" pitchFamily="50" charset="-127"/>
-                <a:ea typeface="빙그레 메로나체" panose="020B0503000000000000" pitchFamily="50" charset="-127"/>
-              </a:rPr>
-              <a:t> </a:t>
-            </a:r>
-            <a:r>
-              <a:rPr lang="en-US" altLang="ko-KR" sz="2800">
-                <a:solidFill>
-                  <a:sysClr val="windowText" lastClr="000000"/>
-                </a:solidFill>
-                <a:latin typeface="빙그레 메로나체" panose="020B0503000000000000" pitchFamily="50" charset="-127"/>
-                <a:ea typeface="빙그레 메로나체" panose="020B0503000000000000" pitchFamily="50" charset="-127"/>
-              </a:rPr>
-              <a:t>props,</a:t>
-            </a:r>
-            <a:r>
-              <a:rPr lang="ko-KR" altLang="en-US" sz="2800">
-                <a:solidFill>
-                  <a:sysClr val="windowText" lastClr="000000"/>
-                </a:solidFill>
-                <a:latin typeface="빙그레 메로나체" panose="020B0503000000000000" pitchFamily="50" charset="-127"/>
-                <a:ea typeface="빙그레 메로나체" panose="020B0503000000000000" pitchFamily="50" charset="-127"/>
-              </a:rPr>
-              <a:t> </a:t>
-            </a:r>
-            <a:r>
-              <a:rPr lang="en-US" altLang="ko-KR" sz="2800">
-                <a:solidFill>
-                  <a:sysClr val="windowText" lastClr="000000"/>
-                </a:solidFill>
-                <a:latin typeface="빙그레 메로나체" panose="020B0503000000000000" pitchFamily="50" charset="-127"/>
-                <a:ea typeface="빙그레 메로나체" panose="020B0503000000000000" pitchFamily="50" charset="-127"/>
-              </a:rPr>
-              <a:t>event handling</a:t>
-            </a:r>
-            <a:endParaRPr lang="ko-KR" altLang="en-US" sz="2800">
-              <a:solidFill>
-                <a:sysClr val="windowText" lastClr="000000"/>
-              </a:solidFill>
-              <a:latin typeface="빙그레 메로나체" panose="020B0503000000000000" pitchFamily="50" charset="-127"/>
-              <a:ea typeface="빙그레 메로나체" panose="020B0503000000000000" pitchFamily="50" charset="-127"/>
-            </a:endParaRPr>
-          </a:p>
-        </p:txBody>
-      </p:sp>
-      <p:sp>
-        <p:nvSpPr>
-          <p:cNvPr id="22" name="TextBox 21">
-            <a:extLst>
-              <a:ext uri="{FF2B5EF4-FFF2-40B4-BE49-F238E27FC236}">
-                <a16:creationId xmlns:a16="http://schemas.microsoft.com/office/drawing/2014/main" id="{F4EFB0EE-C44B-4C5C-9483-FAEB550954EB}"/>
-              </a:ext>
-            </a:extLst>
-          </p:cNvPr>
-          <p:cNvSpPr txBox="1"/>
-          <p:nvPr/>
-        </p:nvSpPr>
-        <p:spPr>
-          <a:xfrm>
-            <a:off x="582516" y="6127918"/>
-            <a:ext cx="10656712" cy="523220"/>
-          </a:xfrm>
-          <a:prstGeom prst="rect">
-            <a:avLst/>
-          </a:prstGeom>
-          <a:noFill/>
-        </p:spPr>
-        <p:txBody>
-          <a:bodyPr wrap="square">
-            <a:spAutoFit/>
-          </a:bodyPr>
-          <a:lstStyle/>
-          <a:p>
-            <a:r>
-              <a:rPr lang="en-US" altLang="ko-KR" sz="1400">
-                <a:ln>
-                  <a:solidFill>
-                    <a:schemeClr val="tx1">
-                      <a:alpha val="30000"/>
-                    </a:schemeClr>
-                  </a:solidFill>
-                </a:ln>
-                <a:latin typeface="빙그레 메로나체" panose="020B0503000000000000" pitchFamily="50" charset="-127"/>
-                <a:ea typeface="빙그레 메로나체" panose="020B0503000000000000" pitchFamily="50" charset="-127"/>
-              </a:rPr>
-              <a:t>* props : Used to pass data from parent component to child component</a:t>
-            </a:r>
-          </a:p>
-          <a:p>
-            <a:r>
-              <a:rPr lang="en-US" altLang="ko-KR" sz="1400">
-                <a:ln>
-                  <a:solidFill>
-                    <a:schemeClr val="tx1">
-                      <a:alpha val="30000"/>
-                    </a:schemeClr>
-                  </a:solidFill>
-                </a:ln>
-                <a:latin typeface="빙그레 메로나체" panose="020B0503000000000000" pitchFamily="50" charset="-127"/>
-                <a:ea typeface="빙그레 메로나체" panose="020B0503000000000000" pitchFamily="50" charset="-127"/>
-              </a:rPr>
-              <a:t>* hook : A function that allows you to use &lt;state&gt; and &lt;lifecycle features&gt; like a class component</a:t>
-            </a:r>
           </a:p>
         </p:txBody>
       </p:sp>
     </p:spTree>
     <p:extLst>
       <p:ext uri="{BB962C8B-B14F-4D97-AF65-F5344CB8AC3E}">
-        <p14:creationId xmlns:p14="http://schemas.microsoft.com/office/powerpoint/2010/main" val="2650913108"/>
+        <p14:creationId xmlns:p14="http://schemas.microsoft.com/office/powerpoint/2010/main" val="2212106523"/>
       </p:ext>
     </p:extLst>
   </p:cSld>
@@ -41592,7 +41793,7 @@
                 <a:latin typeface="빙그레 메로나체" panose="020B0503000000000000" pitchFamily="50" charset="-127"/>
                 <a:ea typeface="빙그레 메로나체" panose="020B0503000000000000" pitchFamily="50" charset="-127"/>
               </a:rPr>
-              <a:t>Lifecycle</a:t>
+              <a:t>Class Component, Function Component</a:t>
             </a:r>
           </a:p>
         </p:txBody>
@@ -41628,57 +41829,341 @@
           </a:p>
         </p:txBody>
       </p:sp>
-      <p:pic>
-        <p:nvPicPr>
-          <p:cNvPr id="1026" name="Picture 2" descr="Common React Lifecycle Methods">
+      <p:sp>
+        <p:nvSpPr>
+          <p:cNvPr id="21" name="TextBox 20">
             <a:extLst>
               <a:ext uri="{FF2B5EF4-FFF2-40B4-BE49-F238E27FC236}">
-                <a16:creationId xmlns:a16="http://schemas.microsoft.com/office/drawing/2014/main" id="{2333B308-8851-41A1-8B8D-1671B76F9CCA}"/>
+                <a16:creationId xmlns:a16="http://schemas.microsoft.com/office/drawing/2014/main" id="{05EF44D7-7BDB-413C-9046-0483C4DEDC69}"/>
               </a:ext>
             </a:extLst>
           </p:cNvPr>
-          <p:cNvPicPr>
-            <a:picLocks noChangeAspect="1" noChangeArrowheads="1"/>
-          </p:cNvPicPr>
+          <p:cNvSpPr txBox="1"/>
           <p:nvPr/>
-        </p:nvPicPr>
-        <p:blipFill rotWithShape="1">
-          <a:blip r:embed="rId3">
-            <a:extLst>
-              <a:ext uri="{28A0092B-C50C-407E-A947-70E740481C1C}">
-                <a14:useLocalDpi xmlns:a14="http://schemas.microsoft.com/office/drawing/2010/main" val="0"/>
-              </a:ext>
-            </a:extLst>
-          </a:blip>
-          <a:srcRect l="15009"/>
-          <a:stretch/>
-        </p:blipFill>
-        <p:spPr bwMode="auto">
+        </p:nvSpPr>
+        <p:spPr>
           <a:xfrm>
-            <a:off x="1783110" y="1696453"/>
-            <a:ext cx="9692578" cy="4171126"/>
+            <a:off x="610597" y="1658596"/>
+            <a:ext cx="4226098" cy="523220"/>
           </a:xfrm>
           <a:prstGeom prst="rect">
             <a:avLst/>
           </a:prstGeom>
-          <a:noFill/>
-          <a:extLst>
-            <a:ext uri="{909E8E84-426E-40DD-AFC4-6F175D3DCCD1}">
-              <a14:hiddenFill xmlns:a14="http://schemas.microsoft.com/office/drawing/2010/main">
-                <a:solidFill>
-                  <a:srgbClr val="FFFFFF"/>
-                </a:solidFill>
-              </a14:hiddenFill>
-            </a:ext>
-          </a:extLst>
+          <a:solidFill>
+            <a:srgbClr val="FFCCCC"/>
+          </a:solidFill>
         </p:spPr>
-      </p:pic>
+        <p:txBody>
+          <a:bodyPr wrap="square">
+            <a:spAutoFit/>
+          </a:bodyPr>
+          <a:lstStyle/>
+          <a:p>
+            <a:pPr algn="ctr"/>
+            <a:r>
+              <a:rPr lang="en-US" altLang="ko-KR" sz="2800">
+                <a:ln>
+                  <a:solidFill>
+                    <a:schemeClr val="tx1">
+                      <a:alpha val="30000"/>
+                    </a:schemeClr>
+                  </a:solidFill>
+                </a:ln>
+                <a:latin typeface="빙그레 메로나체" panose="020B0503000000000000" pitchFamily="50" charset="-127"/>
+                <a:ea typeface="빙그레 메로나체" panose="020B0503000000000000" pitchFamily="50" charset="-127"/>
+              </a:rPr>
+              <a:t>General difference</a:t>
+            </a:r>
+            <a:endParaRPr lang="ko-KR" altLang="en-US" sz="2800">
+              <a:ln>
+                <a:solidFill>
+                  <a:schemeClr val="tx1">
+                    <a:alpha val="30000"/>
+                  </a:schemeClr>
+                </a:solidFill>
+              </a:ln>
+              <a:latin typeface="빙그레 메로나체" panose="020B0503000000000000" pitchFamily="50" charset="-127"/>
+              <a:ea typeface="빙그레 메로나체" panose="020B0503000000000000" pitchFamily="50" charset="-127"/>
+            </a:endParaRPr>
+          </a:p>
+        </p:txBody>
+      </p:sp>
       <p:sp>
         <p:nvSpPr>
-          <p:cNvPr id="13" name="TextBox 12">
+          <p:cNvPr id="4" name="사각형: 둥근 모서리 3">
             <a:extLst>
               <a:ext uri="{FF2B5EF4-FFF2-40B4-BE49-F238E27FC236}">
-                <a16:creationId xmlns:a16="http://schemas.microsoft.com/office/drawing/2014/main" id="{730C9634-46C0-4B48-A8ED-24A026A77B80}"/>
+                <a16:creationId xmlns:a16="http://schemas.microsoft.com/office/drawing/2014/main" id="{245D727B-8426-4733-9A0F-80517D9FD24D}"/>
+              </a:ext>
+            </a:extLst>
+          </p:cNvPr>
+          <p:cNvSpPr/>
+          <p:nvPr/>
+        </p:nvSpPr>
+        <p:spPr>
+          <a:xfrm>
+            <a:off x="2769402" y="2703898"/>
+            <a:ext cx="6059638" cy="782052"/>
+          </a:xfrm>
+          <a:prstGeom prst="roundRect">
+            <a:avLst/>
+          </a:prstGeom>
+          <a:solidFill>
+            <a:srgbClr val="FFCCCC">
+              <a:alpha val="50196"/>
+            </a:srgbClr>
+          </a:solidFill>
+          <a:ln>
+            <a:noFill/>
+          </a:ln>
+        </p:spPr>
+        <p:style>
+          <a:lnRef idx="2">
+            <a:schemeClr val="accent1">
+              <a:shade val="50000"/>
+            </a:schemeClr>
+          </a:lnRef>
+          <a:fillRef idx="1">
+            <a:schemeClr val="accent1"/>
+          </a:fillRef>
+          <a:effectRef idx="0">
+            <a:schemeClr val="accent1"/>
+          </a:effectRef>
+          <a:fontRef idx="minor">
+            <a:schemeClr val="lt1"/>
+          </a:fontRef>
+        </p:style>
+        <p:txBody>
+          <a:bodyPr rtlCol="0" anchor="ctr"/>
+          <a:lstStyle/>
+          <a:p>
+            <a:pPr algn="ctr"/>
+            <a:r>
+              <a:rPr lang="en-US" altLang="ko-KR" sz="2800">
+                <a:solidFill>
+                  <a:sysClr val="windowText" lastClr="000000"/>
+                </a:solidFill>
+                <a:latin typeface="빙그레 메로나체" panose="020B0503000000000000" pitchFamily="50" charset="-127"/>
+                <a:ea typeface="빙그레 메로나체" panose="020B0503000000000000" pitchFamily="50" charset="-127"/>
+              </a:rPr>
+              <a:t>state,</a:t>
+            </a:r>
+            <a:r>
+              <a:rPr lang="ko-KR" altLang="en-US" sz="2800">
+                <a:solidFill>
+                  <a:sysClr val="windowText" lastClr="000000"/>
+                </a:solidFill>
+                <a:latin typeface="빙그레 메로나체" panose="020B0503000000000000" pitchFamily="50" charset="-127"/>
+                <a:ea typeface="빙그레 메로나체" panose="020B0503000000000000" pitchFamily="50" charset="-127"/>
+              </a:rPr>
+              <a:t> </a:t>
+            </a:r>
+            <a:r>
+              <a:rPr lang="en-US" altLang="ko-KR" sz="2800">
+                <a:solidFill>
+                  <a:sysClr val="windowText" lastClr="000000"/>
+                </a:solidFill>
+                <a:latin typeface="빙그레 메로나체" panose="020B0503000000000000" pitchFamily="50" charset="-127"/>
+                <a:ea typeface="빙그레 메로나체" panose="020B0503000000000000" pitchFamily="50" charset="-127"/>
+              </a:rPr>
+              <a:t>lifeCycle</a:t>
+            </a:r>
+            <a:endParaRPr lang="ko-KR" altLang="en-US" sz="2800">
+              <a:solidFill>
+                <a:sysClr val="windowText" lastClr="000000"/>
+              </a:solidFill>
+              <a:latin typeface="빙그레 메로나체" panose="020B0503000000000000" pitchFamily="50" charset="-127"/>
+              <a:ea typeface="빙그레 메로나체" panose="020B0503000000000000" pitchFamily="50" charset="-127"/>
+            </a:endParaRPr>
+          </a:p>
+        </p:txBody>
+      </p:sp>
+      <p:sp>
+        <p:nvSpPr>
+          <p:cNvPr id="19" name="사각형: 둥근 모서리 18">
+            <a:extLst>
+              <a:ext uri="{FF2B5EF4-FFF2-40B4-BE49-F238E27FC236}">
+                <a16:creationId xmlns:a16="http://schemas.microsoft.com/office/drawing/2014/main" id="{3A5B00DD-3672-472C-9968-E83153614929}"/>
+              </a:ext>
+            </a:extLst>
+          </p:cNvPr>
+          <p:cNvSpPr/>
+          <p:nvPr/>
+        </p:nvSpPr>
+        <p:spPr>
+          <a:xfrm>
+            <a:off x="2769402" y="3860846"/>
+            <a:ext cx="6059638" cy="782052"/>
+          </a:xfrm>
+          <a:prstGeom prst="roundRect">
+            <a:avLst/>
+          </a:prstGeom>
+          <a:solidFill>
+            <a:srgbClr val="FFCCCC">
+              <a:alpha val="50196"/>
+            </a:srgbClr>
+          </a:solidFill>
+          <a:ln>
+            <a:noFill/>
+          </a:ln>
+        </p:spPr>
+        <p:style>
+          <a:lnRef idx="2">
+            <a:schemeClr val="accent1">
+              <a:shade val="50000"/>
+            </a:schemeClr>
+          </a:lnRef>
+          <a:fillRef idx="1">
+            <a:schemeClr val="accent1"/>
+          </a:fillRef>
+          <a:effectRef idx="0">
+            <a:schemeClr val="accent1"/>
+          </a:effectRef>
+          <a:fontRef idx="minor">
+            <a:schemeClr val="lt1"/>
+          </a:fontRef>
+        </p:style>
+        <p:txBody>
+          <a:bodyPr rtlCol="0" anchor="ctr"/>
+          <a:lstStyle/>
+          <a:p>
+            <a:pPr algn="ctr"/>
+            <a:r>
+              <a:rPr lang="en-US" altLang="ko-KR" sz="2800">
+                <a:solidFill>
+                  <a:sysClr val="windowText" lastClr="000000"/>
+                </a:solidFill>
+                <a:latin typeface="빙그레 메로나체" panose="020B0503000000000000" pitchFamily="50" charset="-127"/>
+                <a:ea typeface="빙그레 메로나체" panose="020B0503000000000000" pitchFamily="50" charset="-127"/>
+              </a:rPr>
+              <a:t>memory source</a:t>
+            </a:r>
+            <a:endParaRPr lang="ko-KR" altLang="en-US" sz="2800">
+              <a:solidFill>
+                <a:sysClr val="windowText" lastClr="000000"/>
+              </a:solidFill>
+              <a:latin typeface="빙그레 메로나체" panose="020B0503000000000000" pitchFamily="50" charset="-127"/>
+              <a:ea typeface="빙그레 메로나체" panose="020B0503000000000000" pitchFamily="50" charset="-127"/>
+            </a:endParaRPr>
+          </a:p>
+        </p:txBody>
+      </p:sp>
+      <p:sp>
+        <p:nvSpPr>
+          <p:cNvPr id="20" name="사각형: 둥근 모서리 19">
+            <a:extLst>
+              <a:ext uri="{FF2B5EF4-FFF2-40B4-BE49-F238E27FC236}">
+                <a16:creationId xmlns:a16="http://schemas.microsoft.com/office/drawing/2014/main" id="{512BD13B-A5A3-4043-AC40-3BD677F1AA53}"/>
+              </a:ext>
+            </a:extLst>
+          </p:cNvPr>
+          <p:cNvSpPr/>
+          <p:nvPr/>
+        </p:nvSpPr>
+        <p:spPr>
+          <a:xfrm>
+            <a:off x="2769402" y="5017794"/>
+            <a:ext cx="6059638" cy="782052"/>
+          </a:xfrm>
+          <a:prstGeom prst="roundRect">
+            <a:avLst/>
+          </a:prstGeom>
+          <a:solidFill>
+            <a:srgbClr val="FFCCCC">
+              <a:alpha val="50196"/>
+            </a:srgbClr>
+          </a:solidFill>
+          <a:ln>
+            <a:noFill/>
+          </a:ln>
+        </p:spPr>
+        <p:style>
+          <a:lnRef idx="2">
+            <a:schemeClr val="accent1">
+              <a:shade val="50000"/>
+            </a:schemeClr>
+          </a:lnRef>
+          <a:fillRef idx="1">
+            <a:schemeClr val="accent1"/>
+          </a:fillRef>
+          <a:effectRef idx="0">
+            <a:schemeClr val="accent1"/>
+          </a:effectRef>
+          <a:fontRef idx="minor">
+            <a:schemeClr val="lt1"/>
+          </a:fontRef>
+        </p:style>
+        <p:txBody>
+          <a:bodyPr rtlCol="0" anchor="ctr"/>
+          <a:lstStyle/>
+          <a:p>
+            <a:pPr algn="ctr"/>
+            <a:r>
+              <a:rPr lang="en-US" altLang="ko-KR" sz="2800">
+                <a:solidFill>
+                  <a:sysClr val="windowText" lastClr="000000"/>
+                </a:solidFill>
+                <a:latin typeface="빙그레 메로나체" panose="020B0503000000000000" pitchFamily="50" charset="-127"/>
+                <a:ea typeface="빙그레 메로나체" panose="020B0503000000000000" pitchFamily="50" charset="-127"/>
+              </a:rPr>
+              <a:t>state,</a:t>
+            </a:r>
+            <a:r>
+              <a:rPr lang="ko-KR" altLang="en-US" sz="2800">
+                <a:solidFill>
+                  <a:sysClr val="windowText" lastClr="000000"/>
+                </a:solidFill>
+                <a:latin typeface="빙그레 메로나체" panose="020B0503000000000000" pitchFamily="50" charset="-127"/>
+                <a:ea typeface="빙그레 메로나체" panose="020B0503000000000000" pitchFamily="50" charset="-127"/>
+              </a:rPr>
+              <a:t> </a:t>
+            </a:r>
+            <a:r>
+              <a:rPr lang="en-US" altLang="ko-KR" sz="2800">
+                <a:solidFill>
+                  <a:sysClr val="windowText" lastClr="000000"/>
+                </a:solidFill>
+                <a:latin typeface="빙그레 메로나체" panose="020B0503000000000000" pitchFamily="50" charset="-127"/>
+                <a:ea typeface="빙그레 메로나체" panose="020B0503000000000000" pitchFamily="50" charset="-127"/>
+              </a:rPr>
+              <a:t>props,</a:t>
+            </a:r>
+            <a:r>
+              <a:rPr lang="ko-KR" altLang="en-US" sz="2800">
+                <a:solidFill>
+                  <a:sysClr val="windowText" lastClr="000000"/>
+                </a:solidFill>
+                <a:latin typeface="빙그레 메로나체" panose="020B0503000000000000" pitchFamily="50" charset="-127"/>
+                <a:ea typeface="빙그레 메로나체" panose="020B0503000000000000" pitchFamily="50" charset="-127"/>
+              </a:rPr>
+              <a:t> </a:t>
+            </a:r>
+            <a:r>
+              <a:rPr lang="en-US" altLang="ko-KR" sz="2800">
+                <a:solidFill>
+                  <a:sysClr val="windowText" lastClr="000000"/>
+                </a:solidFill>
+                <a:latin typeface="빙그레 메로나체" panose="020B0503000000000000" pitchFamily="50" charset="-127"/>
+                <a:ea typeface="빙그레 메로나체" panose="020B0503000000000000" pitchFamily="50" charset="-127"/>
+              </a:rPr>
+              <a:t>event handling</a:t>
+            </a:r>
+            <a:endParaRPr lang="ko-KR" altLang="en-US" sz="2800">
+              <a:solidFill>
+                <a:sysClr val="windowText" lastClr="000000"/>
+              </a:solidFill>
+              <a:latin typeface="빙그레 메로나체" panose="020B0503000000000000" pitchFamily="50" charset="-127"/>
+              <a:ea typeface="빙그레 메로나체" panose="020B0503000000000000" pitchFamily="50" charset="-127"/>
+            </a:endParaRPr>
+          </a:p>
+        </p:txBody>
+      </p:sp>
+      <p:sp>
+        <p:nvSpPr>
+          <p:cNvPr id="22" name="TextBox 21">
+            <a:extLst>
+              <a:ext uri="{FF2B5EF4-FFF2-40B4-BE49-F238E27FC236}">
+                <a16:creationId xmlns:a16="http://schemas.microsoft.com/office/drawing/2014/main" id="{F4EFB0EE-C44B-4C5C-9483-FAEB550954EB}"/>
               </a:ext>
             </a:extLst>
           </p:cNvPr>
@@ -41688,7 +42173,7 @@
         <p:spPr>
           <a:xfrm>
             <a:off x="582516" y="6127918"/>
-            <a:ext cx="10656712" cy="307777"/>
+            <a:ext cx="10656712" cy="523220"/>
           </a:xfrm>
           <a:prstGeom prst="rect">
             <a:avLst/>
@@ -41713,38 +42198,9 @@
                 <a:latin typeface="빙그레 메로나체" panose="020B0503000000000000" pitchFamily="50" charset="-127"/>
                 <a:ea typeface="빙그레 메로나체" panose="020B0503000000000000" pitchFamily="50" charset="-127"/>
               </a:rPr>
-              <a:t>* Mount : means when the component is first executed</a:t>
-            </a:r>
-          </a:p>
-        </p:txBody>
-      </p:sp>
-      <p:sp>
-        <p:nvSpPr>
-          <p:cNvPr id="9" name="TextBox 8">
-            <a:extLst>
-              <a:ext uri="{FF2B5EF4-FFF2-40B4-BE49-F238E27FC236}">
-                <a16:creationId xmlns:a16="http://schemas.microsoft.com/office/drawing/2014/main" id="{68DF131A-051B-4A7B-A176-9316FAD642E4}"/>
-              </a:ext>
-            </a:extLst>
-          </p:cNvPr>
-          <p:cNvSpPr txBox="1"/>
-          <p:nvPr/>
-        </p:nvSpPr>
-        <p:spPr>
-          <a:xfrm>
-            <a:off x="0" y="6562722"/>
-            <a:ext cx="7608858" cy="307777"/>
-          </a:xfrm>
-          <a:prstGeom prst="rect">
-            <a:avLst/>
-          </a:prstGeom>
-          <a:noFill/>
-        </p:spPr>
-        <p:txBody>
-          <a:bodyPr wrap="square" rtlCol="0">
-            <a:spAutoFit/>
-          </a:bodyPr>
-          <a:lstStyle/>
+              <a:t>* props : Used to pass data from parent component to child component</a:t>
+            </a:r>
+          </a:p>
           <a:p>
             <a:r>
               <a:rPr lang="en-US" altLang="ko-KR" sz="1400">
@@ -41755,15 +42211,10 @@
                     </a:schemeClr>
                   </a:solidFill>
                 </a:ln>
-                <a:solidFill>
-                  <a:schemeClr val="bg1">
-                    <a:lumMod val="65000"/>
-                  </a:schemeClr>
-                </a:solidFill>
-                <a:latin typeface="빙그레 메로나체" panose="020B0503000000000000" pitchFamily="50" charset="-127"/>
-                <a:ea typeface="빙그레 메로나체" panose="020B0503000000000000" pitchFamily="50" charset="-127"/>
-              </a:rPr>
-              <a:t>source : https://projects.wojtekmaj.pl/react-lifecycle-methods-diagram/</a:t>
+                <a:latin typeface="빙그레 메로나체" panose="020B0503000000000000" pitchFamily="50" charset="-127"/>
+                <a:ea typeface="빙그레 메로나체" panose="020B0503000000000000" pitchFamily="50" charset="-127"/>
+              </a:rPr>
+              <a:t>* hook : A function that allows you to use &lt;state&gt; and &lt;lifecycle features&gt; like a class component</a:t>
             </a:r>
           </a:p>
         </p:txBody>
@@ -41771,7 +42222,7 @@
     </p:spTree>
     <p:extLst>
       <p:ext uri="{BB962C8B-B14F-4D97-AF65-F5344CB8AC3E}">
-        <p14:creationId xmlns:p14="http://schemas.microsoft.com/office/powerpoint/2010/main" val="5998362"/>
+        <p14:creationId xmlns:p14="http://schemas.microsoft.com/office/powerpoint/2010/main" val="2650913108"/>
       </p:ext>
     </p:extLst>
   </p:cSld>
@@ -42001,6 +42452,377 @@
       </p:sp>
       <p:pic>
         <p:nvPicPr>
+          <p:cNvPr id="1026" name="Picture 2" descr="Common React Lifecycle Methods">
+            <a:extLst>
+              <a:ext uri="{FF2B5EF4-FFF2-40B4-BE49-F238E27FC236}">
+                <a16:creationId xmlns:a16="http://schemas.microsoft.com/office/drawing/2014/main" id="{2333B308-8851-41A1-8B8D-1671B76F9CCA}"/>
+              </a:ext>
+            </a:extLst>
+          </p:cNvPr>
+          <p:cNvPicPr>
+            <a:picLocks noChangeAspect="1" noChangeArrowheads="1"/>
+          </p:cNvPicPr>
+          <p:nvPr/>
+        </p:nvPicPr>
+        <p:blipFill rotWithShape="1">
+          <a:blip r:embed="rId3">
+            <a:extLst>
+              <a:ext uri="{28A0092B-C50C-407E-A947-70E740481C1C}">
+                <a14:useLocalDpi xmlns:a14="http://schemas.microsoft.com/office/drawing/2010/main" val="0"/>
+              </a:ext>
+            </a:extLst>
+          </a:blip>
+          <a:srcRect l="15009"/>
+          <a:stretch/>
+        </p:blipFill>
+        <p:spPr bwMode="auto">
+          <a:xfrm>
+            <a:off x="1783110" y="1696453"/>
+            <a:ext cx="9692578" cy="4171126"/>
+          </a:xfrm>
+          <a:prstGeom prst="rect">
+            <a:avLst/>
+          </a:prstGeom>
+          <a:noFill/>
+          <a:extLst>
+            <a:ext uri="{909E8E84-426E-40DD-AFC4-6F175D3DCCD1}">
+              <a14:hiddenFill xmlns:a14="http://schemas.microsoft.com/office/drawing/2010/main">
+                <a:solidFill>
+                  <a:srgbClr val="FFFFFF"/>
+                </a:solidFill>
+              </a14:hiddenFill>
+            </a:ext>
+          </a:extLst>
+        </p:spPr>
+      </p:pic>
+      <p:sp>
+        <p:nvSpPr>
+          <p:cNvPr id="13" name="TextBox 12">
+            <a:extLst>
+              <a:ext uri="{FF2B5EF4-FFF2-40B4-BE49-F238E27FC236}">
+                <a16:creationId xmlns:a16="http://schemas.microsoft.com/office/drawing/2014/main" id="{730C9634-46C0-4B48-A8ED-24A026A77B80}"/>
+              </a:ext>
+            </a:extLst>
+          </p:cNvPr>
+          <p:cNvSpPr txBox="1"/>
+          <p:nvPr/>
+        </p:nvSpPr>
+        <p:spPr>
+          <a:xfrm>
+            <a:off x="582516" y="6127918"/>
+            <a:ext cx="10656712" cy="307777"/>
+          </a:xfrm>
+          <a:prstGeom prst="rect">
+            <a:avLst/>
+          </a:prstGeom>
+          <a:noFill/>
+        </p:spPr>
+        <p:txBody>
+          <a:bodyPr wrap="square">
+            <a:spAutoFit/>
+          </a:bodyPr>
+          <a:lstStyle/>
+          <a:p>
+            <a:r>
+              <a:rPr lang="en-US" altLang="ko-KR" sz="1400">
+                <a:ln>
+                  <a:solidFill>
+                    <a:schemeClr val="tx1">
+                      <a:alpha val="30000"/>
+                    </a:schemeClr>
+                  </a:solidFill>
+                </a:ln>
+                <a:latin typeface="빙그레 메로나체" panose="020B0503000000000000" pitchFamily="50" charset="-127"/>
+                <a:ea typeface="빙그레 메로나체" panose="020B0503000000000000" pitchFamily="50" charset="-127"/>
+              </a:rPr>
+              <a:t>* Mount : means when the component is first executed</a:t>
+            </a:r>
+          </a:p>
+        </p:txBody>
+      </p:sp>
+      <p:sp>
+        <p:nvSpPr>
+          <p:cNvPr id="9" name="TextBox 8">
+            <a:extLst>
+              <a:ext uri="{FF2B5EF4-FFF2-40B4-BE49-F238E27FC236}">
+                <a16:creationId xmlns:a16="http://schemas.microsoft.com/office/drawing/2014/main" id="{68DF131A-051B-4A7B-A176-9316FAD642E4}"/>
+              </a:ext>
+            </a:extLst>
+          </p:cNvPr>
+          <p:cNvSpPr txBox="1"/>
+          <p:nvPr/>
+        </p:nvSpPr>
+        <p:spPr>
+          <a:xfrm>
+            <a:off x="0" y="6562722"/>
+            <a:ext cx="7608858" cy="307777"/>
+          </a:xfrm>
+          <a:prstGeom prst="rect">
+            <a:avLst/>
+          </a:prstGeom>
+          <a:noFill/>
+        </p:spPr>
+        <p:txBody>
+          <a:bodyPr wrap="square" rtlCol="0">
+            <a:spAutoFit/>
+          </a:bodyPr>
+          <a:lstStyle/>
+          <a:p>
+            <a:r>
+              <a:rPr lang="en-US" altLang="ko-KR" sz="1400">
+                <a:ln>
+                  <a:solidFill>
+                    <a:schemeClr val="tx1">
+                      <a:alpha val="30000"/>
+                    </a:schemeClr>
+                  </a:solidFill>
+                </a:ln>
+                <a:solidFill>
+                  <a:schemeClr val="bg1">
+                    <a:lumMod val="65000"/>
+                  </a:schemeClr>
+                </a:solidFill>
+                <a:latin typeface="빙그레 메로나체" panose="020B0503000000000000" pitchFamily="50" charset="-127"/>
+                <a:ea typeface="빙그레 메로나체" panose="020B0503000000000000" pitchFamily="50" charset="-127"/>
+              </a:rPr>
+              <a:t>source : https://projects.wojtekmaj.pl/react-lifecycle-methods-diagram/</a:t>
+            </a:r>
+          </a:p>
+        </p:txBody>
+      </p:sp>
+    </p:spTree>
+    <p:extLst>
+      <p:ext uri="{BB962C8B-B14F-4D97-AF65-F5344CB8AC3E}">
+        <p14:creationId xmlns:p14="http://schemas.microsoft.com/office/powerpoint/2010/main" val="5998362"/>
+      </p:ext>
+    </p:extLst>
+  </p:cSld>
+  <p:clrMapOvr>
+    <a:masterClrMapping/>
+  </p:clrMapOvr>
+</p:sld>
+</file>
+
+<file path=ppt/slides/slide43.xml><?xml version="1.0" encoding="utf-8"?>
+<p:sld xmlns:a="http://schemas.openxmlformats.org/drawingml/2006/main" xmlns:r="http://schemas.openxmlformats.org/officeDocument/2006/relationships" xmlns:p="http://schemas.openxmlformats.org/presentationml/2006/main">
+  <p:cSld>
+    <p:spTree>
+      <p:nvGrpSpPr>
+        <p:cNvPr id="1" name=""/>
+        <p:cNvGrpSpPr/>
+        <p:nvPr/>
+      </p:nvGrpSpPr>
+      <p:grpSpPr>
+        <a:xfrm>
+          <a:off x="0" y="0"/>
+          <a:ext cx="0" cy="0"/>
+          <a:chOff x="0" y="0"/>
+          <a:chExt cx="0" cy="0"/>
+        </a:xfrm>
+      </p:grpSpPr>
+      <p:grpSp>
+        <p:nvGrpSpPr>
+          <p:cNvPr id="6" name="그룹 5">
+            <a:extLst>
+              <a:ext uri="{FF2B5EF4-FFF2-40B4-BE49-F238E27FC236}">
+                <a16:creationId xmlns:a16="http://schemas.microsoft.com/office/drawing/2014/main" id="{CA7BD838-D4FB-4EA7-B68C-FA7B6D147BA2}"/>
+              </a:ext>
+            </a:extLst>
+          </p:cNvPr>
+          <p:cNvGrpSpPr/>
+          <p:nvPr/>
+        </p:nvGrpSpPr>
+        <p:grpSpPr>
+          <a:xfrm>
+            <a:off x="159192" y="182880"/>
+            <a:ext cx="1852488" cy="854227"/>
+            <a:chOff x="640080" y="-971550"/>
+            <a:chExt cx="1660746" cy="765810"/>
+          </a:xfrm>
+        </p:grpSpPr>
+        <p:sp>
+          <p:nvSpPr>
+            <p:cNvPr id="18" name="TextBox 17">
+              <a:extLst>
+                <a:ext uri="{FF2B5EF4-FFF2-40B4-BE49-F238E27FC236}">
+                  <a16:creationId xmlns:a16="http://schemas.microsoft.com/office/drawing/2014/main" id="{D7B7EE40-BAD9-4569-9BF6-F6E9ACA78A3C}"/>
+                </a:ext>
+              </a:extLst>
+            </p:cNvPr>
+            <p:cNvSpPr txBox="1"/>
+            <p:nvPr/>
+          </p:nvSpPr>
+          <p:spPr>
+            <a:xfrm>
+              <a:off x="683325" y="-770703"/>
+              <a:ext cx="1576513" cy="358697"/>
+            </a:xfrm>
+            <a:prstGeom prst="rect">
+              <a:avLst/>
+            </a:prstGeom>
+            <a:noFill/>
+          </p:spPr>
+          <p:txBody>
+            <a:bodyPr wrap="square" rtlCol="0" anchor="ctr">
+              <a:spAutoFit/>
+            </a:bodyPr>
+            <a:lstStyle/>
+            <a:p>
+              <a:pPr algn="ctr"/>
+              <a:r>
+                <a:rPr lang="en-US" altLang="ko-KR" sz="2000">
+                  <a:ln>
+                    <a:solidFill>
+                      <a:schemeClr val="tx1">
+                        <a:alpha val="30000"/>
+                      </a:schemeClr>
+                    </a:solidFill>
+                  </a:ln>
+                  <a:latin typeface="빙그레 메로나체" panose="020B0503000000000000" pitchFamily="50" charset="-127"/>
+                  <a:ea typeface="빙그레 메로나체" panose="020B0503000000000000" pitchFamily="50" charset="-127"/>
+                </a:rPr>
+                <a:t>React</a:t>
+              </a:r>
+            </a:p>
+          </p:txBody>
+        </p:sp>
+        <p:sp>
+          <p:nvSpPr>
+            <p:cNvPr id="5" name="직사각형 4">
+              <a:extLst>
+                <a:ext uri="{FF2B5EF4-FFF2-40B4-BE49-F238E27FC236}">
+                  <a16:creationId xmlns:a16="http://schemas.microsoft.com/office/drawing/2014/main" id="{AB4C8245-D0E4-4D79-B3E9-2FB89CE6FE84}"/>
+                </a:ext>
+              </a:extLst>
+            </p:cNvPr>
+            <p:cNvSpPr/>
+            <p:nvPr/>
+          </p:nvSpPr>
+          <p:spPr>
+            <a:xfrm>
+              <a:off x="640080" y="-971550"/>
+              <a:ext cx="1660746" cy="765810"/>
+            </a:xfrm>
+            <a:prstGeom prst="rect">
+              <a:avLst/>
+            </a:prstGeom>
+            <a:noFill/>
+            <a:ln w="25400">
+              <a:solidFill>
+                <a:schemeClr val="tx1"/>
+              </a:solidFill>
+            </a:ln>
+          </p:spPr>
+          <p:style>
+            <a:lnRef idx="2">
+              <a:schemeClr val="accent1">
+                <a:shade val="50000"/>
+              </a:schemeClr>
+            </a:lnRef>
+            <a:fillRef idx="1">
+              <a:schemeClr val="accent1"/>
+            </a:fillRef>
+            <a:effectRef idx="0">
+              <a:schemeClr val="accent1"/>
+            </a:effectRef>
+            <a:fontRef idx="minor">
+              <a:schemeClr val="lt1"/>
+            </a:fontRef>
+          </p:style>
+          <p:txBody>
+            <a:bodyPr rtlCol="0" anchor="ctr"/>
+            <a:lstStyle/>
+            <a:p>
+              <a:pPr algn="ctr"/>
+              <a:endParaRPr lang="ko-KR" altLang="en-US">
+                <a:latin typeface="빙그레 메로나체" panose="020B0503000000000000" pitchFamily="50" charset="-127"/>
+                <a:ea typeface="빙그레 메로나체" panose="020B0503000000000000" pitchFamily="50" charset="-127"/>
+              </a:endParaRPr>
+            </a:p>
+          </p:txBody>
+        </p:sp>
+      </p:grpSp>
+      <p:sp>
+        <p:nvSpPr>
+          <p:cNvPr id="30" name="TextBox 29">
+            <a:extLst>
+              <a:ext uri="{FF2B5EF4-FFF2-40B4-BE49-F238E27FC236}">
+                <a16:creationId xmlns:a16="http://schemas.microsoft.com/office/drawing/2014/main" id="{706566D1-60CB-4C10-9859-0656D082B2B7}"/>
+              </a:ext>
+            </a:extLst>
+          </p:cNvPr>
+          <p:cNvSpPr txBox="1"/>
+          <p:nvPr/>
+        </p:nvSpPr>
+        <p:spPr>
+          <a:xfrm>
+            <a:off x="2497154" y="414543"/>
+            <a:ext cx="4132245" cy="369332"/>
+          </a:xfrm>
+          <a:prstGeom prst="rect">
+            <a:avLst/>
+          </a:prstGeom>
+          <a:noFill/>
+          <a:ln>
+            <a:noFill/>
+          </a:ln>
+        </p:spPr>
+        <p:txBody>
+          <a:bodyPr wrap="square" rtlCol="0">
+            <a:spAutoFit/>
+          </a:bodyPr>
+          <a:lstStyle/>
+          <a:p>
+            <a:r>
+              <a:rPr lang="en-US" altLang="ko-KR">
+                <a:ln>
+                  <a:solidFill>
+                    <a:schemeClr val="tx1">
+                      <a:alpha val="30000"/>
+                    </a:schemeClr>
+                  </a:solidFill>
+                </a:ln>
+                <a:latin typeface="빙그레 메로나체" panose="020B0503000000000000" pitchFamily="50" charset="-127"/>
+                <a:ea typeface="빙그레 메로나체" panose="020B0503000000000000" pitchFamily="50" charset="-127"/>
+              </a:rPr>
+              <a:t>Lifecycle</a:t>
+            </a:r>
+          </a:p>
+        </p:txBody>
+      </p:sp>
+      <p:sp>
+        <p:nvSpPr>
+          <p:cNvPr id="10" name="슬라이드 번호 개체 틀 9">
+            <a:extLst>
+              <a:ext uri="{FF2B5EF4-FFF2-40B4-BE49-F238E27FC236}">
+                <a16:creationId xmlns:a16="http://schemas.microsoft.com/office/drawing/2014/main" id="{6F1C1DC9-3B79-47A0-95A5-B5A14A6B4906}"/>
+              </a:ext>
+            </a:extLst>
+          </p:cNvPr>
+          <p:cNvSpPr>
+            <a:spLocks noGrp="1"/>
+          </p:cNvSpPr>
+          <p:nvPr>
+            <p:ph type="sldNum" sz="quarter" idx="12"/>
+          </p:nvPr>
+        </p:nvSpPr>
+        <p:spPr/>
+        <p:txBody>
+          <a:bodyPr/>
+          <a:lstStyle/>
+          <a:p>
+            <a:pPr algn="ctr"/>
+            <a:fld id="{4AE1E1EF-90A0-4171-8CF9-B3BC5042A8FC}" type="slidenum">
+              <a:rPr lang="ko-KR" altLang="en-US" smtClean="0"/>
+              <a:pPr algn="ctr"/>
+              <a:t>43</a:t>
+            </a:fld>
+            <a:endParaRPr lang="ko-KR" altLang="en-US"/>
+          </a:p>
+        </p:txBody>
+      </p:sp>
+      <p:pic>
+        <p:nvPicPr>
           <p:cNvPr id="2050" name="Picture 2" descr="React Hooks 라이프 사이클의 다이어그램">
             <a:extLst>
               <a:ext uri="{FF2B5EF4-FFF2-40B4-BE49-F238E27FC236}">
@@ -42092,7 +42914,10 @@
               </a:rPr>
               <a:t>Hooks</a:t>
             </a:r>
-            <a:endParaRPr lang="ko-KR" altLang="en-US" sz="2400"/>
+            <a:endParaRPr lang="ko-KR" altLang="en-US" sz="2400">
+              <a:latin typeface="빙그레 메로나체" panose="020B0503000000000000" pitchFamily="50" charset="-127"/>
+              <a:ea typeface="빙그레 메로나체" panose="020B0503000000000000" pitchFamily="50" charset="-127"/>
+            </a:endParaRPr>
           </a:p>
         </p:txBody>
       </p:sp>
@@ -42159,7 +42984,7 @@
 </p:sld>
 </file>
 
-<file path=ppt/slides/slide43.xml><?xml version="1.0" encoding="utf-8"?>
+<file path=ppt/slides/slide44.xml><?xml version="1.0" encoding="utf-8"?>
 <p:sld xmlns:a="http://schemas.openxmlformats.org/drawingml/2006/main" xmlns:r="http://schemas.openxmlformats.org/officeDocument/2006/relationships" xmlns:p="http://schemas.openxmlformats.org/presentationml/2006/main">
   <p:cSld>
     <p:spTree>

--- a/210207_React.pptx
+++ b/210207_React.pptx
@@ -272,7 +272,7 @@
                 <a:latin typeface="빙그레 메로나체" panose="020B0503000000000000" pitchFamily="50" charset="-127"/>
                 <a:ea typeface="빙그레 메로나체" panose="020B0503000000000000" pitchFamily="50" charset="-127"/>
               </a:rPr>
-              <a:t>21-02-08(Mon)</a:t>
+              <a:t>21-02-09(Tue)</a:t>
             </a:fld>
             <a:endParaRPr lang="ko-KR" altLang="en-US">
               <a:latin typeface="빙그레 메로나체" panose="020B0503000000000000" pitchFamily="50" charset="-127"/>
@@ -469,7 +469,7 @@
             <a:fld id="{4603488D-D3EA-41C9-A985-B1D359B38FE8}" type="datetimeFigureOut">
               <a:rPr lang="ko-KR" altLang="en-US" smtClean="0"/>
               <a:pPr/>
-              <a:t>21-02-08(Mon)</a:t>
+              <a:t>21-02-09(Tue)</a:t>
             </a:fld>
             <a:endParaRPr lang="ko-KR" altLang="en-US"/>
           </a:p>
@@ -8784,7 +8784,7 @@
           <a:p>
             <a:fld id="{7DC6197A-B81F-4CAF-8F9E-3C147E2873D6}" type="datetime1">
               <a:rPr lang="ko-KR" altLang="en-US" smtClean="0"/>
-              <a:t>21-02-08(Mon)</a:t>
+              <a:t>21-02-09(Tue)</a:t>
             </a:fld>
             <a:endParaRPr lang="ko-KR" altLang="en-US"/>
           </a:p>
@@ -9003,7 +9003,7 @@
           <a:p>
             <a:fld id="{2E9FEE90-94DC-4A70-8DB6-77140FDC4928}" type="datetime1">
               <a:rPr lang="ko-KR" altLang="en-US" smtClean="0"/>
-              <a:t>21-02-08(Mon)</a:t>
+              <a:t>21-02-09(Tue)</a:t>
             </a:fld>
             <a:endParaRPr lang="ko-KR" altLang="en-US"/>
           </a:p>
@@ -9211,7 +9211,7 @@
           <a:p>
             <a:fld id="{35B46D19-C2B4-4F76-8EC4-654FF4D1B867}" type="datetime1">
               <a:rPr lang="ko-KR" altLang="en-US" smtClean="0"/>
-              <a:t>21-02-08(Mon)</a:t>
+              <a:t>21-02-09(Tue)</a:t>
             </a:fld>
             <a:endParaRPr lang="ko-KR" altLang="en-US"/>
           </a:p>
@@ -9409,7 +9409,7 @@
           <a:p>
             <a:fld id="{C373018D-A7B2-4FBD-B6A9-55243D35BED3}" type="datetime1">
               <a:rPr lang="ko-KR" altLang="en-US" smtClean="0"/>
-              <a:t>21-02-08(Mon)</a:t>
+              <a:t>21-02-09(Tue)</a:t>
             </a:fld>
             <a:endParaRPr lang="ko-KR" altLang="en-US"/>
           </a:p>
@@ -9684,7 +9684,7 @@
           <a:p>
             <a:fld id="{4435D3D0-A066-4F71-AFF5-8B496FFE7BCA}" type="datetime1">
               <a:rPr lang="ko-KR" altLang="en-US" smtClean="0"/>
-              <a:t>21-02-08(Mon)</a:t>
+              <a:t>21-02-09(Tue)</a:t>
             </a:fld>
             <a:endParaRPr lang="ko-KR" altLang="en-US"/>
           </a:p>
@@ -9949,7 +9949,7 @@
           <a:p>
             <a:fld id="{365C1C25-AAFE-4B7A-972A-986C48C551DC}" type="datetime1">
               <a:rPr lang="ko-KR" altLang="en-US" smtClean="0"/>
-              <a:t>21-02-08(Mon)</a:t>
+              <a:t>21-02-09(Tue)</a:t>
             </a:fld>
             <a:endParaRPr lang="ko-KR" altLang="en-US"/>
           </a:p>
@@ -10361,7 +10361,7 @@
           <a:p>
             <a:fld id="{81CD69AD-8091-45FF-A7FD-D5E8A83B14A6}" type="datetime1">
               <a:rPr lang="ko-KR" altLang="en-US" smtClean="0"/>
-              <a:t>21-02-08(Mon)</a:t>
+              <a:t>21-02-09(Tue)</a:t>
             </a:fld>
             <a:endParaRPr lang="ko-KR" altLang="en-US"/>
           </a:p>
@@ -10502,7 +10502,7 @@
           <a:p>
             <a:fld id="{16E1BF7E-2A53-4D85-AD06-DBD10CF13045}" type="datetime1">
               <a:rPr lang="ko-KR" altLang="en-US" smtClean="0"/>
-              <a:t>21-02-08(Mon)</a:t>
+              <a:t>21-02-09(Tue)</a:t>
             </a:fld>
             <a:endParaRPr lang="ko-KR" altLang="en-US"/>
           </a:p>
@@ -10615,7 +10615,7 @@
           <a:p>
             <a:fld id="{D7EEE6D7-F07E-4CE2-AFD1-E0ADDB02E34F}" type="datetime1">
               <a:rPr lang="ko-KR" altLang="en-US" smtClean="0"/>
-              <a:t>21-02-08(Mon)</a:t>
+              <a:t>21-02-09(Tue)</a:t>
             </a:fld>
             <a:endParaRPr lang="ko-KR" altLang="en-US"/>
           </a:p>
@@ -10926,7 +10926,7 @@
           <a:p>
             <a:fld id="{022DB226-797E-4714-A363-EB143067361E}" type="datetime1">
               <a:rPr lang="ko-KR" altLang="en-US" smtClean="0"/>
-              <a:t>21-02-08(Mon)</a:t>
+              <a:t>21-02-09(Tue)</a:t>
             </a:fld>
             <a:endParaRPr lang="ko-KR" altLang="en-US"/>
           </a:p>
@@ -11214,7 +11214,7 @@
           <a:p>
             <a:fld id="{2946DBEB-5FFE-47E0-9C69-4E429AFA7594}" type="datetime1">
               <a:rPr lang="ko-KR" altLang="en-US" smtClean="0"/>
-              <a:t>21-02-08(Mon)</a:t>
+              <a:t>21-02-09(Tue)</a:t>
             </a:fld>
             <a:endParaRPr lang="ko-KR" altLang="en-US"/>
           </a:p>
@@ -11461,7 +11461,7 @@
             <a:fld id="{932790BA-7C09-43EA-8E7D-6E5A6153DBF0}" type="datetime1">
               <a:rPr lang="ko-KR" altLang="en-US" smtClean="0"/>
               <a:pPr/>
-              <a:t>21-02-08(Mon)</a:t>
+              <a:t>21-02-09(Tue)</a:t>
             </a:fld>
             <a:endParaRPr lang="ko-KR" altLang="en-US"/>
           </a:p>
@@ -31682,8 +31682,8 @@
         </p:nvSpPr>
         <p:spPr>
           <a:xfrm>
-            <a:off x="658537" y="2911837"/>
-            <a:ext cx="2295349" cy="521821"/>
+            <a:off x="658537" y="2212161"/>
+            <a:ext cx="2295349" cy="1221497"/>
           </a:xfrm>
           <a:prstGeom prst="roundRect">
             <a:avLst>
@@ -41534,7 +41534,7 @@
                 <a:latin typeface="빙그레 메로나체" panose="020B0503000000000000" pitchFamily="50" charset="-127"/>
                 <a:ea typeface="빙그레 메로나체" panose="020B0503000000000000" pitchFamily="50" charset="-127"/>
               </a:rPr>
-              <a:t>functional component</a:t>
+              <a:t>function component</a:t>
             </a:r>
           </a:p>
         </p:txBody>
